--- a/presentation/dds_autumn_school_2025_paw_presentation_14-11-2025.pptx
+++ b/presentation/dds_autumn_school_2025_paw_presentation_14-11-2025.pptx
@@ -5,16 +5,17 @@
     <p:sldMasterId id="2147483648" r:id="rId1"/>
   </p:sldMasterIdLst>
   <p:notesMasterIdLst>
-    <p:notesMasterId r:id="rId9"/>
+    <p:notesMasterId r:id="rId10"/>
   </p:notesMasterIdLst>
   <p:sldIdLst>
     <p:sldId id="256" r:id="rId2"/>
-    <p:sldId id="262" r:id="rId3"/>
-    <p:sldId id="257" r:id="rId4"/>
-    <p:sldId id="258" r:id="rId5"/>
-    <p:sldId id="259" r:id="rId6"/>
-    <p:sldId id="260" r:id="rId7"/>
-    <p:sldId id="261" r:id="rId8"/>
+    <p:sldId id="263" r:id="rId3"/>
+    <p:sldId id="262" r:id="rId4"/>
+    <p:sldId id="257" r:id="rId5"/>
+    <p:sldId id="258" r:id="rId6"/>
+    <p:sldId id="259" r:id="rId7"/>
+    <p:sldId id="260" r:id="rId8"/>
+    <p:sldId id="261" r:id="rId9"/>
   </p:sldIdLst>
   <p:sldSz cx="12192000" cy="6858000"/>
   <p:notesSz cx="6858000" cy="9144000"/>
@@ -499,7 +500,7 @@
           <a:p>
             <a:fld id="{A0D929E6-8A8A-7849-B07E-EF3F10F499E1}" type="slidenum">
               <a:rPr lang="fr-FR" smtClean="0"/>
-              <a:t>‹#›</a:t>
+              <a:t>‹N°›</a:t>
             </a:fld>
             <a:endParaRPr lang="fr-FR"/>
           </a:p>
@@ -809,7 +810,7 @@
           <a:p>
             <a:fld id="{778F5207-2293-314B-95F1-12759B93D428}" type="slidenum">
               <a:rPr lang="fr-FR" smtClean="0"/>
-              <a:t>‹#›</a:t>
+              <a:t>‹N°›</a:t>
             </a:fld>
             <a:endParaRPr lang="fr-FR"/>
           </a:p>
@@ -1007,7 +1008,7 @@
           <a:p>
             <a:fld id="{778F5207-2293-314B-95F1-12759B93D428}" type="slidenum">
               <a:rPr lang="fr-FR" smtClean="0"/>
-              <a:t>‹#›</a:t>
+              <a:t>‹N°›</a:t>
             </a:fld>
             <a:endParaRPr lang="fr-FR"/>
           </a:p>
@@ -1215,7 +1216,7 @@
           <a:p>
             <a:fld id="{778F5207-2293-314B-95F1-12759B93D428}" type="slidenum">
               <a:rPr lang="fr-FR" smtClean="0"/>
-              <a:t>‹#›</a:t>
+              <a:t>‹N°›</a:t>
             </a:fld>
             <a:endParaRPr lang="fr-FR"/>
           </a:p>
@@ -1413,7 +1414,7 @@
           <a:p>
             <a:fld id="{778F5207-2293-314B-95F1-12759B93D428}" type="slidenum">
               <a:rPr lang="fr-FR" smtClean="0"/>
-              <a:t>‹#›</a:t>
+              <a:t>‹N°›</a:t>
             </a:fld>
             <a:endParaRPr lang="fr-FR"/>
           </a:p>
@@ -1688,7 +1689,7 @@
           <a:p>
             <a:fld id="{778F5207-2293-314B-95F1-12759B93D428}" type="slidenum">
               <a:rPr lang="fr-FR" smtClean="0"/>
-              <a:t>‹#›</a:t>
+              <a:t>‹N°›</a:t>
             </a:fld>
             <a:endParaRPr lang="fr-FR"/>
           </a:p>
@@ -1953,7 +1954,7 @@
           <a:p>
             <a:fld id="{778F5207-2293-314B-95F1-12759B93D428}" type="slidenum">
               <a:rPr lang="fr-FR" smtClean="0"/>
-              <a:t>‹#›</a:t>
+              <a:t>‹N°›</a:t>
             </a:fld>
             <a:endParaRPr lang="fr-FR"/>
           </a:p>
@@ -2365,7 +2366,7 @@
           <a:p>
             <a:fld id="{778F5207-2293-314B-95F1-12759B93D428}" type="slidenum">
               <a:rPr lang="fr-FR" smtClean="0"/>
-              <a:t>‹#›</a:t>
+              <a:t>‹N°›</a:t>
             </a:fld>
             <a:endParaRPr lang="fr-FR"/>
           </a:p>
@@ -2506,7 +2507,7 @@
           <a:p>
             <a:fld id="{778F5207-2293-314B-95F1-12759B93D428}" type="slidenum">
               <a:rPr lang="fr-FR" smtClean="0"/>
-              <a:t>‹#›</a:t>
+              <a:t>‹N°›</a:t>
             </a:fld>
             <a:endParaRPr lang="fr-FR"/>
           </a:p>
@@ -2630,7 +2631,7 @@
                 <a:latin typeface="Arial Rounded MT Bold" panose="020F0704030504030204" pitchFamily="34" charset="77"/>
               </a:rPr>
               <a:pPr/>
-              <a:t>‹#›</a:t>
+              <a:t>‹N°›</a:t>
             </a:fld>
             <a:r>
               <a:rPr lang="fr-FR" dirty="0"/>
@@ -3072,7 +3073,7 @@
           <a:p>
             <a:fld id="{778F5207-2293-314B-95F1-12759B93D428}" type="slidenum">
               <a:rPr lang="fr-FR" smtClean="0"/>
-              <a:t>‹#›</a:t>
+              <a:t>‹N°›</a:t>
             </a:fld>
             <a:endParaRPr lang="fr-FR"/>
           </a:p>
@@ -3360,7 +3361,7 @@
           <a:p>
             <a:fld id="{778F5207-2293-314B-95F1-12759B93D428}" type="slidenum">
               <a:rPr lang="fr-FR" smtClean="0"/>
-              <a:t>‹#›</a:t>
+              <a:t>‹N°›</a:t>
             </a:fld>
             <a:endParaRPr lang="fr-FR"/>
           </a:p>
@@ -3637,7 +3638,7 @@
           <a:p>
             <a:fld id="{778F5207-2293-314B-95F1-12759B93D428}" type="slidenum">
               <a:rPr lang="fr-FR" smtClean="0"/>
-              <a:t>‹#›</a:t>
+              <a:t>‹N°›</a:t>
             </a:fld>
             <a:endParaRPr lang="fr-FR"/>
           </a:p>
@@ -4442,6 +4443,193 @@
   <p:cSld>
     <p:spTree>
       <p:nvGrpSpPr>
+        <p:cNvPr id="1" name="">
+          <a:extLst>
+            <a:ext uri="{FF2B5EF4-FFF2-40B4-BE49-F238E27FC236}">
+              <a16:creationId xmlns:a16="http://schemas.microsoft.com/office/drawing/2014/main" id="{F840166E-019F-2F80-CD13-7E745DD2F3FD}"/>
+            </a:ext>
+          </a:extLst>
+        </p:cNvPr>
+        <p:cNvGrpSpPr/>
+        <p:nvPr/>
+      </p:nvGrpSpPr>
+      <p:grpSpPr>
+        <a:xfrm>
+          <a:off x="0" y="0"/>
+          <a:ext cx="0" cy="0"/>
+          <a:chOff x="0" y="0"/>
+          <a:chExt cx="0" cy="0"/>
+        </a:xfrm>
+      </p:grpSpPr>
+      <p:sp>
+        <p:nvSpPr>
+          <p:cNvPr id="2" name="ZoneTexte 1">
+            <a:extLst>
+              <a:ext uri="{FF2B5EF4-FFF2-40B4-BE49-F238E27FC236}">
+                <a16:creationId xmlns:a16="http://schemas.microsoft.com/office/drawing/2014/main" id="{525A14F9-2847-9D0C-84C6-5079A96276B6}"/>
+              </a:ext>
+            </a:extLst>
+          </p:cNvPr>
+          <p:cNvSpPr txBox="1"/>
+          <p:nvPr/>
+        </p:nvSpPr>
+        <p:spPr>
+          <a:xfrm>
+            <a:off x="557560" y="1271239"/>
+            <a:ext cx="2128531" cy="523220"/>
+          </a:xfrm>
+          <a:prstGeom prst="rect">
+            <a:avLst/>
+          </a:prstGeom>
+          <a:noFill/>
+        </p:spPr>
+        <p:txBody>
+          <a:bodyPr wrap="none" rtlCol="0">
+            <a:spAutoFit/>
+          </a:bodyPr>
+          <a:lstStyle/>
+          <a:p>
+            <a:r>
+              <a:rPr lang="en-US" sz="2800" noProof="0" dirty="0">
+                <a:solidFill>
+                  <a:schemeClr val="bg2">
+                    <a:lumMod val="25000"/>
+                  </a:schemeClr>
+                </a:solidFill>
+                <a:latin typeface="Arial Rounded MT Bold" panose="020F0704030504030204" pitchFamily="34" charset="77"/>
+              </a:rPr>
+              <a:t>OVERVIEW</a:t>
+            </a:r>
+          </a:p>
+        </p:txBody>
+      </p:sp>
+      <p:sp>
+        <p:nvSpPr>
+          <p:cNvPr id="4" name="ZoneTexte 3">
+            <a:extLst>
+              <a:ext uri="{FF2B5EF4-FFF2-40B4-BE49-F238E27FC236}">
+                <a16:creationId xmlns:a16="http://schemas.microsoft.com/office/drawing/2014/main" id="{7AFF4E7E-FF8B-7A6A-9E38-17F4300EE873}"/>
+              </a:ext>
+            </a:extLst>
+          </p:cNvPr>
+          <p:cNvSpPr txBox="1"/>
+          <p:nvPr/>
+        </p:nvSpPr>
+        <p:spPr>
+          <a:xfrm>
+            <a:off x="1621825" y="1970048"/>
+            <a:ext cx="9462487" cy="2610843"/>
+          </a:xfrm>
+          <a:prstGeom prst="rect">
+            <a:avLst/>
+          </a:prstGeom>
+          <a:noFill/>
+        </p:spPr>
+        <p:txBody>
+          <a:bodyPr wrap="square" rtlCol="0">
+            <a:spAutoFit/>
+          </a:bodyPr>
+          <a:lstStyle/>
+          <a:p>
+            <a:pPr marL="342900" indent="-342900">
+              <a:lnSpc>
+                <a:spcPct val="150000"/>
+              </a:lnSpc>
+              <a:buFont typeface="+mj-lt"/>
+              <a:buAutoNum type="arabicPeriod"/>
+            </a:pPr>
+            <a:r>
+              <a:rPr lang="en-US" sz="2800" noProof="0" dirty="0">
+                <a:solidFill>
+                  <a:schemeClr val="bg2">
+                    <a:lumMod val="25000"/>
+                  </a:schemeClr>
+                </a:solidFill>
+                <a:latin typeface="+mj-lt"/>
+              </a:rPr>
+              <a:t>Context and objectives</a:t>
+            </a:r>
+          </a:p>
+          <a:p>
+            <a:pPr marL="342900" indent="-342900">
+              <a:lnSpc>
+                <a:spcPct val="150000"/>
+              </a:lnSpc>
+              <a:buFont typeface="+mj-lt"/>
+              <a:buAutoNum type="arabicPeriod"/>
+            </a:pPr>
+            <a:r>
+              <a:rPr lang="en-US" sz="2800" noProof="0" dirty="0">
+                <a:solidFill>
+                  <a:schemeClr val="bg2">
+                    <a:lumMod val="25000"/>
+                  </a:schemeClr>
+                </a:solidFill>
+                <a:latin typeface="+mj-lt"/>
+              </a:rPr>
+              <a:t>Methodology</a:t>
+            </a:r>
+          </a:p>
+          <a:p>
+            <a:pPr marL="342900" indent="-342900">
+              <a:lnSpc>
+                <a:spcPct val="150000"/>
+              </a:lnSpc>
+              <a:buFont typeface="+mj-lt"/>
+              <a:buAutoNum type="arabicPeriod"/>
+            </a:pPr>
+            <a:r>
+              <a:rPr lang="en-US" sz="2800" dirty="0">
+                <a:solidFill>
+                  <a:schemeClr val="bg2">
+                    <a:lumMod val="25000"/>
+                  </a:schemeClr>
+                </a:solidFill>
+                <a:latin typeface="+mj-lt"/>
+              </a:rPr>
+              <a:t>Results and discussion</a:t>
+            </a:r>
+          </a:p>
+          <a:p>
+            <a:pPr marL="342900" indent="-342900">
+              <a:lnSpc>
+                <a:spcPct val="150000"/>
+              </a:lnSpc>
+              <a:buFont typeface="+mj-lt"/>
+              <a:buAutoNum type="arabicPeriod"/>
+            </a:pPr>
+            <a:r>
+              <a:rPr lang="en-US" sz="2800" noProof="0" dirty="0">
+                <a:solidFill>
+                  <a:schemeClr val="bg2">
+                    <a:lumMod val="25000"/>
+                  </a:schemeClr>
+                </a:solidFill>
+                <a:latin typeface="+mj-lt"/>
+              </a:rPr>
+              <a:t>Conclusion and perspectives</a:t>
+            </a:r>
+          </a:p>
+        </p:txBody>
+      </p:sp>
+    </p:spTree>
+    <p:extLst>
+      <p:ext uri="{BB962C8B-B14F-4D97-AF65-F5344CB8AC3E}">
+        <p14:creationId xmlns:p14="http://schemas.microsoft.com/office/powerpoint/2010/main" val="482031180"/>
+      </p:ext>
+    </p:extLst>
+  </p:cSld>
+  <p:clrMapOvr>
+    <a:masterClrMapping/>
+  </p:clrMapOvr>
+</p:sld>
+</file>
+
+<file path=ppt/slides/slide3.xml><?xml version="1.0" encoding="utf-8"?>
+<p:sld xmlns:a="http://schemas.openxmlformats.org/drawingml/2006/main" xmlns:r="http://schemas.openxmlformats.org/officeDocument/2006/relationships" xmlns:p="http://schemas.openxmlformats.org/presentationml/2006/main">
+  <p:cSld>
+    <p:spTree>
+      <p:nvGrpSpPr>
         <p:cNvPr id="1" name=""/>
         <p:cNvGrpSpPr/>
         <p:nvPr/>
@@ -4502,7 +4690,7 @@
 </p:sld>
 </file>
 
-<file path=ppt/slides/slide3.xml><?xml version="1.0" encoding="utf-8"?>
+<file path=ppt/slides/slide4.xml><?xml version="1.0" encoding="utf-8"?>
 <p:sld xmlns:a="http://schemas.openxmlformats.org/drawingml/2006/main" xmlns:r="http://schemas.openxmlformats.org/officeDocument/2006/relationships" xmlns:p="http://schemas.openxmlformats.org/presentationml/2006/main">
   <p:cSld>
     <p:spTree>
@@ -4550,7 +4738,7 @@
               <a:rPr lang="fr-FR">
                 <a:latin typeface="Arial Rounded MT Bold" panose="020F0704030504030204" pitchFamily="34" charset="77"/>
               </a:rPr>
-              <a:t>3</a:t>
+              <a:t>4</a:t>
             </a:fld>
             <a:endParaRPr lang="fr-FR" dirty="0">
               <a:latin typeface="Arial Rounded MT Bold" panose="020F0704030504030204" pitchFamily="34" charset="77"/>
@@ -4606,7 +4794,7 @@
 </p:sld>
 </file>
 
-<file path=ppt/slides/slide4.xml><?xml version="1.0" encoding="utf-8"?>
+<file path=ppt/slides/slide5.xml><?xml version="1.0" encoding="utf-8"?>
 <p:sld xmlns:a="http://schemas.openxmlformats.org/drawingml/2006/main" xmlns:r="http://schemas.openxmlformats.org/officeDocument/2006/relationships" xmlns:p="http://schemas.openxmlformats.org/presentationml/2006/main">
   <p:cSld>
     <p:spTree>
@@ -4671,7 +4859,7 @@
 </p:sld>
 </file>
 
-<file path=ppt/slides/slide5.xml><?xml version="1.0" encoding="utf-8"?>
+<file path=ppt/slides/slide6.xml><?xml version="1.0" encoding="utf-8"?>
 <p:sld xmlns:a="http://schemas.openxmlformats.org/drawingml/2006/main" xmlns:r="http://schemas.openxmlformats.org/officeDocument/2006/relationships" xmlns:p="http://schemas.openxmlformats.org/presentationml/2006/main">
   <p:cSld>
     <p:spTree>
@@ -4736,7 +4924,7 @@
 </p:sld>
 </file>
 
-<file path=ppt/slides/slide6.xml><?xml version="1.0" encoding="utf-8"?>
+<file path=ppt/slides/slide7.xml><?xml version="1.0" encoding="utf-8"?>
 <p:sld xmlns:a="http://schemas.openxmlformats.org/drawingml/2006/main" xmlns:r="http://schemas.openxmlformats.org/officeDocument/2006/relationships" xmlns:p="http://schemas.openxmlformats.org/presentationml/2006/main">
   <p:cSld>
     <p:spTree>
@@ -4801,7 +4989,7 @@
 </p:sld>
 </file>
 
-<file path=ppt/slides/slide7.xml><?xml version="1.0" encoding="utf-8"?>
+<file path=ppt/slides/slide8.xml><?xml version="1.0" encoding="utf-8"?>
 <p:sld xmlns:a="http://schemas.openxmlformats.org/drawingml/2006/main" xmlns:r="http://schemas.openxmlformats.org/officeDocument/2006/relationships" xmlns:p="http://schemas.openxmlformats.org/presentationml/2006/main">
   <p:cSld>
     <p:spTree>

--- a/presentation/dds_autumn_school_2025_paw_presentation_14-11-2025.pptx
+++ b/presentation/dds_autumn_school_2025_paw_presentation_14-11-2025.pptx
@@ -4517,8 +4517,8 @@
         </p:nvSpPr>
         <p:spPr>
           <a:xfrm>
-            <a:off x="1621825" y="1970048"/>
-            <a:ext cx="9462487" cy="2610843"/>
+            <a:off x="1918010" y="1970048"/>
+            <a:ext cx="9166302" cy="2610843"/>
           </a:xfrm>
           <a:prstGeom prst="rect">
             <a:avLst/>

--- a/presentation/dds_autumn_school_2025_paw_presentation_14-11-2025.pptx
+++ b/presentation/dds_autumn_school_2025_paw_presentation_14-11-2025.pptx
@@ -5,17 +5,18 @@
     <p:sldMasterId id="2147483648" r:id="rId1"/>
   </p:sldMasterIdLst>
   <p:notesMasterIdLst>
-    <p:notesMasterId r:id="rId10"/>
+    <p:notesMasterId r:id="rId11"/>
   </p:notesMasterIdLst>
   <p:sldIdLst>
     <p:sldId id="256" r:id="rId2"/>
     <p:sldId id="263" r:id="rId3"/>
-    <p:sldId id="262" r:id="rId4"/>
-    <p:sldId id="257" r:id="rId5"/>
-    <p:sldId id="258" r:id="rId6"/>
-    <p:sldId id="259" r:id="rId7"/>
-    <p:sldId id="260" r:id="rId8"/>
-    <p:sldId id="261" r:id="rId9"/>
+    <p:sldId id="264" r:id="rId4"/>
+    <p:sldId id="262" r:id="rId5"/>
+    <p:sldId id="257" r:id="rId6"/>
+    <p:sldId id="258" r:id="rId7"/>
+    <p:sldId id="259" r:id="rId8"/>
+    <p:sldId id="260" r:id="rId9"/>
+    <p:sldId id="261" r:id="rId10"/>
   </p:sldIdLst>
   <p:sldSz cx="12192000" cy="6858000"/>
   <p:notesSz cx="6858000" cy="9144000"/>
@@ -954,7 +955,7 @@
           <a:p>
             <a:fld id="{64119E53-477B-A343-ABC3-14A2AE86186D}" type="datetimeFigureOut">
               <a:rPr lang="fr-FR" smtClean="0"/>
-              <a:t>13/11/2025</a:t>
+              <a:t>14/11/2025</a:t>
             </a:fld>
             <a:endParaRPr lang="fr-FR"/>
           </a:p>
@@ -1162,7 +1163,7 @@
           <a:p>
             <a:fld id="{64119E53-477B-A343-ABC3-14A2AE86186D}" type="datetimeFigureOut">
               <a:rPr lang="fr-FR" smtClean="0"/>
-              <a:t>13/11/2025</a:t>
+              <a:t>14/11/2025</a:t>
             </a:fld>
             <a:endParaRPr lang="fr-FR"/>
           </a:p>
@@ -1360,7 +1361,7 @@
           <a:p>
             <a:fld id="{64119E53-477B-A343-ABC3-14A2AE86186D}" type="datetimeFigureOut">
               <a:rPr lang="fr-FR" smtClean="0"/>
-              <a:t>13/11/2025</a:t>
+              <a:t>14/11/2025</a:t>
             </a:fld>
             <a:endParaRPr lang="fr-FR"/>
           </a:p>
@@ -1635,7 +1636,7 @@
           <a:p>
             <a:fld id="{64119E53-477B-A343-ABC3-14A2AE86186D}" type="datetimeFigureOut">
               <a:rPr lang="fr-FR" smtClean="0"/>
-              <a:t>13/11/2025</a:t>
+              <a:t>14/11/2025</a:t>
             </a:fld>
             <a:endParaRPr lang="fr-FR"/>
           </a:p>
@@ -1900,7 +1901,7 @@
           <a:p>
             <a:fld id="{64119E53-477B-A343-ABC3-14A2AE86186D}" type="datetimeFigureOut">
               <a:rPr lang="fr-FR" smtClean="0"/>
-              <a:t>13/11/2025</a:t>
+              <a:t>14/11/2025</a:t>
             </a:fld>
             <a:endParaRPr lang="fr-FR"/>
           </a:p>
@@ -2312,7 +2313,7 @@
           <a:p>
             <a:fld id="{64119E53-477B-A343-ABC3-14A2AE86186D}" type="datetimeFigureOut">
               <a:rPr lang="fr-FR" smtClean="0"/>
-              <a:t>13/11/2025</a:t>
+              <a:t>14/11/2025</a:t>
             </a:fld>
             <a:endParaRPr lang="fr-FR"/>
           </a:p>
@@ -2453,7 +2454,7 @@
           <a:p>
             <a:fld id="{64119E53-477B-A343-ABC3-14A2AE86186D}" type="datetimeFigureOut">
               <a:rPr lang="fr-FR" smtClean="0"/>
-              <a:t>13/11/2025</a:t>
+              <a:t>14/11/2025</a:t>
             </a:fld>
             <a:endParaRPr lang="fr-FR"/>
           </a:p>
@@ -3019,7 +3020,7 @@
           <a:p>
             <a:fld id="{64119E53-477B-A343-ABC3-14A2AE86186D}" type="datetimeFigureOut">
               <a:rPr lang="fr-FR" smtClean="0"/>
-              <a:t>13/11/2025</a:t>
+              <a:t>14/11/2025</a:t>
             </a:fld>
             <a:endParaRPr lang="fr-FR"/>
           </a:p>
@@ -3307,7 +3308,7 @@
           <a:p>
             <a:fld id="{64119E53-477B-A343-ABC3-14A2AE86186D}" type="datetimeFigureOut">
               <a:rPr lang="fr-FR" smtClean="0"/>
-              <a:t>13/11/2025</a:t>
+              <a:t>14/11/2025</a:t>
             </a:fld>
             <a:endParaRPr lang="fr-FR"/>
           </a:p>
@@ -4630,6 +4631,122 @@
   <p:cSld>
     <p:spTree>
       <p:nvGrpSpPr>
+        <p:cNvPr id="1" name="">
+          <a:extLst>
+            <a:ext uri="{FF2B5EF4-FFF2-40B4-BE49-F238E27FC236}">
+              <a16:creationId xmlns:a16="http://schemas.microsoft.com/office/drawing/2014/main" id="{BB80AE3C-22BA-EB97-E7FD-4C724C9DD04B}"/>
+            </a:ext>
+          </a:extLst>
+        </p:cNvPr>
+        <p:cNvGrpSpPr/>
+        <p:nvPr/>
+      </p:nvGrpSpPr>
+      <p:grpSpPr>
+        <a:xfrm>
+          <a:off x="0" y="0"/>
+          <a:ext cx="0" cy="0"/>
+          <a:chOff x="0" y="0"/>
+          <a:chExt cx="0" cy="0"/>
+        </a:xfrm>
+      </p:grpSpPr>
+      <p:sp>
+        <p:nvSpPr>
+          <p:cNvPr id="2" name="ZoneTexte 1">
+            <a:extLst>
+              <a:ext uri="{FF2B5EF4-FFF2-40B4-BE49-F238E27FC236}">
+                <a16:creationId xmlns:a16="http://schemas.microsoft.com/office/drawing/2014/main" id="{B6E514E3-2BF3-E6DD-311D-973ACA022B2A}"/>
+              </a:ext>
+            </a:extLst>
+          </p:cNvPr>
+          <p:cNvSpPr txBox="1"/>
+          <p:nvPr/>
+        </p:nvSpPr>
+        <p:spPr>
+          <a:xfrm>
+            <a:off x="557560" y="1271239"/>
+            <a:ext cx="3841821" cy="523220"/>
+          </a:xfrm>
+          <a:prstGeom prst="rect">
+            <a:avLst/>
+          </a:prstGeom>
+          <a:noFill/>
+        </p:spPr>
+        <p:txBody>
+          <a:bodyPr wrap="none" rtlCol="0">
+            <a:spAutoFit/>
+          </a:bodyPr>
+          <a:lstStyle/>
+          <a:p>
+            <a:r>
+              <a:rPr lang="en-US" sz="2800" dirty="0">
+                <a:solidFill>
+                  <a:schemeClr val="bg2">
+                    <a:lumMod val="25000"/>
+                  </a:schemeClr>
+                </a:solidFill>
+                <a:latin typeface="Arial Rounded MT Bold" panose="020F0704030504030204" pitchFamily="34" charset="77"/>
+              </a:rPr>
+              <a:t>SYSTEM DEFINITION</a:t>
+            </a:r>
+            <a:endParaRPr lang="en-US" sz="2800" noProof="0" dirty="0">
+              <a:solidFill>
+                <a:schemeClr val="bg2">
+                  <a:lumMod val="25000"/>
+                </a:schemeClr>
+              </a:solidFill>
+              <a:latin typeface="Arial Rounded MT Bold" panose="020F0704030504030204" pitchFamily="34" charset="77"/>
+            </a:endParaRPr>
+          </a:p>
+        </p:txBody>
+      </p:sp>
+      <p:pic>
+        <p:nvPicPr>
+          <p:cNvPr id="60" name="Image 59">
+            <a:extLst>
+              <a:ext uri="{FF2B5EF4-FFF2-40B4-BE49-F238E27FC236}">
+                <a16:creationId xmlns:a16="http://schemas.microsoft.com/office/drawing/2014/main" id="{E68BD557-A36A-EDC0-F200-5913906BCD5D}"/>
+              </a:ext>
+            </a:extLst>
+          </p:cNvPr>
+          <p:cNvPicPr>
+            <a:picLocks noChangeAspect="1"/>
+          </p:cNvPicPr>
+          <p:nvPr/>
+        </p:nvPicPr>
+        <p:blipFill>
+          <a:blip r:embed="rId2"/>
+          <a:stretch>
+            <a:fillRect/>
+          </a:stretch>
+        </p:blipFill>
+        <p:spPr>
+          <a:xfrm>
+            <a:off x="1473818" y="1957199"/>
+            <a:ext cx="8807605" cy="4776216"/>
+          </a:xfrm>
+          <a:prstGeom prst="rect">
+            <a:avLst/>
+          </a:prstGeom>
+        </p:spPr>
+      </p:pic>
+    </p:spTree>
+    <p:extLst>
+      <p:ext uri="{BB962C8B-B14F-4D97-AF65-F5344CB8AC3E}">
+        <p14:creationId xmlns:p14="http://schemas.microsoft.com/office/powerpoint/2010/main" val="2768788161"/>
+      </p:ext>
+    </p:extLst>
+  </p:cSld>
+  <p:clrMapOvr>
+    <a:masterClrMapping/>
+  </p:clrMapOvr>
+</p:sld>
+</file>
+
+<file path=ppt/slides/slide4.xml><?xml version="1.0" encoding="utf-8"?>
+<p:sld xmlns:a="http://schemas.openxmlformats.org/drawingml/2006/main" xmlns:r="http://schemas.openxmlformats.org/officeDocument/2006/relationships" xmlns:p="http://schemas.openxmlformats.org/presentationml/2006/main">
+  <p:cSld>
+    <p:spTree>
+      <p:nvGrpSpPr>
         <p:cNvPr id="1" name=""/>
         <p:cNvGrpSpPr/>
         <p:nvPr/>
@@ -4690,7 +4807,7 @@
 </p:sld>
 </file>
 
-<file path=ppt/slides/slide4.xml><?xml version="1.0" encoding="utf-8"?>
+<file path=ppt/slides/slide5.xml><?xml version="1.0" encoding="utf-8"?>
 <p:sld xmlns:a="http://schemas.openxmlformats.org/drawingml/2006/main" xmlns:r="http://schemas.openxmlformats.org/officeDocument/2006/relationships" xmlns:p="http://schemas.openxmlformats.org/presentationml/2006/main">
   <p:cSld>
     <p:spTree>
@@ -4738,7 +4855,7 @@
               <a:rPr lang="fr-FR">
                 <a:latin typeface="Arial Rounded MT Bold" panose="020F0704030504030204" pitchFamily="34" charset="77"/>
               </a:rPr>
-              <a:t>4</a:t>
+              <a:t>5</a:t>
             </a:fld>
             <a:endParaRPr lang="fr-FR" dirty="0">
               <a:latin typeface="Arial Rounded MT Bold" panose="020F0704030504030204" pitchFamily="34" charset="77"/>
@@ -4794,7 +4911,7 @@
 </p:sld>
 </file>
 
-<file path=ppt/slides/slide5.xml><?xml version="1.0" encoding="utf-8"?>
+<file path=ppt/slides/slide6.xml><?xml version="1.0" encoding="utf-8"?>
 <p:sld xmlns:a="http://schemas.openxmlformats.org/drawingml/2006/main" xmlns:r="http://schemas.openxmlformats.org/officeDocument/2006/relationships" xmlns:p="http://schemas.openxmlformats.org/presentationml/2006/main">
   <p:cSld>
     <p:spTree>
@@ -4859,7 +4976,7 @@
 </p:sld>
 </file>
 
-<file path=ppt/slides/slide6.xml><?xml version="1.0" encoding="utf-8"?>
+<file path=ppt/slides/slide7.xml><?xml version="1.0" encoding="utf-8"?>
 <p:sld xmlns:a="http://schemas.openxmlformats.org/drawingml/2006/main" xmlns:r="http://schemas.openxmlformats.org/officeDocument/2006/relationships" xmlns:p="http://schemas.openxmlformats.org/presentationml/2006/main">
   <p:cSld>
     <p:spTree>
@@ -4924,7 +5041,7 @@
 </p:sld>
 </file>
 
-<file path=ppt/slides/slide7.xml><?xml version="1.0" encoding="utf-8"?>
+<file path=ppt/slides/slide8.xml><?xml version="1.0" encoding="utf-8"?>
 <p:sld xmlns:a="http://schemas.openxmlformats.org/drawingml/2006/main" xmlns:r="http://schemas.openxmlformats.org/officeDocument/2006/relationships" xmlns:p="http://schemas.openxmlformats.org/presentationml/2006/main">
   <p:cSld>
     <p:spTree>
@@ -4989,7 +5106,7 @@
 </p:sld>
 </file>
 
-<file path=ppt/slides/slide8.xml><?xml version="1.0" encoding="utf-8"?>
+<file path=ppt/slides/slide9.xml><?xml version="1.0" encoding="utf-8"?>
 <p:sld xmlns:a="http://schemas.openxmlformats.org/drawingml/2006/main" xmlns:r="http://schemas.openxmlformats.org/officeDocument/2006/relationships" xmlns:p="http://schemas.openxmlformats.org/presentationml/2006/main">
   <p:cSld>
     <p:spTree>

--- a/presentation/dds_autumn_school_2025_paw_presentation_14-11-2025.pptx
+++ b/presentation/dds_autumn_school_2025_paw_presentation_14-11-2025.pptx
@@ -4701,10 +4701,10 @@
       </p:sp>
       <p:pic>
         <p:nvPicPr>
-          <p:cNvPr id="60" name="Image 59">
-            <a:extLst>
-              <a:ext uri="{FF2B5EF4-FFF2-40B4-BE49-F238E27FC236}">
-                <a16:creationId xmlns:a16="http://schemas.microsoft.com/office/drawing/2014/main" id="{E68BD557-A36A-EDC0-F200-5913906BCD5D}"/>
+          <p:cNvPr id="117" name="Image 116">
+            <a:extLst>
+              <a:ext uri="{FF2B5EF4-FFF2-40B4-BE49-F238E27FC236}">
+                <a16:creationId xmlns:a16="http://schemas.microsoft.com/office/drawing/2014/main" id="{7AF6B96C-EA85-32BA-8C14-B67819329540}"/>
               </a:ext>
             </a:extLst>
           </p:cNvPr>
@@ -4721,8 +4721,8 @@
         </p:blipFill>
         <p:spPr>
           <a:xfrm>
-            <a:off x="1473818" y="1957199"/>
-            <a:ext cx="8807605" cy="4776216"/>
+            <a:off x="1295397" y="1794458"/>
+            <a:ext cx="9086387" cy="4927395"/>
           </a:xfrm>
           <a:prstGeom prst="rect">
             <a:avLst/>

--- a/presentation/dds_autumn_school_2025_paw_presentation_14-11-2025.pptx
+++ b/presentation/dds_autumn_school_2025_paw_presentation_14-11-2025.pptx
@@ -4701,10 +4701,10 @@
       </p:sp>
       <p:pic>
         <p:nvPicPr>
-          <p:cNvPr id="117" name="Image 116">
-            <a:extLst>
-              <a:ext uri="{FF2B5EF4-FFF2-40B4-BE49-F238E27FC236}">
-                <a16:creationId xmlns:a16="http://schemas.microsoft.com/office/drawing/2014/main" id="{7AF6B96C-EA85-32BA-8C14-B67819329540}"/>
+          <p:cNvPr id="171" name="Image 170">
+            <a:extLst>
+              <a:ext uri="{FF2B5EF4-FFF2-40B4-BE49-F238E27FC236}">
+                <a16:creationId xmlns:a16="http://schemas.microsoft.com/office/drawing/2014/main" id="{0D457CA9-73F5-BC78-2F95-3D73575FE0E6}"/>
               </a:ext>
             </a:extLst>
           </p:cNvPr>
@@ -4721,8 +4721,8 @@
         </p:blipFill>
         <p:spPr>
           <a:xfrm>
-            <a:off x="1295397" y="1794458"/>
-            <a:ext cx="9086387" cy="4927395"/>
+            <a:off x="1558383" y="1794459"/>
+            <a:ext cx="9075234" cy="4930940"/>
           </a:xfrm>
           <a:prstGeom prst="rect">
             <a:avLst/>

--- a/presentation/dds_autumn_school_2025_paw_presentation_14-11-2025.pptx
+++ b/presentation/dds_autumn_school_2025_paw_presentation_14-11-2025.pptx
@@ -5,18 +5,19 @@
     <p:sldMasterId id="2147483648" r:id="rId1"/>
   </p:sldMasterIdLst>
   <p:notesMasterIdLst>
-    <p:notesMasterId r:id="rId11"/>
+    <p:notesMasterId r:id="rId12"/>
   </p:notesMasterIdLst>
   <p:sldIdLst>
     <p:sldId id="256" r:id="rId2"/>
     <p:sldId id="263" r:id="rId3"/>
     <p:sldId id="264" r:id="rId4"/>
-    <p:sldId id="262" r:id="rId5"/>
-    <p:sldId id="257" r:id="rId6"/>
-    <p:sldId id="258" r:id="rId7"/>
-    <p:sldId id="259" r:id="rId8"/>
-    <p:sldId id="260" r:id="rId9"/>
-    <p:sldId id="261" r:id="rId10"/>
+    <p:sldId id="265" r:id="rId5"/>
+    <p:sldId id="262" r:id="rId6"/>
+    <p:sldId id="257" r:id="rId7"/>
+    <p:sldId id="258" r:id="rId8"/>
+    <p:sldId id="259" r:id="rId9"/>
+    <p:sldId id="260" r:id="rId10"/>
+    <p:sldId id="261" r:id="rId11"/>
   </p:sldIdLst>
   <p:sldSz cx="12192000" cy="6858000"/>
   <p:notesSz cx="6858000" cy="9144000"/>
@@ -4439,6 +4440,71 @@
 </p:sld>
 </file>
 
+<file path=ppt/slides/slide10.xml><?xml version="1.0" encoding="utf-8"?>
+<p:sld xmlns:a="http://schemas.openxmlformats.org/drawingml/2006/main" xmlns:r="http://schemas.openxmlformats.org/officeDocument/2006/relationships" xmlns:p="http://schemas.openxmlformats.org/presentationml/2006/main">
+  <p:cSld>
+    <p:spTree>
+      <p:nvGrpSpPr>
+        <p:cNvPr id="1" name=""/>
+        <p:cNvGrpSpPr/>
+        <p:nvPr/>
+      </p:nvGrpSpPr>
+      <p:grpSpPr>
+        <a:xfrm>
+          <a:off x="0" y="0"/>
+          <a:ext cx="0" cy="0"/>
+          <a:chOff x="0" y="0"/>
+          <a:chExt cx="0" cy="0"/>
+        </a:xfrm>
+      </p:grpSpPr>
+      <p:pic>
+        <p:nvPicPr>
+          <p:cNvPr id="3" name="Picture 2" descr="A close-up of a diagram&#10;&#10;AI-generated content may be incorrect.">
+            <a:extLst>
+              <a:ext uri="{FF2B5EF4-FFF2-40B4-BE49-F238E27FC236}">
+                <a16:creationId xmlns:a16="http://schemas.microsoft.com/office/drawing/2014/main" id="{BE855E42-AACD-6673-E0BE-465336C2F697}"/>
+              </a:ext>
+            </a:extLst>
+          </p:cNvPr>
+          <p:cNvPicPr>
+            <a:picLocks noChangeAspect="1"/>
+          </p:cNvPicPr>
+          <p:nvPr/>
+        </p:nvPicPr>
+        <p:blipFill>
+          <a:blip r:embed="rId3"/>
+          <a:stretch>
+            <a:fillRect/>
+          </a:stretch>
+        </p:blipFill>
+        <p:spPr>
+          <a:xfrm>
+            <a:off x="0" y="1526642"/>
+            <a:ext cx="12192000" cy="3804716"/>
+          </a:xfrm>
+          <a:prstGeom prst="rect">
+            <a:avLst/>
+          </a:prstGeom>
+        </p:spPr>
+      </p:pic>
+    </p:spTree>
+    <p:extLst>
+      <p:ext uri="{BB962C8B-B14F-4D97-AF65-F5344CB8AC3E}">
+        <p14:creationId xmlns:p14="http://schemas.microsoft.com/office/powerpoint/2010/main" val="1522773915"/>
+      </p:ext>
+    </p:extLst>
+  </p:cSld>
+  <p:clrMapOvr>
+    <a:masterClrMapping/>
+  </p:clrMapOvr>
+  <p:extLst>
+    <p:ext uri="{6950BFC3-D8DA-4A85-94F7-54DA5524770B}">
+      <p188:commentRel xmlns:p188="http://schemas.microsoft.com/office/powerpoint/2018/8/main" r:id="rId2"/>
+    </p:ext>
+  </p:extLst>
+</p:sld>
+</file>
+
 <file path=ppt/slides/slide2.xml><?xml version="1.0" encoding="utf-8"?>
 <p:sld xmlns:a="http://schemas.openxmlformats.org/drawingml/2006/main" xmlns:r="http://schemas.openxmlformats.org/officeDocument/2006/relationships" xmlns:p="http://schemas.openxmlformats.org/presentationml/2006/main">
   <p:cSld>
@@ -4664,7 +4730,7 @@
         <p:spPr>
           <a:xfrm>
             <a:off x="557560" y="1271239"/>
-            <a:ext cx="3841821" cy="523220"/>
+            <a:ext cx="3185103" cy="523220"/>
           </a:xfrm>
           <a:prstGeom prst="rect">
             <a:avLst/>
@@ -4686,7 +4752,7 @@
                 </a:solidFill>
                 <a:latin typeface="Arial Rounded MT Bold" panose="020F0704030504030204" pitchFamily="34" charset="77"/>
               </a:rPr>
-              <a:t>SYSTEM DEFINITION</a:t>
+              <a:t>System definition</a:t>
             </a:r>
             <a:endParaRPr lang="en-US" sz="2800" noProof="0" dirty="0">
               <a:solidFill>
@@ -4747,6 +4813,822 @@
   <p:cSld>
     <p:spTree>
       <p:nvGrpSpPr>
+        <p:cNvPr id="1" name="">
+          <a:extLst>
+            <a:ext uri="{FF2B5EF4-FFF2-40B4-BE49-F238E27FC236}">
+              <a16:creationId xmlns:a16="http://schemas.microsoft.com/office/drawing/2014/main" id="{E609EEBF-E2F5-FA0D-0623-CD83CC5BC204}"/>
+            </a:ext>
+          </a:extLst>
+        </p:cNvPr>
+        <p:cNvGrpSpPr/>
+        <p:nvPr/>
+      </p:nvGrpSpPr>
+      <p:grpSpPr>
+        <a:xfrm>
+          <a:off x="0" y="0"/>
+          <a:ext cx="0" cy="0"/>
+          <a:chOff x="0" y="0"/>
+          <a:chExt cx="0" cy="0"/>
+        </a:xfrm>
+      </p:grpSpPr>
+      <p:sp>
+        <p:nvSpPr>
+          <p:cNvPr id="2" name="ZoneTexte 1">
+            <a:extLst>
+              <a:ext uri="{FF2B5EF4-FFF2-40B4-BE49-F238E27FC236}">
+                <a16:creationId xmlns:a16="http://schemas.microsoft.com/office/drawing/2014/main" id="{A7342DBE-D323-40D1-203B-7E14D1934799}"/>
+              </a:ext>
+            </a:extLst>
+          </p:cNvPr>
+          <p:cNvSpPr txBox="1"/>
+          <p:nvPr/>
+        </p:nvSpPr>
+        <p:spPr>
+          <a:xfrm>
+            <a:off x="557560" y="1271239"/>
+            <a:ext cx="2440092" cy="523220"/>
+          </a:xfrm>
+          <a:prstGeom prst="rect">
+            <a:avLst/>
+          </a:prstGeom>
+          <a:noFill/>
+        </p:spPr>
+        <p:txBody>
+          <a:bodyPr wrap="none" rtlCol="0">
+            <a:spAutoFit/>
+          </a:bodyPr>
+          <a:lstStyle/>
+          <a:p>
+            <a:r>
+              <a:rPr lang="en-US" sz="2800" dirty="0">
+                <a:solidFill>
+                  <a:schemeClr val="bg2">
+                    <a:lumMod val="25000"/>
+                  </a:schemeClr>
+                </a:solidFill>
+                <a:latin typeface="Arial Rounded MT Bold" panose="020F0704030504030204" pitchFamily="34" charset="77"/>
+              </a:rPr>
+              <a:t>Assumptions</a:t>
+            </a:r>
+            <a:endParaRPr lang="en-US" sz="2800" noProof="0" dirty="0">
+              <a:solidFill>
+                <a:schemeClr val="bg2">
+                  <a:lumMod val="25000"/>
+                </a:schemeClr>
+              </a:solidFill>
+              <a:latin typeface="Arial Rounded MT Bold" panose="020F0704030504030204" pitchFamily="34" charset="77"/>
+            </a:endParaRPr>
+          </a:p>
+        </p:txBody>
+      </p:sp>
+      <p:graphicFrame>
+        <p:nvGraphicFramePr>
+          <p:cNvPr id="5" name="Tableau 4">
+            <a:extLst>
+              <a:ext uri="{FF2B5EF4-FFF2-40B4-BE49-F238E27FC236}">
+                <a16:creationId xmlns:a16="http://schemas.microsoft.com/office/drawing/2014/main" id="{A503EEAC-D6B0-769E-C999-2EAA3B0348AC}"/>
+              </a:ext>
+            </a:extLst>
+          </p:cNvPr>
+          <p:cNvGraphicFramePr>
+            <a:graphicFrameLocks noGrp="1"/>
+          </p:cNvGraphicFramePr>
+          <p:nvPr>
+            <p:extLst>
+              <p:ext uri="{D42A27DB-BD31-4B8C-83A1-F6EECF244321}">
+                <p14:modId xmlns:p14="http://schemas.microsoft.com/office/powerpoint/2010/main" val="3539886872"/>
+              </p:ext>
+            </p:extLst>
+          </p:nvPr>
+        </p:nvGraphicFramePr>
+        <p:xfrm>
+          <a:off x="1470524" y="2098929"/>
+          <a:ext cx="9250951" cy="2660142"/>
+        </p:xfrm>
+        <a:graphic>
+          <a:graphicData uri="http://schemas.openxmlformats.org/drawingml/2006/table">
+            <a:tbl>
+              <a:tblPr firstRow="1" firstCol="1" bandRow="1">
+                <a:tableStyleId>{F2DE63D5-997A-4646-A377-4702673A728D}</a:tableStyleId>
+              </a:tblPr>
+              <a:tblGrid>
+                <a:gridCol w="1765136">
+                  <a:extLst>
+                    <a:ext uri="{9D8B030D-6E8A-4147-A177-3AD203B41FA5}">
+                      <a16:colId xmlns:a16="http://schemas.microsoft.com/office/drawing/2014/main" val="1380024091"/>
+                    </a:ext>
+                  </a:extLst>
+                </a:gridCol>
+                <a:gridCol w="2643859">
+                  <a:extLst>
+                    <a:ext uri="{9D8B030D-6E8A-4147-A177-3AD203B41FA5}">
+                      <a16:colId xmlns:a16="http://schemas.microsoft.com/office/drawing/2014/main" val="3676645733"/>
+                    </a:ext>
+                  </a:extLst>
+                </a:gridCol>
+                <a:gridCol w="4841956">
+                  <a:extLst>
+                    <a:ext uri="{9D8B030D-6E8A-4147-A177-3AD203B41FA5}">
+                      <a16:colId xmlns:a16="http://schemas.microsoft.com/office/drawing/2014/main" val="3025346432"/>
+                    </a:ext>
+                  </a:extLst>
+                </a:gridCol>
+              </a:tblGrid>
+              <a:tr h="219710">
+                <a:tc>
+                  <a:txBody>
+                    <a:bodyPr/>
+                    <a:lstStyle/>
+                    <a:p>
+                      <a:pPr algn="ctr">
+                        <a:lnSpc>
+                          <a:spcPct val="115000"/>
+                        </a:lnSpc>
+                        <a:buNone/>
+                      </a:pPr>
+                      <a:r>
+                        <a:rPr lang="en-US" sz="2000" kern="100" dirty="0">
+                          <a:effectLst/>
+                          <a:latin typeface="+mj-lt"/>
+                        </a:rPr>
+                        <a:t>DIMENSION</a:t>
+                      </a:r>
+                      <a:endParaRPr lang="fr-RE" sz="2000" kern="100" dirty="0">
+                        <a:effectLst/>
+                        <a:latin typeface="+mj-lt"/>
+                        <a:ea typeface="Calibri" panose="020F0502020204030204" pitchFamily="34" charset="0"/>
+                        <a:cs typeface="Times New Roman" panose="02020603050405020304" pitchFamily="18" charset="0"/>
+                      </a:endParaRPr>
+                    </a:p>
+                  </a:txBody>
+                  <a:tcPr marL="68580" marR="68580" marT="0" marB="0" anchor="ctr"/>
+                </a:tc>
+                <a:tc>
+                  <a:txBody>
+                    <a:bodyPr/>
+                    <a:lstStyle/>
+                    <a:p>
+                      <a:pPr algn="ctr">
+                        <a:lnSpc>
+                          <a:spcPct val="115000"/>
+                        </a:lnSpc>
+                        <a:buNone/>
+                      </a:pPr>
+                      <a:r>
+                        <a:rPr lang="en-US" sz="2000" kern="100" dirty="0">
+                          <a:effectLst/>
+                          <a:latin typeface="+mj-lt"/>
+                        </a:rPr>
+                        <a:t>DESCRIPTION</a:t>
+                      </a:r>
+                      <a:endParaRPr lang="fr-RE" sz="2000" kern="100" dirty="0">
+                        <a:effectLst/>
+                        <a:latin typeface="+mj-lt"/>
+                        <a:ea typeface="Calibri" panose="020F0502020204030204" pitchFamily="34" charset="0"/>
+                        <a:cs typeface="Times New Roman" panose="02020603050405020304" pitchFamily="18" charset="0"/>
+                      </a:endParaRPr>
+                    </a:p>
+                  </a:txBody>
+                  <a:tcPr marL="68580" marR="68580" marT="0" marB="0" anchor="ctr"/>
+                </a:tc>
+                <a:tc>
+                  <a:txBody>
+                    <a:bodyPr/>
+                    <a:lstStyle/>
+                    <a:p>
+                      <a:pPr algn="ctr">
+                        <a:lnSpc>
+                          <a:spcPct val="115000"/>
+                        </a:lnSpc>
+                        <a:buNone/>
+                      </a:pPr>
+                      <a:r>
+                        <a:rPr lang="en-US" sz="2000" kern="100" dirty="0">
+                          <a:effectLst/>
+                          <a:latin typeface="+mj-lt"/>
+                        </a:rPr>
+                        <a:t>VALUE</a:t>
+                      </a:r>
+                      <a:endParaRPr lang="fr-RE" sz="2000" kern="100" dirty="0">
+                        <a:effectLst/>
+                        <a:latin typeface="+mj-lt"/>
+                        <a:ea typeface="Calibri" panose="020F0502020204030204" pitchFamily="34" charset="0"/>
+                        <a:cs typeface="Times New Roman" panose="02020603050405020304" pitchFamily="18" charset="0"/>
+                      </a:endParaRPr>
+                    </a:p>
+                  </a:txBody>
+                  <a:tcPr marL="68580" marR="68580" marT="0" marB="0"/>
+                </a:tc>
+                <a:extLst>
+                  <a:ext uri="{0D108BD9-81ED-4DB2-BD59-A6C34878D82A}">
+                    <a16:rowId xmlns:a16="http://schemas.microsoft.com/office/drawing/2014/main" val="2803789866"/>
+                  </a:ext>
+                </a:extLst>
+              </a:tr>
+              <a:tr h="219710">
+                <a:tc>
+                  <a:txBody>
+                    <a:bodyPr/>
+                    <a:lstStyle/>
+                    <a:p>
+                      <a:pPr algn="ctr">
+                        <a:lnSpc>
+                          <a:spcPct val="115000"/>
+                        </a:lnSpc>
+                        <a:buNone/>
+                      </a:pPr>
+                      <a:r>
+                        <a:rPr lang="en-US" sz="2000" kern="100" dirty="0">
+                          <a:solidFill>
+                            <a:srgbClr val="C00000"/>
+                          </a:solidFill>
+                          <a:effectLst/>
+                          <a:latin typeface="+mj-lt"/>
+                        </a:rPr>
+                        <a:t>r</a:t>
+                      </a:r>
+                      <a:endParaRPr lang="fr-RE" sz="2000" kern="100" dirty="0">
+                        <a:solidFill>
+                          <a:srgbClr val="C00000"/>
+                        </a:solidFill>
+                        <a:effectLst/>
+                        <a:latin typeface="+mj-lt"/>
+                        <a:ea typeface="Calibri" panose="020F0502020204030204" pitchFamily="34" charset="0"/>
+                        <a:cs typeface="Times New Roman" panose="02020603050405020304" pitchFamily="18" charset="0"/>
+                      </a:endParaRPr>
+                    </a:p>
+                  </a:txBody>
+                  <a:tcPr marL="68580" marR="68580" marT="0" marB="0" anchor="ctr"/>
+                </a:tc>
+                <a:tc>
+                  <a:txBody>
+                    <a:bodyPr/>
+                    <a:lstStyle/>
+                    <a:p>
+                      <a:pPr algn="ctr">
+                        <a:lnSpc>
+                          <a:spcPct val="115000"/>
+                        </a:lnSpc>
+                        <a:buNone/>
+                      </a:pPr>
+                      <a:r>
+                        <a:rPr lang="en-US" sz="2000" kern="100" dirty="0">
+                          <a:effectLst/>
+                          <a:latin typeface="+mj-lt"/>
+                        </a:rPr>
+                        <a:t>Country</a:t>
+                      </a:r>
+                      <a:endParaRPr lang="fr-RE" sz="2000" kern="100" dirty="0">
+                        <a:effectLst/>
+                        <a:latin typeface="+mj-lt"/>
+                        <a:ea typeface="Calibri" panose="020F0502020204030204" pitchFamily="34" charset="0"/>
+                        <a:cs typeface="Times New Roman" panose="02020603050405020304" pitchFamily="18" charset="0"/>
+                      </a:endParaRPr>
+                    </a:p>
+                  </a:txBody>
+                  <a:tcPr marL="68580" marR="68580" marT="0" marB="0" anchor="ctr"/>
+                </a:tc>
+                <a:tc>
+                  <a:txBody>
+                    <a:bodyPr/>
+                    <a:lstStyle/>
+                    <a:p>
+                      <a:pPr algn="ctr">
+                        <a:lnSpc>
+                          <a:spcPct val="115000"/>
+                        </a:lnSpc>
+                        <a:buNone/>
+                      </a:pPr>
+                      <a:r>
+                        <a:rPr lang="en-US" sz="2000" kern="100" dirty="0">
+                          <a:effectLst/>
+                          <a:latin typeface="+mj-lt"/>
+                        </a:rPr>
+                        <a:t>Germany</a:t>
+                      </a:r>
+                      <a:endParaRPr lang="fr-RE" sz="2000" kern="100" dirty="0">
+                        <a:effectLst/>
+                        <a:latin typeface="+mj-lt"/>
+                        <a:ea typeface="Calibri" panose="020F0502020204030204" pitchFamily="34" charset="0"/>
+                        <a:cs typeface="Times New Roman" panose="02020603050405020304" pitchFamily="18" charset="0"/>
+                      </a:endParaRPr>
+                    </a:p>
+                  </a:txBody>
+                  <a:tcPr marL="68580" marR="68580" marT="0" marB="0"/>
+                </a:tc>
+                <a:extLst>
+                  <a:ext uri="{0D108BD9-81ED-4DB2-BD59-A6C34878D82A}">
+                    <a16:rowId xmlns:a16="http://schemas.microsoft.com/office/drawing/2014/main" val="772348557"/>
+                  </a:ext>
+                </a:extLst>
+              </a:tr>
+              <a:tr h="219710">
+                <a:tc>
+                  <a:txBody>
+                    <a:bodyPr/>
+                    <a:lstStyle/>
+                    <a:p>
+                      <a:pPr algn="ctr">
+                        <a:lnSpc>
+                          <a:spcPct val="115000"/>
+                        </a:lnSpc>
+                        <a:buNone/>
+                      </a:pPr>
+                      <a:r>
+                        <a:rPr lang="en-US" sz="2000" kern="100" dirty="0">
+                          <a:solidFill>
+                            <a:srgbClr val="C00000"/>
+                          </a:solidFill>
+                          <a:effectLst/>
+                          <a:latin typeface="+mj-lt"/>
+                        </a:rPr>
+                        <a:t>s</a:t>
+                      </a:r>
+                      <a:endParaRPr lang="fr-RE" sz="2000" kern="100" dirty="0">
+                        <a:solidFill>
+                          <a:srgbClr val="C00000"/>
+                        </a:solidFill>
+                        <a:effectLst/>
+                        <a:latin typeface="+mj-lt"/>
+                        <a:ea typeface="Calibri" panose="020F0502020204030204" pitchFamily="34" charset="0"/>
+                        <a:cs typeface="Times New Roman" panose="02020603050405020304" pitchFamily="18" charset="0"/>
+                      </a:endParaRPr>
+                    </a:p>
+                  </a:txBody>
+                  <a:tcPr marL="68580" marR="68580" marT="0" marB="0" anchor="ctr"/>
+                </a:tc>
+                <a:tc>
+                  <a:txBody>
+                    <a:bodyPr/>
+                    <a:lstStyle/>
+                    <a:p>
+                      <a:pPr algn="ctr">
+                        <a:lnSpc>
+                          <a:spcPct val="115000"/>
+                        </a:lnSpc>
+                        <a:buNone/>
+                      </a:pPr>
+                      <a:r>
+                        <a:rPr lang="en-US" sz="2000" kern="100" dirty="0">
+                          <a:effectLst/>
+                          <a:latin typeface="+mj-lt"/>
+                        </a:rPr>
+                        <a:t>Scenario</a:t>
+                      </a:r>
+                      <a:endParaRPr lang="fr-RE" sz="2000" kern="100" dirty="0">
+                        <a:effectLst/>
+                        <a:latin typeface="+mj-lt"/>
+                        <a:ea typeface="Calibri" panose="020F0502020204030204" pitchFamily="34" charset="0"/>
+                        <a:cs typeface="Times New Roman" panose="02020603050405020304" pitchFamily="18" charset="0"/>
+                      </a:endParaRPr>
+                    </a:p>
+                  </a:txBody>
+                  <a:tcPr marL="68580" marR="68580" marT="0" marB="0" anchor="ctr"/>
+                </a:tc>
+                <a:tc>
+                  <a:txBody>
+                    <a:bodyPr/>
+                    <a:lstStyle/>
+                    <a:p>
+                      <a:pPr algn="ctr">
+                        <a:lnSpc>
+                          <a:spcPct val="115000"/>
+                        </a:lnSpc>
+                        <a:buNone/>
+                      </a:pPr>
+                      <a:r>
+                        <a:rPr lang="en-US" sz="2000" kern="100" dirty="0">
+                          <a:effectLst/>
+                          <a:latin typeface="+mj-lt"/>
+                        </a:rPr>
+                        <a:t>High/low environmental policy</a:t>
+                      </a:r>
+                      <a:endParaRPr lang="fr-RE" sz="2000" kern="100" dirty="0">
+                        <a:effectLst/>
+                        <a:latin typeface="+mj-lt"/>
+                        <a:ea typeface="Calibri" panose="020F0502020204030204" pitchFamily="34" charset="0"/>
+                        <a:cs typeface="Times New Roman" panose="02020603050405020304" pitchFamily="18" charset="0"/>
+                      </a:endParaRPr>
+                    </a:p>
+                  </a:txBody>
+                  <a:tcPr marL="68580" marR="68580" marT="0" marB="0"/>
+                </a:tc>
+                <a:extLst>
+                  <a:ext uri="{0D108BD9-81ED-4DB2-BD59-A6C34878D82A}">
+                    <a16:rowId xmlns:a16="http://schemas.microsoft.com/office/drawing/2014/main" val="892741841"/>
+                  </a:ext>
+                </a:extLst>
+              </a:tr>
+              <a:tr h="219710">
+                <a:tc>
+                  <a:txBody>
+                    <a:bodyPr/>
+                    <a:lstStyle/>
+                    <a:p>
+                      <a:pPr algn="ctr">
+                        <a:lnSpc>
+                          <a:spcPct val="115000"/>
+                        </a:lnSpc>
+                        <a:buNone/>
+                      </a:pPr>
+                      <a:r>
+                        <a:rPr lang="en-US" sz="2000" kern="100" dirty="0">
+                          <a:solidFill>
+                            <a:srgbClr val="C00000"/>
+                          </a:solidFill>
+                          <a:effectLst/>
+                          <a:latin typeface="+mj-lt"/>
+                        </a:rPr>
+                        <a:t>y</a:t>
+                      </a:r>
+                      <a:endParaRPr lang="fr-RE" sz="2000" kern="100" dirty="0">
+                        <a:solidFill>
+                          <a:srgbClr val="C00000"/>
+                        </a:solidFill>
+                        <a:effectLst/>
+                        <a:latin typeface="+mj-lt"/>
+                        <a:ea typeface="Calibri" panose="020F0502020204030204" pitchFamily="34" charset="0"/>
+                        <a:cs typeface="Times New Roman" panose="02020603050405020304" pitchFamily="18" charset="0"/>
+                      </a:endParaRPr>
+                    </a:p>
+                  </a:txBody>
+                  <a:tcPr marL="68580" marR="68580" marT="0" marB="0" anchor="ctr"/>
+                </a:tc>
+                <a:tc>
+                  <a:txBody>
+                    <a:bodyPr/>
+                    <a:lstStyle/>
+                    <a:p>
+                      <a:pPr algn="ctr">
+                        <a:lnSpc>
+                          <a:spcPct val="115000"/>
+                        </a:lnSpc>
+                        <a:buNone/>
+                      </a:pPr>
+                      <a:r>
+                        <a:rPr lang="en-US" sz="2000" kern="100" dirty="0">
+                          <a:effectLst/>
+                          <a:latin typeface="+mj-lt"/>
+                        </a:rPr>
+                        <a:t>years</a:t>
+                      </a:r>
+                      <a:endParaRPr lang="fr-RE" sz="2000" kern="100" dirty="0">
+                        <a:effectLst/>
+                        <a:latin typeface="+mj-lt"/>
+                        <a:ea typeface="Calibri" panose="020F0502020204030204" pitchFamily="34" charset="0"/>
+                        <a:cs typeface="Times New Roman" panose="02020603050405020304" pitchFamily="18" charset="0"/>
+                      </a:endParaRPr>
+                    </a:p>
+                  </a:txBody>
+                  <a:tcPr marL="68580" marR="68580" marT="0" marB="0" anchor="ctr"/>
+                </a:tc>
+                <a:tc>
+                  <a:txBody>
+                    <a:bodyPr/>
+                    <a:lstStyle/>
+                    <a:p>
+                      <a:pPr algn="ctr">
+                        <a:lnSpc>
+                          <a:spcPct val="115000"/>
+                        </a:lnSpc>
+                        <a:buNone/>
+                      </a:pPr>
+                      <a:r>
+                        <a:rPr lang="en-US" sz="2000" kern="100" dirty="0">
+                          <a:effectLst/>
+                          <a:latin typeface="+mj-lt"/>
+                        </a:rPr>
+                        <a:t>2020/2035/2045</a:t>
+                      </a:r>
+                      <a:endParaRPr lang="fr-RE" sz="2000" kern="100" dirty="0">
+                        <a:effectLst/>
+                        <a:latin typeface="+mj-lt"/>
+                        <a:ea typeface="Calibri" panose="020F0502020204030204" pitchFamily="34" charset="0"/>
+                        <a:cs typeface="Times New Roman" panose="02020603050405020304" pitchFamily="18" charset="0"/>
+                      </a:endParaRPr>
+                    </a:p>
+                  </a:txBody>
+                  <a:tcPr marL="68580" marR="68580" marT="0" marB="0"/>
+                </a:tc>
+                <a:extLst>
+                  <a:ext uri="{0D108BD9-81ED-4DB2-BD59-A6C34878D82A}">
+                    <a16:rowId xmlns:a16="http://schemas.microsoft.com/office/drawing/2014/main" val="358389943"/>
+                  </a:ext>
+                </a:extLst>
+              </a:tr>
+              <a:tr h="219710">
+                <a:tc>
+                  <a:txBody>
+                    <a:bodyPr/>
+                    <a:lstStyle/>
+                    <a:p>
+                      <a:pPr algn="ctr">
+                        <a:lnSpc>
+                          <a:spcPct val="115000"/>
+                        </a:lnSpc>
+                        <a:buNone/>
+                      </a:pPr>
+                      <a:r>
+                        <a:rPr lang="en-US" sz="2000" kern="100" dirty="0">
+                          <a:solidFill>
+                            <a:srgbClr val="C00000"/>
+                          </a:solidFill>
+                          <a:effectLst/>
+                          <a:latin typeface="+mj-lt"/>
+                        </a:rPr>
+                        <a:t>c</a:t>
+                      </a:r>
+                      <a:endParaRPr lang="fr-RE" sz="2000" kern="100" dirty="0">
+                        <a:solidFill>
+                          <a:srgbClr val="C00000"/>
+                        </a:solidFill>
+                        <a:effectLst/>
+                        <a:latin typeface="+mj-lt"/>
+                        <a:ea typeface="Calibri" panose="020F0502020204030204" pitchFamily="34" charset="0"/>
+                        <a:cs typeface="Times New Roman" panose="02020603050405020304" pitchFamily="18" charset="0"/>
+                      </a:endParaRPr>
+                    </a:p>
+                  </a:txBody>
+                  <a:tcPr marL="68580" marR="68580" marT="0" marB="0" anchor="ctr"/>
+                </a:tc>
+                <a:tc>
+                  <a:txBody>
+                    <a:bodyPr/>
+                    <a:lstStyle/>
+                    <a:p>
+                      <a:pPr algn="ctr">
+                        <a:lnSpc>
+                          <a:spcPct val="115000"/>
+                        </a:lnSpc>
+                        <a:buNone/>
+                      </a:pPr>
+                      <a:r>
+                        <a:rPr lang="en-US" sz="2000" kern="100" dirty="0">
+                          <a:effectLst/>
+                          <a:latin typeface="+mj-lt"/>
+                        </a:rPr>
+                        <a:t>Type of carrier</a:t>
+                      </a:r>
+                      <a:endParaRPr lang="fr-RE" sz="2000" kern="100" dirty="0">
+                        <a:effectLst/>
+                        <a:latin typeface="+mj-lt"/>
+                        <a:ea typeface="Calibri" panose="020F0502020204030204" pitchFamily="34" charset="0"/>
+                        <a:cs typeface="Times New Roman" panose="02020603050405020304" pitchFamily="18" charset="0"/>
+                      </a:endParaRPr>
+                    </a:p>
+                  </a:txBody>
+                  <a:tcPr marL="68580" marR="68580" marT="0" marB="0" anchor="ctr"/>
+                </a:tc>
+                <a:tc>
+                  <a:txBody>
+                    <a:bodyPr/>
+                    <a:lstStyle/>
+                    <a:p>
+                      <a:pPr algn="ctr">
+                        <a:lnSpc>
+                          <a:spcPct val="115000"/>
+                        </a:lnSpc>
+                        <a:buNone/>
+                      </a:pPr>
+                      <a:r>
+                        <a:rPr lang="en-US" sz="2000" kern="100" dirty="0">
+                          <a:effectLst/>
+                          <a:latin typeface="+mj-lt"/>
+                        </a:rPr>
+                        <a:t>Sludge/water/oxidized contaminants</a:t>
+                      </a:r>
+                      <a:endParaRPr lang="fr-RE" sz="2000" kern="100" dirty="0">
+                        <a:effectLst/>
+                        <a:latin typeface="+mj-lt"/>
+                        <a:ea typeface="Calibri" panose="020F0502020204030204" pitchFamily="34" charset="0"/>
+                        <a:cs typeface="Times New Roman" panose="02020603050405020304" pitchFamily="18" charset="0"/>
+                      </a:endParaRPr>
+                    </a:p>
+                  </a:txBody>
+                  <a:tcPr marL="68580" marR="68580" marT="0" marB="0"/>
+                </a:tc>
+                <a:extLst>
+                  <a:ext uri="{0D108BD9-81ED-4DB2-BD59-A6C34878D82A}">
+                    <a16:rowId xmlns:a16="http://schemas.microsoft.com/office/drawing/2014/main" val="704534583"/>
+                  </a:ext>
+                </a:extLst>
+              </a:tr>
+              <a:tr h="219710">
+                <a:tc>
+                  <a:txBody>
+                    <a:bodyPr/>
+                    <a:lstStyle/>
+                    <a:p>
+                      <a:pPr algn="ctr">
+                        <a:lnSpc>
+                          <a:spcPct val="115000"/>
+                        </a:lnSpc>
+                        <a:buNone/>
+                      </a:pPr>
+                      <a:r>
+                        <a:rPr lang="en-US" sz="2000" kern="100" dirty="0">
+                          <a:solidFill>
+                            <a:srgbClr val="C00000"/>
+                          </a:solidFill>
+                          <a:effectLst/>
+                          <a:latin typeface="+mj-lt"/>
+                        </a:rPr>
+                        <a:t>x</a:t>
+                      </a:r>
+                      <a:endParaRPr lang="fr-RE" sz="2000" kern="100" dirty="0">
+                        <a:solidFill>
+                          <a:srgbClr val="C00000"/>
+                        </a:solidFill>
+                        <a:effectLst/>
+                        <a:latin typeface="+mj-lt"/>
+                        <a:ea typeface="Calibri" panose="020F0502020204030204" pitchFamily="34" charset="0"/>
+                        <a:cs typeface="Times New Roman" panose="02020603050405020304" pitchFamily="18" charset="0"/>
+                      </a:endParaRPr>
+                    </a:p>
+                  </a:txBody>
+                  <a:tcPr marL="68580" marR="68580" marT="0" marB="0" anchor="ctr"/>
+                </a:tc>
+                <a:tc>
+                  <a:txBody>
+                    <a:bodyPr/>
+                    <a:lstStyle/>
+                    <a:p>
+                      <a:pPr algn="ctr">
+                        <a:lnSpc>
+                          <a:spcPct val="115000"/>
+                        </a:lnSpc>
+                        <a:buNone/>
+                      </a:pPr>
+                      <a:r>
+                        <a:rPr lang="en-US" sz="2000" kern="100" dirty="0">
+                          <a:effectLst/>
+                          <a:latin typeface="+mj-lt"/>
+                        </a:rPr>
+                        <a:t>Substance</a:t>
+                      </a:r>
+                      <a:endParaRPr lang="fr-RE" sz="2000" kern="100" dirty="0">
+                        <a:effectLst/>
+                        <a:latin typeface="+mj-lt"/>
+                        <a:ea typeface="Calibri" panose="020F0502020204030204" pitchFamily="34" charset="0"/>
+                        <a:cs typeface="Times New Roman" panose="02020603050405020304" pitchFamily="18" charset="0"/>
+                      </a:endParaRPr>
+                    </a:p>
+                  </a:txBody>
+                  <a:tcPr marL="68580" marR="68580" marT="0" marB="0" anchor="ctr"/>
+                </a:tc>
+                <a:tc>
+                  <a:txBody>
+                    <a:bodyPr/>
+                    <a:lstStyle/>
+                    <a:p>
+                      <a:pPr algn="ctr">
+                        <a:lnSpc>
+                          <a:spcPct val="115000"/>
+                        </a:lnSpc>
+                        <a:buNone/>
+                      </a:pPr>
+                      <a:r>
+                        <a:rPr lang="en-US" sz="2000" kern="100" dirty="0">
+                          <a:effectLst/>
+                          <a:latin typeface="+mj-lt"/>
+                        </a:rPr>
+                        <a:t>Carrier/CEC</a:t>
+                      </a:r>
+                      <a:endParaRPr lang="fr-RE" sz="2000" kern="100" dirty="0">
+                        <a:effectLst/>
+                        <a:latin typeface="+mj-lt"/>
+                        <a:ea typeface="Calibri" panose="020F0502020204030204" pitchFamily="34" charset="0"/>
+                        <a:cs typeface="Times New Roman" panose="02020603050405020304" pitchFamily="18" charset="0"/>
+                      </a:endParaRPr>
+                    </a:p>
+                  </a:txBody>
+                  <a:tcPr marL="68580" marR="68580" marT="0" marB="0"/>
+                </a:tc>
+                <a:extLst>
+                  <a:ext uri="{0D108BD9-81ED-4DB2-BD59-A6C34878D82A}">
+                    <a16:rowId xmlns:a16="http://schemas.microsoft.com/office/drawing/2014/main" val="3847375573"/>
+                  </a:ext>
+                </a:extLst>
+              </a:tr>
+              <a:tr h="219710">
+                <a:tc>
+                  <a:txBody>
+                    <a:bodyPr/>
+                    <a:lstStyle/>
+                    <a:p>
+                      <a:pPr algn="ctr">
+                        <a:lnSpc>
+                          <a:spcPct val="115000"/>
+                        </a:lnSpc>
+                        <a:buNone/>
+                      </a:pPr>
+                      <a:r>
+                        <a:rPr lang="en-US" sz="2000" kern="100" dirty="0">
+                          <a:solidFill>
+                            <a:srgbClr val="C00000"/>
+                          </a:solidFill>
+                          <a:effectLst/>
+                          <a:latin typeface="+mj-lt"/>
+                        </a:rPr>
+                        <a:t>g</a:t>
+                      </a:r>
+                      <a:endParaRPr lang="fr-RE" sz="2000" kern="100" dirty="0">
+                        <a:solidFill>
+                          <a:srgbClr val="C00000"/>
+                        </a:solidFill>
+                        <a:effectLst/>
+                        <a:latin typeface="+mj-lt"/>
+                        <a:ea typeface="Calibri" panose="020F0502020204030204" pitchFamily="34" charset="0"/>
+                        <a:cs typeface="Times New Roman" panose="02020603050405020304" pitchFamily="18" charset="0"/>
+                      </a:endParaRPr>
+                    </a:p>
+                  </a:txBody>
+                  <a:tcPr marL="68580" marR="68580" marT="0" marB="0" anchor="ctr"/>
+                </a:tc>
+                <a:tc>
+                  <a:txBody>
+                    <a:bodyPr/>
+                    <a:lstStyle/>
+                    <a:p>
+                      <a:pPr algn="ctr">
+                        <a:lnSpc>
+                          <a:spcPct val="115000"/>
+                        </a:lnSpc>
+                        <a:buNone/>
+                      </a:pPr>
+                      <a:r>
+                        <a:rPr lang="en-US" sz="2000" kern="100" dirty="0">
+                          <a:effectLst/>
+                          <a:latin typeface="+mj-lt"/>
+                        </a:rPr>
+                        <a:t>Technology</a:t>
+                      </a:r>
+                      <a:endParaRPr lang="fr-RE" sz="2000" kern="100" dirty="0">
+                        <a:effectLst/>
+                        <a:latin typeface="+mj-lt"/>
+                        <a:ea typeface="Calibri" panose="020F0502020204030204" pitchFamily="34" charset="0"/>
+                        <a:cs typeface="Times New Roman" panose="02020603050405020304" pitchFamily="18" charset="0"/>
+                      </a:endParaRPr>
+                    </a:p>
+                  </a:txBody>
+                  <a:tcPr marL="68580" marR="68580" marT="0" marB="0" anchor="ctr"/>
+                </a:tc>
+                <a:tc>
+                  <a:txBody>
+                    <a:bodyPr/>
+                    <a:lstStyle/>
+                    <a:p>
+                      <a:pPr algn="ctr">
+                        <a:lnSpc>
+                          <a:spcPct val="115000"/>
+                        </a:lnSpc>
+                        <a:buNone/>
+                      </a:pPr>
+                      <a:r>
+                        <a:rPr lang="en-US" sz="2000" kern="100" dirty="0">
+                          <a:effectLst/>
+                          <a:latin typeface="+mj-lt"/>
+                        </a:rPr>
+                        <a:t>No further treatment/Advanced oxidizing process/Ozonation/Granular activated carbon</a:t>
+                      </a:r>
+                      <a:endParaRPr lang="fr-RE" sz="2000" kern="100" dirty="0">
+                        <a:effectLst/>
+                        <a:latin typeface="+mj-lt"/>
+                        <a:ea typeface="Calibri" panose="020F0502020204030204" pitchFamily="34" charset="0"/>
+                        <a:cs typeface="Times New Roman" panose="02020603050405020304" pitchFamily="18" charset="0"/>
+                      </a:endParaRPr>
+                    </a:p>
+                  </a:txBody>
+                  <a:tcPr marL="68580" marR="68580" marT="0" marB="0"/>
+                </a:tc>
+                <a:extLst>
+                  <a:ext uri="{0D108BD9-81ED-4DB2-BD59-A6C34878D82A}">
+                    <a16:rowId xmlns:a16="http://schemas.microsoft.com/office/drawing/2014/main" val="1487924633"/>
+                  </a:ext>
+                </a:extLst>
+              </a:tr>
+            </a:tbl>
+          </a:graphicData>
+        </a:graphic>
+      </p:graphicFrame>
+    </p:spTree>
+    <p:extLst>
+      <p:ext uri="{BB962C8B-B14F-4D97-AF65-F5344CB8AC3E}">
+        <p14:creationId xmlns:p14="http://schemas.microsoft.com/office/powerpoint/2010/main" val="2038877534"/>
+      </p:ext>
+    </p:extLst>
+  </p:cSld>
+  <p:clrMapOvr>
+    <a:masterClrMapping/>
+  </p:clrMapOvr>
+</p:sld>
+</file>
+
+<file path=ppt/slides/slide5.xml><?xml version="1.0" encoding="utf-8"?>
+<p:sld xmlns:a="http://schemas.openxmlformats.org/drawingml/2006/main" xmlns:r="http://schemas.openxmlformats.org/officeDocument/2006/relationships" xmlns:p="http://schemas.openxmlformats.org/presentationml/2006/main">
+  <p:cSld>
+    <p:spTree>
+      <p:nvGrpSpPr>
         <p:cNvPr id="1" name=""/>
         <p:cNvGrpSpPr/>
         <p:nvPr/>
@@ -4807,7 +5689,7 @@
 </p:sld>
 </file>
 
-<file path=ppt/slides/slide5.xml><?xml version="1.0" encoding="utf-8"?>
+<file path=ppt/slides/slide6.xml><?xml version="1.0" encoding="utf-8"?>
 <p:sld xmlns:a="http://schemas.openxmlformats.org/drawingml/2006/main" xmlns:r="http://schemas.openxmlformats.org/officeDocument/2006/relationships" xmlns:p="http://schemas.openxmlformats.org/presentationml/2006/main">
   <p:cSld>
     <p:spTree>
@@ -4855,7 +5737,7 @@
               <a:rPr lang="fr-FR">
                 <a:latin typeface="Arial Rounded MT Bold" panose="020F0704030504030204" pitchFamily="34" charset="77"/>
               </a:rPr>
-              <a:t>5</a:t>
+              <a:t>6</a:t>
             </a:fld>
             <a:endParaRPr lang="fr-FR" dirty="0">
               <a:latin typeface="Arial Rounded MT Bold" panose="020F0704030504030204" pitchFamily="34" charset="77"/>
@@ -4911,7 +5793,7 @@
 </p:sld>
 </file>
 
-<file path=ppt/slides/slide6.xml><?xml version="1.0" encoding="utf-8"?>
+<file path=ppt/slides/slide7.xml><?xml version="1.0" encoding="utf-8"?>
 <p:sld xmlns:a="http://schemas.openxmlformats.org/drawingml/2006/main" xmlns:r="http://schemas.openxmlformats.org/officeDocument/2006/relationships" xmlns:p="http://schemas.openxmlformats.org/presentationml/2006/main">
   <p:cSld>
     <p:spTree>
@@ -4976,7 +5858,7 @@
 </p:sld>
 </file>
 
-<file path=ppt/slides/slide7.xml><?xml version="1.0" encoding="utf-8"?>
+<file path=ppt/slides/slide8.xml><?xml version="1.0" encoding="utf-8"?>
 <p:sld xmlns:a="http://schemas.openxmlformats.org/drawingml/2006/main" xmlns:r="http://schemas.openxmlformats.org/officeDocument/2006/relationships" xmlns:p="http://schemas.openxmlformats.org/presentationml/2006/main">
   <p:cSld>
     <p:spTree>
@@ -5041,7 +5923,7 @@
 </p:sld>
 </file>
 
-<file path=ppt/slides/slide8.xml><?xml version="1.0" encoding="utf-8"?>
+<file path=ppt/slides/slide9.xml><?xml version="1.0" encoding="utf-8"?>
 <p:sld xmlns:a="http://schemas.openxmlformats.org/drawingml/2006/main" xmlns:r="http://schemas.openxmlformats.org/officeDocument/2006/relationships" xmlns:p="http://schemas.openxmlformats.org/presentationml/2006/main">
   <p:cSld>
     <p:spTree>
@@ -5092,71 +5974,6 @@
     <p:extLst>
       <p:ext uri="{BB962C8B-B14F-4D97-AF65-F5344CB8AC3E}">
         <p14:creationId xmlns:p14="http://schemas.microsoft.com/office/powerpoint/2010/main" val="2626188335"/>
-      </p:ext>
-    </p:extLst>
-  </p:cSld>
-  <p:clrMapOvr>
-    <a:masterClrMapping/>
-  </p:clrMapOvr>
-  <p:extLst>
-    <p:ext uri="{6950BFC3-D8DA-4A85-94F7-54DA5524770B}">
-      <p188:commentRel xmlns:p188="http://schemas.microsoft.com/office/powerpoint/2018/8/main" r:id="rId2"/>
-    </p:ext>
-  </p:extLst>
-</p:sld>
-</file>
-
-<file path=ppt/slides/slide9.xml><?xml version="1.0" encoding="utf-8"?>
-<p:sld xmlns:a="http://schemas.openxmlformats.org/drawingml/2006/main" xmlns:r="http://schemas.openxmlformats.org/officeDocument/2006/relationships" xmlns:p="http://schemas.openxmlformats.org/presentationml/2006/main">
-  <p:cSld>
-    <p:spTree>
-      <p:nvGrpSpPr>
-        <p:cNvPr id="1" name=""/>
-        <p:cNvGrpSpPr/>
-        <p:nvPr/>
-      </p:nvGrpSpPr>
-      <p:grpSpPr>
-        <a:xfrm>
-          <a:off x="0" y="0"/>
-          <a:ext cx="0" cy="0"/>
-          <a:chOff x="0" y="0"/>
-          <a:chExt cx="0" cy="0"/>
-        </a:xfrm>
-      </p:grpSpPr>
-      <p:pic>
-        <p:nvPicPr>
-          <p:cNvPr id="3" name="Picture 2" descr="A close-up of a diagram&#10;&#10;AI-generated content may be incorrect.">
-            <a:extLst>
-              <a:ext uri="{FF2B5EF4-FFF2-40B4-BE49-F238E27FC236}">
-                <a16:creationId xmlns:a16="http://schemas.microsoft.com/office/drawing/2014/main" id="{BE855E42-AACD-6673-E0BE-465336C2F697}"/>
-              </a:ext>
-            </a:extLst>
-          </p:cNvPr>
-          <p:cNvPicPr>
-            <a:picLocks noChangeAspect="1"/>
-          </p:cNvPicPr>
-          <p:nvPr/>
-        </p:nvPicPr>
-        <p:blipFill>
-          <a:blip r:embed="rId3"/>
-          <a:stretch>
-            <a:fillRect/>
-          </a:stretch>
-        </p:blipFill>
-        <p:spPr>
-          <a:xfrm>
-            <a:off x="0" y="1526642"/>
-            <a:ext cx="12192000" cy="3804716"/>
-          </a:xfrm>
-          <a:prstGeom prst="rect">
-            <a:avLst/>
-          </a:prstGeom>
-        </p:spPr>
-      </p:pic>
-    </p:spTree>
-    <p:extLst>
-      <p:ext uri="{BB962C8B-B14F-4D97-AF65-F5344CB8AC3E}">
-        <p14:creationId xmlns:p14="http://schemas.microsoft.com/office/powerpoint/2010/main" val="1522773915"/>
       </p:ext>
     </p:extLst>
   </p:cSld>

--- a/presentation/dds_autumn_school_2025_paw_presentation_14-11-2025.pptx
+++ b/presentation/dds_autumn_school_2025_paw_presentation_14-11-2025.pptx
@@ -5,19 +5,20 @@
     <p:sldMasterId id="2147483648" r:id="rId1"/>
   </p:sldMasterIdLst>
   <p:notesMasterIdLst>
-    <p:notesMasterId r:id="rId12"/>
+    <p:notesMasterId r:id="rId13"/>
   </p:notesMasterIdLst>
   <p:sldIdLst>
     <p:sldId id="256" r:id="rId2"/>
     <p:sldId id="263" r:id="rId3"/>
-    <p:sldId id="264" r:id="rId4"/>
-    <p:sldId id="265" r:id="rId5"/>
-    <p:sldId id="262" r:id="rId6"/>
-    <p:sldId id="257" r:id="rId7"/>
-    <p:sldId id="258" r:id="rId8"/>
-    <p:sldId id="259" r:id="rId9"/>
-    <p:sldId id="260" r:id="rId10"/>
-    <p:sldId id="261" r:id="rId11"/>
+    <p:sldId id="266" r:id="rId4"/>
+    <p:sldId id="264" r:id="rId5"/>
+    <p:sldId id="265" r:id="rId6"/>
+    <p:sldId id="262" r:id="rId7"/>
+    <p:sldId id="257" r:id="rId8"/>
+    <p:sldId id="258" r:id="rId9"/>
+    <p:sldId id="259" r:id="rId10"/>
+    <p:sldId id="260" r:id="rId11"/>
+    <p:sldId id="261" r:id="rId12"/>
   </p:sldIdLst>
   <p:sldSz cx="12192000" cy="6858000"/>
   <p:notesSz cx="6858000" cy="9144000"/>
@@ -344,7 +345,7 @@
           <a:p>
             <a:fld id="{92146035-E467-484C-A45B-E027918AA835}" type="datetimeFigureOut">
               <a:rPr lang="fr-FR" smtClean="0"/>
-              <a:t>13/11/2025</a:t>
+              <a:t>14/11/2025</a:t>
             </a:fld>
             <a:endParaRPr lang="fr-FR"/>
           </a:p>
@@ -611,6 +612,114 @@
 </p:notesMaster>
 </file>
 
+<file path=ppt/notesSlides/notesSlide1.xml><?xml version="1.0" encoding="utf-8"?>
+<p:notes xmlns:a="http://schemas.openxmlformats.org/drawingml/2006/main" xmlns:r="http://schemas.openxmlformats.org/officeDocument/2006/relationships" xmlns:p="http://schemas.openxmlformats.org/presentationml/2006/main">
+  <p:cSld>
+    <p:spTree>
+      <p:nvGrpSpPr>
+        <p:cNvPr id="1" name="">
+          <a:extLst>
+            <a:ext uri="{FF2B5EF4-FFF2-40B4-BE49-F238E27FC236}">
+              <a16:creationId xmlns:a16="http://schemas.microsoft.com/office/drawing/2014/main" id="{AE3FAD41-BC54-AF1F-3017-D93F991E7CEF}"/>
+            </a:ext>
+          </a:extLst>
+        </p:cNvPr>
+        <p:cNvGrpSpPr/>
+        <p:nvPr/>
+      </p:nvGrpSpPr>
+      <p:grpSpPr>
+        <a:xfrm>
+          <a:off x="0" y="0"/>
+          <a:ext cx="0" cy="0"/>
+          <a:chOff x="0" y="0"/>
+          <a:chExt cx="0" cy="0"/>
+        </a:xfrm>
+      </p:grpSpPr>
+      <p:sp>
+        <p:nvSpPr>
+          <p:cNvPr id="2" name="Espace réservé de l'image des diapositives 1">
+            <a:extLst>
+              <a:ext uri="{FF2B5EF4-FFF2-40B4-BE49-F238E27FC236}">
+                <a16:creationId xmlns:a16="http://schemas.microsoft.com/office/drawing/2014/main" id="{AE20F3BD-6520-E4E2-3E34-B7112CFE1C74}"/>
+              </a:ext>
+            </a:extLst>
+          </p:cNvPr>
+          <p:cNvSpPr>
+            <a:spLocks noGrp="1" noRot="1" noChangeAspect="1"/>
+          </p:cNvSpPr>
+          <p:nvPr>
+            <p:ph type="sldImg"/>
+          </p:nvPr>
+        </p:nvSpPr>
+        <p:spPr/>
+      </p:sp>
+      <p:sp>
+        <p:nvSpPr>
+          <p:cNvPr id="3" name="Espace réservé des notes 2">
+            <a:extLst>
+              <a:ext uri="{FF2B5EF4-FFF2-40B4-BE49-F238E27FC236}">
+                <a16:creationId xmlns:a16="http://schemas.microsoft.com/office/drawing/2014/main" id="{7F972D06-ED50-9E13-056C-62CBDA29A672}"/>
+              </a:ext>
+            </a:extLst>
+          </p:cNvPr>
+          <p:cNvSpPr>
+            <a:spLocks noGrp="1"/>
+          </p:cNvSpPr>
+          <p:nvPr>
+            <p:ph type="body" idx="1"/>
+          </p:nvPr>
+        </p:nvSpPr>
+        <p:spPr/>
+        <p:txBody>
+          <a:bodyPr/>
+          <a:lstStyle/>
+          <a:p>
+            <a:endParaRPr lang="fr-FR" dirty="0"/>
+          </a:p>
+        </p:txBody>
+      </p:sp>
+      <p:sp>
+        <p:nvSpPr>
+          <p:cNvPr id="4" name="Espace réservé du numéro de diapositive 3">
+            <a:extLst>
+              <a:ext uri="{FF2B5EF4-FFF2-40B4-BE49-F238E27FC236}">
+                <a16:creationId xmlns:a16="http://schemas.microsoft.com/office/drawing/2014/main" id="{1404BDF9-36F9-0FAD-40E8-EC541E93835F}"/>
+              </a:ext>
+            </a:extLst>
+          </p:cNvPr>
+          <p:cNvSpPr>
+            <a:spLocks noGrp="1"/>
+          </p:cNvSpPr>
+          <p:nvPr>
+            <p:ph type="sldNum" sz="quarter" idx="5"/>
+          </p:nvPr>
+        </p:nvSpPr>
+        <p:spPr/>
+        <p:txBody>
+          <a:bodyPr/>
+          <a:lstStyle/>
+          <a:p>
+            <a:fld id="{3B6944B4-5431-FE46-A66A-F27A5A1187E4}" type="slidenum">
+              <a:rPr lang="fr-FR" smtClean="0"/>
+              <a:t>3</a:t>
+            </a:fld>
+            <a:endParaRPr lang="fr-FR"/>
+          </a:p>
+        </p:txBody>
+      </p:sp>
+    </p:spTree>
+    <p:extLst>
+      <p:ext uri="{BB962C8B-B14F-4D97-AF65-F5344CB8AC3E}">
+        <p14:creationId xmlns:p14="http://schemas.microsoft.com/office/powerpoint/2010/main" val="1569641801"/>
+      </p:ext>
+    </p:extLst>
+  </p:cSld>
+  <p:clrMapOvr>
+    <a:masterClrMapping/>
+  </p:clrMapOvr>
+</p:notes>
+</file>
+
 <file path=ppt/slideLayouts/slideLayout1.xml><?xml version="1.0" encoding="utf-8"?>
 <p:sldLayout xmlns:a="http://schemas.openxmlformats.org/drawingml/2006/main" xmlns:r="http://schemas.openxmlformats.org/officeDocument/2006/relationships" xmlns:p="http://schemas.openxmlformats.org/presentationml/2006/main" type="title" preserve="1">
   <p:cSld name="Diapositive de titre">
@@ -758,7 +867,7 @@
           <a:p>
             <a:fld id="{64119E53-477B-A343-ABC3-14A2AE86186D}" type="datetimeFigureOut">
               <a:rPr lang="fr-FR" smtClean="0"/>
-              <a:t>13/11/2025</a:t>
+              <a:t>14/11/2025</a:t>
             </a:fld>
             <a:endParaRPr lang="fr-FR"/>
           </a:p>
@@ -2568,7 +2677,7 @@
           <a:p>
             <a:fld id="{64119E53-477B-A343-ABC3-14A2AE86186D}" type="datetimeFigureOut">
               <a:rPr lang="fr-FR" smtClean="0"/>
-              <a:t>13/11/2025</a:t>
+              <a:t>14/11/2025</a:t>
             </a:fld>
             <a:endParaRPr lang="fr-FR"/>
           </a:p>
@@ -3550,7 +3659,7 @@
           <a:p>
             <a:fld id="{64119E53-477B-A343-ABC3-14A2AE86186D}" type="datetimeFigureOut">
               <a:rPr lang="fr-FR" smtClean="0"/>
-              <a:t>13/11/2025</a:t>
+              <a:t>14/11/2025</a:t>
             </a:fld>
             <a:endParaRPr lang="fr-FR"/>
           </a:p>
@@ -4459,6 +4568,71 @@
       </p:grpSpPr>
       <p:pic>
         <p:nvPicPr>
+          <p:cNvPr id="3" name="Picture 2" descr="A diagram of different colored lines&#10;&#10;AI-generated content may be incorrect.">
+            <a:extLst>
+              <a:ext uri="{FF2B5EF4-FFF2-40B4-BE49-F238E27FC236}">
+                <a16:creationId xmlns:a16="http://schemas.microsoft.com/office/drawing/2014/main" id="{1865928E-9A82-7D7F-B570-F36C38BCC06D}"/>
+              </a:ext>
+            </a:extLst>
+          </p:cNvPr>
+          <p:cNvPicPr>
+            <a:picLocks noChangeAspect="1"/>
+          </p:cNvPicPr>
+          <p:nvPr/>
+        </p:nvPicPr>
+        <p:blipFill>
+          <a:blip r:embed="rId3"/>
+          <a:stretch>
+            <a:fillRect/>
+          </a:stretch>
+        </p:blipFill>
+        <p:spPr>
+          <a:xfrm>
+            <a:off x="0" y="1526642"/>
+            <a:ext cx="12192000" cy="3804716"/>
+          </a:xfrm>
+          <a:prstGeom prst="rect">
+            <a:avLst/>
+          </a:prstGeom>
+        </p:spPr>
+      </p:pic>
+    </p:spTree>
+    <p:extLst>
+      <p:ext uri="{BB962C8B-B14F-4D97-AF65-F5344CB8AC3E}">
+        <p14:creationId xmlns:p14="http://schemas.microsoft.com/office/powerpoint/2010/main" val="2626188335"/>
+      </p:ext>
+    </p:extLst>
+  </p:cSld>
+  <p:clrMapOvr>
+    <a:masterClrMapping/>
+  </p:clrMapOvr>
+  <p:extLst>
+    <p:ext uri="{6950BFC3-D8DA-4A85-94F7-54DA5524770B}">
+      <p188:commentRel xmlns:p188="http://schemas.microsoft.com/office/powerpoint/2018/8/main" r:id="rId2"/>
+    </p:ext>
+  </p:extLst>
+</p:sld>
+</file>
+
+<file path=ppt/slides/slide11.xml><?xml version="1.0" encoding="utf-8"?>
+<p:sld xmlns:a="http://schemas.openxmlformats.org/drawingml/2006/main" xmlns:r="http://schemas.openxmlformats.org/officeDocument/2006/relationships" xmlns:p="http://schemas.openxmlformats.org/presentationml/2006/main">
+  <p:cSld>
+    <p:spTree>
+      <p:nvGrpSpPr>
+        <p:cNvPr id="1" name=""/>
+        <p:cNvGrpSpPr/>
+        <p:nvPr/>
+      </p:nvGrpSpPr>
+      <p:grpSpPr>
+        <a:xfrm>
+          <a:off x="0" y="0"/>
+          <a:ext cx="0" cy="0"/>
+          <a:chOff x="0" y="0"/>
+          <a:chExt cx="0" cy="0"/>
+        </a:xfrm>
+      </p:grpSpPr>
+      <p:pic>
+        <p:nvPicPr>
           <p:cNvPr id="3" name="Picture 2" descr="A close-up of a diagram&#10;&#10;AI-generated content may be incorrect.">
             <a:extLst>
               <a:ext uri="{FF2B5EF4-FFF2-40B4-BE49-F238E27FC236}">
@@ -4700,6 +4874,3169 @@
         <p:cNvPr id="1" name="">
           <a:extLst>
             <a:ext uri="{FF2B5EF4-FFF2-40B4-BE49-F238E27FC236}">
+              <a16:creationId xmlns:a16="http://schemas.microsoft.com/office/drawing/2014/main" id="{01AB8301-76AF-97D0-6800-2E0B6A6B8375}"/>
+            </a:ext>
+          </a:extLst>
+        </p:cNvPr>
+        <p:cNvGrpSpPr/>
+        <p:nvPr/>
+      </p:nvGrpSpPr>
+      <p:grpSpPr>
+        <a:xfrm>
+          <a:off x="0" y="0"/>
+          <a:ext cx="0" cy="0"/>
+          <a:chOff x="0" y="0"/>
+          <a:chExt cx="0" cy="0"/>
+        </a:xfrm>
+      </p:grpSpPr>
+      <p:grpSp>
+        <p:nvGrpSpPr>
+          <p:cNvPr id="497" name="Groupe 496">
+            <a:extLst>
+              <a:ext uri="{FF2B5EF4-FFF2-40B4-BE49-F238E27FC236}">
+                <a16:creationId xmlns:a16="http://schemas.microsoft.com/office/drawing/2014/main" id="{8D542C61-5B7E-FA7F-6ECD-B14C6F06DAD1}"/>
+              </a:ext>
+            </a:extLst>
+          </p:cNvPr>
+          <p:cNvGrpSpPr/>
+          <p:nvPr/>
+        </p:nvGrpSpPr>
+        <p:grpSpPr>
+          <a:xfrm>
+            <a:off x="0" y="174938"/>
+            <a:ext cx="12001355" cy="6508123"/>
+            <a:chOff x="0" y="349877"/>
+            <a:chExt cx="12001355" cy="6508123"/>
+          </a:xfrm>
+        </p:grpSpPr>
+        <p:sp>
+          <p:nvSpPr>
+            <p:cNvPr id="418" name="Rectangle : coins arrondis 417">
+              <a:extLst>
+                <a:ext uri="{FF2B5EF4-FFF2-40B4-BE49-F238E27FC236}">
+                  <a16:creationId xmlns:a16="http://schemas.microsoft.com/office/drawing/2014/main" id="{CB34C609-890A-94F6-8A41-ADAADB9A256A}"/>
+                </a:ext>
+              </a:extLst>
+            </p:cNvPr>
+            <p:cNvSpPr/>
+            <p:nvPr/>
+          </p:nvSpPr>
+          <p:spPr>
+            <a:xfrm>
+              <a:off x="1670672" y="2009152"/>
+              <a:ext cx="1920159" cy="2091945"/>
+            </a:xfrm>
+            <a:prstGeom prst="roundRect">
+              <a:avLst>
+                <a:gd name="adj" fmla="val 0"/>
+              </a:avLst>
+            </a:prstGeom>
+            <a:ln w="12700">
+              <a:solidFill>
+                <a:srgbClr val="7030A0"/>
+              </a:solidFill>
+            </a:ln>
+          </p:spPr>
+          <p:style>
+            <a:lnRef idx="2">
+              <a:schemeClr val="accent1"/>
+            </a:lnRef>
+            <a:fillRef idx="1">
+              <a:schemeClr val="lt1"/>
+            </a:fillRef>
+            <a:effectRef idx="0">
+              <a:schemeClr val="accent1"/>
+            </a:effectRef>
+            <a:fontRef idx="minor">
+              <a:schemeClr val="dk1"/>
+            </a:fontRef>
+          </p:style>
+          <p:txBody>
+            <a:bodyPr rtlCol="0" anchor="t"/>
+            <a:lstStyle/>
+            <a:p>
+              <a:pPr algn="ctr"/>
+              <a:endParaRPr lang="en-US" sz="1100" dirty="0">
+                <a:solidFill>
+                  <a:srgbClr val="7030A0"/>
+                </a:solidFill>
+                <a:latin typeface="+mj-lt"/>
+              </a:endParaRPr>
+            </a:p>
+          </p:txBody>
+        </p:sp>
+        <p:sp>
+          <p:nvSpPr>
+            <p:cNvPr id="295" name="Rectangle 294">
+              <a:extLst>
+                <a:ext uri="{FF2B5EF4-FFF2-40B4-BE49-F238E27FC236}">
+                  <a16:creationId xmlns:a16="http://schemas.microsoft.com/office/drawing/2014/main" id="{B2D8F9EF-DF61-E73E-2B8C-A6E3EC582DE5}"/>
+                </a:ext>
+              </a:extLst>
+            </p:cNvPr>
+            <p:cNvSpPr/>
+            <p:nvPr/>
+          </p:nvSpPr>
+          <p:spPr>
+            <a:xfrm>
+              <a:off x="1162206" y="349877"/>
+              <a:ext cx="10839149" cy="6506224"/>
+            </a:xfrm>
+            <a:prstGeom prst="rect">
+              <a:avLst/>
+            </a:prstGeom>
+            <a:solidFill>
+              <a:schemeClr val="tx2">
+                <a:lumMod val="20000"/>
+                <a:lumOff val="80000"/>
+              </a:schemeClr>
+            </a:solidFill>
+            <a:ln>
+              <a:noFill/>
+            </a:ln>
+          </p:spPr>
+          <p:style>
+            <a:lnRef idx="2">
+              <a:schemeClr val="accent1">
+                <a:shade val="15000"/>
+              </a:schemeClr>
+            </a:lnRef>
+            <a:fillRef idx="1">
+              <a:schemeClr val="accent1"/>
+            </a:fillRef>
+            <a:effectRef idx="0">
+              <a:schemeClr val="accent1"/>
+            </a:effectRef>
+            <a:fontRef idx="minor">
+              <a:schemeClr val="lt1"/>
+            </a:fontRef>
+          </p:style>
+          <p:txBody>
+            <a:bodyPr rtlCol="0" anchor="ctr"/>
+            <a:lstStyle/>
+            <a:p>
+              <a:pPr algn="ctr"/>
+              <a:endParaRPr lang="fr-FR"/>
+            </a:p>
+          </p:txBody>
+        </p:sp>
+        <p:sp>
+          <p:nvSpPr>
+            <p:cNvPr id="100" name="Rectangle : coins arrondis 99">
+              <a:extLst>
+                <a:ext uri="{FF2B5EF4-FFF2-40B4-BE49-F238E27FC236}">
+                  <a16:creationId xmlns:a16="http://schemas.microsoft.com/office/drawing/2014/main" id="{095FFEEF-4B34-3A3A-77D3-8C34C1C05CDF}"/>
+                </a:ext>
+              </a:extLst>
+            </p:cNvPr>
+            <p:cNvSpPr/>
+            <p:nvPr/>
+          </p:nvSpPr>
+          <p:spPr>
+            <a:xfrm>
+              <a:off x="1699882" y="949954"/>
+              <a:ext cx="9823800" cy="5301456"/>
+            </a:xfrm>
+            <a:prstGeom prst="roundRect">
+              <a:avLst>
+                <a:gd name="adj" fmla="val 0"/>
+              </a:avLst>
+            </a:prstGeom>
+            <a:solidFill>
+              <a:schemeClr val="bg1"/>
+            </a:solidFill>
+            <a:ln w="12700">
+              <a:solidFill>
+                <a:srgbClr val="C00000"/>
+              </a:solidFill>
+              <a:prstDash val="dash"/>
+            </a:ln>
+          </p:spPr>
+          <p:style>
+            <a:lnRef idx="2">
+              <a:schemeClr val="accent1"/>
+            </a:lnRef>
+            <a:fillRef idx="1">
+              <a:schemeClr val="lt1"/>
+            </a:fillRef>
+            <a:effectRef idx="0">
+              <a:schemeClr val="accent1"/>
+            </a:effectRef>
+            <a:fontRef idx="minor">
+              <a:schemeClr val="dk1"/>
+            </a:fontRef>
+          </p:style>
+          <p:txBody>
+            <a:bodyPr rtlCol="0" anchor="ctr"/>
+            <a:lstStyle/>
+            <a:p>
+              <a:pPr algn="ctr"/>
+              <a:endParaRPr lang="en-US" sz="1200" noProof="0" dirty="0">
+                <a:solidFill>
+                  <a:schemeClr val="bg1"/>
+                </a:solidFill>
+                <a:latin typeface="+mj-lt"/>
+              </a:endParaRPr>
+            </a:p>
+          </p:txBody>
+        </p:sp>
+        <p:sp>
+          <p:nvSpPr>
+            <p:cNvPr id="5" name="Rectangle : coins arrondis 4">
+              <a:extLst>
+                <a:ext uri="{FF2B5EF4-FFF2-40B4-BE49-F238E27FC236}">
+                  <a16:creationId xmlns:a16="http://schemas.microsoft.com/office/drawing/2014/main" id="{5309B001-914A-8ED4-4F64-3C40419AE936}"/>
+                </a:ext>
+              </a:extLst>
+            </p:cNvPr>
+            <p:cNvSpPr/>
+            <p:nvPr/>
+          </p:nvSpPr>
+          <p:spPr>
+            <a:xfrm>
+              <a:off x="3062476" y="2631637"/>
+              <a:ext cx="1339925" cy="716773"/>
+            </a:xfrm>
+            <a:prstGeom prst="roundRect">
+              <a:avLst>
+                <a:gd name="adj" fmla="val 0"/>
+              </a:avLst>
+            </a:prstGeom>
+            <a:solidFill>
+              <a:schemeClr val="bg1">
+                <a:lumMod val="95000"/>
+              </a:schemeClr>
+            </a:solidFill>
+            <a:ln w="12700">
+              <a:solidFill>
+                <a:srgbClr val="FF0000"/>
+              </a:solidFill>
+              <a:prstDash val="dash"/>
+            </a:ln>
+          </p:spPr>
+          <p:style>
+            <a:lnRef idx="2">
+              <a:schemeClr val="accent1"/>
+            </a:lnRef>
+            <a:fillRef idx="1">
+              <a:schemeClr val="lt1"/>
+            </a:fillRef>
+            <a:effectRef idx="0">
+              <a:schemeClr val="accent1"/>
+            </a:effectRef>
+            <a:fontRef idx="minor">
+              <a:schemeClr val="dk1"/>
+            </a:fontRef>
+          </p:style>
+          <p:txBody>
+            <a:bodyPr rtlCol="0" anchor="ctr"/>
+            <a:lstStyle/>
+            <a:p>
+              <a:pPr algn="ctr"/>
+              <a:r>
+                <a:rPr lang="en-US" sz="1200" noProof="0" dirty="0">
+                  <a:solidFill>
+                    <a:schemeClr val="tx2">
+                      <a:lumMod val="75000"/>
+                    </a:schemeClr>
+                  </a:solidFill>
+                  <a:latin typeface="+mj-lt"/>
+                </a:rPr>
+                <a:t>DECENTRALIZED TREATMENT</a:t>
+              </a:r>
+            </a:p>
+          </p:txBody>
+        </p:sp>
+        <p:sp>
+          <p:nvSpPr>
+            <p:cNvPr id="6" name="Rectangle : coins arrondis 5">
+              <a:extLst>
+                <a:ext uri="{FF2B5EF4-FFF2-40B4-BE49-F238E27FC236}">
+                  <a16:creationId xmlns:a16="http://schemas.microsoft.com/office/drawing/2014/main" id="{ABDAF7A5-2126-1CD5-1FB4-C2C72080E9B2}"/>
+                </a:ext>
+              </a:extLst>
+            </p:cNvPr>
+            <p:cNvSpPr/>
+            <p:nvPr/>
+          </p:nvSpPr>
+          <p:spPr>
+            <a:xfrm>
+              <a:off x="4697012" y="3763293"/>
+              <a:ext cx="1178529" cy="716773"/>
+            </a:xfrm>
+            <a:prstGeom prst="roundRect">
+              <a:avLst>
+                <a:gd name="adj" fmla="val 0"/>
+              </a:avLst>
+            </a:prstGeom>
+            <a:solidFill>
+              <a:schemeClr val="bg1">
+                <a:lumMod val="95000"/>
+              </a:schemeClr>
+            </a:solidFill>
+            <a:ln w="12700">
+              <a:solidFill>
+                <a:schemeClr val="tx2">
+                  <a:lumMod val="50000"/>
+                </a:schemeClr>
+              </a:solidFill>
+            </a:ln>
+          </p:spPr>
+          <p:style>
+            <a:lnRef idx="2">
+              <a:schemeClr val="accent1"/>
+            </a:lnRef>
+            <a:fillRef idx="1">
+              <a:schemeClr val="lt1"/>
+            </a:fillRef>
+            <a:effectRef idx="0">
+              <a:schemeClr val="accent1"/>
+            </a:effectRef>
+            <a:fontRef idx="minor">
+              <a:schemeClr val="dk1"/>
+            </a:fontRef>
+          </p:style>
+          <p:txBody>
+            <a:bodyPr rtlCol="0" anchor="ctr"/>
+            <a:lstStyle/>
+            <a:p>
+              <a:pPr algn="ctr"/>
+              <a:r>
+                <a:rPr lang="en-US" sz="1200" noProof="0" dirty="0">
+                  <a:solidFill>
+                    <a:schemeClr val="tx2">
+                      <a:lumMod val="75000"/>
+                    </a:schemeClr>
+                  </a:solidFill>
+                  <a:latin typeface="+mj-lt"/>
+                </a:rPr>
+                <a:t>SECONDARY TREATMENT</a:t>
+              </a:r>
+            </a:p>
+          </p:txBody>
+        </p:sp>
+        <p:sp>
+          <p:nvSpPr>
+            <p:cNvPr id="7" name="Rectangle : coins arrondis 6">
+              <a:extLst>
+                <a:ext uri="{FF2B5EF4-FFF2-40B4-BE49-F238E27FC236}">
+                  <a16:creationId xmlns:a16="http://schemas.microsoft.com/office/drawing/2014/main" id="{A2B01227-F2A0-EFAD-7FBC-A1DA9794AAFA}"/>
+                </a:ext>
+              </a:extLst>
+            </p:cNvPr>
+            <p:cNvSpPr/>
+            <p:nvPr/>
+          </p:nvSpPr>
+          <p:spPr>
+            <a:xfrm>
+              <a:off x="6113897" y="1508219"/>
+              <a:ext cx="1920159" cy="2664928"/>
+            </a:xfrm>
+            <a:prstGeom prst="roundRect">
+              <a:avLst>
+                <a:gd name="adj" fmla="val 0"/>
+              </a:avLst>
+            </a:prstGeom>
+            <a:ln w="12700">
+              <a:solidFill>
+                <a:srgbClr val="7030A0"/>
+              </a:solidFill>
+            </a:ln>
+          </p:spPr>
+          <p:style>
+            <a:lnRef idx="2">
+              <a:schemeClr val="accent1"/>
+            </a:lnRef>
+            <a:fillRef idx="1">
+              <a:schemeClr val="lt1"/>
+            </a:fillRef>
+            <a:effectRef idx="0">
+              <a:schemeClr val="accent1"/>
+            </a:effectRef>
+            <a:fontRef idx="minor">
+              <a:schemeClr val="dk1"/>
+            </a:fontRef>
+          </p:style>
+          <p:txBody>
+            <a:bodyPr rtlCol="0" anchor="t"/>
+            <a:lstStyle/>
+            <a:p>
+              <a:pPr algn="ctr"/>
+              <a:r>
+                <a:rPr lang="en-US" sz="1100" dirty="0">
+                  <a:solidFill>
+                    <a:srgbClr val="7030A0"/>
+                  </a:solidFill>
+                  <a:latin typeface="+mj-lt"/>
+                </a:rPr>
+                <a:t>QUATERNARY TREATMENT</a:t>
+              </a:r>
+            </a:p>
+          </p:txBody>
+        </p:sp>
+        <p:sp>
+          <p:nvSpPr>
+            <p:cNvPr id="8" name="Rectangle : coins arrondis 7">
+              <a:extLst>
+                <a:ext uri="{FF2B5EF4-FFF2-40B4-BE49-F238E27FC236}">
+                  <a16:creationId xmlns:a16="http://schemas.microsoft.com/office/drawing/2014/main" id="{DCF373DC-A38D-F3EC-4F8A-49BF3B49A166}"/>
+                </a:ext>
+              </a:extLst>
+            </p:cNvPr>
+            <p:cNvSpPr/>
+            <p:nvPr/>
+          </p:nvSpPr>
+          <p:spPr>
+            <a:xfrm>
+              <a:off x="8872791" y="5532634"/>
+              <a:ext cx="1238569" cy="545056"/>
+            </a:xfrm>
+            <a:prstGeom prst="roundRect">
+              <a:avLst>
+                <a:gd name="adj" fmla="val 0"/>
+              </a:avLst>
+            </a:prstGeom>
+            <a:solidFill>
+              <a:schemeClr val="bg1">
+                <a:lumMod val="95000"/>
+              </a:schemeClr>
+            </a:solidFill>
+            <a:ln w="12700">
+              <a:solidFill>
+                <a:schemeClr val="tx2">
+                  <a:lumMod val="50000"/>
+                </a:schemeClr>
+              </a:solidFill>
+            </a:ln>
+          </p:spPr>
+          <p:style>
+            <a:lnRef idx="2">
+              <a:schemeClr val="accent1"/>
+            </a:lnRef>
+            <a:fillRef idx="1">
+              <a:schemeClr val="lt1"/>
+            </a:fillRef>
+            <a:effectRef idx="0">
+              <a:schemeClr val="accent1"/>
+            </a:effectRef>
+            <a:fontRef idx="minor">
+              <a:schemeClr val="dk1"/>
+            </a:fontRef>
+          </p:style>
+          <p:txBody>
+            <a:bodyPr rtlCol="0" anchor="ctr"/>
+            <a:lstStyle/>
+            <a:p>
+              <a:pPr algn="ctr"/>
+              <a:r>
+                <a:rPr lang="en-US" sz="1200" noProof="0" dirty="0">
+                  <a:solidFill>
+                    <a:schemeClr val="tx2">
+                      <a:lumMod val="75000"/>
+                    </a:schemeClr>
+                  </a:solidFill>
+                  <a:latin typeface="+mj-lt"/>
+                </a:rPr>
+                <a:t>INCINERATION</a:t>
+              </a:r>
+            </a:p>
+          </p:txBody>
+        </p:sp>
+        <p:sp>
+          <p:nvSpPr>
+            <p:cNvPr id="9" name="Rectangle : coins arrondis 8">
+              <a:extLst>
+                <a:ext uri="{FF2B5EF4-FFF2-40B4-BE49-F238E27FC236}">
+                  <a16:creationId xmlns:a16="http://schemas.microsoft.com/office/drawing/2014/main" id="{BED44790-7290-9527-1A0E-E6FC6888C3E9}"/>
+                </a:ext>
+              </a:extLst>
+            </p:cNvPr>
+            <p:cNvSpPr/>
+            <p:nvPr/>
+          </p:nvSpPr>
+          <p:spPr>
+            <a:xfrm>
+              <a:off x="6276416" y="1869202"/>
+              <a:ext cx="1628775" cy="442474"/>
+            </a:xfrm>
+            <a:prstGeom prst="roundRect">
+              <a:avLst>
+                <a:gd name="adj" fmla="val 0"/>
+              </a:avLst>
+            </a:prstGeom>
+            <a:solidFill>
+              <a:schemeClr val="bg1">
+                <a:lumMod val="95000"/>
+              </a:schemeClr>
+            </a:solidFill>
+            <a:ln w="12700">
+              <a:solidFill>
+                <a:schemeClr val="tx2">
+                  <a:lumMod val="50000"/>
+                </a:schemeClr>
+              </a:solidFill>
+            </a:ln>
+          </p:spPr>
+          <p:style>
+            <a:lnRef idx="2">
+              <a:schemeClr val="accent1"/>
+            </a:lnRef>
+            <a:fillRef idx="1">
+              <a:schemeClr val="lt1"/>
+            </a:fillRef>
+            <a:effectRef idx="0">
+              <a:schemeClr val="accent1"/>
+            </a:effectRef>
+            <a:fontRef idx="minor">
+              <a:schemeClr val="dk1"/>
+            </a:fontRef>
+          </p:style>
+          <p:txBody>
+            <a:bodyPr rtlCol="0" anchor="ctr"/>
+            <a:lstStyle/>
+            <a:p>
+              <a:pPr algn="ctr"/>
+              <a:r>
+                <a:rPr lang="en-US" sz="1200" dirty="0">
+                  <a:solidFill>
+                    <a:schemeClr val="tx2">
+                      <a:lumMod val="75000"/>
+                    </a:schemeClr>
+                  </a:solidFill>
+                  <a:latin typeface="+mj-lt"/>
+                </a:rPr>
+                <a:t>NO FURTHER </a:t>
+              </a:r>
+              <a:r>
+                <a:rPr lang="en-US" sz="1200">
+                  <a:solidFill>
+                    <a:schemeClr val="tx2">
+                      <a:lumMod val="75000"/>
+                    </a:schemeClr>
+                  </a:solidFill>
+                  <a:latin typeface="+mj-lt"/>
+                </a:rPr>
+                <a:t>TREATMENT </a:t>
+              </a:r>
+              <a:endParaRPr lang="en-US" sz="1200" dirty="0">
+                <a:solidFill>
+                  <a:schemeClr val="tx2">
+                    <a:lumMod val="75000"/>
+                  </a:schemeClr>
+                </a:solidFill>
+                <a:latin typeface="+mj-lt"/>
+              </a:endParaRPr>
+            </a:p>
+          </p:txBody>
+        </p:sp>
+        <p:sp>
+          <p:nvSpPr>
+            <p:cNvPr id="10" name="Rectangle : coins arrondis 9">
+              <a:extLst>
+                <a:ext uri="{FF2B5EF4-FFF2-40B4-BE49-F238E27FC236}">
+                  <a16:creationId xmlns:a16="http://schemas.microsoft.com/office/drawing/2014/main" id="{82442D9B-56AB-8489-8270-60EC735D433F}"/>
+                </a:ext>
+              </a:extLst>
+            </p:cNvPr>
+            <p:cNvSpPr/>
+            <p:nvPr/>
+          </p:nvSpPr>
+          <p:spPr>
+            <a:xfrm>
+              <a:off x="6276415" y="2417669"/>
+              <a:ext cx="1628775" cy="442474"/>
+            </a:xfrm>
+            <a:prstGeom prst="roundRect">
+              <a:avLst>
+                <a:gd name="adj" fmla="val 0"/>
+              </a:avLst>
+            </a:prstGeom>
+            <a:solidFill>
+              <a:schemeClr val="bg1">
+                <a:lumMod val="95000"/>
+              </a:schemeClr>
+            </a:solidFill>
+            <a:ln w="12700">
+              <a:solidFill>
+                <a:schemeClr val="tx2">
+                  <a:lumMod val="50000"/>
+                </a:schemeClr>
+              </a:solidFill>
+            </a:ln>
+          </p:spPr>
+          <p:style>
+            <a:lnRef idx="2">
+              <a:schemeClr val="accent1"/>
+            </a:lnRef>
+            <a:fillRef idx="1">
+              <a:schemeClr val="lt1"/>
+            </a:fillRef>
+            <a:effectRef idx="0">
+              <a:schemeClr val="accent1"/>
+            </a:effectRef>
+            <a:fontRef idx="minor">
+              <a:schemeClr val="dk1"/>
+            </a:fontRef>
+          </p:style>
+          <p:txBody>
+            <a:bodyPr rtlCol="0" anchor="ctr"/>
+            <a:lstStyle/>
+            <a:p>
+              <a:pPr algn="ctr"/>
+              <a:r>
+                <a:rPr lang="en-US" sz="1200" dirty="0">
+                  <a:solidFill>
+                    <a:schemeClr val="tx2">
+                      <a:lumMod val="75000"/>
+                    </a:schemeClr>
+                  </a:solidFill>
+                  <a:latin typeface="+mj-lt"/>
+                </a:rPr>
+                <a:t>ADVANCED OXIDATION TREATMENT</a:t>
+              </a:r>
+            </a:p>
+          </p:txBody>
+        </p:sp>
+        <p:sp>
+          <p:nvSpPr>
+            <p:cNvPr id="11" name="Rectangle : coins arrondis 10">
+              <a:extLst>
+                <a:ext uri="{FF2B5EF4-FFF2-40B4-BE49-F238E27FC236}">
+                  <a16:creationId xmlns:a16="http://schemas.microsoft.com/office/drawing/2014/main" id="{78294EF3-DC01-A71A-5E27-14A84A420979}"/>
+                </a:ext>
+              </a:extLst>
+            </p:cNvPr>
+            <p:cNvSpPr/>
+            <p:nvPr/>
+          </p:nvSpPr>
+          <p:spPr>
+            <a:xfrm>
+              <a:off x="6276415" y="2966136"/>
+              <a:ext cx="1628775" cy="442474"/>
+            </a:xfrm>
+            <a:prstGeom prst="roundRect">
+              <a:avLst>
+                <a:gd name="adj" fmla="val 0"/>
+              </a:avLst>
+            </a:prstGeom>
+            <a:solidFill>
+              <a:schemeClr val="bg1">
+                <a:lumMod val="95000"/>
+              </a:schemeClr>
+            </a:solidFill>
+            <a:ln w="12700">
+              <a:solidFill>
+                <a:schemeClr val="tx2">
+                  <a:lumMod val="50000"/>
+                </a:schemeClr>
+              </a:solidFill>
+            </a:ln>
+          </p:spPr>
+          <p:style>
+            <a:lnRef idx="2">
+              <a:schemeClr val="accent1"/>
+            </a:lnRef>
+            <a:fillRef idx="1">
+              <a:schemeClr val="lt1"/>
+            </a:fillRef>
+            <a:effectRef idx="0">
+              <a:schemeClr val="accent1"/>
+            </a:effectRef>
+            <a:fontRef idx="minor">
+              <a:schemeClr val="dk1"/>
+            </a:fontRef>
+          </p:style>
+          <p:txBody>
+            <a:bodyPr rtlCol="0" anchor="ctr"/>
+            <a:lstStyle/>
+            <a:p>
+              <a:pPr algn="ctr"/>
+              <a:r>
+                <a:rPr lang="en-US" sz="1200" dirty="0">
+                  <a:solidFill>
+                    <a:schemeClr val="tx2">
+                      <a:lumMod val="75000"/>
+                    </a:schemeClr>
+                  </a:solidFill>
+                  <a:latin typeface="+mj-lt"/>
+                </a:rPr>
+                <a:t>OZONATION</a:t>
+              </a:r>
+            </a:p>
+          </p:txBody>
+        </p:sp>
+        <p:sp>
+          <p:nvSpPr>
+            <p:cNvPr id="12" name="Rectangle : coins arrondis 11">
+              <a:extLst>
+                <a:ext uri="{FF2B5EF4-FFF2-40B4-BE49-F238E27FC236}">
+                  <a16:creationId xmlns:a16="http://schemas.microsoft.com/office/drawing/2014/main" id="{4D02F8A3-4EDB-A0EF-4FF1-D57A0B561279}"/>
+                </a:ext>
+              </a:extLst>
+            </p:cNvPr>
+            <p:cNvSpPr/>
+            <p:nvPr/>
+          </p:nvSpPr>
+          <p:spPr>
+            <a:xfrm>
+              <a:off x="6270783" y="3546360"/>
+              <a:ext cx="1628775" cy="442474"/>
+            </a:xfrm>
+            <a:prstGeom prst="roundRect">
+              <a:avLst>
+                <a:gd name="adj" fmla="val 0"/>
+              </a:avLst>
+            </a:prstGeom>
+            <a:solidFill>
+              <a:schemeClr val="bg1">
+                <a:lumMod val="95000"/>
+              </a:schemeClr>
+            </a:solidFill>
+            <a:ln w="12700">
+              <a:solidFill>
+                <a:schemeClr val="tx2">
+                  <a:lumMod val="50000"/>
+                </a:schemeClr>
+              </a:solidFill>
+            </a:ln>
+          </p:spPr>
+          <p:style>
+            <a:lnRef idx="2">
+              <a:schemeClr val="accent1"/>
+            </a:lnRef>
+            <a:fillRef idx="1">
+              <a:schemeClr val="lt1"/>
+            </a:fillRef>
+            <a:effectRef idx="0">
+              <a:schemeClr val="accent1"/>
+            </a:effectRef>
+            <a:fontRef idx="minor">
+              <a:schemeClr val="dk1"/>
+            </a:fontRef>
+          </p:style>
+          <p:txBody>
+            <a:bodyPr rtlCol="0" anchor="ctr"/>
+            <a:lstStyle/>
+            <a:p>
+              <a:pPr algn="ctr"/>
+              <a:r>
+                <a:rPr lang="en-US" sz="1200" dirty="0">
+                  <a:solidFill>
+                    <a:schemeClr val="tx2">
+                      <a:lumMod val="75000"/>
+                    </a:schemeClr>
+                  </a:solidFill>
+                  <a:latin typeface="+mj-lt"/>
+                </a:rPr>
+                <a:t>ACTIVATED CARBON</a:t>
+              </a:r>
+            </a:p>
+          </p:txBody>
+        </p:sp>
+        <p:sp>
+          <p:nvSpPr>
+            <p:cNvPr id="13" name="Rectangle : coins arrondis 12">
+              <a:extLst>
+                <a:ext uri="{FF2B5EF4-FFF2-40B4-BE49-F238E27FC236}">
+                  <a16:creationId xmlns:a16="http://schemas.microsoft.com/office/drawing/2014/main" id="{B93C1459-17E1-B226-F5CA-EB2C8B942094}"/>
+                </a:ext>
+              </a:extLst>
+            </p:cNvPr>
+            <p:cNvSpPr/>
+            <p:nvPr/>
+          </p:nvSpPr>
+          <p:spPr>
+            <a:xfrm>
+              <a:off x="1701121" y="2701956"/>
+              <a:ext cx="1171855" cy="576136"/>
+            </a:xfrm>
+            <a:prstGeom prst="roundRect">
+              <a:avLst>
+                <a:gd name="adj" fmla="val 50000"/>
+              </a:avLst>
+            </a:prstGeom>
+            <a:ln w="12700">
+              <a:solidFill>
+                <a:schemeClr val="tx2">
+                  <a:lumMod val="50000"/>
+                </a:schemeClr>
+              </a:solidFill>
+            </a:ln>
+          </p:spPr>
+          <p:style>
+            <a:lnRef idx="2">
+              <a:schemeClr val="accent1"/>
+            </a:lnRef>
+            <a:fillRef idx="1">
+              <a:schemeClr val="lt1"/>
+            </a:fillRef>
+            <a:effectRef idx="0">
+              <a:schemeClr val="accent1"/>
+            </a:effectRef>
+            <a:fontRef idx="minor">
+              <a:schemeClr val="dk1"/>
+            </a:fontRef>
+          </p:style>
+          <p:txBody>
+            <a:bodyPr rtlCol="0" anchor="ctr"/>
+            <a:lstStyle/>
+            <a:p>
+              <a:pPr algn="ctr"/>
+              <a:r>
+                <a:rPr lang="en-US" sz="1050" noProof="0" dirty="0">
+                  <a:solidFill>
+                    <a:schemeClr val="tx2">
+                      <a:lumMod val="75000"/>
+                    </a:schemeClr>
+                  </a:solidFill>
+                  <a:latin typeface="+mj-lt"/>
+                </a:rPr>
+                <a:t>Industrial wastewater</a:t>
+              </a:r>
+            </a:p>
+          </p:txBody>
+        </p:sp>
+        <p:sp>
+          <p:nvSpPr>
+            <p:cNvPr id="14" name="Rectangle : coins arrondis 13">
+              <a:extLst>
+                <a:ext uri="{FF2B5EF4-FFF2-40B4-BE49-F238E27FC236}">
+                  <a16:creationId xmlns:a16="http://schemas.microsoft.com/office/drawing/2014/main" id="{7E83676A-E8C1-C7EE-A12D-01933056F480}"/>
+                </a:ext>
+              </a:extLst>
+            </p:cNvPr>
+            <p:cNvSpPr/>
+            <p:nvPr/>
+          </p:nvSpPr>
+          <p:spPr>
+            <a:xfrm>
+              <a:off x="1710401" y="4492037"/>
+              <a:ext cx="1171855" cy="576136"/>
+            </a:xfrm>
+            <a:prstGeom prst="roundRect">
+              <a:avLst>
+                <a:gd name="adj" fmla="val 50000"/>
+              </a:avLst>
+            </a:prstGeom>
+            <a:ln w="12700">
+              <a:solidFill>
+                <a:schemeClr val="tx2">
+                  <a:lumMod val="50000"/>
+                </a:schemeClr>
+              </a:solidFill>
+            </a:ln>
+          </p:spPr>
+          <p:style>
+            <a:lnRef idx="2">
+              <a:schemeClr val="accent1"/>
+            </a:lnRef>
+            <a:fillRef idx="1">
+              <a:schemeClr val="lt1"/>
+            </a:fillRef>
+            <a:effectRef idx="0">
+              <a:schemeClr val="accent1"/>
+            </a:effectRef>
+            <a:fontRef idx="minor">
+              <a:schemeClr val="dk1"/>
+            </a:fontRef>
+          </p:style>
+          <p:txBody>
+            <a:bodyPr rtlCol="0" anchor="ctr"/>
+            <a:lstStyle/>
+            <a:p>
+              <a:pPr algn="ctr"/>
+              <a:r>
+                <a:rPr lang="en-US" sz="1050" dirty="0">
+                  <a:solidFill>
+                    <a:schemeClr val="tx2">
+                      <a:lumMod val="75000"/>
+                    </a:schemeClr>
+                  </a:solidFill>
+                  <a:latin typeface="+mj-lt"/>
+                </a:rPr>
+                <a:t>Domestic</a:t>
+              </a:r>
+              <a:r>
+                <a:rPr lang="en-US" sz="1050" noProof="0" dirty="0">
+                  <a:solidFill>
+                    <a:schemeClr val="tx2">
+                      <a:lumMod val="75000"/>
+                    </a:schemeClr>
+                  </a:solidFill>
+                  <a:latin typeface="+mj-lt"/>
+                </a:rPr>
+                <a:t> wastewater</a:t>
+              </a:r>
+            </a:p>
+          </p:txBody>
+        </p:sp>
+        <p:sp>
+          <p:nvSpPr>
+            <p:cNvPr id="16" name="Rectangle : coins arrondis 15">
+              <a:extLst>
+                <a:ext uri="{FF2B5EF4-FFF2-40B4-BE49-F238E27FC236}">
+                  <a16:creationId xmlns:a16="http://schemas.microsoft.com/office/drawing/2014/main" id="{0D91313C-4DA1-115D-6F2C-E7DF7C4993EA}"/>
+                </a:ext>
+              </a:extLst>
+            </p:cNvPr>
+            <p:cNvSpPr/>
+            <p:nvPr/>
+          </p:nvSpPr>
+          <p:spPr>
+            <a:xfrm>
+              <a:off x="7360013" y="5219615"/>
+              <a:ext cx="1171855" cy="576136"/>
+            </a:xfrm>
+            <a:prstGeom prst="roundRect">
+              <a:avLst>
+                <a:gd name="adj" fmla="val 50000"/>
+              </a:avLst>
+            </a:prstGeom>
+            <a:ln w="12700">
+              <a:solidFill>
+                <a:schemeClr val="tx2">
+                  <a:lumMod val="50000"/>
+                </a:schemeClr>
+              </a:solidFill>
+            </a:ln>
+          </p:spPr>
+          <p:style>
+            <a:lnRef idx="2">
+              <a:schemeClr val="accent1"/>
+            </a:lnRef>
+            <a:fillRef idx="1">
+              <a:schemeClr val="lt1"/>
+            </a:fillRef>
+            <a:effectRef idx="0">
+              <a:schemeClr val="accent1"/>
+            </a:effectRef>
+            <a:fontRef idx="minor">
+              <a:schemeClr val="dk1"/>
+            </a:fontRef>
+          </p:style>
+          <p:txBody>
+            <a:bodyPr rtlCol="0" anchor="ctr"/>
+            <a:lstStyle/>
+            <a:p>
+              <a:pPr algn="ctr"/>
+              <a:r>
+                <a:rPr lang="en-US" sz="1050" dirty="0">
+                  <a:solidFill>
+                    <a:schemeClr val="tx2">
+                      <a:lumMod val="75000"/>
+                    </a:schemeClr>
+                  </a:solidFill>
+                  <a:latin typeface="+mj-lt"/>
+                </a:rPr>
+                <a:t>Sludge</a:t>
+              </a:r>
+              <a:endParaRPr lang="en-US" sz="1050" noProof="0" dirty="0">
+                <a:solidFill>
+                  <a:schemeClr val="tx2">
+                    <a:lumMod val="75000"/>
+                  </a:schemeClr>
+                </a:solidFill>
+                <a:latin typeface="+mj-lt"/>
+              </a:endParaRPr>
+            </a:p>
+          </p:txBody>
+        </p:sp>
+        <p:sp>
+          <p:nvSpPr>
+            <p:cNvPr id="17" name="Rectangle : coins arrondis 16">
+              <a:extLst>
+                <a:ext uri="{FF2B5EF4-FFF2-40B4-BE49-F238E27FC236}">
+                  <a16:creationId xmlns:a16="http://schemas.microsoft.com/office/drawing/2014/main" id="{6931D092-921F-B3BC-F9D7-42983B9EC99A}"/>
+                </a:ext>
+              </a:extLst>
+            </p:cNvPr>
+            <p:cNvSpPr/>
+            <p:nvPr/>
+          </p:nvSpPr>
+          <p:spPr>
+            <a:xfrm>
+              <a:off x="7341628" y="4319315"/>
+              <a:ext cx="1171855" cy="576136"/>
+            </a:xfrm>
+            <a:prstGeom prst="roundRect">
+              <a:avLst>
+                <a:gd name="adj" fmla="val 50000"/>
+              </a:avLst>
+            </a:prstGeom>
+            <a:ln w="12700">
+              <a:solidFill>
+                <a:schemeClr val="tx2">
+                  <a:lumMod val="50000"/>
+                </a:schemeClr>
+              </a:solidFill>
+            </a:ln>
+          </p:spPr>
+          <p:style>
+            <a:lnRef idx="2">
+              <a:schemeClr val="accent1"/>
+            </a:lnRef>
+            <a:fillRef idx="1">
+              <a:schemeClr val="lt1"/>
+            </a:fillRef>
+            <a:effectRef idx="0">
+              <a:schemeClr val="accent1"/>
+            </a:effectRef>
+            <a:fontRef idx="minor">
+              <a:schemeClr val="dk1"/>
+            </a:fontRef>
+          </p:style>
+          <p:txBody>
+            <a:bodyPr rtlCol="0" anchor="ctr"/>
+            <a:lstStyle/>
+            <a:p>
+              <a:pPr algn="ctr"/>
+              <a:r>
+                <a:rPr lang="en-US" sz="1050" dirty="0">
+                  <a:solidFill>
+                    <a:schemeClr val="tx2">
+                      <a:lumMod val="75000"/>
+                    </a:schemeClr>
+                  </a:solidFill>
+                  <a:latin typeface="+mj-lt"/>
+                </a:rPr>
+                <a:t>Fertilizers</a:t>
+              </a:r>
+              <a:endParaRPr lang="en-US" sz="1050" noProof="0" dirty="0">
+                <a:solidFill>
+                  <a:schemeClr val="tx2">
+                    <a:lumMod val="75000"/>
+                  </a:schemeClr>
+                </a:solidFill>
+                <a:latin typeface="+mj-lt"/>
+              </a:endParaRPr>
+            </a:p>
+          </p:txBody>
+        </p:sp>
+        <p:sp>
+          <p:nvSpPr>
+            <p:cNvPr id="18" name="Losange 17">
+              <a:extLst>
+                <a:ext uri="{FF2B5EF4-FFF2-40B4-BE49-F238E27FC236}">
+                  <a16:creationId xmlns:a16="http://schemas.microsoft.com/office/drawing/2014/main" id="{C7A4266B-0F7F-7B10-EA3F-FC93DBA35172}"/>
+                </a:ext>
+              </a:extLst>
+            </p:cNvPr>
+            <p:cNvSpPr/>
+            <p:nvPr/>
+          </p:nvSpPr>
+          <p:spPr>
+            <a:xfrm>
+              <a:off x="8299659" y="2431443"/>
+              <a:ext cx="1695488" cy="982539"/>
+            </a:xfrm>
+            <a:prstGeom prst="diamond">
+              <a:avLst/>
+            </a:prstGeom>
+            <a:ln w="12700">
+              <a:solidFill>
+                <a:schemeClr val="tx2">
+                  <a:lumMod val="50000"/>
+                </a:schemeClr>
+              </a:solidFill>
+              <a:prstDash val="sysDot"/>
+            </a:ln>
+          </p:spPr>
+          <p:style>
+            <a:lnRef idx="2">
+              <a:schemeClr val="accent1"/>
+            </a:lnRef>
+            <a:fillRef idx="1">
+              <a:schemeClr val="lt1"/>
+            </a:fillRef>
+            <a:effectRef idx="0">
+              <a:schemeClr val="accent1"/>
+            </a:effectRef>
+            <a:fontRef idx="minor">
+              <a:schemeClr val="dk1"/>
+            </a:fontRef>
+          </p:style>
+          <p:txBody>
+            <a:bodyPr rtlCol="0" anchor="ctr"/>
+            <a:lstStyle/>
+            <a:p>
+              <a:pPr algn="ctr"/>
+              <a:r>
+                <a:rPr lang="en-US" sz="1050" dirty="0">
+                  <a:solidFill>
+                    <a:schemeClr val="tx2">
+                      <a:lumMod val="75000"/>
+                    </a:schemeClr>
+                  </a:solidFill>
+                  <a:latin typeface="+mj-lt"/>
+                </a:rPr>
+                <a:t>Water discharge</a:t>
+              </a:r>
+              <a:endParaRPr lang="en-US" sz="1050" noProof="0" dirty="0">
+                <a:solidFill>
+                  <a:schemeClr val="tx2">
+                    <a:lumMod val="75000"/>
+                  </a:schemeClr>
+                </a:solidFill>
+                <a:latin typeface="+mj-lt"/>
+              </a:endParaRPr>
+            </a:p>
+          </p:txBody>
+        </p:sp>
+        <p:sp>
+          <p:nvSpPr>
+            <p:cNvPr id="19" name="Losange 18">
+              <a:extLst>
+                <a:ext uri="{FF2B5EF4-FFF2-40B4-BE49-F238E27FC236}">
+                  <a16:creationId xmlns:a16="http://schemas.microsoft.com/office/drawing/2014/main" id="{DC20C1F5-FB82-E2FC-2C91-85E3C223A16D}"/>
+                </a:ext>
+              </a:extLst>
+            </p:cNvPr>
+            <p:cNvSpPr/>
+            <p:nvPr/>
+          </p:nvSpPr>
+          <p:spPr>
+            <a:xfrm>
+              <a:off x="9289693" y="1227850"/>
+              <a:ext cx="1891449" cy="1008055"/>
+            </a:xfrm>
+            <a:prstGeom prst="diamond">
+              <a:avLst/>
+            </a:prstGeom>
+            <a:noFill/>
+            <a:ln w="12700">
+              <a:solidFill>
+                <a:schemeClr val="tx2">
+                  <a:lumMod val="50000"/>
+                </a:schemeClr>
+              </a:solidFill>
+              <a:prstDash val="sysDot"/>
+            </a:ln>
+          </p:spPr>
+          <p:style>
+            <a:lnRef idx="2">
+              <a:schemeClr val="accent1"/>
+            </a:lnRef>
+            <a:fillRef idx="1">
+              <a:schemeClr val="lt1"/>
+            </a:fillRef>
+            <a:effectRef idx="0">
+              <a:schemeClr val="accent1"/>
+            </a:effectRef>
+            <a:fontRef idx="minor">
+              <a:schemeClr val="dk1"/>
+            </a:fontRef>
+          </p:style>
+          <p:txBody>
+            <a:bodyPr rtlCol="0" anchor="ctr"/>
+            <a:lstStyle/>
+            <a:p>
+              <a:pPr algn="ctr"/>
+              <a:r>
+                <a:rPr lang="en-US" sz="1200" noProof="0" dirty="0">
+                  <a:solidFill>
+                    <a:schemeClr val="tx2">
+                      <a:lumMod val="75000"/>
+                    </a:schemeClr>
+                  </a:solidFill>
+                  <a:latin typeface="+mj-lt"/>
+                </a:rPr>
+                <a:t>Irrigation</a:t>
+              </a:r>
+            </a:p>
+          </p:txBody>
+        </p:sp>
+        <p:cxnSp>
+          <p:nvCxnSpPr>
+            <p:cNvPr id="23" name="Connecteur en arc 22">
+              <a:extLst>
+                <a:ext uri="{FF2B5EF4-FFF2-40B4-BE49-F238E27FC236}">
+                  <a16:creationId xmlns:a16="http://schemas.microsoft.com/office/drawing/2014/main" id="{4C6F811F-2BE7-1100-6F25-2DE901587C9E}"/>
+                </a:ext>
+              </a:extLst>
+            </p:cNvPr>
+            <p:cNvCxnSpPr>
+              <a:cxnSpLocks/>
+              <a:stCxn id="13" idx="3"/>
+              <a:endCxn id="5" idx="1"/>
+            </p:cNvCxnSpPr>
+            <p:nvPr/>
+          </p:nvCxnSpPr>
+          <p:spPr>
+            <a:xfrm>
+              <a:off x="2872976" y="2990024"/>
+              <a:ext cx="189500" cy="12700"/>
+            </a:xfrm>
+            <a:prstGeom prst="curvedConnector3">
+              <a:avLst/>
+            </a:prstGeom>
+            <a:ln w="12700">
+              <a:solidFill>
+                <a:schemeClr val="tx2">
+                  <a:lumMod val="75000"/>
+                </a:schemeClr>
+              </a:solidFill>
+              <a:tailEnd type="triangle"/>
+            </a:ln>
+          </p:spPr>
+          <p:style>
+            <a:lnRef idx="1">
+              <a:schemeClr val="accent1"/>
+            </a:lnRef>
+            <a:fillRef idx="0">
+              <a:schemeClr val="accent1"/>
+            </a:fillRef>
+            <a:effectRef idx="0">
+              <a:schemeClr val="accent1"/>
+            </a:effectRef>
+            <a:fontRef idx="minor">
+              <a:schemeClr val="tx1"/>
+            </a:fontRef>
+          </p:style>
+        </p:cxnSp>
+        <p:cxnSp>
+          <p:nvCxnSpPr>
+            <p:cNvPr id="27" name="Connecteur en arc 26">
+              <a:extLst>
+                <a:ext uri="{FF2B5EF4-FFF2-40B4-BE49-F238E27FC236}">
+                  <a16:creationId xmlns:a16="http://schemas.microsoft.com/office/drawing/2014/main" id="{DB07E28C-7922-A6BC-5B16-6B19D77BB534}"/>
+                </a:ext>
+              </a:extLst>
+            </p:cNvPr>
+            <p:cNvCxnSpPr>
+              <a:cxnSpLocks/>
+              <a:stCxn id="14" idx="3"/>
+              <a:endCxn id="6" idx="1"/>
+            </p:cNvCxnSpPr>
+            <p:nvPr/>
+          </p:nvCxnSpPr>
+          <p:spPr>
+            <a:xfrm flipV="1">
+              <a:off x="2882256" y="4121680"/>
+              <a:ext cx="1814756" cy="658425"/>
+            </a:xfrm>
+            <a:prstGeom prst="curvedConnector3">
+              <a:avLst/>
+            </a:prstGeom>
+            <a:ln w="12700">
+              <a:solidFill>
+                <a:schemeClr val="tx2">
+                  <a:lumMod val="75000"/>
+                </a:schemeClr>
+              </a:solidFill>
+              <a:tailEnd type="triangle"/>
+            </a:ln>
+          </p:spPr>
+          <p:style>
+            <a:lnRef idx="1">
+              <a:schemeClr val="accent1"/>
+            </a:lnRef>
+            <a:fillRef idx="0">
+              <a:schemeClr val="accent1"/>
+            </a:fillRef>
+            <a:effectRef idx="0">
+              <a:schemeClr val="accent1"/>
+            </a:effectRef>
+            <a:fontRef idx="minor">
+              <a:schemeClr val="tx1"/>
+            </a:fontRef>
+          </p:style>
+        </p:cxnSp>
+        <p:cxnSp>
+          <p:nvCxnSpPr>
+            <p:cNvPr id="42" name="Connecteur en arc 41">
+              <a:extLst>
+                <a:ext uri="{FF2B5EF4-FFF2-40B4-BE49-F238E27FC236}">
+                  <a16:creationId xmlns:a16="http://schemas.microsoft.com/office/drawing/2014/main" id="{C2EBE813-B864-BB8B-DF82-9BEA349C362E}"/>
+                </a:ext>
+              </a:extLst>
+            </p:cNvPr>
+            <p:cNvCxnSpPr>
+              <a:cxnSpLocks/>
+              <a:stCxn id="5" idx="3"/>
+              <a:endCxn id="6" idx="1"/>
+            </p:cNvCxnSpPr>
+            <p:nvPr/>
+          </p:nvCxnSpPr>
+          <p:spPr>
+            <a:xfrm>
+              <a:off x="4402401" y="2990024"/>
+              <a:ext cx="294611" cy="1131656"/>
+            </a:xfrm>
+            <a:prstGeom prst="curvedConnector3">
+              <a:avLst>
+                <a:gd name="adj1" fmla="val 50000"/>
+              </a:avLst>
+            </a:prstGeom>
+            <a:ln w="12700">
+              <a:solidFill>
+                <a:schemeClr val="tx2">
+                  <a:lumMod val="75000"/>
+                </a:schemeClr>
+              </a:solidFill>
+              <a:tailEnd type="triangle"/>
+            </a:ln>
+          </p:spPr>
+          <p:style>
+            <a:lnRef idx="1">
+              <a:schemeClr val="accent1"/>
+            </a:lnRef>
+            <a:fillRef idx="0">
+              <a:schemeClr val="accent1"/>
+            </a:fillRef>
+            <a:effectRef idx="0">
+              <a:schemeClr val="accent1"/>
+            </a:effectRef>
+            <a:fontRef idx="minor">
+              <a:schemeClr val="tx1"/>
+            </a:fontRef>
+          </p:style>
+        </p:cxnSp>
+        <p:cxnSp>
+          <p:nvCxnSpPr>
+            <p:cNvPr id="50" name="Connecteur en arc 49">
+              <a:extLst>
+                <a:ext uri="{FF2B5EF4-FFF2-40B4-BE49-F238E27FC236}">
+                  <a16:creationId xmlns:a16="http://schemas.microsoft.com/office/drawing/2014/main" id="{D045D39F-F115-9578-45B0-D3A3C9C166C3}"/>
+                </a:ext>
+              </a:extLst>
+            </p:cNvPr>
+            <p:cNvCxnSpPr>
+              <a:cxnSpLocks/>
+              <a:stCxn id="6" idx="3"/>
+              <a:endCxn id="12" idx="1"/>
+            </p:cNvCxnSpPr>
+            <p:nvPr/>
+          </p:nvCxnSpPr>
+          <p:spPr>
+            <a:xfrm flipV="1">
+              <a:off x="5875541" y="3767597"/>
+              <a:ext cx="395242" cy="354083"/>
+            </a:xfrm>
+            <a:prstGeom prst="curvedConnector3">
+              <a:avLst>
+                <a:gd name="adj1" fmla="val 50000"/>
+              </a:avLst>
+            </a:prstGeom>
+            <a:ln w="12700">
+              <a:solidFill>
+                <a:schemeClr val="tx2">
+                  <a:lumMod val="75000"/>
+                </a:schemeClr>
+              </a:solidFill>
+              <a:tailEnd type="triangle"/>
+            </a:ln>
+          </p:spPr>
+          <p:style>
+            <a:lnRef idx="1">
+              <a:schemeClr val="accent1"/>
+            </a:lnRef>
+            <a:fillRef idx="0">
+              <a:schemeClr val="accent1"/>
+            </a:fillRef>
+            <a:effectRef idx="0">
+              <a:schemeClr val="accent1"/>
+            </a:effectRef>
+            <a:fontRef idx="minor">
+              <a:schemeClr val="tx1"/>
+            </a:fontRef>
+          </p:style>
+        </p:cxnSp>
+        <p:cxnSp>
+          <p:nvCxnSpPr>
+            <p:cNvPr id="53" name="Connecteur en arc 52">
+              <a:extLst>
+                <a:ext uri="{FF2B5EF4-FFF2-40B4-BE49-F238E27FC236}">
+                  <a16:creationId xmlns:a16="http://schemas.microsoft.com/office/drawing/2014/main" id="{6583A827-9A47-831F-FB95-E179A006F230}"/>
+                </a:ext>
+              </a:extLst>
+            </p:cNvPr>
+            <p:cNvCxnSpPr>
+              <a:cxnSpLocks/>
+              <a:stCxn id="6" idx="3"/>
+              <a:endCxn id="11" idx="1"/>
+            </p:cNvCxnSpPr>
+            <p:nvPr/>
+          </p:nvCxnSpPr>
+          <p:spPr>
+            <a:xfrm flipV="1">
+              <a:off x="5875541" y="3187373"/>
+              <a:ext cx="400874" cy="934307"/>
+            </a:xfrm>
+            <a:prstGeom prst="curvedConnector3">
+              <a:avLst>
+                <a:gd name="adj1" fmla="val 50000"/>
+              </a:avLst>
+            </a:prstGeom>
+            <a:ln w="12700">
+              <a:solidFill>
+                <a:schemeClr val="tx2">
+                  <a:lumMod val="75000"/>
+                </a:schemeClr>
+              </a:solidFill>
+              <a:tailEnd type="triangle"/>
+            </a:ln>
+          </p:spPr>
+          <p:style>
+            <a:lnRef idx="1">
+              <a:schemeClr val="accent1"/>
+            </a:lnRef>
+            <a:fillRef idx="0">
+              <a:schemeClr val="accent1"/>
+            </a:fillRef>
+            <a:effectRef idx="0">
+              <a:schemeClr val="accent1"/>
+            </a:effectRef>
+            <a:fontRef idx="minor">
+              <a:schemeClr val="tx1"/>
+            </a:fontRef>
+          </p:style>
+        </p:cxnSp>
+        <p:cxnSp>
+          <p:nvCxnSpPr>
+            <p:cNvPr id="56" name="Connecteur en arc 55">
+              <a:extLst>
+                <a:ext uri="{FF2B5EF4-FFF2-40B4-BE49-F238E27FC236}">
+                  <a16:creationId xmlns:a16="http://schemas.microsoft.com/office/drawing/2014/main" id="{6657EFB0-E98B-3E9A-CF7F-ED4760403B20}"/>
+                </a:ext>
+              </a:extLst>
+            </p:cNvPr>
+            <p:cNvCxnSpPr>
+              <a:cxnSpLocks/>
+              <a:stCxn id="6" idx="3"/>
+              <a:endCxn id="10" idx="1"/>
+            </p:cNvCxnSpPr>
+            <p:nvPr/>
+          </p:nvCxnSpPr>
+          <p:spPr>
+            <a:xfrm flipV="1">
+              <a:off x="5875541" y="2638906"/>
+              <a:ext cx="400874" cy="1482774"/>
+            </a:xfrm>
+            <a:prstGeom prst="curvedConnector3">
+              <a:avLst>
+                <a:gd name="adj1" fmla="val 50000"/>
+              </a:avLst>
+            </a:prstGeom>
+            <a:ln w="12700">
+              <a:solidFill>
+                <a:schemeClr val="tx2">
+                  <a:lumMod val="75000"/>
+                </a:schemeClr>
+              </a:solidFill>
+              <a:tailEnd type="triangle"/>
+            </a:ln>
+          </p:spPr>
+          <p:style>
+            <a:lnRef idx="1">
+              <a:schemeClr val="accent1"/>
+            </a:lnRef>
+            <a:fillRef idx="0">
+              <a:schemeClr val="accent1"/>
+            </a:fillRef>
+            <a:effectRef idx="0">
+              <a:schemeClr val="accent1"/>
+            </a:effectRef>
+            <a:fontRef idx="minor">
+              <a:schemeClr val="tx1"/>
+            </a:fontRef>
+          </p:style>
+        </p:cxnSp>
+        <p:cxnSp>
+          <p:nvCxnSpPr>
+            <p:cNvPr id="59" name="Connecteur en arc 58">
+              <a:extLst>
+                <a:ext uri="{FF2B5EF4-FFF2-40B4-BE49-F238E27FC236}">
+                  <a16:creationId xmlns:a16="http://schemas.microsoft.com/office/drawing/2014/main" id="{873D2A3A-F64E-091A-E08A-31F2477F211F}"/>
+                </a:ext>
+              </a:extLst>
+            </p:cNvPr>
+            <p:cNvCxnSpPr>
+              <a:cxnSpLocks/>
+              <a:stCxn id="6" idx="3"/>
+              <a:endCxn id="9" idx="1"/>
+            </p:cNvCxnSpPr>
+            <p:nvPr/>
+          </p:nvCxnSpPr>
+          <p:spPr>
+            <a:xfrm flipV="1">
+              <a:off x="5875541" y="2090439"/>
+              <a:ext cx="400875" cy="2031241"/>
+            </a:xfrm>
+            <a:prstGeom prst="curvedConnector3">
+              <a:avLst>
+                <a:gd name="adj1" fmla="val 50000"/>
+              </a:avLst>
+            </a:prstGeom>
+            <a:ln w="19050">
+              <a:solidFill>
+                <a:schemeClr val="tx2">
+                  <a:lumMod val="75000"/>
+                </a:schemeClr>
+              </a:solidFill>
+              <a:tailEnd type="triangle"/>
+            </a:ln>
+          </p:spPr>
+          <p:style>
+            <a:lnRef idx="1">
+              <a:schemeClr val="accent1"/>
+            </a:lnRef>
+            <a:fillRef idx="0">
+              <a:schemeClr val="accent1"/>
+            </a:fillRef>
+            <a:effectRef idx="0">
+              <a:schemeClr val="accent1"/>
+            </a:effectRef>
+            <a:fontRef idx="minor">
+              <a:schemeClr val="tx1"/>
+            </a:fontRef>
+          </p:style>
+        </p:cxnSp>
+        <p:cxnSp>
+          <p:nvCxnSpPr>
+            <p:cNvPr id="86" name="Connecteur en arc 85">
+              <a:extLst>
+                <a:ext uri="{FF2B5EF4-FFF2-40B4-BE49-F238E27FC236}">
+                  <a16:creationId xmlns:a16="http://schemas.microsoft.com/office/drawing/2014/main" id="{00CF774F-AB20-87E9-F293-BCCD10B8A70D}"/>
+                </a:ext>
+              </a:extLst>
+            </p:cNvPr>
+            <p:cNvCxnSpPr>
+              <a:cxnSpLocks/>
+              <a:stCxn id="319" idx="3"/>
+              <a:endCxn id="16" idx="1"/>
+            </p:cNvCxnSpPr>
+            <p:nvPr/>
+          </p:nvCxnSpPr>
+          <p:spPr>
+            <a:xfrm>
+              <a:off x="6968822" y="5271375"/>
+              <a:ext cx="391191" cy="236308"/>
+            </a:xfrm>
+            <a:prstGeom prst="curvedConnector3">
+              <a:avLst>
+                <a:gd name="adj1" fmla="val 50000"/>
+              </a:avLst>
+            </a:prstGeom>
+            <a:ln w="12700">
+              <a:solidFill>
+                <a:schemeClr val="tx2">
+                  <a:lumMod val="75000"/>
+                </a:schemeClr>
+              </a:solidFill>
+              <a:headEnd type="none" w="med" len="med"/>
+              <a:tailEnd type="none" w="med" len="med"/>
+            </a:ln>
+          </p:spPr>
+          <p:style>
+            <a:lnRef idx="1">
+              <a:schemeClr val="accent1"/>
+            </a:lnRef>
+            <a:fillRef idx="0">
+              <a:schemeClr val="accent1"/>
+            </a:fillRef>
+            <a:effectRef idx="0">
+              <a:schemeClr val="accent1"/>
+            </a:effectRef>
+            <a:fontRef idx="minor">
+              <a:schemeClr val="tx1"/>
+            </a:fontRef>
+          </p:style>
+        </p:cxnSp>
+        <p:cxnSp>
+          <p:nvCxnSpPr>
+            <p:cNvPr id="90" name="Connecteur en arc 89">
+              <a:extLst>
+                <a:ext uri="{FF2B5EF4-FFF2-40B4-BE49-F238E27FC236}">
+                  <a16:creationId xmlns:a16="http://schemas.microsoft.com/office/drawing/2014/main" id="{F3259C03-41D9-194C-5429-1850BC59BE09}"/>
+                </a:ext>
+              </a:extLst>
+            </p:cNvPr>
+            <p:cNvCxnSpPr>
+              <a:cxnSpLocks/>
+              <a:stCxn id="16" idx="3"/>
+              <a:endCxn id="8" idx="1"/>
+            </p:cNvCxnSpPr>
+            <p:nvPr/>
+          </p:nvCxnSpPr>
+          <p:spPr>
+            <a:xfrm>
+              <a:off x="8531868" y="5507683"/>
+              <a:ext cx="340923" cy="297479"/>
+            </a:xfrm>
+            <a:prstGeom prst="curvedConnector3">
+              <a:avLst>
+                <a:gd name="adj1" fmla="val 50000"/>
+              </a:avLst>
+            </a:prstGeom>
+            <a:ln w="12700">
+              <a:solidFill>
+                <a:schemeClr val="tx2">
+                  <a:lumMod val="75000"/>
+                </a:schemeClr>
+              </a:solidFill>
+              <a:tailEnd type="triangle"/>
+            </a:ln>
+          </p:spPr>
+          <p:style>
+            <a:lnRef idx="1">
+              <a:schemeClr val="accent1"/>
+            </a:lnRef>
+            <a:fillRef idx="0">
+              <a:schemeClr val="accent1"/>
+            </a:fillRef>
+            <a:effectRef idx="0">
+              <a:schemeClr val="accent1"/>
+            </a:effectRef>
+            <a:fontRef idx="minor">
+              <a:schemeClr val="tx1"/>
+            </a:fontRef>
+          </p:style>
+        </p:cxnSp>
+        <p:sp>
+          <p:nvSpPr>
+            <p:cNvPr id="94" name="Rectangle : coins arrondis 93">
+              <a:extLst>
+                <a:ext uri="{FF2B5EF4-FFF2-40B4-BE49-F238E27FC236}">
+                  <a16:creationId xmlns:a16="http://schemas.microsoft.com/office/drawing/2014/main" id="{0928D478-F006-2E1B-0E40-6AFD0E0E00B5}"/>
+                </a:ext>
+              </a:extLst>
+            </p:cNvPr>
+            <p:cNvSpPr/>
+            <p:nvPr/>
+          </p:nvSpPr>
+          <p:spPr>
+            <a:xfrm>
+              <a:off x="10251758" y="4695238"/>
+              <a:ext cx="1238568" cy="576136"/>
+            </a:xfrm>
+            <a:prstGeom prst="roundRect">
+              <a:avLst>
+                <a:gd name="adj" fmla="val 0"/>
+              </a:avLst>
+            </a:prstGeom>
+            <a:solidFill>
+              <a:schemeClr val="bg1">
+                <a:lumMod val="95000"/>
+              </a:schemeClr>
+            </a:solidFill>
+            <a:ln w="12700">
+              <a:solidFill>
+                <a:schemeClr val="tx2">
+                  <a:lumMod val="50000"/>
+                </a:schemeClr>
+              </a:solidFill>
+            </a:ln>
+          </p:spPr>
+          <p:style>
+            <a:lnRef idx="2">
+              <a:schemeClr val="accent1"/>
+            </a:lnRef>
+            <a:fillRef idx="1">
+              <a:schemeClr val="lt1"/>
+            </a:fillRef>
+            <a:effectRef idx="0">
+              <a:schemeClr val="accent1"/>
+            </a:effectRef>
+            <a:fontRef idx="minor">
+              <a:schemeClr val="dk1"/>
+            </a:fontRef>
+          </p:style>
+          <p:txBody>
+            <a:bodyPr rtlCol="0" anchor="ctr"/>
+            <a:lstStyle/>
+            <a:p>
+              <a:pPr algn="ctr"/>
+              <a:r>
+                <a:rPr lang="en-US" sz="1200" dirty="0">
+                  <a:solidFill>
+                    <a:schemeClr val="tx2">
+                      <a:lumMod val="75000"/>
+                    </a:schemeClr>
+                  </a:solidFill>
+                  <a:latin typeface="+mj-lt"/>
+                </a:rPr>
+                <a:t>SOIL</a:t>
+              </a:r>
+              <a:endParaRPr lang="en-US" sz="1200" noProof="0" dirty="0">
+                <a:solidFill>
+                  <a:schemeClr val="tx2">
+                    <a:lumMod val="75000"/>
+                  </a:schemeClr>
+                </a:solidFill>
+                <a:latin typeface="+mj-lt"/>
+              </a:endParaRPr>
+            </a:p>
+          </p:txBody>
+        </p:sp>
+        <p:sp>
+          <p:nvSpPr>
+            <p:cNvPr id="99" name="Rectangle : coins arrondis 98">
+              <a:extLst>
+                <a:ext uri="{FF2B5EF4-FFF2-40B4-BE49-F238E27FC236}">
+                  <a16:creationId xmlns:a16="http://schemas.microsoft.com/office/drawing/2014/main" id="{8D59B70D-A14E-29A5-05F6-C7F52CAE80B6}"/>
+                </a:ext>
+              </a:extLst>
+            </p:cNvPr>
+            <p:cNvSpPr/>
+            <p:nvPr/>
+          </p:nvSpPr>
+          <p:spPr>
+            <a:xfrm>
+              <a:off x="9612954" y="3437923"/>
+              <a:ext cx="1244925" cy="545057"/>
+            </a:xfrm>
+            <a:prstGeom prst="roundRect">
+              <a:avLst>
+                <a:gd name="adj" fmla="val 0"/>
+              </a:avLst>
+            </a:prstGeom>
+            <a:solidFill>
+              <a:schemeClr val="bg1">
+                <a:lumMod val="95000"/>
+              </a:schemeClr>
+            </a:solidFill>
+            <a:ln w="12700">
+              <a:solidFill>
+                <a:schemeClr val="tx2">
+                  <a:lumMod val="50000"/>
+                </a:schemeClr>
+              </a:solidFill>
+            </a:ln>
+          </p:spPr>
+          <p:style>
+            <a:lnRef idx="2">
+              <a:schemeClr val="accent1"/>
+            </a:lnRef>
+            <a:fillRef idx="1">
+              <a:schemeClr val="lt1"/>
+            </a:fillRef>
+            <a:effectRef idx="0">
+              <a:schemeClr val="accent1"/>
+            </a:effectRef>
+            <a:fontRef idx="minor">
+              <a:schemeClr val="dk1"/>
+            </a:fontRef>
+          </p:style>
+          <p:txBody>
+            <a:bodyPr rtlCol="0" anchor="ctr"/>
+            <a:lstStyle/>
+            <a:p>
+              <a:pPr algn="ctr"/>
+              <a:r>
+                <a:rPr lang="en-US" sz="1200" dirty="0">
+                  <a:solidFill>
+                    <a:schemeClr val="tx2">
+                      <a:lumMod val="75000"/>
+                    </a:schemeClr>
+                  </a:solidFill>
+                  <a:latin typeface="+mj-lt"/>
+                </a:rPr>
+                <a:t>RIVER</a:t>
+              </a:r>
+              <a:endParaRPr lang="en-US" sz="1200" noProof="0" dirty="0">
+                <a:solidFill>
+                  <a:schemeClr val="tx2">
+                    <a:lumMod val="75000"/>
+                  </a:schemeClr>
+                </a:solidFill>
+                <a:latin typeface="+mj-lt"/>
+              </a:endParaRPr>
+            </a:p>
+          </p:txBody>
+        </p:sp>
+        <p:cxnSp>
+          <p:nvCxnSpPr>
+            <p:cNvPr id="101" name="Connecteur en arc 100">
+              <a:extLst>
+                <a:ext uri="{FF2B5EF4-FFF2-40B4-BE49-F238E27FC236}">
+                  <a16:creationId xmlns:a16="http://schemas.microsoft.com/office/drawing/2014/main" id="{88F1F057-C598-BE40-82BC-1A275CF5DBF4}"/>
+                </a:ext>
+              </a:extLst>
+            </p:cNvPr>
+            <p:cNvCxnSpPr>
+              <a:cxnSpLocks/>
+              <a:stCxn id="319" idx="3"/>
+              <a:endCxn id="17" idx="1"/>
+            </p:cNvCxnSpPr>
+            <p:nvPr/>
+          </p:nvCxnSpPr>
+          <p:spPr>
+            <a:xfrm flipV="1">
+              <a:off x="6968822" y="4607383"/>
+              <a:ext cx="372806" cy="663992"/>
+            </a:xfrm>
+            <a:prstGeom prst="curvedConnector3">
+              <a:avLst>
+                <a:gd name="adj1" fmla="val 50000"/>
+              </a:avLst>
+            </a:prstGeom>
+            <a:ln w="12700">
+              <a:solidFill>
+                <a:schemeClr val="tx2">
+                  <a:lumMod val="75000"/>
+                </a:schemeClr>
+              </a:solidFill>
+              <a:headEnd type="none" w="med" len="med"/>
+              <a:tailEnd type="none" w="med" len="med"/>
+            </a:ln>
+          </p:spPr>
+          <p:style>
+            <a:lnRef idx="1">
+              <a:schemeClr val="accent1"/>
+            </a:lnRef>
+            <a:fillRef idx="0">
+              <a:schemeClr val="accent1"/>
+            </a:fillRef>
+            <a:effectRef idx="0">
+              <a:schemeClr val="accent1"/>
+            </a:effectRef>
+            <a:fontRef idx="minor">
+              <a:schemeClr val="tx1"/>
+            </a:fontRef>
+          </p:style>
+        </p:cxnSp>
+        <p:cxnSp>
+          <p:nvCxnSpPr>
+            <p:cNvPr id="108" name="Connecteur en arc 107">
+              <a:extLst>
+                <a:ext uri="{FF2B5EF4-FFF2-40B4-BE49-F238E27FC236}">
+                  <a16:creationId xmlns:a16="http://schemas.microsoft.com/office/drawing/2014/main" id="{7F3ED0E1-45A3-7519-C2DD-42CDCF2ED409}"/>
+                </a:ext>
+              </a:extLst>
+            </p:cNvPr>
+            <p:cNvCxnSpPr>
+              <a:cxnSpLocks/>
+              <a:stCxn id="17" idx="3"/>
+              <a:endCxn id="94" idx="1"/>
+            </p:cNvCxnSpPr>
+            <p:nvPr/>
+          </p:nvCxnSpPr>
+          <p:spPr>
+            <a:xfrm>
+              <a:off x="8513483" y="4607383"/>
+              <a:ext cx="1738275" cy="375923"/>
+            </a:xfrm>
+            <a:prstGeom prst="curvedConnector3">
+              <a:avLst>
+                <a:gd name="adj1" fmla="val 50000"/>
+              </a:avLst>
+            </a:prstGeom>
+            <a:ln w="12700">
+              <a:solidFill>
+                <a:schemeClr val="tx2">
+                  <a:lumMod val="75000"/>
+                </a:schemeClr>
+              </a:solidFill>
+              <a:tailEnd type="triangle"/>
+            </a:ln>
+          </p:spPr>
+          <p:style>
+            <a:lnRef idx="1">
+              <a:schemeClr val="accent1"/>
+            </a:lnRef>
+            <a:fillRef idx="0">
+              <a:schemeClr val="accent1"/>
+            </a:fillRef>
+            <a:effectRef idx="0">
+              <a:schemeClr val="accent1"/>
+            </a:effectRef>
+            <a:fontRef idx="minor">
+              <a:schemeClr val="tx1"/>
+            </a:fontRef>
+          </p:style>
+        </p:cxnSp>
+        <p:cxnSp>
+          <p:nvCxnSpPr>
+            <p:cNvPr id="113" name="Connecteur en arc 112">
+              <a:extLst>
+                <a:ext uri="{FF2B5EF4-FFF2-40B4-BE49-F238E27FC236}">
+                  <a16:creationId xmlns:a16="http://schemas.microsoft.com/office/drawing/2014/main" id="{AD7BAA8D-A6D4-8D10-520B-836EA6724AE4}"/>
+                </a:ext>
+              </a:extLst>
+            </p:cNvPr>
+            <p:cNvCxnSpPr>
+              <a:cxnSpLocks/>
+              <a:stCxn id="9" idx="3"/>
+              <a:endCxn id="18" idx="1"/>
+            </p:cNvCxnSpPr>
+            <p:nvPr/>
+          </p:nvCxnSpPr>
+          <p:spPr>
+            <a:xfrm>
+              <a:off x="7905191" y="2090439"/>
+              <a:ext cx="394468" cy="832274"/>
+            </a:xfrm>
+            <a:prstGeom prst="curvedConnector3">
+              <a:avLst>
+                <a:gd name="adj1" fmla="val 50000"/>
+              </a:avLst>
+            </a:prstGeom>
+            <a:ln w="12700">
+              <a:solidFill>
+                <a:schemeClr val="tx2">
+                  <a:lumMod val="75000"/>
+                </a:schemeClr>
+              </a:solidFill>
+              <a:tailEnd type="triangle"/>
+            </a:ln>
+          </p:spPr>
+          <p:style>
+            <a:lnRef idx="1">
+              <a:schemeClr val="accent1"/>
+            </a:lnRef>
+            <a:fillRef idx="0">
+              <a:schemeClr val="accent1"/>
+            </a:fillRef>
+            <a:effectRef idx="0">
+              <a:schemeClr val="accent1"/>
+            </a:effectRef>
+            <a:fontRef idx="minor">
+              <a:schemeClr val="tx1"/>
+            </a:fontRef>
+          </p:style>
+        </p:cxnSp>
+        <p:cxnSp>
+          <p:nvCxnSpPr>
+            <p:cNvPr id="120" name="Connecteur en arc 119">
+              <a:extLst>
+                <a:ext uri="{FF2B5EF4-FFF2-40B4-BE49-F238E27FC236}">
+                  <a16:creationId xmlns:a16="http://schemas.microsoft.com/office/drawing/2014/main" id="{2DDDDE6E-28B3-A31D-C2BE-E3D09F78307D}"/>
+                </a:ext>
+              </a:extLst>
+            </p:cNvPr>
+            <p:cNvCxnSpPr>
+              <a:cxnSpLocks/>
+              <a:stCxn id="10" idx="3"/>
+              <a:endCxn id="18" idx="1"/>
+            </p:cNvCxnSpPr>
+            <p:nvPr/>
+          </p:nvCxnSpPr>
+          <p:spPr>
+            <a:xfrm>
+              <a:off x="7905190" y="2638906"/>
+              <a:ext cx="394469" cy="283807"/>
+            </a:xfrm>
+            <a:prstGeom prst="curvedConnector3">
+              <a:avLst>
+                <a:gd name="adj1" fmla="val 50000"/>
+              </a:avLst>
+            </a:prstGeom>
+            <a:ln w="12700">
+              <a:solidFill>
+                <a:schemeClr val="tx2">
+                  <a:lumMod val="75000"/>
+                </a:schemeClr>
+              </a:solidFill>
+              <a:tailEnd type="triangle"/>
+            </a:ln>
+          </p:spPr>
+          <p:style>
+            <a:lnRef idx="1">
+              <a:schemeClr val="accent1"/>
+            </a:lnRef>
+            <a:fillRef idx="0">
+              <a:schemeClr val="accent1"/>
+            </a:fillRef>
+            <a:effectRef idx="0">
+              <a:schemeClr val="accent1"/>
+            </a:effectRef>
+            <a:fontRef idx="minor">
+              <a:schemeClr val="tx1"/>
+            </a:fontRef>
+          </p:style>
+        </p:cxnSp>
+        <p:cxnSp>
+          <p:nvCxnSpPr>
+            <p:cNvPr id="123" name="Connecteur en arc 122">
+              <a:extLst>
+                <a:ext uri="{FF2B5EF4-FFF2-40B4-BE49-F238E27FC236}">
+                  <a16:creationId xmlns:a16="http://schemas.microsoft.com/office/drawing/2014/main" id="{E7EFEA60-7872-8448-17DD-3359BF48AE31}"/>
+                </a:ext>
+              </a:extLst>
+            </p:cNvPr>
+            <p:cNvCxnSpPr>
+              <a:cxnSpLocks/>
+              <a:stCxn id="11" idx="3"/>
+              <a:endCxn id="18" idx="1"/>
+            </p:cNvCxnSpPr>
+            <p:nvPr/>
+          </p:nvCxnSpPr>
+          <p:spPr>
+            <a:xfrm flipV="1">
+              <a:off x="7905190" y="2922713"/>
+              <a:ext cx="394469" cy="264660"/>
+            </a:xfrm>
+            <a:prstGeom prst="curvedConnector3">
+              <a:avLst>
+                <a:gd name="adj1" fmla="val 50000"/>
+              </a:avLst>
+            </a:prstGeom>
+            <a:ln w="12700">
+              <a:solidFill>
+                <a:schemeClr val="tx2">
+                  <a:lumMod val="75000"/>
+                </a:schemeClr>
+              </a:solidFill>
+              <a:tailEnd type="triangle"/>
+            </a:ln>
+          </p:spPr>
+          <p:style>
+            <a:lnRef idx="1">
+              <a:schemeClr val="accent1"/>
+            </a:lnRef>
+            <a:fillRef idx="0">
+              <a:schemeClr val="accent1"/>
+            </a:fillRef>
+            <a:effectRef idx="0">
+              <a:schemeClr val="accent1"/>
+            </a:effectRef>
+            <a:fontRef idx="minor">
+              <a:schemeClr val="tx1"/>
+            </a:fontRef>
+          </p:style>
+        </p:cxnSp>
+        <p:cxnSp>
+          <p:nvCxnSpPr>
+            <p:cNvPr id="126" name="Connecteur en arc 125">
+              <a:extLst>
+                <a:ext uri="{FF2B5EF4-FFF2-40B4-BE49-F238E27FC236}">
+                  <a16:creationId xmlns:a16="http://schemas.microsoft.com/office/drawing/2014/main" id="{DA297582-9B73-C038-6854-6F83870C112C}"/>
+                </a:ext>
+              </a:extLst>
+            </p:cNvPr>
+            <p:cNvCxnSpPr>
+              <a:cxnSpLocks/>
+              <a:stCxn id="12" idx="3"/>
+              <a:endCxn id="18" idx="1"/>
+            </p:cNvCxnSpPr>
+            <p:nvPr/>
+          </p:nvCxnSpPr>
+          <p:spPr>
+            <a:xfrm flipV="1">
+              <a:off x="7899558" y="2922713"/>
+              <a:ext cx="400101" cy="844884"/>
+            </a:xfrm>
+            <a:prstGeom prst="curvedConnector3">
+              <a:avLst>
+                <a:gd name="adj1" fmla="val 50000"/>
+              </a:avLst>
+            </a:prstGeom>
+            <a:ln w="12700">
+              <a:solidFill>
+                <a:schemeClr val="tx2">
+                  <a:lumMod val="75000"/>
+                </a:schemeClr>
+              </a:solidFill>
+              <a:tailEnd type="triangle"/>
+            </a:ln>
+          </p:spPr>
+          <p:style>
+            <a:lnRef idx="1">
+              <a:schemeClr val="accent1"/>
+            </a:lnRef>
+            <a:fillRef idx="0">
+              <a:schemeClr val="accent1"/>
+            </a:fillRef>
+            <a:effectRef idx="0">
+              <a:schemeClr val="accent1"/>
+            </a:effectRef>
+            <a:fontRef idx="minor">
+              <a:schemeClr val="tx1"/>
+            </a:fontRef>
+          </p:style>
+        </p:cxnSp>
+        <p:cxnSp>
+          <p:nvCxnSpPr>
+            <p:cNvPr id="130" name="Connecteur en arc 129">
+              <a:extLst>
+                <a:ext uri="{FF2B5EF4-FFF2-40B4-BE49-F238E27FC236}">
+                  <a16:creationId xmlns:a16="http://schemas.microsoft.com/office/drawing/2014/main" id="{4327DF78-215C-382D-7E19-8930D600E1DF}"/>
+                </a:ext>
+              </a:extLst>
+            </p:cNvPr>
+            <p:cNvCxnSpPr>
+              <a:cxnSpLocks/>
+              <a:stCxn id="18" idx="2"/>
+              <a:endCxn id="99" idx="1"/>
+            </p:cNvCxnSpPr>
+            <p:nvPr/>
+          </p:nvCxnSpPr>
+          <p:spPr>
+            <a:xfrm rot="16200000" flipH="1">
+              <a:off x="9231943" y="3329441"/>
+              <a:ext cx="296470" cy="465551"/>
+            </a:xfrm>
+            <a:prstGeom prst="curvedConnector2">
+              <a:avLst/>
+            </a:prstGeom>
+            <a:ln w="12700">
+              <a:solidFill>
+                <a:schemeClr val="tx2">
+                  <a:lumMod val="75000"/>
+                </a:schemeClr>
+              </a:solidFill>
+              <a:tailEnd type="triangle"/>
+            </a:ln>
+          </p:spPr>
+          <p:style>
+            <a:lnRef idx="1">
+              <a:schemeClr val="accent1"/>
+            </a:lnRef>
+            <a:fillRef idx="0">
+              <a:schemeClr val="accent1"/>
+            </a:fillRef>
+            <a:effectRef idx="0">
+              <a:schemeClr val="accent1"/>
+            </a:effectRef>
+            <a:fontRef idx="minor">
+              <a:schemeClr val="tx1"/>
+            </a:fontRef>
+          </p:style>
+        </p:cxnSp>
+        <p:cxnSp>
+          <p:nvCxnSpPr>
+            <p:cNvPr id="133" name="Connecteur en arc 132">
+              <a:extLst>
+                <a:ext uri="{FF2B5EF4-FFF2-40B4-BE49-F238E27FC236}">
+                  <a16:creationId xmlns:a16="http://schemas.microsoft.com/office/drawing/2014/main" id="{F2E9A15E-B93A-1182-436F-343615F7A8E2}"/>
+                </a:ext>
+              </a:extLst>
+            </p:cNvPr>
+            <p:cNvCxnSpPr>
+              <a:cxnSpLocks/>
+              <a:endCxn id="19" idx="1"/>
+            </p:cNvCxnSpPr>
+            <p:nvPr/>
+          </p:nvCxnSpPr>
+          <p:spPr>
+            <a:xfrm rot="5400000" flipH="1" flipV="1">
+              <a:off x="8877542" y="2001738"/>
+              <a:ext cx="682010" cy="142291"/>
+            </a:xfrm>
+            <a:prstGeom prst="curvedConnector2">
+              <a:avLst/>
+            </a:prstGeom>
+            <a:ln w="12700">
+              <a:solidFill>
+                <a:schemeClr val="tx2">
+                  <a:lumMod val="75000"/>
+                </a:schemeClr>
+              </a:solidFill>
+              <a:tailEnd type="triangle"/>
+            </a:ln>
+          </p:spPr>
+          <p:style>
+            <a:lnRef idx="1">
+              <a:schemeClr val="accent1"/>
+            </a:lnRef>
+            <a:fillRef idx="0">
+              <a:schemeClr val="accent1"/>
+            </a:fillRef>
+            <a:effectRef idx="0">
+              <a:schemeClr val="accent1"/>
+            </a:effectRef>
+            <a:fontRef idx="minor">
+              <a:schemeClr val="tx1"/>
+            </a:fontRef>
+          </p:style>
+        </p:cxnSp>
+        <p:sp>
+          <p:nvSpPr>
+            <p:cNvPr id="136" name="ZoneTexte 135">
+              <a:extLst>
+                <a:ext uri="{FF2B5EF4-FFF2-40B4-BE49-F238E27FC236}">
+                  <a16:creationId xmlns:a16="http://schemas.microsoft.com/office/drawing/2014/main" id="{14A9A593-20FB-B4AF-A658-A4B70FD9A57E}"/>
+                </a:ext>
+              </a:extLst>
+            </p:cNvPr>
+            <p:cNvSpPr txBox="1"/>
+            <p:nvPr/>
+          </p:nvSpPr>
+          <p:spPr>
+            <a:xfrm>
+              <a:off x="1812372" y="1017796"/>
+              <a:ext cx="2148537" cy="369332"/>
+            </a:xfrm>
+            <a:prstGeom prst="rect">
+              <a:avLst/>
+            </a:prstGeom>
+            <a:noFill/>
+          </p:spPr>
+          <p:txBody>
+            <a:bodyPr wrap="none" rtlCol="0">
+              <a:spAutoFit/>
+            </a:bodyPr>
+            <a:lstStyle/>
+            <a:p>
+              <a:r>
+                <a:rPr lang="fr-FR" dirty="0">
+                  <a:solidFill>
+                    <a:srgbClr val="C00000"/>
+                  </a:solidFill>
+                  <a:latin typeface="Arial Rounded MT Bold" panose="020F0704030504030204" pitchFamily="34" charset="77"/>
+                </a:rPr>
+                <a:t>MFA+LCA System</a:t>
+              </a:r>
+            </a:p>
+          </p:txBody>
+        </p:sp>
+        <p:cxnSp>
+          <p:nvCxnSpPr>
+            <p:cNvPr id="200" name="Connecteur en arc 199">
+              <a:extLst>
+                <a:ext uri="{FF2B5EF4-FFF2-40B4-BE49-F238E27FC236}">
+                  <a16:creationId xmlns:a16="http://schemas.microsoft.com/office/drawing/2014/main" id="{C79BB39B-3F01-9E67-8D0C-05C058EFAE19}"/>
+                </a:ext>
+              </a:extLst>
+            </p:cNvPr>
+            <p:cNvCxnSpPr>
+              <a:cxnSpLocks/>
+              <a:stCxn id="5" idx="3"/>
+              <a:endCxn id="199" idx="2"/>
+            </p:cNvCxnSpPr>
+            <p:nvPr/>
+          </p:nvCxnSpPr>
+          <p:spPr>
+            <a:xfrm flipV="1">
+              <a:off x="4402401" y="1563521"/>
+              <a:ext cx="526352" cy="1426503"/>
+            </a:xfrm>
+            <a:prstGeom prst="curvedConnector2">
+              <a:avLst/>
+            </a:prstGeom>
+            <a:ln w="12700">
+              <a:solidFill>
+                <a:schemeClr val="tx2">
+                  <a:lumMod val="75000"/>
+                </a:schemeClr>
+              </a:solidFill>
+              <a:headEnd type="none" w="med" len="med"/>
+              <a:tailEnd type="triangle" w="med" len="med"/>
+            </a:ln>
+          </p:spPr>
+          <p:style>
+            <a:lnRef idx="1">
+              <a:schemeClr val="accent1"/>
+            </a:lnRef>
+            <a:fillRef idx="0">
+              <a:schemeClr val="accent1"/>
+            </a:fillRef>
+            <a:effectRef idx="0">
+              <a:schemeClr val="accent1"/>
+            </a:effectRef>
+            <a:fontRef idx="minor">
+              <a:schemeClr val="tx1"/>
+            </a:fontRef>
+          </p:style>
+        </p:cxnSp>
+        <p:cxnSp>
+          <p:nvCxnSpPr>
+            <p:cNvPr id="237" name="Connecteur en arc 236">
+              <a:extLst>
+                <a:ext uri="{FF2B5EF4-FFF2-40B4-BE49-F238E27FC236}">
+                  <a16:creationId xmlns:a16="http://schemas.microsoft.com/office/drawing/2014/main" id="{DE672E08-09FB-4312-34E9-B56C94F31058}"/>
+                </a:ext>
+              </a:extLst>
+            </p:cNvPr>
+            <p:cNvCxnSpPr>
+              <a:cxnSpLocks/>
+              <a:stCxn id="19" idx="3"/>
+              <a:endCxn id="94" idx="0"/>
+            </p:cNvCxnSpPr>
+            <p:nvPr/>
+          </p:nvCxnSpPr>
+          <p:spPr>
+            <a:xfrm flipH="1">
+              <a:off x="10871042" y="1731878"/>
+              <a:ext cx="310100" cy="2963360"/>
+            </a:xfrm>
+            <a:prstGeom prst="curvedConnector4">
+              <a:avLst>
+                <a:gd name="adj1" fmla="val -73718"/>
+                <a:gd name="adj2" fmla="val 58504"/>
+              </a:avLst>
+            </a:prstGeom>
+            <a:ln w="12700">
+              <a:solidFill>
+                <a:schemeClr val="tx2">
+                  <a:lumMod val="75000"/>
+                </a:schemeClr>
+              </a:solidFill>
+              <a:tailEnd type="triangle"/>
+            </a:ln>
+          </p:spPr>
+          <p:style>
+            <a:lnRef idx="1">
+              <a:schemeClr val="accent1"/>
+            </a:lnRef>
+            <a:fillRef idx="0">
+              <a:schemeClr val="accent1"/>
+            </a:fillRef>
+            <a:effectRef idx="0">
+              <a:schemeClr val="accent1"/>
+            </a:effectRef>
+            <a:fontRef idx="minor">
+              <a:schemeClr val="tx1"/>
+            </a:fontRef>
+          </p:style>
+        </p:cxnSp>
+        <p:sp>
+          <p:nvSpPr>
+            <p:cNvPr id="261" name="Rectangle : coins arrondis 260">
+              <a:extLst>
+                <a:ext uri="{FF2B5EF4-FFF2-40B4-BE49-F238E27FC236}">
+                  <a16:creationId xmlns:a16="http://schemas.microsoft.com/office/drawing/2014/main" id="{E7442362-50F7-52B4-DC93-D914AA304658}"/>
+                </a:ext>
+              </a:extLst>
+            </p:cNvPr>
+            <p:cNvSpPr/>
+            <p:nvPr/>
+          </p:nvSpPr>
+          <p:spPr>
+            <a:xfrm>
+              <a:off x="199675" y="515857"/>
+              <a:ext cx="727522" cy="301489"/>
+            </a:xfrm>
+            <a:prstGeom prst="roundRect">
+              <a:avLst>
+                <a:gd name="adj" fmla="val 0"/>
+              </a:avLst>
+            </a:prstGeom>
+            <a:solidFill>
+              <a:schemeClr val="bg1">
+                <a:lumMod val="95000"/>
+              </a:schemeClr>
+            </a:solidFill>
+            <a:ln w="12700">
+              <a:solidFill>
+                <a:schemeClr val="tx2">
+                  <a:lumMod val="50000"/>
+                </a:schemeClr>
+              </a:solidFill>
+            </a:ln>
+          </p:spPr>
+          <p:style>
+            <a:lnRef idx="2">
+              <a:schemeClr val="accent1"/>
+            </a:lnRef>
+            <a:fillRef idx="1">
+              <a:schemeClr val="lt1"/>
+            </a:fillRef>
+            <a:effectRef idx="0">
+              <a:schemeClr val="accent1"/>
+            </a:effectRef>
+            <a:fontRef idx="minor">
+              <a:schemeClr val="dk1"/>
+            </a:fontRef>
+          </p:style>
+          <p:txBody>
+            <a:bodyPr rtlCol="0" anchor="ctr"/>
+            <a:lstStyle/>
+            <a:p>
+              <a:pPr algn="ctr"/>
+              <a:r>
+                <a:rPr lang="en-US" sz="1000" noProof="0" dirty="0">
+                  <a:solidFill>
+                    <a:schemeClr val="tx2">
+                      <a:lumMod val="75000"/>
+                    </a:schemeClr>
+                  </a:solidFill>
+                  <a:latin typeface="+mj-lt"/>
+                </a:rPr>
+                <a:t>Process</a:t>
+              </a:r>
+            </a:p>
+          </p:txBody>
+        </p:sp>
+        <p:sp>
+          <p:nvSpPr>
+            <p:cNvPr id="262" name="Rectangle : coins arrondis 261">
+              <a:extLst>
+                <a:ext uri="{FF2B5EF4-FFF2-40B4-BE49-F238E27FC236}">
+                  <a16:creationId xmlns:a16="http://schemas.microsoft.com/office/drawing/2014/main" id="{BF90E9E7-5099-8D94-E76A-A867CD75FDAC}"/>
+                </a:ext>
+              </a:extLst>
+            </p:cNvPr>
+            <p:cNvSpPr/>
+            <p:nvPr/>
+          </p:nvSpPr>
+          <p:spPr>
+            <a:xfrm>
+              <a:off x="199675" y="963169"/>
+              <a:ext cx="727522" cy="301489"/>
+            </a:xfrm>
+            <a:prstGeom prst="roundRect">
+              <a:avLst>
+                <a:gd name="adj" fmla="val 50000"/>
+              </a:avLst>
+            </a:prstGeom>
+            <a:ln w="12700">
+              <a:solidFill>
+                <a:schemeClr val="tx2">
+                  <a:lumMod val="50000"/>
+                </a:schemeClr>
+              </a:solidFill>
+            </a:ln>
+          </p:spPr>
+          <p:style>
+            <a:lnRef idx="2">
+              <a:schemeClr val="accent1"/>
+            </a:lnRef>
+            <a:fillRef idx="1">
+              <a:schemeClr val="lt1"/>
+            </a:fillRef>
+            <a:effectRef idx="0">
+              <a:schemeClr val="accent1"/>
+            </a:effectRef>
+            <a:fontRef idx="minor">
+              <a:schemeClr val="dk1"/>
+            </a:fontRef>
+          </p:style>
+          <p:txBody>
+            <a:bodyPr rtlCol="0" anchor="ctr"/>
+            <a:lstStyle/>
+            <a:p>
+              <a:pPr algn="ctr"/>
+              <a:r>
+                <a:rPr lang="en-US" sz="1000" dirty="0">
+                  <a:solidFill>
+                    <a:schemeClr val="tx2">
+                      <a:lumMod val="75000"/>
+                    </a:schemeClr>
+                  </a:solidFill>
+                  <a:latin typeface="+mj-lt"/>
+                </a:rPr>
+                <a:t>Flow</a:t>
+              </a:r>
+              <a:endParaRPr lang="en-US" sz="1000" noProof="0" dirty="0">
+                <a:solidFill>
+                  <a:schemeClr val="tx2">
+                    <a:lumMod val="75000"/>
+                  </a:schemeClr>
+                </a:solidFill>
+                <a:latin typeface="+mj-lt"/>
+              </a:endParaRPr>
+            </a:p>
+          </p:txBody>
+        </p:sp>
+        <p:sp>
+          <p:nvSpPr>
+            <p:cNvPr id="293" name="Rectangle : coins arrondis 292">
+              <a:extLst>
+                <a:ext uri="{FF2B5EF4-FFF2-40B4-BE49-F238E27FC236}">
+                  <a16:creationId xmlns:a16="http://schemas.microsoft.com/office/drawing/2014/main" id="{4BF7A117-BDB3-2922-E347-C76B185968D5}"/>
+                </a:ext>
+              </a:extLst>
+            </p:cNvPr>
+            <p:cNvSpPr/>
+            <p:nvPr/>
+          </p:nvSpPr>
+          <p:spPr>
+            <a:xfrm>
+              <a:off x="5395072" y="6435092"/>
+              <a:ext cx="2272063" cy="229630"/>
+            </a:xfrm>
+            <a:prstGeom prst="roundRect">
+              <a:avLst>
+                <a:gd name="adj" fmla="val 0"/>
+              </a:avLst>
+            </a:prstGeom>
+            <a:ln w="19050">
+              <a:noFill/>
+            </a:ln>
+          </p:spPr>
+          <p:style>
+            <a:lnRef idx="2">
+              <a:schemeClr val="accent1"/>
+            </a:lnRef>
+            <a:fillRef idx="1">
+              <a:schemeClr val="lt1"/>
+            </a:fillRef>
+            <a:effectRef idx="0">
+              <a:schemeClr val="accent1"/>
+            </a:effectRef>
+            <a:fontRef idx="minor">
+              <a:schemeClr val="dk1"/>
+            </a:fontRef>
+          </p:style>
+          <p:txBody>
+            <a:bodyPr rtlCol="0" anchor="ctr"/>
+            <a:lstStyle/>
+            <a:p>
+              <a:pPr algn="ctr"/>
+              <a:r>
+                <a:rPr lang="en-US" sz="1200" dirty="0">
+                  <a:solidFill>
+                    <a:schemeClr val="tx2">
+                      <a:lumMod val="75000"/>
+                    </a:schemeClr>
+                  </a:solidFill>
+                  <a:latin typeface="+mj-lt"/>
+                </a:rPr>
+                <a:t>ENVIRONMENT</a:t>
+              </a:r>
+              <a:endParaRPr lang="en-US" sz="1200" noProof="0" dirty="0">
+                <a:solidFill>
+                  <a:schemeClr val="tx2">
+                    <a:lumMod val="75000"/>
+                  </a:schemeClr>
+                </a:solidFill>
+                <a:latin typeface="+mj-lt"/>
+              </a:endParaRPr>
+            </a:p>
+          </p:txBody>
+        </p:sp>
+        <p:sp>
+          <p:nvSpPr>
+            <p:cNvPr id="307" name="Rectangle : coins arrondis 306">
+              <a:extLst>
+                <a:ext uri="{FF2B5EF4-FFF2-40B4-BE49-F238E27FC236}">
+                  <a16:creationId xmlns:a16="http://schemas.microsoft.com/office/drawing/2014/main" id="{89A7B9DB-AC67-6646-1865-6177DDBE4A2A}"/>
+                </a:ext>
+              </a:extLst>
+            </p:cNvPr>
+            <p:cNvSpPr/>
+            <p:nvPr/>
+          </p:nvSpPr>
+          <p:spPr>
+            <a:xfrm>
+              <a:off x="10424794" y="6281864"/>
+              <a:ext cx="560354" cy="576136"/>
+            </a:xfrm>
+            <a:prstGeom prst="roundRect">
+              <a:avLst>
+                <a:gd name="adj" fmla="val 50000"/>
+              </a:avLst>
+            </a:prstGeom>
+            <a:solidFill>
+              <a:schemeClr val="accent2">
+                <a:lumMod val="60000"/>
+                <a:lumOff val="40000"/>
+              </a:schemeClr>
+            </a:solidFill>
+            <a:ln w="12700">
+              <a:solidFill>
+                <a:schemeClr val="tx2">
+                  <a:lumMod val="50000"/>
+                </a:schemeClr>
+              </a:solidFill>
+            </a:ln>
+          </p:spPr>
+          <p:style>
+            <a:lnRef idx="2">
+              <a:schemeClr val="accent1"/>
+            </a:lnRef>
+            <a:fillRef idx="1">
+              <a:schemeClr val="lt1"/>
+            </a:fillRef>
+            <a:effectRef idx="0">
+              <a:schemeClr val="accent1"/>
+            </a:effectRef>
+            <a:fontRef idx="minor">
+              <a:schemeClr val="dk1"/>
+            </a:fontRef>
+          </p:style>
+          <p:txBody>
+            <a:bodyPr rtlCol="0" anchor="ctr"/>
+            <a:lstStyle/>
+            <a:p>
+              <a:pPr algn="ctr"/>
+              <a:r>
+                <a:rPr lang="en-US" sz="1050" noProof="0" dirty="0">
+                  <a:solidFill>
+                    <a:schemeClr val="tx2">
+                      <a:lumMod val="75000"/>
+                    </a:schemeClr>
+                  </a:solidFill>
+                  <a:latin typeface="+mj-lt"/>
+                </a:rPr>
+                <a:t>CO</a:t>
+              </a:r>
+              <a:r>
+                <a:rPr lang="en-US" sz="1050" baseline="-25000" noProof="0" dirty="0">
+                  <a:solidFill>
+                    <a:schemeClr val="tx2">
+                      <a:lumMod val="75000"/>
+                    </a:schemeClr>
+                  </a:solidFill>
+                  <a:latin typeface="+mj-lt"/>
+                </a:rPr>
+                <a:t>2</a:t>
+              </a:r>
+            </a:p>
+          </p:txBody>
+        </p:sp>
+        <p:cxnSp>
+          <p:nvCxnSpPr>
+            <p:cNvPr id="314" name="Connecteur en arc 313">
+              <a:extLst>
+                <a:ext uri="{FF2B5EF4-FFF2-40B4-BE49-F238E27FC236}">
+                  <a16:creationId xmlns:a16="http://schemas.microsoft.com/office/drawing/2014/main" id="{79764869-C8DA-4FEA-AB78-EE93F18EA46A}"/>
+                </a:ext>
+              </a:extLst>
+            </p:cNvPr>
+            <p:cNvCxnSpPr>
+              <a:cxnSpLocks/>
+              <a:stCxn id="307" idx="0"/>
+              <a:endCxn id="8" idx="3"/>
+            </p:cNvCxnSpPr>
+            <p:nvPr/>
+          </p:nvCxnSpPr>
+          <p:spPr>
+            <a:xfrm rot="16200000" flipV="1">
+              <a:off x="10169815" y="5746707"/>
+              <a:ext cx="476702" cy="593611"/>
+            </a:xfrm>
+            <a:prstGeom prst="curvedConnector2">
+              <a:avLst/>
+            </a:prstGeom>
+            <a:ln w="12700">
+              <a:solidFill>
+                <a:schemeClr val="tx2">
+                  <a:lumMod val="75000"/>
+                </a:schemeClr>
+              </a:solidFill>
+              <a:headEnd type="none" w="med" len="med"/>
+              <a:tailEnd type="none" w="med" len="med"/>
+            </a:ln>
+          </p:spPr>
+          <p:style>
+            <a:lnRef idx="1">
+              <a:schemeClr val="accent1"/>
+            </a:lnRef>
+            <a:fillRef idx="0">
+              <a:schemeClr val="accent1"/>
+            </a:fillRef>
+            <a:effectRef idx="0">
+              <a:schemeClr val="accent1"/>
+            </a:effectRef>
+            <a:fontRef idx="minor">
+              <a:schemeClr val="tx1"/>
+            </a:fontRef>
+          </p:style>
+        </p:cxnSp>
+        <p:sp>
+          <p:nvSpPr>
+            <p:cNvPr id="319" name="Losange 318">
+              <a:extLst>
+                <a:ext uri="{FF2B5EF4-FFF2-40B4-BE49-F238E27FC236}">
+                  <a16:creationId xmlns:a16="http://schemas.microsoft.com/office/drawing/2014/main" id="{61B02801-32F7-3624-3E27-FF260E34852E}"/>
+                </a:ext>
+              </a:extLst>
+            </p:cNvPr>
+            <p:cNvSpPr/>
+            <p:nvPr/>
+          </p:nvSpPr>
+          <p:spPr>
+            <a:xfrm>
+              <a:off x="5273334" y="4780105"/>
+              <a:ext cx="1695488" cy="982539"/>
+            </a:xfrm>
+            <a:prstGeom prst="diamond">
+              <a:avLst/>
+            </a:prstGeom>
+            <a:ln w="12700">
+              <a:solidFill>
+                <a:schemeClr val="tx2">
+                  <a:lumMod val="50000"/>
+                </a:schemeClr>
+              </a:solidFill>
+              <a:prstDash val="sysDot"/>
+            </a:ln>
+          </p:spPr>
+          <p:style>
+            <a:lnRef idx="2">
+              <a:schemeClr val="accent1"/>
+            </a:lnRef>
+            <a:fillRef idx="1">
+              <a:schemeClr val="lt1"/>
+            </a:fillRef>
+            <a:effectRef idx="0">
+              <a:schemeClr val="accent1"/>
+            </a:effectRef>
+            <a:fontRef idx="minor">
+              <a:schemeClr val="dk1"/>
+            </a:fontRef>
+          </p:style>
+          <p:txBody>
+            <a:bodyPr rtlCol="0" anchor="ctr"/>
+            <a:lstStyle/>
+            <a:p>
+              <a:pPr algn="ctr"/>
+              <a:r>
+                <a:rPr lang="en-US" sz="1050" noProof="0" dirty="0">
+                  <a:solidFill>
+                    <a:schemeClr val="tx2">
+                      <a:lumMod val="75000"/>
+                    </a:schemeClr>
+                  </a:solidFill>
+                  <a:latin typeface="+mj-lt"/>
+                </a:rPr>
+                <a:t>Sludge separation</a:t>
+              </a:r>
+            </a:p>
+          </p:txBody>
+        </p:sp>
+        <p:cxnSp>
+          <p:nvCxnSpPr>
+            <p:cNvPr id="323" name="Connecteur en arc 322">
+              <a:extLst>
+                <a:ext uri="{FF2B5EF4-FFF2-40B4-BE49-F238E27FC236}">
+                  <a16:creationId xmlns:a16="http://schemas.microsoft.com/office/drawing/2014/main" id="{3A3DD6AF-B233-50C3-09C7-59C6688912E2}"/>
+                </a:ext>
+              </a:extLst>
+            </p:cNvPr>
+            <p:cNvCxnSpPr>
+              <a:cxnSpLocks/>
+              <a:stCxn id="6" idx="2"/>
+              <a:endCxn id="319" idx="1"/>
+            </p:cNvCxnSpPr>
+            <p:nvPr/>
+          </p:nvCxnSpPr>
+          <p:spPr>
+            <a:xfrm rot="5400000">
+              <a:off x="4884152" y="4869249"/>
+              <a:ext cx="791309" cy="12943"/>
+            </a:xfrm>
+            <a:prstGeom prst="curvedConnector4">
+              <a:avLst>
+                <a:gd name="adj1" fmla="val 18958"/>
+                <a:gd name="adj2" fmla="val 1866206"/>
+              </a:avLst>
+            </a:prstGeom>
+            <a:ln w="12700">
+              <a:solidFill>
+                <a:schemeClr val="tx2">
+                  <a:lumMod val="75000"/>
+                </a:schemeClr>
+              </a:solidFill>
+              <a:tailEnd type="triangle"/>
+            </a:ln>
+          </p:spPr>
+          <p:style>
+            <a:lnRef idx="1">
+              <a:schemeClr val="accent1"/>
+            </a:lnRef>
+            <a:fillRef idx="0">
+              <a:schemeClr val="accent1"/>
+            </a:fillRef>
+            <a:effectRef idx="0">
+              <a:schemeClr val="accent1"/>
+            </a:effectRef>
+            <a:fontRef idx="minor">
+              <a:schemeClr val="tx1"/>
+            </a:fontRef>
+          </p:style>
+        </p:cxnSp>
+        <p:sp>
+          <p:nvSpPr>
+            <p:cNvPr id="338" name="Losange 337">
+              <a:extLst>
+                <a:ext uri="{FF2B5EF4-FFF2-40B4-BE49-F238E27FC236}">
+                  <a16:creationId xmlns:a16="http://schemas.microsoft.com/office/drawing/2014/main" id="{6E316EAB-7012-1074-CE6E-0C440E9BE724}"/>
+                </a:ext>
+              </a:extLst>
+            </p:cNvPr>
+            <p:cNvSpPr/>
+            <p:nvPr/>
+          </p:nvSpPr>
+          <p:spPr>
+            <a:xfrm>
+              <a:off x="0" y="1360047"/>
+              <a:ext cx="1126872" cy="704007"/>
+            </a:xfrm>
+            <a:prstGeom prst="diamond">
+              <a:avLst/>
+            </a:prstGeom>
+            <a:ln w="12700">
+              <a:solidFill>
+                <a:schemeClr val="tx2">
+                  <a:lumMod val="50000"/>
+                </a:schemeClr>
+              </a:solidFill>
+              <a:prstDash val="sysDot"/>
+            </a:ln>
+          </p:spPr>
+          <p:style>
+            <a:lnRef idx="2">
+              <a:schemeClr val="accent1"/>
+            </a:lnRef>
+            <a:fillRef idx="1">
+              <a:schemeClr val="lt1"/>
+            </a:fillRef>
+            <a:effectRef idx="0">
+              <a:schemeClr val="accent1"/>
+            </a:effectRef>
+            <a:fontRef idx="minor">
+              <a:schemeClr val="dk1"/>
+            </a:fontRef>
+          </p:style>
+          <p:txBody>
+            <a:bodyPr rtlCol="0" anchor="ctr"/>
+            <a:lstStyle/>
+            <a:p>
+              <a:pPr algn="ctr"/>
+              <a:r>
+                <a:rPr lang="en-US" sz="800" dirty="0">
+                  <a:solidFill>
+                    <a:schemeClr val="tx2">
+                      <a:lumMod val="75000"/>
+                    </a:schemeClr>
+                  </a:solidFill>
+                  <a:latin typeface="+mj-lt"/>
+                </a:rPr>
+                <a:t>LOGIC BOX</a:t>
+              </a:r>
+              <a:endParaRPr lang="en-US" sz="800" noProof="0" dirty="0">
+                <a:solidFill>
+                  <a:schemeClr val="tx2">
+                    <a:lumMod val="75000"/>
+                  </a:schemeClr>
+                </a:solidFill>
+                <a:latin typeface="+mj-lt"/>
+              </a:endParaRPr>
+            </a:p>
+          </p:txBody>
+        </p:sp>
+        <p:cxnSp>
+          <p:nvCxnSpPr>
+            <p:cNvPr id="354" name="Connecteur en arc 353">
+              <a:extLst>
+                <a:ext uri="{FF2B5EF4-FFF2-40B4-BE49-F238E27FC236}">
+                  <a16:creationId xmlns:a16="http://schemas.microsoft.com/office/drawing/2014/main" id="{93AD98D2-2104-BB28-C6CE-DE2765447CDD}"/>
+                </a:ext>
+              </a:extLst>
+            </p:cNvPr>
+            <p:cNvCxnSpPr>
+              <a:cxnSpLocks/>
+              <a:stCxn id="6" idx="0"/>
+              <a:endCxn id="199" idx="2"/>
+            </p:cNvCxnSpPr>
+            <p:nvPr/>
+          </p:nvCxnSpPr>
+          <p:spPr>
+            <a:xfrm rot="16200000" flipV="1">
+              <a:off x="4007629" y="2484645"/>
+              <a:ext cx="2199772" cy="357524"/>
+            </a:xfrm>
+            <a:prstGeom prst="curvedConnector3">
+              <a:avLst>
+                <a:gd name="adj1" fmla="val 50000"/>
+              </a:avLst>
+            </a:prstGeom>
+            <a:ln w="12700">
+              <a:solidFill>
+                <a:schemeClr val="tx2">
+                  <a:lumMod val="75000"/>
+                </a:schemeClr>
+              </a:solidFill>
+              <a:headEnd type="none" w="med" len="med"/>
+              <a:tailEnd type="none" w="med" len="med"/>
+            </a:ln>
+          </p:spPr>
+          <p:style>
+            <a:lnRef idx="1">
+              <a:schemeClr val="accent1"/>
+            </a:lnRef>
+            <a:fillRef idx="0">
+              <a:schemeClr val="accent1"/>
+            </a:fillRef>
+            <a:effectRef idx="0">
+              <a:schemeClr val="accent1"/>
+            </a:effectRef>
+            <a:fontRef idx="minor">
+              <a:schemeClr val="tx1"/>
+            </a:fontRef>
+          </p:style>
+        </p:cxnSp>
+        <p:cxnSp>
+          <p:nvCxnSpPr>
+            <p:cNvPr id="365" name="Connecteur en arc 364">
+              <a:extLst>
+                <a:ext uri="{FF2B5EF4-FFF2-40B4-BE49-F238E27FC236}">
+                  <a16:creationId xmlns:a16="http://schemas.microsoft.com/office/drawing/2014/main" id="{A00D1D69-9CF0-11B7-02F4-227D22BBF4AD}"/>
+                </a:ext>
+              </a:extLst>
+            </p:cNvPr>
+            <p:cNvCxnSpPr>
+              <a:cxnSpLocks/>
+              <a:stCxn id="7" idx="1"/>
+              <a:endCxn id="199" idx="2"/>
+            </p:cNvCxnSpPr>
+            <p:nvPr/>
+          </p:nvCxnSpPr>
+          <p:spPr>
+            <a:xfrm rot="10800000">
+              <a:off x="4928753" y="1563521"/>
+              <a:ext cx="1185144" cy="1277162"/>
+            </a:xfrm>
+            <a:prstGeom prst="curvedConnector2">
+              <a:avLst/>
+            </a:prstGeom>
+            <a:ln w="12700">
+              <a:solidFill>
+                <a:schemeClr val="tx2">
+                  <a:lumMod val="75000"/>
+                </a:schemeClr>
+              </a:solidFill>
+              <a:headEnd type="none" w="med" len="med"/>
+              <a:tailEnd type="none" w="med" len="med"/>
+            </a:ln>
+          </p:spPr>
+          <p:style>
+            <a:lnRef idx="1">
+              <a:schemeClr val="accent1"/>
+            </a:lnRef>
+            <a:fillRef idx="0">
+              <a:schemeClr val="accent1"/>
+            </a:fillRef>
+            <a:effectRef idx="0">
+              <a:schemeClr val="accent1"/>
+            </a:effectRef>
+            <a:fontRef idx="minor">
+              <a:schemeClr val="tx1"/>
+            </a:fontRef>
+          </p:style>
+        </p:cxnSp>
+        <p:sp>
+          <p:nvSpPr>
+            <p:cNvPr id="199" name="Rectangle : coins arrondis 198">
+              <a:extLst>
+                <a:ext uri="{FF2B5EF4-FFF2-40B4-BE49-F238E27FC236}">
+                  <a16:creationId xmlns:a16="http://schemas.microsoft.com/office/drawing/2014/main" id="{F9011DAA-F5FB-353D-131D-46346B0B2B46}"/>
+                </a:ext>
+              </a:extLst>
+            </p:cNvPr>
+            <p:cNvSpPr/>
+            <p:nvPr/>
+          </p:nvSpPr>
+          <p:spPr>
+            <a:xfrm>
+              <a:off x="4339488" y="987385"/>
+              <a:ext cx="1178529" cy="576136"/>
+            </a:xfrm>
+            <a:prstGeom prst="roundRect">
+              <a:avLst>
+                <a:gd name="adj" fmla="val 50000"/>
+              </a:avLst>
+            </a:prstGeom>
+            <a:solidFill>
+              <a:schemeClr val="accent2">
+                <a:lumMod val="60000"/>
+                <a:lumOff val="40000"/>
+              </a:schemeClr>
+            </a:solidFill>
+            <a:ln w="12700">
+              <a:solidFill>
+                <a:schemeClr val="tx2">
+                  <a:lumMod val="50000"/>
+                </a:schemeClr>
+              </a:solidFill>
+            </a:ln>
+          </p:spPr>
+          <p:style>
+            <a:lnRef idx="2">
+              <a:schemeClr val="accent1"/>
+            </a:lnRef>
+            <a:fillRef idx="1">
+              <a:schemeClr val="lt1"/>
+            </a:fillRef>
+            <a:effectRef idx="0">
+              <a:schemeClr val="accent1"/>
+            </a:effectRef>
+            <a:fontRef idx="minor">
+              <a:schemeClr val="dk1"/>
+            </a:fontRef>
+          </p:style>
+          <p:txBody>
+            <a:bodyPr rtlCol="0" anchor="ctr"/>
+            <a:lstStyle/>
+            <a:p>
+              <a:pPr algn="ctr"/>
+              <a:r>
+                <a:rPr lang="en-US" sz="1050" noProof="0" dirty="0">
+                  <a:solidFill>
+                    <a:schemeClr val="tx2">
+                      <a:lumMod val="75000"/>
+                    </a:schemeClr>
+                  </a:solidFill>
+                  <a:latin typeface="+mj-lt"/>
+                </a:rPr>
+                <a:t>Oxidated </a:t>
+              </a:r>
+              <a:r>
+                <a:rPr lang="en-US" sz="1050" dirty="0">
+                  <a:solidFill>
+                    <a:schemeClr val="tx2">
+                      <a:lumMod val="75000"/>
+                    </a:schemeClr>
+                  </a:solidFill>
+                  <a:latin typeface="+mj-lt"/>
+                </a:rPr>
+                <a:t> contaminants</a:t>
+              </a:r>
+              <a:endParaRPr lang="en-US" sz="1050" noProof="0" dirty="0">
+                <a:solidFill>
+                  <a:schemeClr val="tx2">
+                    <a:lumMod val="75000"/>
+                  </a:schemeClr>
+                </a:solidFill>
+                <a:latin typeface="+mj-lt"/>
+              </a:endParaRPr>
+            </a:p>
+          </p:txBody>
+        </p:sp>
+        <p:sp>
+          <p:nvSpPr>
+            <p:cNvPr id="374" name="Rectangle : coins arrondis 373">
+              <a:extLst>
+                <a:ext uri="{FF2B5EF4-FFF2-40B4-BE49-F238E27FC236}">
+                  <a16:creationId xmlns:a16="http://schemas.microsoft.com/office/drawing/2014/main" id="{491989F4-50FD-5595-0496-6ECCA5946957}"/>
+                </a:ext>
+              </a:extLst>
+            </p:cNvPr>
+            <p:cNvSpPr/>
+            <p:nvPr/>
+          </p:nvSpPr>
+          <p:spPr>
+            <a:xfrm>
+              <a:off x="316791" y="2125820"/>
+              <a:ext cx="560354" cy="576136"/>
+            </a:xfrm>
+            <a:prstGeom prst="roundRect">
+              <a:avLst>
+                <a:gd name="adj" fmla="val 50000"/>
+              </a:avLst>
+            </a:prstGeom>
+            <a:solidFill>
+              <a:schemeClr val="accent2">
+                <a:lumMod val="60000"/>
+                <a:lumOff val="40000"/>
+              </a:schemeClr>
+            </a:solidFill>
+            <a:ln w="12700">
+              <a:solidFill>
+                <a:schemeClr val="tx2">
+                  <a:lumMod val="50000"/>
+                </a:schemeClr>
+              </a:solidFill>
+            </a:ln>
+          </p:spPr>
+          <p:style>
+            <a:lnRef idx="2">
+              <a:schemeClr val="accent1"/>
+            </a:lnRef>
+            <a:fillRef idx="1">
+              <a:schemeClr val="lt1"/>
+            </a:fillRef>
+            <a:effectRef idx="0">
+              <a:schemeClr val="accent1"/>
+            </a:effectRef>
+            <a:fontRef idx="minor">
+              <a:schemeClr val="dk1"/>
+            </a:fontRef>
+          </p:style>
+          <p:txBody>
+            <a:bodyPr rtlCol="0" anchor="ctr"/>
+            <a:lstStyle/>
+            <a:p>
+              <a:pPr algn="ctr"/>
+              <a:r>
+                <a:rPr lang="en-US" sz="1050" noProof="0" dirty="0">
+                  <a:solidFill>
+                    <a:schemeClr val="tx2">
+                      <a:lumMod val="75000"/>
+                    </a:schemeClr>
+                  </a:solidFill>
+                  <a:latin typeface="+mj-lt"/>
+                </a:rPr>
+                <a:t>LCA</a:t>
+              </a:r>
+              <a:endParaRPr lang="en-US" sz="1050" baseline="-25000" noProof="0" dirty="0">
+                <a:solidFill>
+                  <a:schemeClr val="tx2">
+                    <a:lumMod val="75000"/>
+                  </a:schemeClr>
+                </a:solidFill>
+                <a:latin typeface="+mj-lt"/>
+              </a:endParaRPr>
+            </a:p>
+          </p:txBody>
+        </p:sp>
+        <p:cxnSp>
+          <p:nvCxnSpPr>
+            <p:cNvPr id="474" name="Connecteur en arc 473">
+              <a:extLst>
+                <a:ext uri="{FF2B5EF4-FFF2-40B4-BE49-F238E27FC236}">
+                  <a16:creationId xmlns:a16="http://schemas.microsoft.com/office/drawing/2014/main" id="{BB4789D9-935D-BD39-FD6C-BC1A484284FF}"/>
+                </a:ext>
+              </a:extLst>
+            </p:cNvPr>
+            <p:cNvCxnSpPr>
+              <a:cxnSpLocks/>
+              <a:stCxn id="5" idx="3"/>
+              <a:endCxn id="18" idx="0"/>
+            </p:cNvCxnSpPr>
+            <p:nvPr/>
+          </p:nvCxnSpPr>
+          <p:spPr>
+            <a:xfrm flipV="1">
+              <a:off x="4402401" y="2431443"/>
+              <a:ext cx="4745002" cy="558581"/>
+            </a:xfrm>
+            <a:prstGeom prst="curvedConnector4">
+              <a:avLst>
+                <a:gd name="adj1" fmla="val 24101"/>
+                <a:gd name="adj2" fmla="val 340812"/>
+              </a:avLst>
+            </a:prstGeom>
+            <a:ln w="12700">
+              <a:solidFill>
+                <a:schemeClr val="tx2">
+                  <a:lumMod val="75000"/>
+                </a:schemeClr>
+              </a:solidFill>
+              <a:headEnd type="none" w="med" len="med"/>
+              <a:tailEnd type="triangle" w="med" len="med"/>
+            </a:ln>
+          </p:spPr>
+          <p:style>
+            <a:lnRef idx="1">
+              <a:schemeClr val="accent1"/>
+            </a:lnRef>
+            <a:fillRef idx="0">
+              <a:schemeClr val="accent1"/>
+            </a:fillRef>
+            <a:effectRef idx="0">
+              <a:schemeClr val="accent1"/>
+            </a:effectRef>
+            <a:fontRef idx="minor">
+              <a:schemeClr val="tx1"/>
+            </a:fontRef>
+          </p:style>
+        </p:cxnSp>
+      </p:grpSp>
+    </p:spTree>
+    <p:extLst>
+      <p:ext uri="{BB962C8B-B14F-4D97-AF65-F5344CB8AC3E}">
+        <p14:creationId xmlns:p14="http://schemas.microsoft.com/office/powerpoint/2010/main" val="3604542130"/>
+      </p:ext>
+    </p:extLst>
+  </p:cSld>
+  <p:clrMapOvr>
+    <a:masterClrMapping/>
+  </p:clrMapOvr>
+</p:sld>
+</file>
+
+<file path=ppt/slides/slide4.xml><?xml version="1.0" encoding="utf-8"?>
+<p:sld xmlns:a="http://schemas.openxmlformats.org/drawingml/2006/main" xmlns:r="http://schemas.openxmlformats.org/officeDocument/2006/relationships" xmlns:p="http://schemas.openxmlformats.org/presentationml/2006/main">
+  <p:cSld>
+    <p:spTree>
+      <p:nvGrpSpPr>
+        <p:cNvPr id="1" name="">
+          <a:extLst>
+            <a:ext uri="{FF2B5EF4-FFF2-40B4-BE49-F238E27FC236}">
               <a16:creationId xmlns:a16="http://schemas.microsoft.com/office/drawing/2014/main" id="{BB80AE3C-22BA-EB97-E7FD-4C724C9DD04B}"/>
             </a:ext>
           </a:extLst>
@@ -4808,7 +8145,7 @@
 </p:sld>
 </file>
 
-<file path=ppt/slides/slide4.xml><?xml version="1.0" encoding="utf-8"?>
+<file path=ppt/slides/slide5.xml><?xml version="1.0" encoding="utf-8"?>
 <p:sld xmlns:a="http://schemas.openxmlformats.org/drawingml/2006/main" xmlns:r="http://schemas.openxmlformats.org/officeDocument/2006/relationships" xmlns:p="http://schemas.openxmlformats.org/presentationml/2006/main">
   <p:cSld>
     <p:spTree>
@@ -5624,7 +8961,7 @@
 </p:sld>
 </file>
 
-<file path=ppt/slides/slide5.xml><?xml version="1.0" encoding="utf-8"?>
+<file path=ppt/slides/slide6.xml><?xml version="1.0" encoding="utf-8"?>
 <p:sld xmlns:a="http://schemas.openxmlformats.org/drawingml/2006/main" xmlns:r="http://schemas.openxmlformats.org/officeDocument/2006/relationships" xmlns:p="http://schemas.openxmlformats.org/presentationml/2006/main">
   <p:cSld>
     <p:spTree>
@@ -5689,7 +9026,7 @@
 </p:sld>
 </file>
 
-<file path=ppt/slides/slide6.xml><?xml version="1.0" encoding="utf-8"?>
+<file path=ppt/slides/slide7.xml><?xml version="1.0" encoding="utf-8"?>
 <p:sld xmlns:a="http://schemas.openxmlformats.org/drawingml/2006/main" xmlns:r="http://schemas.openxmlformats.org/officeDocument/2006/relationships" xmlns:p="http://schemas.openxmlformats.org/presentationml/2006/main">
   <p:cSld>
     <p:spTree>
@@ -5737,7 +9074,7 @@
               <a:rPr lang="fr-FR">
                 <a:latin typeface="Arial Rounded MT Bold" panose="020F0704030504030204" pitchFamily="34" charset="77"/>
               </a:rPr>
-              <a:t>6</a:t>
+              <a:t>7</a:t>
             </a:fld>
             <a:endParaRPr lang="fr-FR" dirty="0">
               <a:latin typeface="Arial Rounded MT Bold" panose="020F0704030504030204" pitchFamily="34" charset="77"/>
@@ -5793,7 +9130,7 @@
 </p:sld>
 </file>
 
-<file path=ppt/slides/slide7.xml><?xml version="1.0" encoding="utf-8"?>
+<file path=ppt/slides/slide8.xml><?xml version="1.0" encoding="utf-8"?>
 <p:sld xmlns:a="http://schemas.openxmlformats.org/drawingml/2006/main" xmlns:r="http://schemas.openxmlformats.org/officeDocument/2006/relationships" xmlns:p="http://schemas.openxmlformats.org/presentationml/2006/main">
   <p:cSld>
     <p:spTree>
@@ -5858,7 +9195,7 @@
 </p:sld>
 </file>
 
-<file path=ppt/slides/slide8.xml><?xml version="1.0" encoding="utf-8"?>
+<file path=ppt/slides/slide9.xml><?xml version="1.0" encoding="utf-8"?>
 <p:sld xmlns:a="http://schemas.openxmlformats.org/drawingml/2006/main" xmlns:r="http://schemas.openxmlformats.org/officeDocument/2006/relationships" xmlns:p="http://schemas.openxmlformats.org/presentationml/2006/main">
   <p:cSld>
     <p:spTree>
@@ -5909,71 +9246,6 @@
     <p:extLst>
       <p:ext uri="{BB962C8B-B14F-4D97-AF65-F5344CB8AC3E}">
         <p14:creationId xmlns:p14="http://schemas.microsoft.com/office/powerpoint/2010/main" val="2090522448"/>
-      </p:ext>
-    </p:extLst>
-  </p:cSld>
-  <p:clrMapOvr>
-    <a:masterClrMapping/>
-  </p:clrMapOvr>
-  <p:extLst>
-    <p:ext uri="{6950BFC3-D8DA-4A85-94F7-54DA5524770B}">
-      <p188:commentRel xmlns:p188="http://schemas.microsoft.com/office/powerpoint/2018/8/main" r:id="rId2"/>
-    </p:ext>
-  </p:extLst>
-</p:sld>
-</file>
-
-<file path=ppt/slides/slide9.xml><?xml version="1.0" encoding="utf-8"?>
-<p:sld xmlns:a="http://schemas.openxmlformats.org/drawingml/2006/main" xmlns:r="http://schemas.openxmlformats.org/officeDocument/2006/relationships" xmlns:p="http://schemas.openxmlformats.org/presentationml/2006/main">
-  <p:cSld>
-    <p:spTree>
-      <p:nvGrpSpPr>
-        <p:cNvPr id="1" name=""/>
-        <p:cNvGrpSpPr/>
-        <p:nvPr/>
-      </p:nvGrpSpPr>
-      <p:grpSpPr>
-        <a:xfrm>
-          <a:off x="0" y="0"/>
-          <a:ext cx="0" cy="0"/>
-          <a:chOff x="0" y="0"/>
-          <a:chExt cx="0" cy="0"/>
-        </a:xfrm>
-      </p:grpSpPr>
-      <p:pic>
-        <p:nvPicPr>
-          <p:cNvPr id="3" name="Picture 2" descr="A diagram of different colored lines&#10;&#10;AI-generated content may be incorrect.">
-            <a:extLst>
-              <a:ext uri="{FF2B5EF4-FFF2-40B4-BE49-F238E27FC236}">
-                <a16:creationId xmlns:a16="http://schemas.microsoft.com/office/drawing/2014/main" id="{1865928E-9A82-7D7F-B570-F36C38BCC06D}"/>
-              </a:ext>
-            </a:extLst>
-          </p:cNvPr>
-          <p:cNvPicPr>
-            <a:picLocks noChangeAspect="1"/>
-          </p:cNvPicPr>
-          <p:nvPr/>
-        </p:nvPicPr>
-        <p:blipFill>
-          <a:blip r:embed="rId3"/>
-          <a:stretch>
-            <a:fillRect/>
-          </a:stretch>
-        </p:blipFill>
-        <p:spPr>
-          <a:xfrm>
-            <a:off x="0" y="1526642"/>
-            <a:ext cx="12192000" cy="3804716"/>
-          </a:xfrm>
-          <a:prstGeom prst="rect">
-            <a:avLst/>
-          </a:prstGeom>
-        </p:spPr>
-      </p:pic>
-    </p:spTree>
-    <p:extLst>
-      <p:ext uri="{BB962C8B-B14F-4D97-AF65-F5344CB8AC3E}">
-        <p14:creationId xmlns:p14="http://schemas.microsoft.com/office/powerpoint/2010/main" val="2626188335"/>
       </p:ext>
     </p:extLst>
   </p:cSld>

--- a/presentation/dds_autumn_school_2025_paw_presentation_14-11-2025.pptx
+++ b/presentation/dds_autumn_school_2025_paw_presentation_14-11-2025.pptx
@@ -5,7 +5,7 @@
     <p:sldMasterId id="2147483648" r:id="rId1"/>
   </p:sldMasterIdLst>
   <p:notesMasterIdLst>
-    <p:notesMasterId r:id="rId17"/>
+    <p:notesMasterId r:id="rId18"/>
   </p:notesMasterIdLst>
   <p:sldIdLst>
     <p:sldId id="256" r:id="rId2"/>
@@ -18,11 +18,12 @@
     <p:sldId id="269" r:id="rId9"/>
     <p:sldId id="272" r:id="rId10"/>
     <p:sldId id="262" r:id="rId11"/>
-    <p:sldId id="257" r:id="rId12"/>
-    <p:sldId id="258" r:id="rId13"/>
-    <p:sldId id="259" r:id="rId14"/>
-    <p:sldId id="260" r:id="rId15"/>
-    <p:sldId id="261" r:id="rId16"/>
+    <p:sldId id="275" r:id="rId12"/>
+    <p:sldId id="257" r:id="rId13"/>
+    <p:sldId id="258" r:id="rId14"/>
+    <p:sldId id="259" r:id="rId15"/>
+    <p:sldId id="260" r:id="rId16"/>
+    <p:sldId id="261" r:id="rId17"/>
   </p:sldIdLst>
   <p:sldSz cx="12192000" cy="6858000"/>
   <p:notesSz cx="6858000" cy="9144000"/>
@@ -4492,6 +4493,69 @@
           </a:prstGeom>
         </p:spPr>
       </p:pic>
+      <p:sp>
+        <p:nvSpPr>
+          <p:cNvPr id="4" name="TextBox 3">
+            <a:extLst>
+              <a:ext uri="{FF2B5EF4-FFF2-40B4-BE49-F238E27FC236}">
+                <a16:creationId xmlns:a16="http://schemas.microsoft.com/office/drawing/2014/main" id="{E6201F68-253E-7A24-AE10-2AF501F44104}"/>
+              </a:ext>
+            </a:extLst>
+          </p:cNvPr>
+          <p:cNvSpPr txBox="1"/>
+          <p:nvPr/>
+        </p:nvSpPr>
+        <p:spPr>
+          <a:xfrm>
+            <a:off x="265386" y="964742"/>
+            <a:ext cx="7519713" cy="830997"/>
+          </a:xfrm>
+          <a:prstGeom prst="rect">
+            <a:avLst/>
+          </a:prstGeom>
+          <a:noFill/>
+        </p:spPr>
+        <p:txBody>
+          <a:bodyPr wrap="square">
+            <a:spAutoFit/>
+          </a:bodyPr>
+          <a:lstStyle/>
+          <a:p>
+            <a:r>
+              <a:rPr lang="en-US" sz="2400" dirty="0">
+                <a:solidFill>
+                  <a:schemeClr val="bg2">
+                    <a:lumMod val="25000"/>
+                  </a:schemeClr>
+                </a:solidFill>
+                <a:latin typeface="Arial Rounded MT Bold" panose="020F0704030504030204" pitchFamily="34" charset="77"/>
+              </a:rPr>
+              <a:t>Total </a:t>
+            </a:r>
+          </a:p>
+          <a:p>
+            <a:r>
+              <a:rPr lang="en-US" sz="2400" dirty="0">
+                <a:solidFill>
+                  <a:schemeClr val="bg2">
+                    <a:lumMod val="25000"/>
+                  </a:schemeClr>
+                </a:solidFill>
+                <a:latin typeface="Arial Rounded MT Bold" panose="020F0704030504030204" pitchFamily="34" charset="77"/>
+              </a:rPr>
+              <a:t>Material Flow, summed over the dimensions </a:t>
+            </a:r>
+            <a:endParaRPr lang="en-US" sz="2400" noProof="0" dirty="0">
+              <a:solidFill>
+                <a:schemeClr val="bg2">
+                  <a:lumMod val="25000"/>
+                </a:schemeClr>
+              </a:solidFill>
+              <a:latin typeface="Arial Rounded MT Bold" panose="020F0704030504030204" pitchFamily="34" charset="77"/>
+            </a:endParaRPr>
+          </a:p>
+        </p:txBody>
+      </p:sp>
     </p:spTree>
     <p:extLst>
       <p:ext uri="{BB962C8B-B14F-4D97-AF65-F5344CB8AC3E}">
@@ -4511,6 +4575,72 @@
 </file>
 
 <file path=ppt/slides/slide11.xml><?xml version="1.0" encoding="utf-8"?>
+<p:sld xmlns:a="http://schemas.openxmlformats.org/drawingml/2006/main" xmlns:r="http://schemas.openxmlformats.org/officeDocument/2006/relationships" xmlns:p="http://schemas.openxmlformats.org/presentationml/2006/main">
+  <p:cSld>
+    <p:spTree>
+      <p:nvGrpSpPr>
+        <p:cNvPr id="1" name="">
+          <a:extLst>
+            <a:ext uri="{FF2B5EF4-FFF2-40B4-BE49-F238E27FC236}">
+              <a16:creationId xmlns:a16="http://schemas.microsoft.com/office/drawing/2014/main" id="{76B1E429-85BA-1BB1-1449-6DF8238DD9AB}"/>
+            </a:ext>
+          </a:extLst>
+        </p:cNvPr>
+        <p:cNvGrpSpPr/>
+        <p:nvPr/>
+      </p:nvGrpSpPr>
+      <p:grpSpPr>
+        <a:xfrm>
+          <a:off x="0" y="0"/>
+          <a:ext cx="0" cy="0"/>
+          <a:chOff x="0" y="0"/>
+          <a:chExt cx="0" cy="0"/>
+        </a:xfrm>
+      </p:grpSpPr>
+      <p:pic>
+        <p:nvPicPr>
+          <p:cNvPr id="3" name="Picture 2" descr="A diagram of different colored lines&#10;&#10;AI-generated content may be incorrect.">
+            <a:extLst>
+              <a:ext uri="{FF2B5EF4-FFF2-40B4-BE49-F238E27FC236}">
+                <a16:creationId xmlns:a16="http://schemas.microsoft.com/office/drawing/2014/main" id="{BBC5FB50-4B7C-8ED6-9C0A-AFBE4099C4AB}"/>
+              </a:ext>
+            </a:extLst>
+          </p:cNvPr>
+          <p:cNvPicPr>
+            <a:picLocks noChangeAspect="1"/>
+          </p:cNvPicPr>
+          <p:nvPr/>
+        </p:nvPicPr>
+        <p:blipFill>
+          <a:blip r:embed="rId2"/>
+          <a:stretch>
+            <a:fillRect/>
+          </a:stretch>
+        </p:blipFill>
+        <p:spPr>
+          <a:xfrm>
+            <a:off x="0" y="1708046"/>
+            <a:ext cx="12192000" cy="3441907"/>
+          </a:xfrm>
+          <a:prstGeom prst="rect">
+            <a:avLst/>
+          </a:prstGeom>
+        </p:spPr>
+      </p:pic>
+    </p:spTree>
+    <p:extLst>
+      <p:ext uri="{BB962C8B-B14F-4D97-AF65-F5344CB8AC3E}">
+        <p14:creationId xmlns:p14="http://schemas.microsoft.com/office/powerpoint/2010/main" val="364705490"/>
+      </p:ext>
+    </p:extLst>
+  </p:cSld>
+  <p:clrMapOvr>
+    <a:masterClrMapping/>
+  </p:clrMapOvr>
+</p:sld>
+</file>
+
+<file path=ppt/slides/slide12.xml><?xml version="1.0" encoding="utf-8"?>
 <p:sld xmlns:a="http://schemas.openxmlformats.org/drawingml/2006/main" xmlns:r="http://schemas.openxmlformats.org/officeDocument/2006/relationships" xmlns:p="http://schemas.openxmlformats.org/presentationml/2006/main">
   <p:cSld>
     <p:spTree>
@@ -4558,7 +4688,7 @@
               <a:rPr lang="fr-FR">
                 <a:latin typeface="Arial Rounded MT Bold" panose="020F0704030504030204" pitchFamily="34" charset="77"/>
               </a:rPr>
-              <a:t>11</a:t>
+              <a:t>12</a:t>
             </a:fld>
             <a:endParaRPr lang="fr-FR" dirty="0">
               <a:latin typeface="Arial Rounded MT Bold" panose="020F0704030504030204" pitchFamily="34" charset="77"/>
@@ -4596,6 +4726,69 @@
           </a:prstGeom>
         </p:spPr>
       </p:pic>
+      <p:sp>
+        <p:nvSpPr>
+          <p:cNvPr id="7" name="TextBox 6">
+            <a:extLst>
+              <a:ext uri="{FF2B5EF4-FFF2-40B4-BE49-F238E27FC236}">
+                <a16:creationId xmlns:a16="http://schemas.microsoft.com/office/drawing/2014/main" id="{9DBA1C52-DD10-6B06-AF85-FEF70BE75194}"/>
+              </a:ext>
+            </a:extLst>
+          </p:cNvPr>
+          <p:cNvSpPr txBox="1"/>
+          <p:nvPr/>
+        </p:nvSpPr>
+        <p:spPr>
+          <a:xfrm>
+            <a:off x="265386" y="964742"/>
+            <a:ext cx="7519713" cy="830997"/>
+          </a:xfrm>
+          <a:prstGeom prst="rect">
+            <a:avLst/>
+          </a:prstGeom>
+          <a:noFill/>
+        </p:spPr>
+        <p:txBody>
+          <a:bodyPr wrap="square">
+            <a:spAutoFit/>
+          </a:bodyPr>
+          <a:lstStyle/>
+          <a:p>
+            <a:r>
+              <a:rPr lang="en-US" sz="2400" dirty="0">
+                <a:solidFill>
+                  <a:schemeClr val="bg2">
+                    <a:lumMod val="25000"/>
+                  </a:schemeClr>
+                </a:solidFill>
+                <a:latin typeface="Arial Rounded MT Bold" panose="020F0704030504030204" pitchFamily="34" charset="77"/>
+              </a:rPr>
+              <a:t>PkBudg650</a:t>
+            </a:r>
+          </a:p>
+          <a:p>
+            <a:r>
+              <a:rPr lang="en-US" sz="2400" dirty="0">
+                <a:solidFill>
+                  <a:schemeClr val="bg2">
+                    <a:lumMod val="25000"/>
+                  </a:schemeClr>
+                </a:solidFill>
+                <a:latin typeface="Arial Rounded MT Bold" panose="020F0704030504030204" pitchFamily="34" charset="77"/>
+              </a:rPr>
+              <a:t>Material Flow, summed over the dimensions </a:t>
+            </a:r>
+            <a:endParaRPr lang="en-US" sz="2400" noProof="0" dirty="0">
+              <a:solidFill>
+                <a:schemeClr val="bg2">
+                  <a:lumMod val="25000"/>
+                </a:schemeClr>
+              </a:solidFill>
+              <a:latin typeface="Arial Rounded MT Bold" panose="020F0704030504030204" pitchFamily="34" charset="77"/>
+            </a:endParaRPr>
+          </a:p>
+        </p:txBody>
+      </p:sp>
     </p:spTree>
     <p:extLst>
       <p:ext uri="{BB962C8B-B14F-4D97-AF65-F5344CB8AC3E}">
@@ -4614,7 +4807,7 @@
 </p:sld>
 </file>
 
-<file path=ppt/slides/slide12.xml><?xml version="1.0" encoding="utf-8"?>
+<file path=ppt/slides/slide13.xml><?xml version="1.0" encoding="utf-8"?>
 <p:sld xmlns:a="http://schemas.openxmlformats.org/drawingml/2006/main" xmlns:r="http://schemas.openxmlformats.org/officeDocument/2006/relationships" xmlns:p="http://schemas.openxmlformats.org/presentationml/2006/main">
   <p:cSld>
     <p:spTree>
@@ -4661,6 +4854,77 @@
           </a:prstGeom>
         </p:spPr>
       </p:pic>
+      <p:sp>
+        <p:nvSpPr>
+          <p:cNvPr id="2" name="TextBox 1">
+            <a:extLst>
+              <a:ext uri="{FF2B5EF4-FFF2-40B4-BE49-F238E27FC236}">
+                <a16:creationId xmlns:a16="http://schemas.microsoft.com/office/drawing/2014/main" id="{EC2310DC-00E0-1304-5DD6-1131E9D81E5F}"/>
+              </a:ext>
+            </a:extLst>
+          </p:cNvPr>
+          <p:cNvSpPr txBox="1"/>
+          <p:nvPr/>
+        </p:nvSpPr>
+        <p:spPr>
+          <a:xfrm>
+            <a:off x="265386" y="964742"/>
+            <a:ext cx="7519713" cy="830997"/>
+          </a:xfrm>
+          <a:prstGeom prst="rect">
+            <a:avLst/>
+          </a:prstGeom>
+          <a:noFill/>
+        </p:spPr>
+        <p:txBody>
+          <a:bodyPr wrap="square">
+            <a:spAutoFit/>
+          </a:bodyPr>
+          <a:lstStyle/>
+          <a:p>
+            <a:r>
+              <a:rPr lang="en-US" sz="2400" dirty="0" err="1">
+                <a:solidFill>
+                  <a:schemeClr val="bg2">
+                    <a:lumMod val="25000"/>
+                  </a:schemeClr>
+                </a:solidFill>
+                <a:latin typeface="Arial Rounded MT Bold" panose="020F0704030504030204" pitchFamily="34" charset="77"/>
+              </a:rPr>
+              <a:t>NPi</a:t>
+            </a:r>
+            <a:endParaRPr lang="en-US" sz="2400" dirty="0">
+              <a:solidFill>
+                <a:schemeClr val="bg2">
+                  <a:lumMod val="25000"/>
+                </a:schemeClr>
+              </a:solidFill>
+              <a:latin typeface="Arial Rounded MT Bold" panose="020F0704030504030204" pitchFamily="34" charset="77"/>
+            </a:endParaRPr>
+          </a:p>
+          <a:p>
+            <a:r>
+              <a:rPr lang="en-US" sz="2400" dirty="0">
+                <a:solidFill>
+                  <a:schemeClr val="bg2">
+                    <a:lumMod val="25000"/>
+                  </a:schemeClr>
+                </a:solidFill>
+                <a:latin typeface="Arial Rounded MT Bold" panose="020F0704030504030204" pitchFamily="34" charset="77"/>
+              </a:rPr>
+              <a:t>Material Flow, summed over the dimensions </a:t>
+            </a:r>
+            <a:endParaRPr lang="en-US" sz="2400" noProof="0" dirty="0">
+              <a:solidFill>
+                <a:schemeClr val="bg2">
+                  <a:lumMod val="25000"/>
+                </a:schemeClr>
+              </a:solidFill>
+              <a:latin typeface="Arial Rounded MT Bold" panose="020F0704030504030204" pitchFamily="34" charset="77"/>
+            </a:endParaRPr>
+          </a:p>
+        </p:txBody>
+      </p:sp>
     </p:spTree>
     <p:extLst>
       <p:ext uri="{BB962C8B-B14F-4D97-AF65-F5344CB8AC3E}">
@@ -4679,7 +4943,7 @@
 </p:sld>
 </file>
 
-<file path=ppt/slides/slide13.xml><?xml version="1.0" encoding="utf-8"?>
+<file path=ppt/slides/slide14.xml><?xml version="1.0" encoding="utf-8"?>
 <p:sld xmlns:a="http://schemas.openxmlformats.org/drawingml/2006/main" xmlns:r="http://schemas.openxmlformats.org/officeDocument/2006/relationships" xmlns:p="http://schemas.openxmlformats.org/presentationml/2006/main">
   <p:cSld>
     <p:spTree>
@@ -4726,6 +4990,69 @@
           </a:prstGeom>
         </p:spPr>
       </p:pic>
+      <p:sp>
+        <p:nvSpPr>
+          <p:cNvPr id="2" name="TextBox 1">
+            <a:extLst>
+              <a:ext uri="{FF2B5EF4-FFF2-40B4-BE49-F238E27FC236}">
+                <a16:creationId xmlns:a16="http://schemas.microsoft.com/office/drawing/2014/main" id="{1CBC0978-77A7-FE59-A2F0-00F6723AC64D}"/>
+              </a:ext>
+            </a:extLst>
+          </p:cNvPr>
+          <p:cNvSpPr txBox="1"/>
+          <p:nvPr/>
+        </p:nvSpPr>
+        <p:spPr>
+          <a:xfrm>
+            <a:off x="265386" y="964742"/>
+            <a:ext cx="7519713" cy="830997"/>
+          </a:xfrm>
+          <a:prstGeom prst="rect">
+            <a:avLst/>
+          </a:prstGeom>
+          <a:noFill/>
+        </p:spPr>
+        <p:txBody>
+          <a:bodyPr wrap="square">
+            <a:spAutoFit/>
+          </a:bodyPr>
+          <a:lstStyle/>
+          <a:p>
+            <a:r>
+              <a:rPr lang="en-US" sz="2400" dirty="0">
+                <a:solidFill>
+                  <a:schemeClr val="bg2">
+                    <a:lumMod val="25000"/>
+                  </a:schemeClr>
+                </a:solidFill>
+                <a:latin typeface="Arial Rounded MT Bold" panose="020F0704030504030204" pitchFamily="34" charset="77"/>
+              </a:rPr>
+              <a:t>2020 </a:t>
+            </a:r>
+          </a:p>
+          <a:p>
+            <a:r>
+              <a:rPr lang="en-US" sz="2400" dirty="0">
+                <a:solidFill>
+                  <a:schemeClr val="bg2">
+                    <a:lumMod val="25000"/>
+                  </a:schemeClr>
+                </a:solidFill>
+                <a:latin typeface="Arial Rounded MT Bold" panose="020F0704030504030204" pitchFamily="34" charset="77"/>
+              </a:rPr>
+              <a:t>Material Flow, summed over the dimensions </a:t>
+            </a:r>
+            <a:endParaRPr lang="en-US" sz="2400" noProof="0" dirty="0">
+              <a:solidFill>
+                <a:schemeClr val="bg2">
+                  <a:lumMod val="25000"/>
+                </a:schemeClr>
+              </a:solidFill>
+              <a:latin typeface="Arial Rounded MT Bold" panose="020F0704030504030204" pitchFamily="34" charset="77"/>
+            </a:endParaRPr>
+          </a:p>
+        </p:txBody>
+      </p:sp>
     </p:spTree>
     <p:extLst>
       <p:ext uri="{BB962C8B-B14F-4D97-AF65-F5344CB8AC3E}">
@@ -4744,7 +5071,7 @@
 </p:sld>
 </file>
 
-<file path=ppt/slides/slide14.xml><?xml version="1.0" encoding="utf-8"?>
+<file path=ppt/slides/slide15.xml><?xml version="1.0" encoding="utf-8"?>
 <p:sld xmlns:a="http://schemas.openxmlformats.org/drawingml/2006/main" xmlns:r="http://schemas.openxmlformats.org/officeDocument/2006/relationships" xmlns:p="http://schemas.openxmlformats.org/presentationml/2006/main">
   <p:cSld>
     <p:spTree>
@@ -4791,6 +5118,69 @@
           </a:prstGeom>
         </p:spPr>
       </p:pic>
+      <p:sp>
+        <p:nvSpPr>
+          <p:cNvPr id="2" name="TextBox 1">
+            <a:extLst>
+              <a:ext uri="{FF2B5EF4-FFF2-40B4-BE49-F238E27FC236}">
+                <a16:creationId xmlns:a16="http://schemas.microsoft.com/office/drawing/2014/main" id="{E432E2A6-AC35-8DCE-9CC4-CAD9DFB7EFA5}"/>
+              </a:ext>
+            </a:extLst>
+          </p:cNvPr>
+          <p:cNvSpPr txBox="1"/>
+          <p:nvPr/>
+        </p:nvSpPr>
+        <p:spPr>
+          <a:xfrm>
+            <a:off x="265386" y="964742"/>
+            <a:ext cx="7519713" cy="830997"/>
+          </a:xfrm>
+          <a:prstGeom prst="rect">
+            <a:avLst/>
+          </a:prstGeom>
+          <a:noFill/>
+        </p:spPr>
+        <p:txBody>
+          <a:bodyPr wrap="square">
+            <a:spAutoFit/>
+          </a:bodyPr>
+          <a:lstStyle/>
+          <a:p>
+            <a:r>
+              <a:rPr lang="en-US" sz="2400" dirty="0">
+                <a:solidFill>
+                  <a:schemeClr val="bg2">
+                    <a:lumMod val="25000"/>
+                  </a:schemeClr>
+                </a:solidFill>
+                <a:latin typeface="Arial Rounded MT Bold" panose="020F0704030504030204" pitchFamily="34" charset="77"/>
+              </a:rPr>
+              <a:t>2035 </a:t>
+            </a:r>
+          </a:p>
+          <a:p>
+            <a:r>
+              <a:rPr lang="en-US" sz="2400" dirty="0">
+                <a:solidFill>
+                  <a:schemeClr val="bg2">
+                    <a:lumMod val="25000"/>
+                  </a:schemeClr>
+                </a:solidFill>
+                <a:latin typeface="Arial Rounded MT Bold" panose="020F0704030504030204" pitchFamily="34" charset="77"/>
+              </a:rPr>
+              <a:t>Material Flow, summed over the dimensions </a:t>
+            </a:r>
+            <a:endParaRPr lang="en-US" sz="2400" noProof="0" dirty="0">
+              <a:solidFill>
+                <a:schemeClr val="bg2">
+                  <a:lumMod val="25000"/>
+                </a:schemeClr>
+              </a:solidFill>
+              <a:latin typeface="Arial Rounded MT Bold" panose="020F0704030504030204" pitchFamily="34" charset="77"/>
+            </a:endParaRPr>
+          </a:p>
+        </p:txBody>
+      </p:sp>
     </p:spTree>
     <p:extLst>
       <p:ext uri="{BB962C8B-B14F-4D97-AF65-F5344CB8AC3E}">
@@ -4809,7 +5199,7 @@
 </p:sld>
 </file>
 
-<file path=ppt/slides/slide15.xml><?xml version="1.0" encoding="utf-8"?>
+<file path=ppt/slides/slide16.xml><?xml version="1.0" encoding="utf-8"?>
 <p:sld xmlns:a="http://schemas.openxmlformats.org/drawingml/2006/main" xmlns:r="http://schemas.openxmlformats.org/officeDocument/2006/relationships" xmlns:p="http://schemas.openxmlformats.org/presentationml/2006/main">
   <p:cSld>
     <p:spTree>
@@ -4856,6 +5246,69 @@
           </a:prstGeom>
         </p:spPr>
       </p:pic>
+      <p:sp>
+        <p:nvSpPr>
+          <p:cNvPr id="2" name="TextBox 1">
+            <a:extLst>
+              <a:ext uri="{FF2B5EF4-FFF2-40B4-BE49-F238E27FC236}">
+                <a16:creationId xmlns:a16="http://schemas.microsoft.com/office/drawing/2014/main" id="{35326718-3575-5641-B71D-7EF28457C227}"/>
+              </a:ext>
+            </a:extLst>
+          </p:cNvPr>
+          <p:cNvSpPr txBox="1"/>
+          <p:nvPr/>
+        </p:nvSpPr>
+        <p:spPr>
+          <a:xfrm>
+            <a:off x="265386" y="964742"/>
+            <a:ext cx="7519713" cy="830997"/>
+          </a:xfrm>
+          <a:prstGeom prst="rect">
+            <a:avLst/>
+          </a:prstGeom>
+          <a:noFill/>
+        </p:spPr>
+        <p:txBody>
+          <a:bodyPr wrap="square">
+            <a:spAutoFit/>
+          </a:bodyPr>
+          <a:lstStyle/>
+          <a:p>
+            <a:r>
+              <a:rPr lang="en-US" sz="2400" dirty="0">
+                <a:solidFill>
+                  <a:schemeClr val="bg2">
+                    <a:lumMod val="25000"/>
+                  </a:schemeClr>
+                </a:solidFill>
+                <a:latin typeface="Arial Rounded MT Bold" panose="020F0704030504030204" pitchFamily="34" charset="77"/>
+              </a:rPr>
+              <a:t>2045 </a:t>
+            </a:r>
+          </a:p>
+          <a:p>
+            <a:r>
+              <a:rPr lang="en-US" sz="2400" dirty="0">
+                <a:solidFill>
+                  <a:schemeClr val="bg2">
+                    <a:lumMod val="25000"/>
+                  </a:schemeClr>
+                </a:solidFill>
+                <a:latin typeface="Arial Rounded MT Bold" panose="020F0704030504030204" pitchFamily="34" charset="77"/>
+              </a:rPr>
+              <a:t>Material Flow, summed over the dimensions </a:t>
+            </a:r>
+            <a:endParaRPr lang="en-US" sz="2400" noProof="0" dirty="0">
+              <a:solidFill>
+                <a:schemeClr val="bg2">
+                  <a:lumMod val="25000"/>
+                </a:schemeClr>
+              </a:solidFill>
+              <a:latin typeface="Arial Rounded MT Bold" panose="020F0704030504030204" pitchFamily="34" charset="77"/>
+            </a:endParaRPr>
+          </a:p>
+        </p:txBody>
+      </p:sp>
     </p:spTree>
     <p:extLst>
       <p:ext uri="{BB962C8B-B14F-4D97-AF65-F5344CB8AC3E}">

--- a/presentation/dds_autumn_school_2025_paw_presentation_14-11-2025.pptx
+++ b/presentation/dds_autumn_school_2025_paw_presentation_14-11-2025.pptx
@@ -508,7 +508,7 @@
           <a:p>
             <a:fld id="{A0D929E6-8A8A-7849-B07E-EF3F10F499E1}" type="slidenum">
               <a:rPr lang="fr-FR" smtClean="0"/>
-              <a:t>‹#›</a:t>
+              <a:t>‹N°›</a:t>
             </a:fld>
             <a:endParaRPr lang="fr-FR"/>
           </a:p>
@@ -818,7 +818,7 @@
           <a:p>
             <a:fld id="{778F5207-2293-314B-95F1-12759B93D428}" type="slidenum">
               <a:rPr lang="fr-FR" smtClean="0"/>
-              <a:t>‹#›</a:t>
+              <a:t>‹N°›</a:t>
             </a:fld>
             <a:endParaRPr lang="fr-FR"/>
           </a:p>
@@ -1016,7 +1016,7 @@
           <a:p>
             <a:fld id="{778F5207-2293-314B-95F1-12759B93D428}" type="slidenum">
               <a:rPr lang="fr-FR" smtClean="0"/>
-              <a:t>‹#›</a:t>
+              <a:t>‹N°›</a:t>
             </a:fld>
             <a:endParaRPr lang="fr-FR"/>
           </a:p>
@@ -1224,7 +1224,7 @@
           <a:p>
             <a:fld id="{778F5207-2293-314B-95F1-12759B93D428}" type="slidenum">
               <a:rPr lang="fr-FR" smtClean="0"/>
-              <a:t>‹#›</a:t>
+              <a:t>‹N°›</a:t>
             </a:fld>
             <a:endParaRPr lang="fr-FR"/>
           </a:p>
@@ -1422,7 +1422,7 @@
           <a:p>
             <a:fld id="{778F5207-2293-314B-95F1-12759B93D428}" type="slidenum">
               <a:rPr lang="fr-FR" smtClean="0"/>
-              <a:t>‹#›</a:t>
+              <a:t>‹N°›</a:t>
             </a:fld>
             <a:endParaRPr lang="fr-FR"/>
           </a:p>
@@ -1697,7 +1697,7 @@
           <a:p>
             <a:fld id="{778F5207-2293-314B-95F1-12759B93D428}" type="slidenum">
               <a:rPr lang="fr-FR" smtClean="0"/>
-              <a:t>‹#›</a:t>
+              <a:t>‹N°›</a:t>
             </a:fld>
             <a:endParaRPr lang="fr-FR"/>
           </a:p>
@@ -1962,7 +1962,7 @@
           <a:p>
             <a:fld id="{778F5207-2293-314B-95F1-12759B93D428}" type="slidenum">
               <a:rPr lang="fr-FR" smtClean="0"/>
-              <a:t>‹#›</a:t>
+              <a:t>‹N°›</a:t>
             </a:fld>
             <a:endParaRPr lang="fr-FR"/>
           </a:p>
@@ -2374,7 +2374,7 @@
           <a:p>
             <a:fld id="{778F5207-2293-314B-95F1-12759B93D428}" type="slidenum">
               <a:rPr lang="fr-FR" smtClean="0"/>
-              <a:t>‹#›</a:t>
+              <a:t>‹N°›</a:t>
             </a:fld>
             <a:endParaRPr lang="fr-FR"/>
           </a:p>
@@ -2515,7 +2515,7 @@
           <a:p>
             <a:fld id="{778F5207-2293-314B-95F1-12759B93D428}" type="slidenum">
               <a:rPr lang="fr-FR" smtClean="0"/>
-              <a:t>‹#›</a:t>
+              <a:t>‹N°›</a:t>
             </a:fld>
             <a:endParaRPr lang="fr-FR"/>
           </a:p>
@@ -2639,7 +2639,7 @@
                 <a:latin typeface="Arial Rounded MT Bold" panose="020F0704030504030204" pitchFamily="34" charset="77"/>
               </a:rPr>
               <a:pPr/>
-              <a:t>‹#›</a:t>
+              <a:t>‹N°›</a:t>
             </a:fld>
             <a:r>
               <a:rPr lang="fr-FR" dirty="0"/>
@@ -3081,7 +3081,7 @@
           <a:p>
             <a:fld id="{778F5207-2293-314B-95F1-12759B93D428}" type="slidenum">
               <a:rPr lang="fr-FR" smtClean="0"/>
-              <a:t>‹#›</a:t>
+              <a:t>‹N°›</a:t>
             </a:fld>
             <a:endParaRPr lang="fr-FR"/>
           </a:p>
@@ -3369,7 +3369,7 @@
           <a:p>
             <a:fld id="{778F5207-2293-314B-95F1-12759B93D428}" type="slidenum">
               <a:rPr lang="fr-FR" smtClean="0"/>
-              <a:t>‹#›</a:t>
+              <a:t>‹N°›</a:t>
             </a:fld>
             <a:endParaRPr lang="fr-FR"/>
           </a:p>
@@ -3646,7 +3646,7 @@
           <a:p>
             <a:fld id="{778F5207-2293-314B-95F1-12759B93D428}" type="slidenum">
               <a:rPr lang="fr-FR" smtClean="0"/>
-              <a:t>‹#›</a:t>
+              <a:t>‹N°›</a:t>
             </a:fld>
             <a:endParaRPr lang="fr-FR"/>
           </a:p>
@@ -5436,7 +5436,7 @@
                 </a:solidFill>
                 <a:latin typeface="+mj-lt"/>
               </a:rPr>
-              <a:t>Context and objectives</a:t>
+              <a:t>Objectives</a:t>
             </a:r>
           </a:p>
           <a:p>
@@ -5476,7 +5476,7 @@
                 </a:solidFill>
                 <a:latin typeface="+mj-lt"/>
               </a:rPr>
-              <a:t>Results and discussion</a:t>
+              <a:t>Results</a:t>
             </a:r>
           </a:p>
           <a:p>
@@ -5691,7 +5691,7 @@
         <p:spPr>
           <a:xfrm>
             <a:off x="676275" y="2137359"/>
-            <a:ext cx="10839450" cy="1477328"/>
+            <a:ext cx="10839450" cy="2677656"/>
           </a:xfrm>
           <a:prstGeom prst="rect">
             <a:avLst/>
@@ -5704,19 +5704,43 @@
           </a:bodyPr>
           <a:lstStyle/>
           <a:p>
+            <a:pPr marL="457200" indent="-457200">
+              <a:buFont typeface="Wingdings" pitchFamily="2" charset="2"/>
+              <a:buChar char="ü"/>
+            </a:pPr>
             <a:r>
-              <a:rPr lang="en-IE" dirty="0"/>
+              <a:rPr lang="en-IE" sz="2800" dirty="0">
+                <a:latin typeface="+mj-lt"/>
+              </a:rPr>
               <a:t>Obtain the future environmental impact of different wastewater treatment technologies by integrating MFA and prospective LCA approaches.</a:t>
             </a:r>
           </a:p>
           <a:p>
-            <a:endParaRPr lang="en-IE" dirty="0"/>
-          </a:p>
-          <a:p>
-            <a:endParaRPr lang="en-IE" dirty="0"/>
-          </a:p>
-          <a:p>
-            <a:endParaRPr lang="en-IE" dirty="0"/>
+            <a:pPr marL="457200" indent="-457200">
+              <a:buFont typeface="Arial" panose="020B0604020202020204" pitchFamily="34" charset="0"/>
+              <a:buChar char="•"/>
+            </a:pPr>
+            <a:endParaRPr lang="en-IE" sz="2800" dirty="0">
+              <a:latin typeface="+mj-lt"/>
+            </a:endParaRPr>
+          </a:p>
+          <a:p>
+            <a:pPr marL="457200" indent="-457200">
+              <a:buFont typeface="Arial" panose="020B0604020202020204" pitchFamily="34" charset="0"/>
+              <a:buChar char="•"/>
+            </a:pPr>
+            <a:endParaRPr lang="en-IE" sz="2800" dirty="0">
+              <a:latin typeface="+mj-lt"/>
+            </a:endParaRPr>
+          </a:p>
+          <a:p>
+            <a:pPr marL="457200" indent="-457200">
+              <a:buFont typeface="Arial" panose="020B0604020202020204" pitchFamily="34" charset="0"/>
+              <a:buChar char="•"/>
+            </a:pPr>
+            <a:endParaRPr lang="en-IE" sz="2800" dirty="0">
+              <a:latin typeface="+mj-lt"/>
+            </a:endParaRPr>
           </a:p>
         </p:txBody>
       </p:sp>

--- a/presentation/dds_autumn_school_2025_paw_presentation_14-11-2025.pptx
+++ b/presentation/dds_autumn_school_2025_paw_presentation_14-11-2025.pptx
@@ -4960,36 +4960,6 @@
           <a:chExt cx="0" cy="0"/>
         </a:xfrm>
       </p:grpSpPr>
-      <p:pic>
-        <p:nvPicPr>
-          <p:cNvPr id="3" name="Picture 2" descr="A diagram of different colored lines&#10;&#10;AI-generated content may be incorrect.">
-            <a:extLst>
-              <a:ext uri="{FF2B5EF4-FFF2-40B4-BE49-F238E27FC236}">
-                <a16:creationId xmlns:a16="http://schemas.microsoft.com/office/drawing/2014/main" id="{AFDB750F-6FB4-7635-C786-8FC851DAA611}"/>
-              </a:ext>
-            </a:extLst>
-          </p:cNvPr>
-          <p:cNvPicPr>
-            <a:picLocks noChangeAspect="1"/>
-          </p:cNvPicPr>
-          <p:nvPr/>
-        </p:nvPicPr>
-        <p:blipFill>
-          <a:blip r:embed="rId3"/>
-          <a:stretch>
-            <a:fillRect/>
-          </a:stretch>
-        </p:blipFill>
-        <p:spPr>
-          <a:xfrm>
-            <a:off x="0" y="1526642"/>
-            <a:ext cx="12192000" cy="3804716"/>
-          </a:xfrm>
-          <a:prstGeom prst="rect">
-            <a:avLst/>
-          </a:prstGeom>
-        </p:spPr>
-      </p:pic>
       <p:sp>
         <p:nvSpPr>
           <p:cNvPr id="2" name="TextBox 1">
@@ -5053,6 +5023,36 @@
           </a:p>
         </p:txBody>
       </p:sp>
+      <p:pic>
+        <p:nvPicPr>
+          <p:cNvPr id="4" name="Image 3">
+            <a:extLst>
+              <a:ext uri="{FF2B5EF4-FFF2-40B4-BE49-F238E27FC236}">
+                <a16:creationId xmlns:a16="http://schemas.microsoft.com/office/drawing/2014/main" id="{29745990-553C-14C4-C7E3-6C43485CEF8F}"/>
+              </a:ext>
+            </a:extLst>
+          </p:cNvPr>
+          <p:cNvPicPr>
+            <a:picLocks noChangeAspect="1"/>
+          </p:cNvPicPr>
+          <p:nvPr/>
+        </p:nvPicPr>
+        <p:blipFill>
+          <a:blip r:embed="rId3"/>
+          <a:stretch>
+            <a:fillRect/>
+          </a:stretch>
+        </p:blipFill>
+        <p:spPr>
+          <a:xfrm>
+            <a:off x="265386" y="1795739"/>
+            <a:ext cx="11536001" cy="3600000"/>
+          </a:xfrm>
+          <a:prstGeom prst="rect">
+            <a:avLst/>
+          </a:prstGeom>
+        </p:spPr>
+      </p:pic>
     </p:spTree>
     <p:extLst>
       <p:ext uri="{BB962C8B-B14F-4D97-AF65-F5344CB8AC3E}">
@@ -5088,36 +5088,6 @@
           <a:chExt cx="0" cy="0"/>
         </a:xfrm>
       </p:grpSpPr>
-      <p:pic>
-        <p:nvPicPr>
-          <p:cNvPr id="3" name="Picture 2" descr="A diagram of different colored lines&#10;&#10;AI-generated content may be incorrect.">
-            <a:extLst>
-              <a:ext uri="{FF2B5EF4-FFF2-40B4-BE49-F238E27FC236}">
-                <a16:creationId xmlns:a16="http://schemas.microsoft.com/office/drawing/2014/main" id="{1865928E-9A82-7D7F-B570-F36C38BCC06D}"/>
-              </a:ext>
-            </a:extLst>
-          </p:cNvPr>
-          <p:cNvPicPr>
-            <a:picLocks noChangeAspect="1"/>
-          </p:cNvPicPr>
-          <p:nvPr/>
-        </p:nvPicPr>
-        <p:blipFill>
-          <a:blip r:embed="rId3"/>
-          <a:stretch>
-            <a:fillRect/>
-          </a:stretch>
-        </p:blipFill>
-        <p:spPr>
-          <a:xfrm>
-            <a:off x="0" y="1526642"/>
-            <a:ext cx="12192000" cy="3804716"/>
-          </a:xfrm>
-          <a:prstGeom prst="rect">
-            <a:avLst/>
-          </a:prstGeom>
-        </p:spPr>
-      </p:pic>
       <p:sp>
         <p:nvSpPr>
           <p:cNvPr id="2" name="TextBox 1">
@@ -5181,6 +5151,36 @@
           </a:p>
         </p:txBody>
       </p:sp>
+      <p:pic>
+        <p:nvPicPr>
+          <p:cNvPr id="4" name="Image 3">
+            <a:extLst>
+              <a:ext uri="{FF2B5EF4-FFF2-40B4-BE49-F238E27FC236}">
+                <a16:creationId xmlns:a16="http://schemas.microsoft.com/office/drawing/2014/main" id="{4DA1CC83-5206-BE58-0F46-E2A8C0090B1E}"/>
+              </a:ext>
+            </a:extLst>
+          </p:cNvPr>
+          <p:cNvPicPr>
+            <a:picLocks noChangeAspect="1"/>
+          </p:cNvPicPr>
+          <p:nvPr/>
+        </p:nvPicPr>
+        <p:blipFill>
+          <a:blip r:embed="rId3"/>
+          <a:stretch>
+            <a:fillRect/>
+          </a:stretch>
+        </p:blipFill>
+        <p:spPr>
+          <a:xfrm>
+            <a:off x="139042" y="1795739"/>
+            <a:ext cx="11536001" cy="3600000"/>
+          </a:xfrm>
+          <a:prstGeom prst="rect">
+            <a:avLst/>
+          </a:prstGeom>
+        </p:spPr>
+      </p:pic>
     </p:spTree>
     <p:extLst>
       <p:ext uri="{BB962C8B-B14F-4D97-AF65-F5344CB8AC3E}">
@@ -5216,36 +5216,6 @@
           <a:chExt cx="0" cy="0"/>
         </a:xfrm>
       </p:grpSpPr>
-      <p:pic>
-        <p:nvPicPr>
-          <p:cNvPr id="3" name="Picture 2" descr="A close-up of a diagram&#10;&#10;AI-generated content may be incorrect.">
-            <a:extLst>
-              <a:ext uri="{FF2B5EF4-FFF2-40B4-BE49-F238E27FC236}">
-                <a16:creationId xmlns:a16="http://schemas.microsoft.com/office/drawing/2014/main" id="{BE855E42-AACD-6673-E0BE-465336C2F697}"/>
-              </a:ext>
-            </a:extLst>
-          </p:cNvPr>
-          <p:cNvPicPr>
-            <a:picLocks noChangeAspect="1"/>
-          </p:cNvPicPr>
-          <p:nvPr/>
-        </p:nvPicPr>
-        <p:blipFill>
-          <a:blip r:embed="rId3"/>
-          <a:stretch>
-            <a:fillRect/>
-          </a:stretch>
-        </p:blipFill>
-        <p:spPr>
-          <a:xfrm>
-            <a:off x="0" y="1526642"/>
-            <a:ext cx="12192000" cy="3804716"/>
-          </a:xfrm>
-          <a:prstGeom prst="rect">
-            <a:avLst/>
-          </a:prstGeom>
-        </p:spPr>
-      </p:pic>
       <p:sp>
         <p:nvSpPr>
           <p:cNvPr id="2" name="TextBox 1">
@@ -5309,6 +5279,36 @@
           </a:p>
         </p:txBody>
       </p:sp>
+      <p:pic>
+        <p:nvPicPr>
+          <p:cNvPr id="4" name="Image 3">
+            <a:extLst>
+              <a:ext uri="{FF2B5EF4-FFF2-40B4-BE49-F238E27FC236}">
+                <a16:creationId xmlns:a16="http://schemas.microsoft.com/office/drawing/2014/main" id="{79A87C96-10A6-E4D8-FEBF-DE309B80E2E3}"/>
+              </a:ext>
+            </a:extLst>
+          </p:cNvPr>
+          <p:cNvPicPr>
+            <a:picLocks noChangeAspect="1"/>
+          </p:cNvPicPr>
+          <p:nvPr/>
+        </p:nvPicPr>
+        <p:blipFill>
+          <a:blip r:embed="rId3"/>
+          <a:stretch>
+            <a:fillRect/>
+          </a:stretch>
+        </p:blipFill>
+        <p:spPr>
+          <a:xfrm>
+            <a:off x="265386" y="1795739"/>
+            <a:ext cx="11536001" cy="3600000"/>
+          </a:xfrm>
+          <a:prstGeom prst="rect">
+            <a:avLst/>
+          </a:prstGeom>
+        </p:spPr>
+      </p:pic>
     </p:spTree>
     <p:extLst>
       <p:ext uri="{BB962C8B-B14F-4D97-AF65-F5344CB8AC3E}">
@@ -5496,7 +5496,7 @@
                 </a:solidFill>
                 <a:latin typeface="+mj-lt"/>
               </a:rPr>
-              <a:t>Conclusion and perspectives</a:t>
+              <a:t>Conclusion</a:t>
             </a:r>
           </a:p>
         </p:txBody>

--- a/presentation/dds_autumn_school_2025_paw_presentation_14-11-2025.pptx
+++ b/presentation/dds_autumn_school_2025_paw_presentation_14-11-2025.pptx
@@ -5102,7 +5102,7 @@
         </p:nvSpPr>
         <p:spPr>
           <a:xfrm>
-            <a:off x="265386" y="964742"/>
+            <a:off x="293961" y="964742"/>
             <a:ext cx="7519713" cy="830997"/>
           </a:xfrm>
           <a:prstGeom prst="rect">
@@ -5704,7 +5704,7 @@
           </a:bodyPr>
           <a:lstStyle/>
           <a:p>
-            <a:pPr marL="457200" indent="-457200">
+            <a:pPr marL="457200" indent="-457200" algn="just">
               <a:buFont typeface="Wingdings" pitchFamily="2" charset="2"/>
               <a:buChar char="ü"/>
             </a:pPr>

--- a/presentation/dds_autumn_school_2025_paw_presentation_14-11-2025.pptx
+++ b/presentation/dds_autumn_school_2025_paw_presentation_14-11-2025.pptx
@@ -5,7 +5,7 @@
     <p:sldMasterId id="2147483648" r:id="rId1"/>
   </p:sldMasterIdLst>
   <p:notesMasterIdLst>
-    <p:notesMasterId r:id="rId18"/>
+    <p:notesMasterId r:id="rId17"/>
   </p:notesMasterIdLst>
   <p:sldIdLst>
     <p:sldId id="256" r:id="rId2"/>
@@ -18,12 +18,11 @@
     <p:sldId id="269" r:id="rId9"/>
     <p:sldId id="272" r:id="rId10"/>
     <p:sldId id="262" r:id="rId11"/>
-    <p:sldId id="275" r:id="rId12"/>
-    <p:sldId id="257" r:id="rId13"/>
-    <p:sldId id="258" r:id="rId14"/>
-    <p:sldId id="259" r:id="rId15"/>
-    <p:sldId id="260" r:id="rId16"/>
-    <p:sldId id="261" r:id="rId17"/>
+    <p:sldId id="257" r:id="rId12"/>
+    <p:sldId id="258" r:id="rId13"/>
+    <p:sldId id="259" r:id="rId14"/>
+    <p:sldId id="260" r:id="rId15"/>
+    <p:sldId id="261" r:id="rId16"/>
   </p:sldIdLst>
   <p:sldSz cx="12192000" cy="6858000"/>
   <p:notesSz cx="6858000" cy="9144000"/>
@@ -134,6 +133,260 @@
 <p188:authorLst xmlns:a="http://schemas.openxmlformats.org/drawingml/2006/main" xmlns:r="http://schemas.openxmlformats.org/officeDocument/2006/relationships" xmlns:p188="http://schemas.microsoft.com/office/powerpoint/2018/8/main">
   <p188:author id="{83344440-1645-F163-DD48-EE81A8C93DED}" name="David CLOUSIER" initials="DC" userId="S::david.clousier@list.lu::768240c1-c1f0-4ea5-ba36-477fb0372b02" providerId="AD"/>
 </p188:authorLst>
+</file>
+
+<file path=ppt/revisionInfo.xml><?xml version="1.0" encoding="utf-8"?>
+<p1510:revInfo xmlns:a="http://schemas.openxmlformats.org/drawingml/2006/main" xmlns:r="http://schemas.openxmlformats.org/officeDocument/2006/relationships" xmlns:p1510="http://schemas.microsoft.com/office/powerpoint/2015/10/main">
+  <p1510:revLst>
+    <p1510:client id="{E85EF977-7F1E-4A7B-AC1E-AF3BB813DE99}" v="7" dt="2025-11-14T12:24:02.272"/>
+  </p1510:revLst>
+</p1510:revInfo>
+</file>
+
+<file path=ppt/changesInfos/changesInfo1.xml><?xml version="1.0" encoding="utf-8"?>
+<pc:chgInfo xmlns:a="http://schemas.openxmlformats.org/drawingml/2006/main" xmlns:r="http://schemas.openxmlformats.org/officeDocument/2006/relationships" xmlns:ac="http://schemas.microsoft.com/office/drawing/2013/main/command" xmlns:pc="http://schemas.microsoft.com/office/powerpoint/2013/main/command">
+  <pc:docChgLst>
+    <pc:chgData name="David CLOUSIER" userId="768240c1-c1f0-4ea5-ba36-477fb0372b02" providerId="ADAL" clId="{CA5A136D-3B77-4157-88EA-9B5DC776E31F}"/>
+    <pc:docChg chg="undo custSel delSld modSld">
+      <pc:chgData name="David CLOUSIER" userId="768240c1-c1f0-4ea5-ba36-477fb0372b02" providerId="ADAL" clId="{CA5A136D-3B77-4157-88EA-9B5DC776E31F}" dt="2025-11-14T12:25:51.481" v="94" actId="1076"/>
+      <pc:docMkLst>
+        <pc:docMk/>
+      </pc:docMkLst>
+      <pc:sldChg chg="addSp delSp modSp mod">
+        <pc:chgData name="David CLOUSIER" userId="768240c1-c1f0-4ea5-ba36-477fb0372b02" providerId="ADAL" clId="{CA5A136D-3B77-4157-88EA-9B5DC776E31F}" dt="2025-11-14T12:24:25.360" v="75" actId="1076"/>
+        <pc:sldMkLst>
+          <pc:docMk/>
+          <pc:sldMk cId="100667412" sldId="257"/>
+        </pc:sldMkLst>
+        <pc:spChg chg="mod">
+          <ac:chgData name="David CLOUSIER" userId="768240c1-c1f0-4ea5-ba36-477fb0372b02" providerId="ADAL" clId="{CA5A136D-3B77-4157-88EA-9B5DC776E31F}" dt="2025-11-14T12:24:25.360" v="75" actId="1076"/>
+          <ac:spMkLst>
+            <pc:docMk/>
+            <pc:sldMk cId="100667412" sldId="257"/>
+            <ac:spMk id="7" creationId="{9DBA1C52-DD10-6B06-AF85-FEF70BE75194}"/>
+          </ac:spMkLst>
+        </pc:spChg>
+        <pc:picChg chg="add mod ord">
+          <ac:chgData name="David CLOUSIER" userId="768240c1-c1f0-4ea5-ba36-477fb0372b02" providerId="ADAL" clId="{CA5A136D-3B77-4157-88EA-9B5DC776E31F}" dt="2025-11-14T12:24:25.360" v="75" actId="1076"/>
+          <ac:picMkLst>
+            <pc:docMk/>
+            <pc:sldMk cId="100667412" sldId="257"/>
+            <ac:picMk id="4" creationId="{AE426B8B-85F5-967D-35CD-BBD724430DC3}"/>
+          </ac:picMkLst>
+        </pc:picChg>
+        <pc:picChg chg="del">
+          <ac:chgData name="David CLOUSIER" userId="768240c1-c1f0-4ea5-ba36-477fb0372b02" providerId="ADAL" clId="{CA5A136D-3B77-4157-88EA-9B5DC776E31F}" dt="2025-11-14T12:23:40.286" v="57" actId="478"/>
+          <ac:picMkLst>
+            <pc:docMk/>
+            <pc:sldMk cId="100667412" sldId="257"/>
+            <ac:picMk id="14" creationId="{6D96C345-5B47-EEA1-F8C7-D6F20EAAFF8B}"/>
+          </ac:picMkLst>
+        </pc:picChg>
+      </pc:sldChg>
+      <pc:sldChg chg="addSp delSp modSp mod">
+        <pc:chgData name="David CLOUSIER" userId="768240c1-c1f0-4ea5-ba36-477fb0372b02" providerId="ADAL" clId="{CA5A136D-3B77-4157-88EA-9B5DC776E31F}" dt="2025-11-14T12:24:17.879" v="73" actId="1076"/>
+        <pc:sldMkLst>
+          <pc:docMk/>
+          <pc:sldMk cId="3394204605" sldId="258"/>
+        </pc:sldMkLst>
+        <pc:spChg chg="mod">
+          <ac:chgData name="David CLOUSIER" userId="768240c1-c1f0-4ea5-ba36-477fb0372b02" providerId="ADAL" clId="{CA5A136D-3B77-4157-88EA-9B5DC776E31F}" dt="2025-11-14T12:24:17.879" v="73" actId="1076"/>
+          <ac:spMkLst>
+            <pc:docMk/>
+            <pc:sldMk cId="3394204605" sldId="258"/>
+            <ac:spMk id="2" creationId="{EC2310DC-00E0-1304-5DD6-1131E9D81E5F}"/>
+          </ac:spMkLst>
+        </pc:spChg>
+        <pc:picChg chg="del">
+          <ac:chgData name="David CLOUSIER" userId="768240c1-c1f0-4ea5-ba36-477fb0372b02" providerId="ADAL" clId="{CA5A136D-3B77-4157-88EA-9B5DC776E31F}" dt="2025-11-14T12:24:04.207" v="68" actId="478"/>
+          <ac:picMkLst>
+            <pc:docMk/>
+            <pc:sldMk cId="3394204605" sldId="258"/>
+            <ac:picMk id="3" creationId="{96FD3213-1AEE-D603-F9E2-58B952A3DA24}"/>
+          </ac:picMkLst>
+        </pc:picChg>
+        <pc:picChg chg="add mod ord">
+          <ac:chgData name="David CLOUSIER" userId="768240c1-c1f0-4ea5-ba36-477fb0372b02" providerId="ADAL" clId="{CA5A136D-3B77-4157-88EA-9B5DC776E31F}" dt="2025-11-14T12:24:17.879" v="73" actId="1076"/>
+          <ac:picMkLst>
+            <pc:docMk/>
+            <pc:sldMk cId="3394204605" sldId="258"/>
+            <ac:picMk id="5" creationId="{84336198-50EF-FFE0-DCAE-709610CF0A21}"/>
+          </ac:picMkLst>
+        </pc:picChg>
+      </pc:sldChg>
+      <pc:sldChg chg="modSp mod">
+        <pc:chgData name="David CLOUSIER" userId="768240c1-c1f0-4ea5-ba36-477fb0372b02" providerId="ADAL" clId="{CA5A136D-3B77-4157-88EA-9B5DC776E31F}" dt="2025-11-14T12:25:47.319" v="93" actId="14100"/>
+        <pc:sldMkLst>
+          <pc:docMk/>
+          <pc:sldMk cId="2090522448" sldId="259"/>
+        </pc:sldMkLst>
+        <pc:spChg chg="mod">
+          <ac:chgData name="David CLOUSIER" userId="768240c1-c1f0-4ea5-ba36-477fb0372b02" providerId="ADAL" clId="{CA5A136D-3B77-4157-88EA-9B5DC776E31F}" dt="2025-11-14T12:24:56.032" v="76" actId="207"/>
+          <ac:spMkLst>
+            <pc:docMk/>
+            <pc:sldMk cId="2090522448" sldId="259"/>
+            <ac:spMk id="2" creationId="{1CBC0978-77A7-FE59-A2F0-00F6723AC64D}"/>
+          </ac:spMkLst>
+        </pc:spChg>
+        <pc:picChg chg="mod ord">
+          <ac:chgData name="David CLOUSIER" userId="768240c1-c1f0-4ea5-ba36-477fb0372b02" providerId="ADAL" clId="{CA5A136D-3B77-4157-88EA-9B5DC776E31F}" dt="2025-11-14T12:25:47.319" v="93" actId="14100"/>
+          <ac:picMkLst>
+            <pc:docMk/>
+            <pc:sldMk cId="2090522448" sldId="259"/>
+            <ac:picMk id="4" creationId="{29745990-553C-14C4-C7E3-6C43485CEF8F}"/>
+          </ac:picMkLst>
+        </pc:picChg>
+      </pc:sldChg>
+      <pc:sldChg chg="modSp mod">
+        <pc:chgData name="David CLOUSIER" userId="768240c1-c1f0-4ea5-ba36-477fb0372b02" providerId="ADAL" clId="{CA5A136D-3B77-4157-88EA-9B5DC776E31F}" dt="2025-11-14T12:25:41.671" v="91" actId="14100"/>
+        <pc:sldMkLst>
+          <pc:docMk/>
+          <pc:sldMk cId="2626188335" sldId="260"/>
+        </pc:sldMkLst>
+        <pc:spChg chg="mod">
+          <ac:chgData name="David CLOUSIER" userId="768240c1-c1f0-4ea5-ba36-477fb0372b02" providerId="ADAL" clId="{CA5A136D-3B77-4157-88EA-9B5DC776E31F}" dt="2025-11-14T12:25:13.856" v="83" actId="207"/>
+          <ac:spMkLst>
+            <pc:docMk/>
+            <pc:sldMk cId="2626188335" sldId="260"/>
+            <ac:spMk id="2" creationId="{E432E2A6-AC35-8DCE-9CC4-CAD9DFB7EFA5}"/>
+          </ac:spMkLst>
+        </pc:spChg>
+        <pc:picChg chg="mod ord">
+          <ac:chgData name="David CLOUSIER" userId="768240c1-c1f0-4ea5-ba36-477fb0372b02" providerId="ADAL" clId="{CA5A136D-3B77-4157-88EA-9B5DC776E31F}" dt="2025-11-14T12:25:41.671" v="91" actId="14100"/>
+          <ac:picMkLst>
+            <pc:docMk/>
+            <pc:sldMk cId="2626188335" sldId="260"/>
+            <ac:picMk id="4" creationId="{4DA1CC83-5206-BE58-0F46-E2A8C0090B1E}"/>
+          </ac:picMkLst>
+        </pc:picChg>
+      </pc:sldChg>
+      <pc:sldChg chg="modSp mod">
+        <pc:chgData name="David CLOUSIER" userId="768240c1-c1f0-4ea5-ba36-477fb0372b02" providerId="ADAL" clId="{CA5A136D-3B77-4157-88EA-9B5DC776E31F}" dt="2025-11-14T12:25:38.271" v="90" actId="14100"/>
+        <pc:sldMkLst>
+          <pc:docMk/>
+          <pc:sldMk cId="1522773915" sldId="261"/>
+        </pc:sldMkLst>
+        <pc:spChg chg="mod">
+          <ac:chgData name="David CLOUSIER" userId="768240c1-c1f0-4ea5-ba36-477fb0372b02" providerId="ADAL" clId="{CA5A136D-3B77-4157-88EA-9B5DC776E31F}" dt="2025-11-14T12:25:29.702" v="88" actId="207"/>
+          <ac:spMkLst>
+            <pc:docMk/>
+            <pc:sldMk cId="1522773915" sldId="261"/>
+            <ac:spMk id="2" creationId="{35326718-3575-5641-B71D-7EF28457C227}"/>
+          </ac:spMkLst>
+        </pc:spChg>
+        <pc:picChg chg="mod ord">
+          <ac:chgData name="David CLOUSIER" userId="768240c1-c1f0-4ea5-ba36-477fb0372b02" providerId="ADAL" clId="{CA5A136D-3B77-4157-88EA-9B5DC776E31F}" dt="2025-11-14T12:25:38.271" v="90" actId="14100"/>
+          <ac:picMkLst>
+            <pc:docMk/>
+            <pc:sldMk cId="1522773915" sldId="261"/>
+            <ac:picMk id="4" creationId="{79A87C96-10A6-E4D8-FEBF-DE309B80E2E3}"/>
+          </ac:picMkLst>
+        </pc:picChg>
+      </pc:sldChg>
+      <pc:sldChg chg="addSp delSp modSp mod">
+        <pc:chgData name="David CLOUSIER" userId="768240c1-c1f0-4ea5-ba36-477fb0372b02" providerId="ADAL" clId="{CA5A136D-3B77-4157-88EA-9B5DC776E31F}" dt="2025-11-14T12:25:51.481" v="94" actId="1076"/>
+        <pc:sldMkLst>
+          <pc:docMk/>
+          <pc:sldMk cId="4260191992" sldId="262"/>
+        </pc:sldMkLst>
+        <pc:spChg chg="mod">
+          <ac:chgData name="David CLOUSIER" userId="768240c1-c1f0-4ea5-ba36-477fb0372b02" providerId="ADAL" clId="{CA5A136D-3B77-4157-88EA-9B5DC776E31F}" dt="2025-11-14T12:24:22.272" v="74" actId="1076"/>
+          <ac:spMkLst>
+            <pc:docMk/>
+            <pc:sldMk cId="4260191992" sldId="262"/>
+            <ac:spMk id="4" creationId="{E6201F68-253E-7A24-AE10-2AF501F44104}"/>
+          </ac:spMkLst>
+        </pc:spChg>
+        <pc:picChg chg="del mod">
+          <ac:chgData name="David CLOUSIER" userId="768240c1-c1f0-4ea5-ba36-477fb0372b02" providerId="ADAL" clId="{CA5A136D-3B77-4157-88EA-9B5DC776E31F}" dt="2025-11-14T12:23:03.183" v="47" actId="478"/>
+          <ac:picMkLst>
+            <pc:docMk/>
+            <pc:sldMk cId="4260191992" sldId="262"/>
+            <ac:picMk id="3" creationId="{1E195B2C-4136-46E6-671C-9CB75D1AE2E7}"/>
+          </ac:picMkLst>
+        </pc:picChg>
+        <pc:picChg chg="add mod ord">
+          <ac:chgData name="David CLOUSIER" userId="768240c1-c1f0-4ea5-ba36-477fb0372b02" providerId="ADAL" clId="{CA5A136D-3B77-4157-88EA-9B5DC776E31F}" dt="2025-11-14T12:25:51.481" v="94" actId="1076"/>
+          <ac:picMkLst>
+            <pc:docMk/>
+            <pc:sldMk cId="4260191992" sldId="262"/>
+            <ac:picMk id="5" creationId="{7259F870-464B-9419-6C85-DFFC837F7B0E}"/>
+          </ac:picMkLst>
+        </pc:picChg>
+      </pc:sldChg>
+      <pc:sldChg chg="addSp delSp modSp mod">
+        <pc:chgData name="David CLOUSIER" userId="768240c1-c1f0-4ea5-ba36-477fb0372b02" providerId="ADAL" clId="{CA5A136D-3B77-4157-88EA-9B5DC776E31F}" dt="2025-11-14T12:14:08.346" v="42" actId="164"/>
+        <pc:sldMkLst>
+          <pc:docMk/>
+          <pc:sldMk cId="2131562667" sldId="268"/>
+        </pc:sldMkLst>
+        <pc:spChg chg="add mod">
+          <ac:chgData name="David CLOUSIER" userId="768240c1-c1f0-4ea5-ba36-477fb0372b02" providerId="ADAL" clId="{CA5A136D-3B77-4157-88EA-9B5DC776E31F}" dt="2025-11-14T12:14:08.346" v="42" actId="164"/>
+          <ac:spMkLst>
+            <pc:docMk/>
+            <pc:sldMk cId="2131562667" sldId="268"/>
+            <ac:spMk id="63" creationId="{7B0147BF-A519-F5B0-990A-0EC765753D73}"/>
+          </ac:spMkLst>
+        </pc:spChg>
+        <pc:spChg chg="add mod">
+          <ac:chgData name="David CLOUSIER" userId="768240c1-c1f0-4ea5-ba36-477fb0372b02" providerId="ADAL" clId="{CA5A136D-3B77-4157-88EA-9B5DC776E31F}" dt="2025-11-14T12:14:08.346" v="42" actId="164"/>
+          <ac:spMkLst>
+            <pc:docMk/>
+            <pc:sldMk cId="2131562667" sldId="268"/>
+            <ac:spMk id="64" creationId="{B1467094-7648-6988-3741-3FCC210D843C}"/>
+          </ac:spMkLst>
+        </pc:spChg>
+        <pc:spChg chg="add mod">
+          <ac:chgData name="David CLOUSIER" userId="768240c1-c1f0-4ea5-ba36-477fb0372b02" providerId="ADAL" clId="{CA5A136D-3B77-4157-88EA-9B5DC776E31F}" dt="2025-11-14T12:14:08.346" v="42" actId="164"/>
+          <ac:spMkLst>
+            <pc:docMk/>
+            <pc:sldMk cId="2131562667" sldId="268"/>
+            <ac:spMk id="65" creationId="{1E93D582-B447-7559-8A46-9230B094F354}"/>
+          </ac:spMkLst>
+        </pc:spChg>
+        <pc:spChg chg="add mod">
+          <ac:chgData name="David CLOUSIER" userId="768240c1-c1f0-4ea5-ba36-477fb0372b02" providerId="ADAL" clId="{CA5A136D-3B77-4157-88EA-9B5DC776E31F}" dt="2025-11-14T12:14:08.346" v="42" actId="164"/>
+          <ac:spMkLst>
+            <pc:docMk/>
+            <pc:sldMk cId="2131562667" sldId="268"/>
+            <ac:spMk id="66" creationId="{D55BD84C-8B53-B174-6BB7-FE72BBC34594}"/>
+          </ac:spMkLst>
+        </pc:spChg>
+        <pc:spChg chg="add mod">
+          <ac:chgData name="David CLOUSIER" userId="768240c1-c1f0-4ea5-ba36-477fb0372b02" providerId="ADAL" clId="{CA5A136D-3B77-4157-88EA-9B5DC776E31F}" dt="2025-11-14T12:14:08.346" v="42" actId="164"/>
+          <ac:spMkLst>
+            <pc:docMk/>
+            <pc:sldMk cId="2131562667" sldId="268"/>
+            <ac:spMk id="67" creationId="{26EF984F-3F50-6C4F-6B0D-3A66264AF96A}"/>
+          </ac:spMkLst>
+        </pc:spChg>
+        <pc:grpChg chg="add del mod">
+          <ac:chgData name="David CLOUSIER" userId="768240c1-c1f0-4ea5-ba36-477fb0372b02" providerId="ADAL" clId="{CA5A136D-3B77-4157-88EA-9B5DC776E31F}" dt="2025-11-14T12:14:08.346" v="42" actId="164"/>
+          <ac:grpSpMkLst>
+            <pc:docMk/>
+            <pc:sldMk cId="2131562667" sldId="268"/>
+            <ac:grpSpMk id="68" creationId="{98FCA504-BD2E-4C70-18DD-5F2CC5B42916}"/>
+          </ac:grpSpMkLst>
+        </pc:grpChg>
+        <pc:cxnChg chg="add del mod">
+          <ac:chgData name="David CLOUSIER" userId="768240c1-c1f0-4ea5-ba36-477fb0372b02" providerId="ADAL" clId="{CA5A136D-3B77-4157-88EA-9B5DC776E31F}" dt="2025-11-14T12:13:11.839" v="15" actId="14100"/>
+          <ac:cxnSpMkLst>
+            <pc:docMk/>
+            <pc:sldMk cId="2131562667" sldId="268"/>
+            <ac:cxnSpMk id="48" creationId="{4953AA89-E760-CCBF-D1E1-3D99229119CD}"/>
+          </ac:cxnSpMkLst>
+        </pc:cxnChg>
+      </pc:sldChg>
+      <pc:sldChg chg="del">
+        <pc:chgData name="David CLOUSIER" userId="768240c1-c1f0-4ea5-ba36-477fb0372b02" providerId="ADAL" clId="{CA5A136D-3B77-4157-88EA-9B5DC776E31F}" dt="2025-11-14T12:23:33.243" v="52" actId="2696"/>
+        <pc:sldMkLst>
+          <pc:docMk/>
+          <pc:sldMk cId="364705490" sldId="275"/>
+        </pc:sldMkLst>
+      </pc:sldChg>
+    </pc:docChg>
+  </pc:docChgLst>
+</pc:chgInfo>
 </file>
 
 <file path=ppt/comments/modernComment_101_6001014.xml><?xml version="1.0" encoding="utf-8"?>
@@ -508,7 +761,7 @@
           <a:p>
             <a:fld id="{A0D929E6-8A8A-7849-B07E-EF3F10F499E1}" type="slidenum">
               <a:rPr lang="fr-FR" smtClean="0"/>
-              <a:t>‹N°›</a:t>
+              <a:t>‹#›</a:t>
             </a:fld>
             <a:endParaRPr lang="fr-FR"/>
           </a:p>
@@ -818,7 +1071,7 @@
           <a:p>
             <a:fld id="{778F5207-2293-314B-95F1-12759B93D428}" type="slidenum">
               <a:rPr lang="fr-FR" smtClean="0"/>
-              <a:t>‹N°›</a:t>
+              <a:t>‹#›</a:t>
             </a:fld>
             <a:endParaRPr lang="fr-FR"/>
           </a:p>
@@ -1016,7 +1269,7 @@
           <a:p>
             <a:fld id="{778F5207-2293-314B-95F1-12759B93D428}" type="slidenum">
               <a:rPr lang="fr-FR" smtClean="0"/>
-              <a:t>‹N°›</a:t>
+              <a:t>‹#›</a:t>
             </a:fld>
             <a:endParaRPr lang="fr-FR"/>
           </a:p>
@@ -1224,7 +1477,7 @@
           <a:p>
             <a:fld id="{778F5207-2293-314B-95F1-12759B93D428}" type="slidenum">
               <a:rPr lang="fr-FR" smtClean="0"/>
-              <a:t>‹N°›</a:t>
+              <a:t>‹#›</a:t>
             </a:fld>
             <a:endParaRPr lang="fr-FR"/>
           </a:p>
@@ -1422,7 +1675,7 @@
           <a:p>
             <a:fld id="{778F5207-2293-314B-95F1-12759B93D428}" type="slidenum">
               <a:rPr lang="fr-FR" smtClean="0"/>
-              <a:t>‹N°›</a:t>
+              <a:t>‹#›</a:t>
             </a:fld>
             <a:endParaRPr lang="fr-FR"/>
           </a:p>
@@ -1697,7 +1950,7 @@
           <a:p>
             <a:fld id="{778F5207-2293-314B-95F1-12759B93D428}" type="slidenum">
               <a:rPr lang="fr-FR" smtClean="0"/>
-              <a:t>‹N°›</a:t>
+              <a:t>‹#›</a:t>
             </a:fld>
             <a:endParaRPr lang="fr-FR"/>
           </a:p>
@@ -1962,7 +2215,7 @@
           <a:p>
             <a:fld id="{778F5207-2293-314B-95F1-12759B93D428}" type="slidenum">
               <a:rPr lang="fr-FR" smtClean="0"/>
-              <a:t>‹N°›</a:t>
+              <a:t>‹#›</a:t>
             </a:fld>
             <a:endParaRPr lang="fr-FR"/>
           </a:p>
@@ -2374,7 +2627,7 @@
           <a:p>
             <a:fld id="{778F5207-2293-314B-95F1-12759B93D428}" type="slidenum">
               <a:rPr lang="fr-FR" smtClean="0"/>
-              <a:t>‹N°›</a:t>
+              <a:t>‹#›</a:t>
             </a:fld>
             <a:endParaRPr lang="fr-FR"/>
           </a:p>
@@ -2515,7 +2768,7 @@
           <a:p>
             <a:fld id="{778F5207-2293-314B-95F1-12759B93D428}" type="slidenum">
               <a:rPr lang="fr-FR" smtClean="0"/>
-              <a:t>‹N°›</a:t>
+              <a:t>‹#›</a:t>
             </a:fld>
             <a:endParaRPr lang="fr-FR"/>
           </a:p>
@@ -2639,7 +2892,7 @@
                 <a:latin typeface="Arial Rounded MT Bold" panose="020F0704030504030204" pitchFamily="34" charset="77"/>
               </a:rPr>
               <a:pPr/>
-              <a:t>‹N°›</a:t>
+              <a:t>‹#›</a:t>
             </a:fld>
             <a:r>
               <a:rPr lang="fr-FR" dirty="0"/>
@@ -3081,7 +3334,7 @@
           <a:p>
             <a:fld id="{778F5207-2293-314B-95F1-12759B93D428}" type="slidenum">
               <a:rPr lang="fr-FR" smtClean="0"/>
-              <a:t>‹N°›</a:t>
+              <a:t>‹#›</a:t>
             </a:fld>
             <a:endParaRPr lang="fr-FR"/>
           </a:p>
@@ -3369,7 +3622,7 @@
           <a:p>
             <a:fld id="{778F5207-2293-314B-95F1-12759B93D428}" type="slidenum">
               <a:rPr lang="fr-FR" smtClean="0"/>
-              <a:t>‹N°›</a:t>
+              <a:t>‹#›</a:t>
             </a:fld>
             <a:endParaRPr lang="fr-FR"/>
           </a:p>
@@ -3646,7 +3899,7 @@
           <a:p>
             <a:fld id="{778F5207-2293-314B-95F1-12759B93D428}" type="slidenum">
               <a:rPr lang="fr-FR" smtClean="0"/>
-              <a:t>‹N°›</a:t>
+              <a:t>‹#›</a:t>
             </a:fld>
             <a:endParaRPr lang="fr-FR"/>
           </a:p>
@@ -4465,10 +4718,10 @@
       </p:grpSpPr>
       <p:pic>
         <p:nvPicPr>
-          <p:cNvPr id="3" name="Picture 2" descr="A diagram of different colored lines&#10;&#10;AI-generated content may be incorrect.">
+          <p:cNvPr id="5" name="Picture 4" descr="A diagram of different colored wires&#10;&#10;AI-generated content may be incorrect.">
             <a:extLst>
               <a:ext uri="{FF2B5EF4-FFF2-40B4-BE49-F238E27FC236}">
-                <a16:creationId xmlns:a16="http://schemas.microsoft.com/office/drawing/2014/main" id="{1E195B2C-4136-46E6-671C-9CB75D1AE2E7}"/>
+                <a16:creationId xmlns:a16="http://schemas.microsoft.com/office/drawing/2014/main" id="{7259F870-464B-9419-6C85-DFFC837F7B0E}"/>
               </a:ext>
             </a:extLst>
           </p:cNvPr>
@@ -4485,8 +4738,8 @@
         </p:blipFill>
         <p:spPr>
           <a:xfrm>
-            <a:off x="0" y="1708046"/>
-            <a:ext cx="12192000" cy="3441907"/>
+            <a:off x="0" y="1282802"/>
+            <a:ext cx="12192000" cy="3804716"/>
           </a:xfrm>
           <a:prstGeom prst="rect">
             <a:avLst/>
@@ -4507,13 +4760,15 @@
         </p:nvSpPr>
         <p:spPr>
           <a:xfrm>
-            <a:off x="265386" y="964742"/>
+            <a:off x="255226" y="1015542"/>
             <a:ext cx="7519713" cy="830997"/>
           </a:xfrm>
           <a:prstGeom prst="rect">
             <a:avLst/>
           </a:prstGeom>
-          <a:noFill/>
+          <a:solidFill>
+            <a:schemeClr val="bg1"/>
+          </a:solidFill>
         </p:spPr>
         <p:txBody>
           <a:bodyPr wrap="square">
@@ -4579,13 +4834,7 @@
   <p:cSld>
     <p:spTree>
       <p:nvGrpSpPr>
-        <p:cNvPr id="1" name="">
-          <a:extLst>
-            <a:ext uri="{FF2B5EF4-FFF2-40B4-BE49-F238E27FC236}">
-              <a16:creationId xmlns:a16="http://schemas.microsoft.com/office/drawing/2014/main" id="{76B1E429-85BA-1BB1-1449-6DF8238DD9AB}"/>
-            </a:ext>
-          </a:extLst>
-        </p:cNvPr>
+        <p:cNvPr id="1" name=""/>
         <p:cNvGrpSpPr/>
         <p:nvPr/>
       </p:nvGrpSpPr>
@@ -4599,10 +4848,10 @@
       </p:grpSpPr>
       <p:pic>
         <p:nvPicPr>
-          <p:cNvPr id="3" name="Picture 2" descr="A diagram of different colored lines&#10;&#10;AI-generated content may be incorrect.">
+          <p:cNvPr id="4" name="Picture 3" descr="A diagram of different colored lines&#10;&#10;AI-generated content may be incorrect.">
             <a:extLst>
               <a:ext uri="{FF2B5EF4-FFF2-40B4-BE49-F238E27FC236}">
-                <a16:creationId xmlns:a16="http://schemas.microsoft.com/office/drawing/2014/main" id="{BBC5FB50-4B7C-8ED6-9C0A-AFBE4099C4AB}"/>
+                <a16:creationId xmlns:a16="http://schemas.microsoft.com/office/drawing/2014/main" id="{AE426B8B-85F5-967D-35CD-BBD724430DC3}"/>
               </a:ext>
             </a:extLst>
           </p:cNvPr>
@@ -4612,31 +4861,140 @@
           <p:nvPr/>
         </p:nvPicPr>
         <p:blipFill>
-          <a:blip r:embed="rId2"/>
+          <a:blip r:embed="rId3"/>
           <a:stretch>
             <a:fillRect/>
           </a:stretch>
         </p:blipFill>
         <p:spPr>
           <a:xfrm>
-            <a:off x="0" y="1708046"/>
-            <a:ext cx="12192000" cy="3441907"/>
+            <a:off x="0" y="1308059"/>
+            <a:ext cx="12192000" cy="3804716"/>
           </a:xfrm>
           <a:prstGeom prst="rect">
             <a:avLst/>
           </a:prstGeom>
         </p:spPr>
       </p:pic>
+      <p:sp>
+        <p:nvSpPr>
+          <p:cNvPr id="2" name="Espace réservé du numéro de diapositive 1">
+            <a:extLst>
+              <a:ext uri="{FF2B5EF4-FFF2-40B4-BE49-F238E27FC236}">
+                <a16:creationId xmlns:a16="http://schemas.microsoft.com/office/drawing/2014/main" id="{A5C4411C-14CA-9CDC-4576-EED7800DE09D}"/>
+              </a:ext>
+            </a:extLst>
+          </p:cNvPr>
+          <p:cNvSpPr>
+            <a:spLocks noGrp="1"/>
+          </p:cNvSpPr>
+          <p:nvPr>
+            <p:ph type="sldNum" sz="quarter" idx="12"/>
+          </p:nvPr>
+        </p:nvSpPr>
+        <p:spPr/>
+        <p:txBody>
+          <a:bodyPr/>
+          <a:lstStyle/>
+          <a:p>
+            <a:r>
+              <a:rPr lang="fr-FR" dirty="0">
+                <a:latin typeface="Arial Rounded MT Bold" panose="020F0704030504030204" pitchFamily="34" charset="77"/>
+              </a:rPr>
+              <a:t> | </a:t>
+            </a:r>
+            <a:fld id="{11681171-7214-0347-ABE7-0EB6FB806A12}" type="slidenum">
+              <a:rPr lang="fr-FR">
+                <a:latin typeface="Arial Rounded MT Bold" panose="020F0704030504030204" pitchFamily="34" charset="77"/>
+              </a:rPr>
+              <a:t>11</a:t>
+            </a:fld>
+            <a:endParaRPr lang="fr-FR" dirty="0">
+              <a:latin typeface="Arial Rounded MT Bold" panose="020F0704030504030204" pitchFamily="34" charset="77"/>
+            </a:endParaRPr>
+          </a:p>
+        </p:txBody>
+      </p:sp>
+      <p:sp>
+        <p:nvSpPr>
+          <p:cNvPr id="7" name="TextBox 6">
+            <a:extLst>
+              <a:ext uri="{FF2B5EF4-FFF2-40B4-BE49-F238E27FC236}">
+                <a16:creationId xmlns:a16="http://schemas.microsoft.com/office/drawing/2014/main" id="{9DBA1C52-DD10-6B06-AF85-FEF70BE75194}"/>
+              </a:ext>
+            </a:extLst>
+          </p:cNvPr>
+          <p:cNvSpPr txBox="1"/>
+          <p:nvPr/>
+        </p:nvSpPr>
+        <p:spPr>
+          <a:xfrm>
+            <a:off x="173946" y="1005382"/>
+            <a:ext cx="7519713" cy="830997"/>
+          </a:xfrm>
+          <a:prstGeom prst="rect">
+            <a:avLst/>
+          </a:prstGeom>
+          <a:solidFill>
+            <a:schemeClr val="bg1"/>
+          </a:solidFill>
+        </p:spPr>
+        <p:txBody>
+          <a:bodyPr wrap="square">
+            <a:spAutoFit/>
+          </a:bodyPr>
+          <a:lstStyle/>
+          <a:p>
+            <a:r>
+              <a:rPr lang="en-US" sz="2400" dirty="0">
+                <a:solidFill>
+                  <a:schemeClr val="bg2">
+                    <a:lumMod val="25000"/>
+                  </a:schemeClr>
+                </a:solidFill>
+                <a:latin typeface="Arial Rounded MT Bold" panose="020F0704030504030204" pitchFamily="34" charset="77"/>
+              </a:rPr>
+              <a:t>PkBudg650</a:t>
+            </a:r>
+          </a:p>
+          <a:p>
+            <a:r>
+              <a:rPr lang="en-US" sz="2400" dirty="0">
+                <a:solidFill>
+                  <a:schemeClr val="bg2">
+                    <a:lumMod val="25000"/>
+                  </a:schemeClr>
+                </a:solidFill>
+                <a:latin typeface="Arial Rounded MT Bold" panose="020F0704030504030204" pitchFamily="34" charset="77"/>
+              </a:rPr>
+              <a:t>Material Flow, summed over the dimensions </a:t>
+            </a:r>
+            <a:endParaRPr lang="en-US" sz="2400" noProof="0" dirty="0">
+              <a:solidFill>
+                <a:schemeClr val="bg2">
+                  <a:lumMod val="25000"/>
+                </a:schemeClr>
+              </a:solidFill>
+              <a:latin typeface="Arial Rounded MT Bold" panose="020F0704030504030204" pitchFamily="34" charset="77"/>
+            </a:endParaRPr>
+          </a:p>
+        </p:txBody>
+      </p:sp>
     </p:spTree>
     <p:extLst>
       <p:ext uri="{BB962C8B-B14F-4D97-AF65-F5344CB8AC3E}">
-        <p14:creationId xmlns:p14="http://schemas.microsoft.com/office/powerpoint/2010/main" val="364705490"/>
+        <p14:creationId xmlns:p14="http://schemas.microsoft.com/office/powerpoint/2010/main" val="100667412"/>
       </p:ext>
     </p:extLst>
   </p:cSld>
   <p:clrMapOvr>
     <a:masterClrMapping/>
   </p:clrMapOvr>
+  <p:extLst>
+    <p:ext uri="{6950BFC3-D8DA-4A85-94F7-54DA5524770B}">
+      <p188:commentRel xmlns:p188="http://schemas.microsoft.com/office/powerpoint/2018/8/main" r:id="rId2"/>
+    </p:ext>
+  </p:extLst>
 </p:sld>
 </file>
 
@@ -4657,51 +5015,12 @@
           <a:chExt cx="0" cy="0"/>
         </a:xfrm>
       </p:grpSpPr>
-      <p:sp>
-        <p:nvSpPr>
-          <p:cNvPr id="2" name="Espace réservé du numéro de diapositive 1">
+      <p:pic>
+        <p:nvPicPr>
+          <p:cNvPr id="5" name="Picture 4" descr="A diagram of different colored lines&#10;&#10;AI-generated content may be incorrect.">
             <a:extLst>
               <a:ext uri="{FF2B5EF4-FFF2-40B4-BE49-F238E27FC236}">
-                <a16:creationId xmlns:a16="http://schemas.microsoft.com/office/drawing/2014/main" id="{A5C4411C-14CA-9CDC-4576-EED7800DE09D}"/>
-              </a:ext>
-            </a:extLst>
-          </p:cNvPr>
-          <p:cNvSpPr>
-            <a:spLocks noGrp="1"/>
-          </p:cNvSpPr>
-          <p:nvPr>
-            <p:ph type="sldNum" sz="quarter" idx="12"/>
-          </p:nvPr>
-        </p:nvSpPr>
-        <p:spPr/>
-        <p:txBody>
-          <a:bodyPr/>
-          <a:lstStyle/>
-          <a:p>
-            <a:r>
-              <a:rPr lang="fr-FR" dirty="0">
-                <a:latin typeface="Arial Rounded MT Bold" panose="020F0704030504030204" pitchFamily="34" charset="77"/>
-              </a:rPr>
-              <a:t> | </a:t>
-            </a:r>
-            <a:fld id="{11681171-7214-0347-ABE7-0EB6FB806A12}" type="slidenum">
-              <a:rPr lang="fr-FR">
-                <a:latin typeface="Arial Rounded MT Bold" panose="020F0704030504030204" pitchFamily="34" charset="77"/>
-              </a:rPr>
-              <a:t>12</a:t>
-            </a:fld>
-            <a:endParaRPr lang="fr-FR" dirty="0">
-              <a:latin typeface="Arial Rounded MT Bold" panose="020F0704030504030204" pitchFamily="34" charset="77"/>
-            </a:endParaRPr>
-          </a:p>
-        </p:txBody>
-      </p:sp>
-      <p:pic>
-        <p:nvPicPr>
-          <p:cNvPr id="14" name="Picture 13" descr="A close-up of a graph&#10;&#10;AI-generated content may be incorrect.">
-            <a:extLst>
-              <a:ext uri="{FF2B5EF4-FFF2-40B4-BE49-F238E27FC236}">
-                <a16:creationId xmlns:a16="http://schemas.microsoft.com/office/drawing/2014/main" id="{6D96C345-5B47-EEA1-F8C7-D6F20EAAFF8B}"/>
+                <a16:creationId xmlns:a16="http://schemas.microsoft.com/office/drawing/2014/main" id="{84336198-50EF-FFE0-DCAE-709610CF0A21}"/>
               </a:ext>
             </a:extLst>
           </p:cNvPr>
@@ -4718,7 +5037,7 @@
         </p:blipFill>
         <p:spPr>
           <a:xfrm>
-            <a:off x="0" y="1526642"/>
+            <a:off x="0" y="1333602"/>
             <a:ext cx="12192000" cy="3804716"/>
           </a:xfrm>
           <a:prstGeom prst="rect">
@@ -4728,10 +5047,10 @@
       </p:pic>
       <p:sp>
         <p:nvSpPr>
-          <p:cNvPr id="7" name="TextBox 6">
+          <p:cNvPr id="2" name="TextBox 1">
             <a:extLst>
               <a:ext uri="{FF2B5EF4-FFF2-40B4-BE49-F238E27FC236}">
-                <a16:creationId xmlns:a16="http://schemas.microsoft.com/office/drawing/2014/main" id="{9DBA1C52-DD10-6B06-AF85-FEF70BE75194}"/>
+                <a16:creationId xmlns:a16="http://schemas.microsoft.com/office/drawing/2014/main" id="{EC2310DC-00E0-1304-5DD6-1131E9D81E5F}"/>
               </a:ext>
             </a:extLst>
           </p:cNvPr>
@@ -4740,13 +5059,15 @@
         </p:nvSpPr>
         <p:spPr>
           <a:xfrm>
-            <a:off x="265386" y="964742"/>
+            <a:off x="275546" y="1015542"/>
             <a:ext cx="7519713" cy="830997"/>
           </a:xfrm>
           <a:prstGeom prst="rect">
             <a:avLst/>
           </a:prstGeom>
-          <a:noFill/>
+          <a:solidFill>
+            <a:schemeClr val="bg1"/>
+          </a:solidFill>
         </p:spPr>
         <p:txBody>
           <a:bodyPr wrap="square">
@@ -4755,7 +5076,7 @@
           <a:lstStyle/>
           <a:p>
             <a:r>
-              <a:rPr lang="en-US" sz="2400" dirty="0">
+              <a:rPr lang="en-US" sz="2400" dirty="0" err="1">
                 <a:solidFill>
                   <a:schemeClr val="bg2">
                     <a:lumMod val="25000"/>
@@ -4763,8 +5084,16 @@
                 </a:solidFill>
                 <a:latin typeface="Arial Rounded MT Bold" panose="020F0704030504030204" pitchFamily="34" charset="77"/>
               </a:rPr>
-              <a:t>PkBudg650</a:t>
+              <a:t>NPi</a:t>
             </a:r>
+            <a:endParaRPr lang="en-US" sz="2400" dirty="0">
+              <a:solidFill>
+                <a:schemeClr val="bg2">
+                  <a:lumMod val="25000"/>
+                </a:schemeClr>
+              </a:solidFill>
+              <a:latin typeface="Arial Rounded MT Bold" panose="020F0704030504030204" pitchFamily="34" charset="77"/>
+            </a:endParaRPr>
           </a:p>
           <a:p>
             <a:r>
@@ -4792,7 +5121,7 @@
     </p:spTree>
     <p:extLst>
       <p:ext uri="{BB962C8B-B14F-4D97-AF65-F5344CB8AC3E}">
-        <p14:creationId xmlns:p14="http://schemas.microsoft.com/office/powerpoint/2010/main" val="100667412"/>
+        <p14:creationId xmlns:p14="http://schemas.microsoft.com/office/powerpoint/2010/main" val="3394204605"/>
       </p:ext>
     </p:extLst>
   </p:cSld>
@@ -4826,10 +5155,10 @@
       </p:grpSpPr>
       <p:pic>
         <p:nvPicPr>
-          <p:cNvPr id="3" name="Picture 2" descr="A diagram of different colored lines&#10;&#10;AI-generated content may be incorrect.">
+          <p:cNvPr id="4" name="Image 3">
             <a:extLst>
               <a:ext uri="{FF2B5EF4-FFF2-40B4-BE49-F238E27FC236}">
-                <a16:creationId xmlns:a16="http://schemas.microsoft.com/office/drawing/2014/main" id="{96FD3213-1AEE-D603-F9E2-58B952A3DA24}"/>
+                <a16:creationId xmlns:a16="http://schemas.microsoft.com/office/drawing/2014/main" id="{29745990-553C-14C4-C7E3-6C43485CEF8F}"/>
               </a:ext>
             </a:extLst>
           </p:cNvPr>
@@ -4846,8 +5175,8 @@
         </p:blipFill>
         <p:spPr>
           <a:xfrm>
-            <a:off x="0" y="1526642"/>
-            <a:ext cx="12192000" cy="3804716"/>
+            <a:off x="0" y="1238742"/>
+            <a:ext cx="12192000" cy="3600000"/>
           </a:xfrm>
           <a:prstGeom prst="rect">
             <a:avLst/>
@@ -4859,7 +5188,7 @@
           <p:cNvPr id="2" name="TextBox 1">
             <a:extLst>
               <a:ext uri="{FF2B5EF4-FFF2-40B4-BE49-F238E27FC236}">
-                <a16:creationId xmlns:a16="http://schemas.microsoft.com/office/drawing/2014/main" id="{EC2310DC-00E0-1304-5DD6-1131E9D81E5F}"/>
+                <a16:creationId xmlns:a16="http://schemas.microsoft.com/office/drawing/2014/main" id="{1CBC0978-77A7-FE59-A2F0-00F6723AC64D}"/>
               </a:ext>
             </a:extLst>
           </p:cNvPr>
@@ -4874,7 +5203,9 @@
           <a:prstGeom prst="rect">
             <a:avLst/>
           </a:prstGeom>
-          <a:noFill/>
+          <a:solidFill>
+            <a:schemeClr val="bg1"/>
+          </a:solidFill>
         </p:spPr>
         <p:txBody>
           <a:bodyPr wrap="square">
@@ -4883,7 +5214,7 @@
           <a:lstStyle/>
           <a:p>
             <a:r>
-              <a:rPr lang="en-US" sz="2400" dirty="0" err="1">
+              <a:rPr lang="en-US" sz="2400" dirty="0">
                 <a:solidFill>
                   <a:schemeClr val="bg2">
                     <a:lumMod val="25000"/>
@@ -4891,16 +5222,8 @@
                 </a:solidFill>
                 <a:latin typeface="Arial Rounded MT Bold" panose="020F0704030504030204" pitchFamily="34" charset="77"/>
               </a:rPr>
-              <a:t>NPi</a:t>
+              <a:t>2020 </a:t>
             </a:r>
-            <a:endParaRPr lang="en-US" sz="2400" dirty="0">
-              <a:solidFill>
-                <a:schemeClr val="bg2">
-                  <a:lumMod val="25000"/>
-                </a:schemeClr>
-              </a:solidFill>
-              <a:latin typeface="Arial Rounded MT Bold" panose="020F0704030504030204" pitchFamily="34" charset="77"/>
-            </a:endParaRPr>
           </a:p>
           <a:p>
             <a:r>
@@ -4928,7 +5251,7 @@
     </p:spTree>
     <p:extLst>
       <p:ext uri="{BB962C8B-B14F-4D97-AF65-F5344CB8AC3E}">
-        <p14:creationId xmlns:p14="http://schemas.microsoft.com/office/powerpoint/2010/main" val="3394204605"/>
+        <p14:creationId xmlns:p14="http://schemas.microsoft.com/office/powerpoint/2010/main" val="2090522448"/>
       </p:ext>
     </p:extLst>
   </p:cSld>
@@ -4960,12 +5283,42 @@
           <a:chExt cx="0" cy="0"/>
         </a:xfrm>
       </p:grpSpPr>
+      <p:pic>
+        <p:nvPicPr>
+          <p:cNvPr id="4" name="Image 3">
+            <a:extLst>
+              <a:ext uri="{FF2B5EF4-FFF2-40B4-BE49-F238E27FC236}">
+                <a16:creationId xmlns:a16="http://schemas.microsoft.com/office/drawing/2014/main" id="{4DA1CC83-5206-BE58-0F46-E2A8C0090B1E}"/>
+              </a:ext>
+            </a:extLst>
+          </p:cNvPr>
+          <p:cNvPicPr>
+            <a:picLocks noChangeAspect="1"/>
+          </p:cNvPicPr>
+          <p:nvPr/>
+        </p:nvPicPr>
+        <p:blipFill>
+          <a:blip r:embed="rId3"/>
+          <a:stretch>
+            <a:fillRect/>
+          </a:stretch>
+        </p:blipFill>
+        <p:spPr>
+          <a:xfrm>
+            <a:off x="139042" y="1278640"/>
+            <a:ext cx="12052958" cy="3600000"/>
+          </a:xfrm>
+          <a:prstGeom prst="rect">
+            <a:avLst/>
+          </a:prstGeom>
+        </p:spPr>
+      </p:pic>
       <p:sp>
         <p:nvSpPr>
           <p:cNvPr id="2" name="TextBox 1">
             <a:extLst>
               <a:ext uri="{FF2B5EF4-FFF2-40B4-BE49-F238E27FC236}">
-                <a16:creationId xmlns:a16="http://schemas.microsoft.com/office/drawing/2014/main" id="{1CBC0978-77A7-FE59-A2F0-00F6723AC64D}"/>
+                <a16:creationId xmlns:a16="http://schemas.microsoft.com/office/drawing/2014/main" id="{E432E2A6-AC35-8DCE-9CC4-CAD9DFB7EFA5}"/>
               </a:ext>
             </a:extLst>
           </p:cNvPr>
@@ -4974,13 +5327,15 @@
         </p:nvSpPr>
         <p:spPr>
           <a:xfrm>
-            <a:off x="265386" y="964742"/>
+            <a:off x="293961" y="964742"/>
             <a:ext cx="7519713" cy="830997"/>
           </a:xfrm>
           <a:prstGeom prst="rect">
             <a:avLst/>
           </a:prstGeom>
-          <a:noFill/>
+          <a:solidFill>
+            <a:schemeClr val="bg1"/>
+          </a:solidFill>
         </p:spPr>
         <p:txBody>
           <a:bodyPr wrap="square">
@@ -4997,7 +5352,7 @@
                 </a:solidFill>
                 <a:latin typeface="Arial Rounded MT Bold" panose="020F0704030504030204" pitchFamily="34" charset="77"/>
               </a:rPr>
-              <a:t>2020 </a:t>
+              <a:t>2035 </a:t>
             </a:r>
           </a:p>
           <a:p>
@@ -5023,40 +5378,10 @@
           </a:p>
         </p:txBody>
       </p:sp>
-      <p:pic>
-        <p:nvPicPr>
-          <p:cNvPr id="4" name="Image 3">
-            <a:extLst>
-              <a:ext uri="{FF2B5EF4-FFF2-40B4-BE49-F238E27FC236}">
-                <a16:creationId xmlns:a16="http://schemas.microsoft.com/office/drawing/2014/main" id="{29745990-553C-14C4-C7E3-6C43485CEF8F}"/>
-              </a:ext>
-            </a:extLst>
-          </p:cNvPr>
-          <p:cNvPicPr>
-            <a:picLocks noChangeAspect="1"/>
-          </p:cNvPicPr>
-          <p:nvPr/>
-        </p:nvPicPr>
-        <p:blipFill>
-          <a:blip r:embed="rId3"/>
-          <a:stretch>
-            <a:fillRect/>
-          </a:stretch>
-        </p:blipFill>
-        <p:spPr>
-          <a:xfrm>
-            <a:off x="265386" y="1795739"/>
-            <a:ext cx="11536001" cy="3600000"/>
-          </a:xfrm>
-          <a:prstGeom prst="rect">
-            <a:avLst/>
-          </a:prstGeom>
-        </p:spPr>
-      </p:pic>
     </p:spTree>
     <p:extLst>
       <p:ext uri="{BB962C8B-B14F-4D97-AF65-F5344CB8AC3E}">
-        <p14:creationId xmlns:p14="http://schemas.microsoft.com/office/powerpoint/2010/main" val="2090522448"/>
+        <p14:creationId xmlns:p14="http://schemas.microsoft.com/office/powerpoint/2010/main" val="2626188335"/>
       </p:ext>
     </p:extLst>
   </p:cSld>
@@ -5088,197 +5413,6 @@
           <a:chExt cx="0" cy="0"/>
         </a:xfrm>
       </p:grpSpPr>
-      <p:sp>
-        <p:nvSpPr>
-          <p:cNvPr id="2" name="TextBox 1">
-            <a:extLst>
-              <a:ext uri="{FF2B5EF4-FFF2-40B4-BE49-F238E27FC236}">
-                <a16:creationId xmlns:a16="http://schemas.microsoft.com/office/drawing/2014/main" id="{E432E2A6-AC35-8DCE-9CC4-CAD9DFB7EFA5}"/>
-              </a:ext>
-            </a:extLst>
-          </p:cNvPr>
-          <p:cNvSpPr txBox="1"/>
-          <p:nvPr/>
-        </p:nvSpPr>
-        <p:spPr>
-          <a:xfrm>
-            <a:off x="293961" y="964742"/>
-            <a:ext cx="7519713" cy="830997"/>
-          </a:xfrm>
-          <a:prstGeom prst="rect">
-            <a:avLst/>
-          </a:prstGeom>
-          <a:noFill/>
-        </p:spPr>
-        <p:txBody>
-          <a:bodyPr wrap="square">
-            <a:spAutoFit/>
-          </a:bodyPr>
-          <a:lstStyle/>
-          <a:p>
-            <a:r>
-              <a:rPr lang="en-US" sz="2400" dirty="0">
-                <a:solidFill>
-                  <a:schemeClr val="bg2">
-                    <a:lumMod val="25000"/>
-                  </a:schemeClr>
-                </a:solidFill>
-                <a:latin typeface="Arial Rounded MT Bold" panose="020F0704030504030204" pitchFamily="34" charset="77"/>
-              </a:rPr>
-              <a:t>2035 </a:t>
-            </a:r>
-          </a:p>
-          <a:p>
-            <a:r>
-              <a:rPr lang="en-US" sz="2400" dirty="0">
-                <a:solidFill>
-                  <a:schemeClr val="bg2">
-                    <a:lumMod val="25000"/>
-                  </a:schemeClr>
-                </a:solidFill>
-                <a:latin typeface="Arial Rounded MT Bold" panose="020F0704030504030204" pitchFamily="34" charset="77"/>
-              </a:rPr>
-              <a:t>Material Flow, summed over the dimensions </a:t>
-            </a:r>
-            <a:endParaRPr lang="en-US" sz="2400" noProof="0" dirty="0">
-              <a:solidFill>
-                <a:schemeClr val="bg2">
-                  <a:lumMod val="25000"/>
-                </a:schemeClr>
-              </a:solidFill>
-              <a:latin typeface="Arial Rounded MT Bold" panose="020F0704030504030204" pitchFamily="34" charset="77"/>
-            </a:endParaRPr>
-          </a:p>
-        </p:txBody>
-      </p:sp>
-      <p:pic>
-        <p:nvPicPr>
-          <p:cNvPr id="4" name="Image 3">
-            <a:extLst>
-              <a:ext uri="{FF2B5EF4-FFF2-40B4-BE49-F238E27FC236}">
-                <a16:creationId xmlns:a16="http://schemas.microsoft.com/office/drawing/2014/main" id="{4DA1CC83-5206-BE58-0F46-E2A8C0090B1E}"/>
-              </a:ext>
-            </a:extLst>
-          </p:cNvPr>
-          <p:cNvPicPr>
-            <a:picLocks noChangeAspect="1"/>
-          </p:cNvPicPr>
-          <p:nvPr/>
-        </p:nvPicPr>
-        <p:blipFill>
-          <a:blip r:embed="rId3"/>
-          <a:stretch>
-            <a:fillRect/>
-          </a:stretch>
-        </p:blipFill>
-        <p:spPr>
-          <a:xfrm>
-            <a:off x="139042" y="1795739"/>
-            <a:ext cx="11536001" cy="3600000"/>
-          </a:xfrm>
-          <a:prstGeom prst="rect">
-            <a:avLst/>
-          </a:prstGeom>
-        </p:spPr>
-      </p:pic>
-    </p:spTree>
-    <p:extLst>
-      <p:ext uri="{BB962C8B-B14F-4D97-AF65-F5344CB8AC3E}">
-        <p14:creationId xmlns:p14="http://schemas.microsoft.com/office/powerpoint/2010/main" val="2626188335"/>
-      </p:ext>
-    </p:extLst>
-  </p:cSld>
-  <p:clrMapOvr>
-    <a:masterClrMapping/>
-  </p:clrMapOvr>
-  <p:extLst>
-    <p:ext uri="{6950BFC3-D8DA-4A85-94F7-54DA5524770B}">
-      <p188:commentRel xmlns:p188="http://schemas.microsoft.com/office/powerpoint/2018/8/main" r:id="rId2"/>
-    </p:ext>
-  </p:extLst>
-</p:sld>
-</file>
-
-<file path=ppt/slides/slide16.xml><?xml version="1.0" encoding="utf-8"?>
-<p:sld xmlns:a="http://schemas.openxmlformats.org/drawingml/2006/main" xmlns:r="http://schemas.openxmlformats.org/officeDocument/2006/relationships" xmlns:p="http://schemas.openxmlformats.org/presentationml/2006/main">
-  <p:cSld>
-    <p:spTree>
-      <p:nvGrpSpPr>
-        <p:cNvPr id="1" name=""/>
-        <p:cNvGrpSpPr/>
-        <p:nvPr/>
-      </p:nvGrpSpPr>
-      <p:grpSpPr>
-        <a:xfrm>
-          <a:off x="0" y="0"/>
-          <a:ext cx="0" cy="0"/>
-          <a:chOff x="0" y="0"/>
-          <a:chExt cx="0" cy="0"/>
-        </a:xfrm>
-      </p:grpSpPr>
-      <p:sp>
-        <p:nvSpPr>
-          <p:cNvPr id="2" name="TextBox 1">
-            <a:extLst>
-              <a:ext uri="{FF2B5EF4-FFF2-40B4-BE49-F238E27FC236}">
-                <a16:creationId xmlns:a16="http://schemas.microsoft.com/office/drawing/2014/main" id="{35326718-3575-5641-B71D-7EF28457C227}"/>
-              </a:ext>
-            </a:extLst>
-          </p:cNvPr>
-          <p:cNvSpPr txBox="1"/>
-          <p:nvPr/>
-        </p:nvSpPr>
-        <p:spPr>
-          <a:xfrm>
-            <a:off x="265386" y="964742"/>
-            <a:ext cx="7519713" cy="830997"/>
-          </a:xfrm>
-          <a:prstGeom prst="rect">
-            <a:avLst/>
-          </a:prstGeom>
-          <a:noFill/>
-        </p:spPr>
-        <p:txBody>
-          <a:bodyPr wrap="square">
-            <a:spAutoFit/>
-          </a:bodyPr>
-          <a:lstStyle/>
-          <a:p>
-            <a:r>
-              <a:rPr lang="en-US" sz="2400" dirty="0">
-                <a:solidFill>
-                  <a:schemeClr val="bg2">
-                    <a:lumMod val="25000"/>
-                  </a:schemeClr>
-                </a:solidFill>
-                <a:latin typeface="Arial Rounded MT Bold" panose="020F0704030504030204" pitchFamily="34" charset="77"/>
-              </a:rPr>
-              <a:t>2045 </a:t>
-            </a:r>
-          </a:p>
-          <a:p>
-            <a:r>
-              <a:rPr lang="en-US" sz="2400" dirty="0">
-                <a:solidFill>
-                  <a:schemeClr val="bg2">
-                    <a:lumMod val="25000"/>
-                  </a:schemeClr>
-                </a:solidFill>
-                <a:latin typeface="Arial Rounded MT Bold" panose="020F0704030504030204" pitchFamily="34" charset="77"/>
-              </a:rPr>
-              <a:t>Material Flow, summed over the dimensions </a:t>
-            </a:r>
-            <a:endParaRPr lang="en-US" sz="2400" noProof="0" dirty="0">
-              <a:solidFill>
-                <a:schemeClr val="bg2">
-                  <a:lumMod val="25000"/>
-                </a:schemeClr>
-              </a:solidFill>
-              <a:latin typeface="Arial Rounded MT Bold" panose="020F0704030504030204" pitchFamily="34" charset="77"/>
-            </a:endParaRPr>
-          </a:p>
-        </p:txBody>
-      </p:sp>
       <p:pic>
         <p:nvPicPr>
           <p:cNvPr id="4" name="Image 3">
@@ -5301,14 +5435,79 @@
         </p:blipFill>
         <p:spPr>
           <a:xfrm>
-            <a:off x="265386" y="1795739"/>
-            <a:ext cx="11536001" cy="3600000"/>
+            <a:off x="0" y="1297899"/>
+            <a:ext cx="12192000" cy="3600000"/>
           </a:xfrm>
           <a:prstGeom prst="rect">
             <a:avLst/>
           </a:prstGeom>
         </p:spPr>
       </p:pic>
+      <p:sp>
+        <p:nvSpPr>
+          <p:cNvPr id="2" name="TextBox 1">
+            <a:extLst>
+              <a:ext uri="{FF2B5EF4-FFF2-40B4-BE49-F238E27FC236}">
+                <a16:creationId xmlns:a16="http://schemas.microsoft.com/office/drawing/2014/main" id="{35326718-3575-5641-B71D-7EF28457C227}"/>
+              </a:ext>
+            </a:extLst>
+          </p:cNvPr>
+          <p:cNvSpPr txBox="1"/>
+          <p:nvPr/>
+        </p:nvSpPr>
+        <p:spPr>
+          <a:xfrm>
+            <a:off x="265386" y="964742"/>
+            <a:ext cx="7519713" cy="830997"/>
+          </a:xfrm>
+          <a:prstGeom prst="rect">
+            <a:avLst/>
+          </a:prstGeom>
+          <a:solidFill>
+            <a:schemeClr val="bg1"/>
+          </a:solidFill>
+        </p:spPr>
+        <p:txBody>
+          <a:bodyPr wrap="square">
+            <a:spAutoFit/>
+          </a:bodyPr>
+          <a:lstStyle/>
+          <a:p>
+            <a:r>
+              <a:rPr lang="en-US" sz="2400" dirty="0">
+                <a:solidFill>
+                  <a:schemeClr val="bg2">
+                    <a:lumMod val="25000"/>
+                  </a:schemeClr>
+                </a:solidFill>
+                <a:latin typeface="Arial Rounded MT Bold" panose="020F0704030504030204" pitchFamily="34" charset="77"/>
+              </a:rPr>
+              <a:t>2045 </a:t>
+            </a:r>
+          </a:p>
+          <a:p>
+            <a:r>
+              <a:rPr lang="en-US" sz="2400" dirty="0">
+                <a:solidFill>
+                  <a:schemeClr val="bg2">
+                    <a:lumMod val="25000"/>
+                  </a:schemeClr>
+                </a:solidFill>
+                <a:latin typeface="Arial Rounded MT Bold" panose="020F0704030504030204" pitchFamily="34" charset="77"/>
+              </a:rPr>
+              <a:t>Material Flow, summed over the dimensions </a:t>
+            </a:r>
+            <a:endParaRPr lang="en-US" sz="2400" noProof="0" dirty="0">
+              <a:solidFill>
+                <a:schemeClr val="bg2">
+                  <a:lumMod val="25000"/>
+                </a:schemeClr>
+              </a:solidFill>
+              <a:latin typeface="Arial Rounded MT Bold" panose="020F0704030504030204" pitchFamily="34" charset="77"/>
+            </a:endParaRPr>
+          </a:p>
+        </p:txBody>
+      </p:sp>
     </p:spTree>
     <p:extLst>
       <p:ext uri="{BB962C8B-B14F-4D97-AF65-F5344CB8AC3E}">

--- a/presentation/dds_autumn_school_2025_paw_presentation_14-11-2025.pptx
+++ b/presentation/dds_autumn_school_2025_paw_presentation_14-11-2025.pptx
@@ -5,7 +5,7 @@
     <p:sldMasterId id="2147483648" r:id="rId1"/>
   </p:sldMasterIdLst>
   <p:notesMasterIdLst>
-    <p:notesMasterId r:id="rId17"/>
+    <p:notesMasterId r:id="rId14"/>
   </p:notesMasterIdLst>
   <p:sldIdLst>
     <p:sldId id="256" r:id="rId2"/>
@@ -18,11 +18,8 @@
     <p:sldId id="269" r:id="rId9"/>
     <p:sldId id="272" r:id="rId10"/>
     <p:sldId id="262" r:id="rId11"/>
-    <p:sldId id="257" r:id="rId12"/>
-    <p:sldId id="258" r:id="rId13"/>
-    <p:sldId id="259" r:id="rId14"/>
-    <p:sldId id="260" r:id="rId15"/>
-    <p:sldId id="261" r:id="rId16"/>
+    <p:sldId id="275" r:id="rId12"/>
+    <p:sldId id="276" r:id="rId13"/>
   </p:sldIdLst>
   <p:sldSz cx="12192000" cy="6858000"/>
   <p:notesSz cx="6858000" cy="9144000"/>
@@ -138,7 +135,7 @@
 <file path=ppt/revisionInfo.xml><?xml version="1.0" encoding="utf-8"?>
 <p1510:revInfo xmlns:a="http://schemas.openxmlformats.org/drawingml/2006/main" xmlns:r="http://schemas.openxmlformats.org/officeDocument/2006/relationships" xmlns:p1510="http://schemas.microsoft.com/office/powerpoint/2015/10/main">
   <p1510:revLst>
-    <p1510:client id="{E85EF977-7F1E-4A7B-AC1E-AF3BB813DE99}" v="7" dt="2025-11-14T12:24:02.272"/>
+    <p1510:client id="{E85EF977-7F1E-4A7B-AC1E-AF3BB813DE99}" v="23" dt="2025-11-14T12:41:48.820"/>
   </p1510:revLst>
 </p1510:revInfo>
 </file>
@@ -147,13 +144,13 @@
 <pc:chgInfo xmlns:a="http://schemas.openxmlformats.org/drawingml/2006/main" xmlns:r="http://schemas.openxmlformats.org/officeDocument/2006/relationships" xmlns:ac="http://schemas.microsoft.com/office/drawing/2013/main/command" xmlns:pc="http://schemas.microsoft.com/office/powerpoint/2013/main/command">
   <pc:docChgLst>
     <pc:chgData name="David CLOUSIER" userId="768240c1-c1f0-4ea5-ba36-477fb0372b02" providerId="ADAL" clId="{CA5A136D-3B77-4157-88EA-9B5DC776E31F}"/>
-    <pc:docChg chg="undo custSel delSld modSld">
-      <pc:chgData name="David CLOUSIER" userId="768240c1-c1f0-4ea5-ba36-477fb0372b02" providerId="ADAL" clId="{CA5A136D-3B77-4157-88EA-9B5DC776E31F}" dt="2025-11-14T12:25:51.481" v="94" actId="1076"/>
+    <pc:docChg chg="undo custSel addSld delSld modSld sldOrd">
+      <pc:chgData name="David CLOUSIER" userId="768240c1-c1f0-4ea5-ba36-477fb0372b02" providerId="ADAL" clId="{CA5A136D-3B77-4157-88EA-9B5DC776E31F}" dt="2025-11-14T12:42:01.121" v="617" actId="2696"/>
       <pc:docMkLst>
         <pc:docMk/>
       </pc:docMkLst>
-      <pc:sldChg chg="addSp delSp modSp mod">
-        <pc:chgData name="David CLOUSIER" userId="768240c1-c1f0-4ea5-ba36-477fb0372b02" providerId="ADAL" clId="{CA5A136D-3B77-4157-88EA-9B5DC776E31F}" dt="2025-11-14T12:24:25.360" v="75" actId="1076"/>
+      <pc:sldChg chg="addSp delSp modSp del mod">
+        <pc:chgData name="David CLOUSIER" userId="768240c1-c1f0-4ea5-ba36-477fb0372b02" providerId="ADAL" clId="{CA5A136D-3B77-4157-88EA-9B5DC776E31F}" dt="2025-11-14T12:39:27.615" v="510" actId="2696"/>
         <pc:sldMkLst>
           <pc:docMk/>
           <pc:sldMk cId="100667412" sldId="257"/>
@@ -183,8 +180,8 @@
           </ac:picMkLst>
         </pc:picChg>
       </pc:sldChg>
-      <pc:sldChg chg="addSp delSp modSp mod">
-        <pc:chgData name="David CLOUSIER" userId="768240c1-c1f0-4ea5-ba36-477fb0372b02" providerId="ADAL" clId="{CA5A136D-3B77-4157-88EA-9B5DC776E31F}" dt="2025-11-14T12:24:17.879" v="73" actId="1076"/>
+      <pc:sldChg chg="addSp delSp modSp del mod">
+        <pc:chgData name="David CLOUSIER" userId="768240c1-c1f0-4ea5-ba36-477fb0372b02" providerId="ADAL" clId="{CA5A136D-3B77-4157-88EA-9B5DC776E31F}" dt="2025-11-14T12:39:27.615" v="510" actId="2696"/>
         <pc:sldMkLst>
           <pc:docMk/>
           <pc:sldMk cId="3394204605" sldId="258"/>
@@ -214,8 +211,8 @@
           </ac:picMkLst>
         </pc:picChg>
       </pc:sldChg>
-      <pc:sldChg chg="modSp mod">
-        <pc:chgData name="David CLOUSIER" userId="768240c1-c1f0-4ea5-ba36-477fb0372b02" providerId="ADAL" clId="{CA5A136D-3B77-4157-88EA-9B5DC776E31F}" dt="2025-11-14T12:25:47.319" v="93" actId="14100"/>
+      <pc:sldChg chg="modSp del mod">
+        <pc:chgData name="David CLOUSIER" userId="768240c1-c1f0-4ea5-ba36-477fb0372b02" providerId="ADAL" clId="{CA5A136D-3B77-4157-88EA-9B5DC776E31F}" dt="2025-11-14T12:42:01.121" v="617" actId="2696"/>
         <pc:sldMkLst>
           <pc:docMk/>
           <pc:sldMk cId="2090522448" sldId="259"/>
@@ -237,8 +234,8 @@
           </ac:picMkLst>
         </pc:picChg>
       </pc:sldChg>
-      <pc:sldChg chg="modSp mod">
-        <pc:chgData name="David CLOUSIER" userId="768240c1-c1f0-4ea5-ba36-477fb0372b02" providerId="ADAL" clId="{CA5A136D-3B77-4157-88EA-9B5DC776E31F}" dt="2025-11-14T12:25:41.671" v="91" actId="14100"/>
+      <pc:sldChg chg="modSp del mod">
+        <pc:chgData name="David CLOUSIER" userId="768240c1-c1f0-4ea5-ba36-477fb0372b02" providerId="ADAL" clId="{CA5A136D-3B77-4157-88EA-9B5DC776E31F}" dt="2025-11-14T12:42:01.121" v="617" actId="2696"/>
         <pc:sldMkLst>
           <pc:docMk/>
           <pc:sldMk cId="2626188335" sldId="260"/>
@@ -260,8 +257,8 @@
           </ac:picMkLst>
         </pc:picChg>
       </pc:sldChg>
-      <pc:sldChg chg="modSp mod">
-        <pc:chgData name="David CLOUSIER" userId="768240c1-c1f0-4ea5-ba36-477fb0372b02" providerId="ADAL" clId="{CA5A136D-3B77-4157-88EA-9B5DC776E31F}" dt="2025-11-14T12:25:38.271" v="90" actId="14100"/>
+      <pc:sldChg chg="modSp del mod">
+        <pc:chgData name="David CLOUSIER" userId="768240c1-c1f0-4ea5-ba36-477fb0372b02" providerId="ADAL" clId="{CA5A136D-3B77-4157-88EA-9B5DC776E31F}" dt="2025-11-14T12:42:01.121" v="617" actId="2696"/>
         <pc:sldMkLst>
           <pc:docMk/>
           <pc:sldMk cId="1522773915" sldId="261"/>
@@ -313,6 +310,29 @@
             <ac:picMk id="5" creationId="{7259F870-464B-9419-6C85-DFFC837F7B0E}"/>
           </ac:picMkLst>
         </pc:picChg>
+      </pc:sldChg>
+      <pc:sldChg chg="modSp mod">
+        <pc:chgData name="David CLOUSIER" userId="768240c1-c1f0-4ea5-ba36-477fb0372b02" providerId="ADAL" clId="{CA5A136D-3B77-4157-88EA-9B5DC776E31F}" dt="2025-11-14T12:36:09.387" v="370" actId="1076"/>
+        <pc:sldMkLst>
+          <pc:docMk/>
+          <pc:sldMk cId="2038877534" sldId="265"/>
+        </pc:sldMkLst>
+        <pc:spChg chg="mod">
+          <ac:chgData name="David CLOUSIER" userId="768240c1-c1f0-4ea5-ba36-477fb0372b02" providerId="ADAL" clId="{CA5A136D-3B77-4157-88EA-9B5DC776E31F}" dt="2025-11-14T12:35:22.612" v="350" actId="1076"/>
+          <ac:spMkLst>
+            <pc:docMk/>
+            <pc:sldMk cId="2038877534" sldId="265"/>
+            <ac:spMk id="2" creationId="{A7342DBE-D323-40D1-203B-7E14D1934799}"/>
+          </ac:spMkLst>
+        </pc:spChg>
+        <pc:graphicFrameChg chg="mod modGraphic">
+          <ac:chgData name="David CLOUSIER" userId="768240c1-c1f0-4ea5-ba36-477fb0372b02" providerId="ADAL" clId="{CA5A136D-3B77-4157-88EA-9B5DC776E31F}" dt="2025-11-14T12:36:09.387" v="370" actId="1076"/>
+          <ac:graphicFrameMkLst>
+            <pc:docMk/>
+            <pc:sldMk cId="2038877534" sldId="265"/>
+            <ac:graphicFrameMk id="5" creationId="{A503EEAC-D6B0-769E-C999-2EAA3B0348AC}"/>
+          </ac:graphicFrameMkLst>
+        </pc:graphicFrameChg>
       </pc:sldChg>
       <pc:sldChg chg="addSp delSp modSp mod">
         <pc:chgData name="David CLOUSIER" userId="768240c1-c1f0-4ea5-ba36-477fb0372b02" providerId="ADAL" clId="{CA5A136D-3B77-4157-88EA-9B5DC776E31F}" dt="2025-11-14T12:14:08.346" v="42" actId="164"/>
@@ -377,6 +397,36 @@
           </ac:cxnSpMkLst>
         </pc:cxnChg>
       </pc:sldChg>
+      <pc:sldChg chg="modSp mod">
+        <pc:chgData name="David CLOUSIER" userId="768240c1-c1f0-4ea5-ba36-477fb0372b02" providerId="ADAL" clId="{CA5A136D-3B77-4157-88EA-9B5DC776E31F}" dt="2025-11-14T12:36:27.951" v="374" actId="20577"/>
+        <pc:sldMkLst>
+          <pc:docMk/>
+          <pc:sldMk cId="1200049370" sldId="272"/>
+        </pc:sldMkLst>
+        <pc:spChg chg="mod">
+          <ac:chgData name="David CLOUSIER" userId="768240c1-c1f0-4ea5-ba36-477fb0372b02" providerId="ADAL" clId="{CA5A136D-3B77-4157-88EA-9B5DC776E31F}" dt="2025-11-14T12:36:27.951" v="374" actId="20577"/>
+          <ac:spMkLst>
+            <pc:docMk/>
+            <pc:sldMk cId="1200049370" sldId="272"/>
+            <ac:spMk id="57" creationId="{60BF8CF9-B44F-9B89-905E-7FA36829BFE4}"/>
+          </ac:spMkLst>
+        </pc:spChg>
+      </pc:sldChg>
+      <pc:sldChg chg="modSp mod">
+        <pc:chgData name="David CLOUSIER" userId="768240c1-c1f0-4ea5-ba36-477fb0372b02" providerId="ADAL" clId="{CA5A136D-3B77-4157-88EA-9B5DC776E31F}" dt="2025-11-14T12:32:10.166" v="261" actId="20577"/>
+        <pc:sldMkLst>
+          <pc:docMk/>
+          <pc:sldMk cId="3661261013" sldId="273"/>
+        </pc:sldMkLst>
+        <pc:spChg chg="mod">
+          <ac:chgData name="David CLOUSIER" userId="768240c1-c1f0-4ea5-ba36-477fb0372b02" providerId="ADAL" clId="{CA5A136D-3B77-4157-88EA-9B5DC776E31F}" dt="2025-11-14T12:32:10.166" v="261" actId="20577"/>
+          <ac:spMkLst>
+            <pc:docMk/>
+            <pc:sldMk cId="3661261013" sldId="273"/>
+            <ac:spMk id="3" creationId="{A0D71BD5-8F35-5E04-ED5C-9CCA868C1067}"/>
+          </ac:spMkLst>
+        </pc:spChg>
+      </pc:sldChg>
       <pc:sldChg chg="del">
         <pc:chgData name="David CLOUSIER" userId="768240c1-c1f0-4ea5-ba36-477fb0372b02" providerId="ADAL" clId="{CA5A136D-3B77-4157-88EA-9B5DC776E31F}" dt="2025-11-14T12:23:33.243" v="52" actId="2696"/>
         <pc:sldMkLst>
@@ -384,119 +434,143 @@
           <pc:sldMk cId="364705490" sldId="275"/>
         </pc:sldMkLst>
       </pc:sldChg>
+      <pc:sldChg chg="addSp modSp new mod">
+        <pc:chgData name="David CLOUSIER" userId="768240c1-c1f0-4ea5-ba36-477fb0372b02" providerId="ADAL" clId="{CA5A136D-3B77-4157-88EA-9B5DC776E31F}" dt="2025-11-14T12:39:02.398" v="509" actId="20577"/>
+        <pc:sldMkLst>
+          <pc:docMk/>
+          <pc:sldMk cId="1165766241" sldId="275"/>
+        </pc:sldMkLst>
+        <pc:spChg chg="add mod">
+          <ac:chgData name="David CLOUSIER" userId="768240c1-c1f0-4ea5-ba36-477fb0372b02" providerId="ADAL" clId="{CA5A136D-3B77-4157-88EA-9B5DC776E31F}" dt="2025-11-14T12:37:15.723" v="392" actId="1076"/>
+          <ac:spMkLst>
+            <pc:docMk/>
+            <pc:sldMk cId="1165766241" sldId="275"/>
+            <ac:spMk id="3" creationId="{46A6F563-9CD7-0606-E47E-DCEE73C86966}"/>
+          </ac:spMkLst>
+        </pc:spChg>
+        <pc:spChg chg="add mod">
+          <ac:chgData name="David CLOUSIER" userId="768240c1-c1f0-4ea5-ba36-477fb0372b02" providerId="ADAL" clId="{CA5A136D-3B77-4157-88EA-9B5DC776E31F}" dt="2025-11-14T12:37:43.677" v="400" actId="255"/>
+          <ac:spMkLst>
+            <pc:docMk/>
+            <pc:sldMk cId="1165766241" sldId="275"/>
+            <ac:spMk id="6" creationId="{EED7A297-481F-C038-7E7F-60DA7758CC41}"/>
+          </ac:spMkLst>
+        </pc:spChg>
+        <pc:spChg chg="add mod">
+          <ac:chgData name="David CLOUSIER" userId="768240c1-c1f0-4ea5-ba36-477fb0372b02" providerId="ADAL" clId="{CA5A136D-3B77-4157-88EA-9B5DC776E31F}" dt="2025-11-14T12:38:32.326" v="426" actId="12"/>
+          <ac:spMkLst>
+            <pc:docMk/>
+            <pc:sldMk cId="1165766241" sldId="275"/>
+            <ac:spMk id="8" creationId="{84AA6083-BE9E-27C9-A0AC-2EB0544765C7}"/>
+          </ac:spMkLst>
+        </pc:spChg>
+        <pc:spChg chg="add mod">
+          <ac:chgData name="David CLOUSIER" userId="768240c1-c1f0-4ea5-ba36-477fb0372b02" providerId="ADAL" clId="{CA5A136D-3B77-4157-88EA-9B5DC776E31F}" dt="2025-11-14T12:39:02.398" v="509" actId="20577"/>
+          <ac:spMkLst>
+            <pc:docMk/>
+            <pc:sldMk cId="1165766241" sldId="275"/>
+            <ac:spMk id="9" creationId="{53641335-D01B-0C21-4F2B-800FE29056F0}"/>
+          </ac:spMkLst>
+        </pc:spChg>
+        <pc:grpChg chg="add mod">
+          <ac:chgData name="David CLOUSIER" userId="768240c1-c1f0-4ea5-ba36-477fb0372b02" providerId="ADAL" clId="{CA5A136D-3B77-4157-88EA-9B5DC776E31F}" dt="2025-11-14T12:37:44.474" v="401" actId="1076"/>
+          <ac:grpSpMkLst>
+            <pc:docMk/>
+            <pc:sldMk cId="1165766241" sldId="275"/>
+            <ac:grpSpMk id="4" creationId="{13F15E3A-37E8-743B-AA1B-76300541C787}"/>
+          </ac:grpSpMkLst>
+        </pc:grpChg>
+        <pc:grpChg chg="add mod">
+          <ac:chgData name="David CLOUSIER" userId="768240c1-c1f0-4ea5-ba36-477fb0372b02" providerId="ADAL" clId="{CA5A136D-3B77-4157-88EA-9B5DC776E31F}" dt="2025-11-14T12:37:50.284" v="402" actId="1076"/>
+          <ac:grpSpMkLst>
+            <pc:docMk/>
+            <pc:sldMk cId="1165766241" sldId="275"/>
+            <ac:grpSpMk id="7" creationId="{C3463924-2BC4-26E8-B8B4-39517B2713B8}"/>
+          </ac:grpSpMkLst>
+        </pc:grpChg>
+        <pc:picChg chg="add mod">
+          <ac:chgData name="David CLOUSIER" userId="768240c1-c1f0-4ea5-ba36-477fb0372b02" providerId="ADAL" clId="{CA5A136D-3B77-4157-88EA-9B5DC776E31F}" dt="2025-11-14T12:36:42.737" v="377" actId="164"/>
+          <ac:picMkLst>
+            <pc:docMk/>
+            <pc:sldMk cId="1165766241" sldId="275"/>
+            <ac:picMk id="2" creationId="{D81D1CC2-7577-6177-EBB8-5163B12B4CE7}"/>
+          </ac:picMkLst>
+        </pc:picChg>
+        <pc:picChg chg="add mod">
+          <ac:chgData name="David CLOUSIER" userId="768240c1-c1f0-4ea5-ba36-477fb0372b02" providerId="ADAL" clId="{CA5A136D-3B77-4157-88EA-9B5DC776E31F}" dt="2025-11-14T12:37:24.650" v="394" actId="164"/>
+          <ac:picMkLst>
+            <pc:docMk/>
+            <pc:sldMk cId="1165766241" sldId="275"/>
+            <ac:picMk id="5" creationId="{6D752E7E-81A7-F0C1-127B-FE5694BA4D08}"/>
+          </ac:picMkLst>
+        </pc:picChg>
+      </pc:sldChg>
+      <pc:sldChg chg="addSp delSp modSp new mod ord">
+        <pc:chgData name="David CLOUSIER" userId="768240c1-c1f0-4ea5-ba36-477fb0372b02" providerId="ADAL" clId="{CA5A136D-3B77-4157-88EA-9B5DC776E31F}" dt="2025-11-14T12:41:56.451" v="616" actId="1076"/>
+        <pc:sldMkLst>
+          <pc:docMk/>
+          <pc:sldMk cId="1142133561" sldId="276"/>
+        </pc:sldMkLst>
+        <pc:spChg chg="add mod">
+          <ac:chgData name="David CLOUSIER" userId="768240c1-c1f0-4ea5-ba36-477fb0372b02" providerId="ADAL" clId="{CA5A136D-3B77-4157-88EA-9B5DC776E31F}" dt="2025-11-14T12:40:00.399" v="519" actId="255"/>
+          <ac:spMkLst>
+            <pc:docMk/>
+            <pc:sldMk cId="1142133561" sldId="276"/>
+            <ac:spMk id="3" creationId="{14AAC288-C695-333D-DC55-1830CCD9F11C}"/>
+          </ac:spMkLst>
+        </pc:spChg>
+        <pc:spChg chg="add mod">
+          <ac:chgData name="David CLOUSIER" userId="768240c1-c1f0-4ea5-ba36-477fb0372b02" providerId="ADAL" clId="{CA5A136D-3B77-4157-88EA-9B5DC776E31F}" dt="2025-11-14T12:40:22.732" v="524" actId="1076"/>
+          <ac:spMkLst>
+            <pc:docMk/>
+            <pc:sldMk cId="1142133561" sldId="276"/>
+            <ac:spMk id="5" creationId="{DF55796F-071D-62EA-5763-CB767C50ABEB}"/>
+          </ac:spMkLst>
+        </pc:spChg>
+        <pc:spChg chg="add mod">
+          <ac:chgData name="David CLOUSIER" userId="768240c1-c1f0-4ea5-ba36-477fb0372b02" providerId="ADAL" clId="{CA5A136D-3B77-4157-88EA-9B5DC776E31F}" dt="2025-11-14T12:41:56.451" v="616" actId="1076"/>
+          <ac:spMkLst>
+            <pc:docMk/>
+            <pc:sldMk cId="1142133561" sldId="276"/>
+            <ac:spMk id="7" creationId="{E0AFE446-49B2-DC0C-D125-3743F1402677}"/>
+          </ac:spMkLst>
+        </pc:spChg>
+        <pc:spChg chg="add del mod">
+          <ac:chgData name="David CLOUSIER" userId="768240c1-c1f0-4ea5-ba36-477fb0372b02" providerId="ADAL" clId="{CA5A136D-3B77-4157-88EA-9B5DC776E31F}" dt="2025-11-14T12:41:01.377" v="589" actId="478"/>
+          <ac:spMkLst>
+            <pc:docMk/>
+            <pc:sldMk cId="1142133561" sldId="276"/>
+            <ac:spMk id="8" creationId="{4E51151C-C519-6690-0C48-587C21F6E6C7}"/>
+          </ac:spMkLst>
+        </pc:spChg>
+        <pc:grpChg chg="add mod">
+          <ac:chgData name="David CLOUSIER" userId="768240c1-c1f0-4ea5-ba36-477fb0372b02" providerId="ADAL" clId="{CA5A136D-3B77-4157-88EA-9B5DC776E31F}" dt="2025-11-14T12:40:15.058" v="522" actId="1076"/>
+          <ac:grpSpMkLst>
+            <pc:docMk/>
+            <pc:sldMk cId="1142133561" sldId="276"/>
+            <ac:grpSpMk id="6" creationId="{9F4B721B-1728-BC2A-167D-22CE1096E843}"/>
+          </ac:grpSpMkLst>
+        </pc:grpChg>
+        <pc:picChg chg="add mod">
+          <ac:chgData name="David CLOUSIER" userId="768240c1-c1f0-4ea5-ba36-477fb0372b02" providerId="ADAL" clId="{CA5A136D-3B77-4157-88EA-9B5DC776E31F}" dt="2025-11-14T12:40:02.676" v="520" actId="1076"/>
+          <ac:picMkLst>
+            <pc:docMk/>
+            <pc:sldMk cId="1142133561" sldId="276"/>
+            <ac:picMk id="2" creationId="{04D5BB29-0570-0E8B-EF7A-BEF7E3527FC8}"/>
+          </ac:picMkLst>
+        </pc:picChg>
+        <pc:picChg chg="add mod">
+          <ac:chgData name="David CLOUSIER" userId="768240c1-c1f0-4ea5-ba36-477fb0372b02" providerId="ADAL" clId="{CA5A136D-3B77-4157-88EA-9B5DC776E31F}" dt="2025-11-14T12:39:53.148" v="517" actId="164"/>
+          <ac:picMkLst>
+            <pc:docMk/>
+            <pc:sldMk cId="1142133561" sldId="276"/>
+            <ac:picMk id="4" creationId="{E4C3CB1A-D15E-4635-FB14-F9EC124CEE01}"/>
+          </ac:picMkLst>
+        </pc:picChg>
+      </pc:sldChg>
     </pc:docChg>
   </pc:docChgLst>
 </pc:chgInfo>
-</file>
-
-<file path=ppt/comments/modernComment_101_6001014.xml><?xml version="1.0" encoding="utf-8"?>
-<p188:cmLst xmlns:a="http://schemas.openxmlformats.org/drawingml/2006/main" xmlns:r="http://schemas.openxmlformats.org/officeDocument/2006/relationships" xmlns:p188="http://schemas.microsoft.com/office/powerpoint/2018/8/main">
-  <p188:cm id="{C0497F89-0A1E-495E-8D86-8ECDB068BF6E}" authorId="{83344440-1645-F163-DD48-EE81A8C93DED}" created="2025-11-13T18:53:00.027">
-    <ac:deMkLst xmlns:ac="http://schemas.microsoft.com/office/drawing/2013/main/command">
-      <pc:docMk xmlns:pc="http://schemas.microsoft.com/office/powerpoint/2013/main/command"/>
-      <pc:sldMk xmlns:pc="http://schemas.microsoft.com/office/powerpoint/2013/main/command" cId="100667412" sldId="257"/>
-      <ac:picMk id="14" creationId="{6D96C345-5B47-EEA1-F8C7-D6F20EAAFF8B}"/>
-    </ac:deMkLst>
-    <p188:txBody>
-      <a:bodyPr/>
-      <a:lstStyle/>
-      <a:p>
-        <a:r>
-          <a:rPr lang="en-GB"/>
-          <a:t>High scenario, summed over everything else</a:t>
-        </a:r>
-      </a:p>
-    </p188:txBody>
-  </p188:cm>
-</p188:cmLst>
-</file>
-
-<file path=ppt/comments/modernComment_102_CA4F73BD.xml><?xml version="1.0" encoding="utf-8"?>
-<p188:cmLst xmlns:a="http://schemas.openxmlformats.org/drawingml/2006/main" xmlns:r="http://schemas.openxmlformats.org/officeDocument/2006/relationships" xmlns:p188="http://schemas.microsoft.com/office/powerpoint/2018/8/main">
-  <p188:cm id="{FA99567E-D2E2-4117-A349-2826DF33C5CF}" authorId="{83344440-1645-F163-DD48-EE81A8C93DED}" created="2025-11-13T18:53:16.678">
-    <ac:deMkLst xmlns:ac="http://schemas.microsoft.com/office/drawing/2013/main/command">
-      <pc:docMk xmlns:pc="http://schemas.microsoft.com/office/powerpoint/2013/main/command"/>
-      <pc:sldMk xmlns:pc="http://schemas.microsoft.com/office/powerpoint/2013/main/command" cId="3394204605" sldId="258"/>
-      <ac:picMk id="3" creationId="{96FD3213-1AEE-D603-F9E2-58B952A3DA24}"/>
-    </ac:deMkLst>
-    <p188:txBody>
-      <a:bodyPr/>
-      <a:lstStyle/>
-      <a:p>
-        <a:r>
-          <a:rPr lang="en-GB"/>
-          <a:t>Low scenario, summed over everything else</a:t>
-        </a:r>
-      </a:p>
-    </p188:txBody>
-  </p188:cm>
-</p188:cmLst>
-</file>
-
-<file path=ppt/comments/modernComment_103_7C9AD750.xml><?xml version="1.0" encoding="utf-8"?>
-<p188:cmLst xmlns:a="http://schemas.openxmlformats.org/drawingml/2006/main" xmlns:r="http://schemas.openxmlformats.org/officeDocument/2006/relationships" xmlns:p188="http://schemas.microsoft.com/office/powerpoint/2018/8/main">
-  <p188:cm id="{8A7EADBB-460D-4F05-93AE-0ACD9FCF39B6}" authorId="{83344440-1645-F163-DD48-EE81A8C93DED}" created="2025-11-13T18:53:35.973">
-    <ac:deMkLst xmlns:ac="http://schemas.microsoft.com/office/drawing/2013/main/command">
-      <pc:docMk xmlns:pc="http://schemas.microsoft.com/office/powerpoint/2013/main/command"/>
-      <pc:sldMk xmlns:pc="http://schemas.microsoft.com/office/powerpoint/2013/main/command" cId="2090522448" sldId="259"/>
-      <ac:picMk id="3" creationId="{AFDB750F-6FB4-7635-C786-8FC851DAA611}"/>
-    </ac:deMkLst>
-    <p188:txBody>
-      <a:bodyPr/>
-      <a:lstStyle/>
-      <a:p>
-        <a:r>
-          <a:rPr lang="en-GB"/>
-          <a:t>2020 MFA, summed over everything else</a:t>
-        </a:r>
-      </a:p>
-    </p188:txBody>
-  </p188:cm>
-</p188:cmLst>
-</file>
-
-<file path=ppt/comments/modernComment_104_9C88742F.xml><?xml version="1.0" encoding="utf-8"?>
-<p188:cmLst xmlns:a="http://schemas.openxmlformats.org/drawingml/2006/main" xmlns:r="http://schemas.openxmlformats.org/officeDocument/2006/relationships" xmlns:p188="http://schemas.microsoft.com/office/powerpoint/2018/8/main">
-  <p188:cm id="{74147A11-01C7-4D2E-852E-992EC574BF15}" authorId="{83344440-1645-F163-DD48-EE81A8C93DED}" created="2025-11-13T18:54:00.547">
-    <ac:deMkLst xmlns:ac="http://schemas.microsoft.com/office/drawing/2013/main/command">
-      <pc:docMk xmlns:pc="http://schemas.microsoft.com/office/powerpoint/2013/main/command"/>
-      <pc:sldMk xmlns:pc="http://schemas.microsoft.com/office/powerpoint/2013/main/command" cId="2626188335" sldId="260"/>
-      <ac:picMk id="3" creationId="{1865928E-9A82-7D7F-B570-F36C38BCC06D}"/>
-    </ac:deMkLst>
-    <p188:txBody>
-      <a:bodyPr/>
-      <a:lstStyle/>
-      <a:p>
-        <a:r>
-          <a:rPr lang="en-GB"/>
-          <a:t>2035 MFA, summed over everything else</a:t>
-        </a:r>
-      </a:p>
-    </p188:txBody>
-  </p188:cm>
-</p188:cmLst>
-</file>
-
-<file path=ppt/comments/modernComment_105_5AC3AF9B.xml><?xml version="1.0" encoding="utf-8"?>
-<p188:cmLst xmlns:a="http://schemas.openxmlformats.org/drawingml/2006/main" xmlns:r="http://schemas.openxmlformats.org/officeDocument/2006/relationships" xmlns:p188="http://schemas.microsoft.com/office/powerpoint/2018/8/main">
-  <p188:cm id="{9E5C627D-3384-45DB-A3CF-B118D1900EE5}" authorId="{83344440-1645-F163-DD48-EE81A8C93DED}" created="2025-11-13T18:54:17.755">
-    <ac:deMkLst xmlns:ac="http://schemas.microsoft.com/office/drawing/2013/main/command">
-      <pc:docMk xmlns:pc="http://schemas.microsoft.com/office/powerpoint/2013/main/command"/>
-      <pc:sldMk xmlns:pc="http://schemas.microsoft.com/office/powerpoint/2013/main/command" cId="1522773915" sldId="261"/>
-      <ac:picMk id="3" creationId="{BE855E42-AACD-6673-E0BE-465336C2F697}"/>
-    </ac:deMkLst>
-    <p188:txBody>
-      <a:bodyPr/>
-      <a:lstStyle/>
-      <a:p>
-        <a:r>
-          <a:rPr lang="en-GB"/>
-          <a:t>2045 MFA, summed over everything else</a:t>
-        </a:r>
-      </a:p>
-    </p188:txBody>
-  </p188:cm>
-</p188:cmLst>
 </file>
 
 <file path=ppt/comments/modernComment_106_FDED5EF8.xml><?xml version="1.0" encoding="utf-8"?>
@@ -4846,81 +4920,252 @@
           <a:chExt cx="0" cy="0"/>
         </a:xfrm>
       </p:grpSpPr>
-      <p:pic>
-        <p:nvPicPr>
-          <p:cNvPr id="4" name="Picture 3" descr="A diagram of different colored lines&#10;&#10;AI-generated content may be incorrect.">
+      <p:grpSp>
+        <p:nvGrpSpPr>
+          <p:cNvPr id="4" name="Group 3">
             <a:extLst>
               <a:ext uri="{FF2B5EF4-FFF2-40B4-BE49-F238E27FC236}">
-                <a16:creationId xmlns:a16="http://schemas.microsoft.com/office/drawing/2014/main" id="{AE426B8B-85F5-967D-35CD-BBD724430DC3}"/>
+                <a16:creationId xmlns:a16="http://schemas.microsoft.com/office/drawing/2014/main" id="{13F15E3A-37E8-743B-AA1B-76300541C787}"/>
               </a:ext>
             </a:extLst>
           </p:cNvPr>
-          <p:cNvPicPr>
-            <a:picLocks noChangeAspect="1"/>
-          </p:cNvPicPr>
+          <p:cNvGrpSpPr/>
           <p:nvPr/>
-        </p:nvPicPr>
-        <p:blipFill>
-          <a:blip r:embed="rId3"/>
-          <a:stretch>
-            <a:fillRect/>
-          </a:stretch>
-        </p:blipFill>
-        <p:spPr>
+        </p:nvGrpSpPr>
+        <p:grpSpPr>
           <a:xfrm>
-            <a:off x="0" y="1308059"/>
-            <a:ext cx="12192000" cy="3804716"/>
+            <a:off x="0" y="996915"/>
+            <a:ext cx="7755467" cy="2432085"/>
+            <a:chOff x="0" y="991033"/>
+            <a:chExt cx="12192000" cy="4121742"/>
           </a:xfrm>
-          <a:prstGeom prst="rect">
-            <a:avLst/>
-          </a:prstGeom>
-        </p:spPr>
-      </p:pic>
-      <p:sp>
-        <p:nvSpPr>
-          <p:cNvPr id="2" name="Espace réservé du numéro de diapositive 1">
+        </p:grpSpPr>
+        <p:pic>
+          <p:nvPicPr>
+            <p:cNvPr id="2" name="Picture 1" descr="A diagram of different colored lines&#10;&#10;AI-generated content may be incorrect.">
+              <a:extLst>
+                <a:ext uri="{FF2B5EF4-FFF2-40B4-BE49-F238E27FC236}">
+                  <a16:creationId xmlns:a16="http://schemas.microsoft.com/office/drawing/2014/main" id="{D81D1CC2-7577-6177-EBB8-5163B12B4CE7}"/>
+                </a:ext>
+              </a:extLst>
+            </p:cNvPr>
+            <p:cNvPicPr>
+              <a:picLocks noChangeAspect="1"/>
+            </p:cNvPicPr>
+            <p:nvPr/>
+          </p:nvPicPr>
+          <p:blipFill>
+            <a:blip r:embed="rId2"/>
+            <a:stretch>
+              <a:fillRect/>
+            </a:stretch>
+          </p:blipFill>
+          <p:spPr>
+            <a:xfrm>
+              <a:off x="0" y="1308059"/>
+              <a:ext cx="12192000" cy="3804716"/>
+            </a:xfrm>
+            <a:prstGeom prst="rect">
+              <a:avLst/>
+            </a:prstGeom>
+          </p:spPr>
+        </p:pic>
+        <p:sp>
+          <p:nvSpPr>
+            <p:cNvPr id="3" name="TextBox 2">
+              <a:extLst>
+                <a:ext uri="{FF2B5EF4-FFF2-40B4-BE49-F238E27FC236}">
+                  <a16:creationId xmlns:a16="http://schemas.microsoft.com/office/drawing/2014/main" id="{46A6F563-9CD7-0606-E47E-DCEE73C86966}"/>
+                </a:ext>
+              </a:extLst>
+            </p:cNvPr>
+            <p:cNvSpPr txBox="1"/>
+            <p:nvPr/>
+          </p:nvSpPr>
+          <p:spPr>
+            <a:xfrm>
+              <a:off x="0" y="991033"/>
+              <a:ext cx="7519713" cy="886720"/>
+            </a:xfrm>
+            <a:prstGeom prst="rect">
+              <a:avLst/>
+            </a:prstGeom>
+            <a:solidFill>
+              <a:schemeClr val="bg1"/>
+            </a:solidFill>
+          </p:spPr>
+          <p:txBody>
+            <a:bodyPr wrap="square">
+              <a:spAutoFit/>
+            </a:bodyPr>
+            <a:lstStyle/>
+            <a:p>
+              <a:r>
+                <a:rPr lang="en-US" sz="1400" dirty="0">
+                  <a:solidFill>
+                    <a:schemeClr val="bg2">
+                      <a:lumMod val="25000"/>
+                    </a:schemeClr>
+                  </a:solidFill>
+                  <a:latin typeface="Arial Rounded MT Bold" panose="020F0704030504030204" pitchFamily="34" charset="77"/>
+                </a:rPr>
+                <a:t>PkBudg650</a:t>
+              </a:r>
+            </a:p>
+            <a:p>
+              <a:r>
+                <a:rPr lang="en-US" sz="1400" dirty="0">
+                  <a:solidFill>
+                    <a:schemeClr val="bg2">
+                      <a:lumMod val="25000"/>
+                    </a:schemeClr>
+                  </a:solidFill>
+                  <a:latin typeface="Arial Rounded MT Bold" panose="020F0704030504030204" pitchFamily="34" charset="77"/>
+                </a:rPr>
+                <a:t>Material Flow, summed over the dimensions </a:t>
+              </a:r>
+              <a:endParaRPr lang="en-US" sz="1400" noProof="0" dirty="0">
+                <a:solidFill>
+                  <a:schemeClr val="bg2">
+                    <a:lumMod val="25000"/>
+                  </a:schemeClr>
+                </a:solidFill>
+                <a:latin typeface="Arial Rounded MT Bold" panose="020F0704030504030204" pitchFamily="34" charset="77"/>
+              </a:endParaRPr>
+            </a:p>
+          </p:txBody>
+        </p:sp>
+      </p:grpSp>
+      <p:grpSp>
+        <p:nvGrpSpPr>
+          <p:cNvPr id="7" name="Group 6">
             <a:extLst>
               <a:ext uri="{FF2B5EF4-FFF2-40B4-BE49-F238E27FC236}">
-                <a16:creationId xmlns:a16="http://schemas.microsoft.com/office/drawing/2014/main" id="{A5C4411C-14CA-9CDC-4576-EED7800DE09D}"/>
+                <a16:creationId xmlns:a16="http://schemas.microsoft.com/office/drawing/2014/main" id="{C3463924-2BC4-26E8-B8B4-39517B2713B8}"/>
               </a:ext>
             </a:extLst>
           </p:cNvPr>
-          <p:cNvSpPr>
-            <a:spLocks noGrp="1"/>
-          </p:cNvSpPr>
-          <p:nvPr>
-            <p:ph type="sldNum" sz="quarter" idx="12"/>
-          </p:nvPr>
-        </p:nvSpPr>
-        <p:spPr/>
-        <p:txBody>
-          <a:bodyPr/>
-          <a:lstStyle/>
-          <a:p>
-            <a:r>
-              <a:rPr lang="fr-FR" dirty="0">
+          <p:cNvGrpSpPr/>
+          <p:nvPr/>
+        </p:nvGrpSpPr>
+        <p:grpSpPr>
+          <a:xfrm>
+            <a:off x="0" y="3429000"/>
+            <a:ext cx="7289800" cy="2787683"/>
+            <a:chOff x="0" y="1015542"/>
+            <a:chExt cx="12192000" cy="4122776"/>
+          </a:xfrm>
+        </p:grpSpPr>
+        <p:pic>
+          <p:nvPicPr>
+            <p:cNvPr id="5" name="Picture 4" descr="A diagram of different colored lines&#10;&#10;AI-generated content may be incorrect.">
+              <a:extLst>
+                <a:ext uri="{FF2B5EF4-FFF2-40B4-BE49-F238E27FC236}">
+                  <a16:creationId xmlns:a16="http://schemas.microsoft.com/office/drawing/2014/main" id="{6D752E7E-81A7-F0C1-127B-FE5694BA4D08}"/>
+                </a:ext>
+              </a:extLst>
+            </p:cNvPr>
+            <p:cNvPicPr>
+              <a:picLocks noChangeAspect="1"/>
+            </p:cNvPicPr>
+            <p:nvPr/>
+          </p:nvPicPr>
+          <p:blipFill>
+            <a:blip r:embed="rId3"/>
+            <a:stretch>
+              <a:fillRect/>
+            </a:stretch>
+          </p:blipFill>
+          <p:spPr>
+            <a:xfrm>
+              <a:off x="0" y="1333602"/>
+              <a:ext cx="12192000" cy="3804716"/>
+            </a:xfrm>
+            <a:prstGeom prst="rect">
+              <a:avLst/>
+            </a:prstGeom>
+          </p:spPr>
+        </p:pic>
+        <p:sp>
+          <p:nvSpPr>
+            <p:cNvPr id="6" name="TextBox 5">
+              <a:extLst>
+                <a:ext uri="{FF2B5EF4-FFF2-40B4-BE49-F238E27FC236}">
+                  <a16:creationId xmlns:a16="http://schemas.microsoft.com/office/drawing/2014/main" id="{EED7A297-481F-C038-7E7F-60DA7758CC41}"/>
+                </a:ext>
+              </a:extLst>
+            </p:cNvPr>
+            <p:cNvSpPr txBox="1"/>
+            <p:nvPr/>
+          </p:nvSpPr>
+          <p:spPr>
+            <a:xfrm>
+              <a:off x="275547" y="1015542"/>
+              <a:ext cx="7519713" cy="773803"/>
+            </a:xfrm>
+            <a:prstGeom prst="rect">
+              <a:avLst/>
+            </a:prstGeom>
+            <a:solidFill>
+              <a:schemeClr val="bg1"/>
+            </a:solidFill>
+          </p:spPr>
+          <p:txBody>
+            <a:bodyPr wrap="square">
+              <a:spAutoFit/>
+            </a:bodyPr>
+            <a:lstStyle/>
+            <a:p>
+              <a:r>
+                <a:rPr lang="en-US" sz="1400" dirty="0" err="1">
+                  <a:solidFill>
+                    <a:schemeClr val="bg2">
+                      <a:lumMod val="25000"/>
+                    </a:schemeClr>
+                  </a:solidFill>
+                  <a:latin typeface="Arial Rounded MT Bold" panose="020F0704030504030204" pitchFamily="34" charset="77"/>
+                </a:rPr>
+                <a:t>NPi</a:t>
+              </a:r>
+              <a:endParaRPr lang="en-US" sz="1400" dirty="0">
+                <a:solidFill>
+                  <a:schemeClr val="bg2">
+                    <a:lumMod val="25000"/>
+                  </a:schemeClr>
+                </a:solidFill>
                 <a:latin typeface="Arial Rounded MT Bold" panose="020F0704030504030204" pitchFamily="34" charset="77"/>
-              </a:rPr>
-              <a:t> | </a:t>
-            </a:r>
-            <a:fld id="{11681171-7214-0347-ABE7-0EB6FB806A12}" type="slidenum">
-              <a:rPr lang="fr-FR">
+              </a:endParaRPr>
+            </a:p>
+            <a:p>
+              <a:r>
+                <a:rPr lang="en-US" sz="1400" dirty="0">
+                  <a:solidFill>
+                    <a:schemeClr val="bg2">
+                      <a:lumMod val="25000"/>
+                    </a:schemeClr>
+                  </a:solidFill>
+                  <a:latin typeface="Arial Rounded MT Bold" panose="020F0704030504030204" pitchFamily="34" charset="77"/>
+                </a:rPr>
+                <a:t>Material Flow, summed over the dimensions </a:t>
+              </a:r>
+              <a:endParaRPr lang="en-US" sz="1400" noProof="0" dirty="0">
+                <a:solidFill>
+                  <a:schemeClr val="bg2">
+                    <a:lumMod val="25000"/>
+                  </a:schemeClr>
+                </a:solidFill>
                 <a:latin typeface="Arial Rounded MT Bold" panose="020F0704030504030204" pitchFamily="34" charset="77"/>
-              </a:rPr>
-              <a:t>11</a:t>
-            </a:fld>
-            <a:endParaRPr lang="fr-FR" dirty="0">
-              <a:latin typeface="Arial Rounded MT Bold" panose="020F0704030504030204" pitchFamily="34" charset="77"/>
-            </a:endParaRPr>
-          </a:p>
-        </p:txBody>
-      </p:sp>
+              </a:endParaRPr>
+            </a:p>
+          </p:txBody>
+        </p:sp>
+      </p:grpSp>
       <p:sp>
         <p:nvSpPr>
-          <p:cNvPr id="7" name="TextBox 6">
+          <p:cNvPr id="8" name="TextBox 7">
             <a:extLst>
               <a:ext uri="{FF2B5EF4-FFF2-40B4-BE49-F238E27FC236}">
-                <a16:creationId xmlns:a16="http://schemas.microsoft.com/office/drawing/2014/main" id="{9DBA1C52-DD10-6B06-AF85-FEF70BE75194}"/>
+                <a16:creationId xmlns:a16="http://schemas.microsoft.com/office/drawing/2014/main" id="{84AA6083-BE9E-27C9-A0AC-2EB0544765C7}"/>
               </a:ext>
             </a:extLst>
           </p:cNvPr>
@@ -4929,8 +5174,8 @@
         </p:nvSpPr>
         <p:spPr>
           <a:xfrm>
-            <a:off x="173946" y="1005382"/>
-            <a:ext cx="7519713" cy="830997"/>
+            <a:off x="6878819" y="4690534"/>
+            <a:ext cx="3577513" cy="307777"/>
           </a:xfrm>
           <a:prstGeom prst="rect">
             <a:avLst/>
@@ -4945,8 +5190,12 @@
           </a:bodyPr>
           <a:lstStyle/>
           <a:p>
+            <a:pPr marL="285750" indent="-285750">
+              <a:buFont typeface="Arial" panose="020B0604020202020204" pitchFamily="34" charset="0"/>
+              <a:buChar char="•"/>
+            </a:pPr>
             <a:r>
-              <a:rPr lang="en-US" sz="2400" dirty="0">
+              <a:rPr lang="en-US" sz="1400" dirty="0">
                 <a:solidFill>
                   <a:schemeClr val="bg2">
                     <a:lumMod val="25000"/>
@@ -4954,12 +5203,55 @@
                 </a:solidFill>
                 <a:latin typeface="Arial Rounded MT Bold" panose="020F0704030504030204" pitchFamily="34" charset="77"/>
               </a:rPr>
-              <a:t>PkBudg650</a:t>
+              <a:t>No irrigation use</a:t>
             </a:r>
-          </a:p>
-          <a:p>
+            <a:endParaRPr lang="en-US" sz="1400" noProof="0" dirty="0">
+              <a:solidFill>
+                <a:schemeClr val="bg2">
+                  <a:lumMod val="25000"/>
+                </a:schemeClr>
+              </a:solidFill>
+              <a:latin typeface="Arial Rounded MT Bold" panose="020F0704030504030204" pitchFamily="34" charset="77"/>
+            </a:endParaRPr>
+          </a:p>
+        </p:txBody>
+      </p:sp>
+      <p:sp>
+        <p:nvSpPr>
+          <p:cNvPr id="9" name="TextBox 8">
+            <a:extLst>
+              <a:ext uri="{FF2B5EF4-FFF2-40B4-BE49-F238E27FC236}">
+                <a16:creationId xmlns:a16="http://schemas.microsoft.com/office/drawing/2014/main" id="{53641335-D01B-0C21-4F2B-800FE29056F0}"/>
+              </a:ext>
+            </a:extLst>
+          </p:cNvPr>
+          <p:cNvSpPr txBox="1"/>
+          <p:nvPr/>
+        </p:nvSpPr>
+        <p:spPr>
+          <a:xfrm>
+            <a:off x="6878818" y="1998713"/>
+            <a:ext cx="3577513" cy="738664"/>
+          </a:xfrm>
+          <a:prstGeom prst="rect">
+            <a:avLst/>
+          </a:prstGeom>
+          <a:solidFill>
+            <a:schemeClr val="bg1"/>
+          </a:solidFill>
+        </p:spPr>
+        <p:txBody>
+          <a:bodyPr wrap="square">
+            <a:spAutoFit/>
+          </a:bodyPr>
+          <a:lstStyle/>
+          <a:p>
+            <a:pPr marL="285750" indent="-285750">
+              <a:buFont typeface="Arial" panose="020B0604020202020204" pitchFamily="34" charset="0"/>
+              <a:buChar char="•"/>
+            </a:pPr>
             <a:r>
-              <a:rPr lang="en-US" sz="2400" dirty="0">
+              <a:rPr lang="en-US" sz="1400" dirty="0">
                 <a:solidFill>
                   <a:schemeClr val="bg2">
                     <a:lumMod val="25000"/>
@@ -4967,9 +5259,9 @@
                 </a:solidFill>
                 <a:latin typeface="Arial Rounded MT Bold" panose="020F0704030504030204" pitchFamily="34" charset="77"/>
               </a:rPr>
-              <a:t>Material Flow, summed over the dimensions </a:t>
+              <a:t>More transfer from the decentralized treatment to the water discharge</a:t>
             </a:r>
-            <a:endParaRPr lang="en-US" sz="2400" noProof="0" dirty="0">
+            <a:endParaRPr lang="en-US" sz="1400" noProof="0" dirty="0">
               <a:solidFill>
                 <a:schemeClr val="bg2">
                   <a:lumMod val="25000"/>
@@ -4983,18 +5275,13 @@
     </p:spTree>
     <p:extLst>
       <p:ext uri="{BB962C8B-B14F-4D97-AF65-F5344CB8AC3E}">
-        <p14:creationId xmlns:p14="http://schemas.microsoft.com/office/powerpoint/2010/main" val="100667412"/>
+        <p14:creationId xmlns:p14="http://schemas.microsoft.com/office/powerpoint/2010/main" val="1165766241"/>
       </p:ext>
     </p:extLst>
   </p:cSld>
   <p:clrMapOvr>
     <a:masterClrMapping/>
   </p:clrMapOvr>
-  <p:extLst>
-    <p:ext uri="{6950BFC3-D8DA-4A85-94F7-54DA5524770B}">
-      <p188:commentRel xmlns:p188="http://schemas.microsoft.com/office/powerpoint/2018/8/main" r:id="rId2"/>
-    </p:ext>
-  </p:extLst>
 </p:sld>
 </file>
 
@@ -5017,10 +5304,10 @@
       </p:grpSpPr>
       <p:pic>
         <p:nvPicPr>
-          <p:cNvPr id="5" name="Picture 4" descr="A diagram of different colored lines&#10;&#10;AI-generated content may be incorrect.">
+          <p:cNvPr id="2" name="Image 3">
             <a:extLst>
               <a:ext uri="{FF2B5EF4-FFF2-40B4-BE49-F238E27FC236}">
-                <a16:creationId xmlns:a16="http://schemas.microsoft.com/office/drawing/2014/main" id="{84336198-50EF-FFE0-DCAE-709610CF0A21}"/>
+                <a16:creationId xmlns:a16="http://schemas.microsoft.com/office/drawing/2014/main" id="{04D5BB29-0570-0E8B-EF7A-BEF7E3527FC8}"/>
               </a:ext>
             </a:extLst>
           </p:cNvPr>
@@ -5030,15 +5317,15 @@
           <p:nvPr/>
         </p:nvPicPr>
         <p:blipFill>
-          <a:blip r:embed="rId3"/>
+          <a:blip r:embed="rId2"/>
           <a:stretch>
             <a:fillRect/>
           </a:stretch>
         </p:blipFill>
         <p:spPr>
           <a:xfrm>
-            <a:off x="0" y="1333602"/>
-            <a:ext cx="12192000" cy="3804716"/>
+            <a:off x="0" y="1102750"/>
+            <a:ext cx="7878232" cy="2326250"/>
           </a:xfrm>
           <a:prstGeom prst="rect">
             <a:avLst/>
@@ -5047,10 +5334,10 @@
       </p:pic>
       <p:sp>
         <p:nvSpPr>
-          <p:cNvPr id="2" name="TextBox 1">
+          <p:cNvPr id="3" name="TextBox 2">
             <a:extLst>
               <a:ext uri="{FF2B5EF4-FFF2-40B4-BE49-F238E27FC236}">
-                <a16:creationId xmlns:a16="http://schemas.microsoft.com/office/drawing/2014/main" id="{EC2310DC-00E0-1304-5DD6-1131E9D81E5F}"/>
+                <a16:creationId xmlns:a16="http://schemas.microsoft.com/office/drawing/2014/main" id="{14AAC288-C695-333D-DC55-1830CCD9F11C}"/>
               </a:ext>
             </a:extLst>
           </p:cNvPr>
@@ -5059,8 +5346,8 @@
         </p:nvSpPr>
         <p:spPr>
           <a:xfrm>
-            <a:off x="275546" y="1015542"/>
-            <a:ext cx="7519713" cy="830997"/>
+            <a:off x="265386" y="964742"/>
+            <a:ext cx="7519713" cy="523220"/>
           </a:xfrm>
           <a:prstGeom prst="rect">
             <a:avLst/>
@@ -5076,7 +5363,7 @@
           <a:lstStyle/>
           <a:p>
             <a:r>
-              <a:rPr lang="en-US" sz="2400" dirty="0" err="1">
+              <a:rPr lang="en-US" sz="1400" dirty="0">
                 <a:solidFill>
                   <a:schemeClr val="bg2">
                     <a:lumMod val="25000"/>
@@ -5084,20 +5371,12 @@
                 </a:solidFill>
                 <a:latin typeface="Arial Rounded MT Bold" panose="020F0704030504030204" pitchFamily="34" charset="77"/>
               </a:rPr>
-              <a:t>NPi</a:t>
+              <a:t>2020 </a:t>
             </a:r>
-            <a:endParaRPr lang="en-US" sz="2400" dirty="0">
-              <a:solidFill>
-                <a:schemeClr val="bg2">
-                  <a:lumMod val="25000"/>
-                </a:schemeClr>
-              </a:solidFill>
-              <a:latin typeface="Arial Rounded MT Bold" panose="020F0704030504030204" pitchFamily="34" charset="77"/>
-            </a:endParaRPr>
           </a:p>
           <a:p>
             <a:r>
-              <a:rPr lang="en-US" sz="2400" dirty="0">
+              <a:rPr lang="en-US" sz="1400" dirty="0">
                 <a:solidFill>
                   <a:schemeClr val="bg2">
                     <a:lumMod val="25000"/>
@@ -5107,7 +5386,7 @@
               </a:rPr>
               <a:t>Material Flow, summed over the dimensions </a:t>
             </a:r>
-            <a:endParaRPr lang="en-US" sz="2400" noProof="0" dirty="0">
+            <a:endParaRPr lang="en-US" sz="1400" noProof="0" dirty="0">
               <a:solidFill>
                 <a:schemeClr val="bg2">
                   <a:lumMod val="25000"/>
@@ -5118,77 +5397,128 @@
           </a:p>
         </p:txBody>
       </p:sp>
-    </p:spTree>
-    <p:extLst>
-      <p:ext uri="{BB962C8B-B14F-4D97-AF65-F5344CB8AC3E}">
-        <p14:creationId xmlns:p14="http://schemas.microsoft.com/office/powerpoint/2010/main" val="3394204605"/>
-      </p:ext>
-    </p:extLst>
-  </p:cSld>
-  <p:clrMapOvr>
-    <a:masterClrMapping/>
-  </p:clrMapOvr>
-  <p:extLst>
-    <p:ext uri="{6950BFC3-D8DA-4A85-94F7-54DA5524770B}">
-      <p188:commentRel xmlns:p188="http://schemas.microsoft.com/office/powerpoint/2018/8/main" r:id="rId2"/>
-    </p:ext>
-  </p:extLst>
-</p:sld>
-</file>
-
-<file path=ppt/slides/slide13.xml><?xml version="1.0" encoding="utf-8"?>
-<p:sld xmlns:a="http://schemas.openxmlformats.org/drawingml/2006/main" xmlns:r="http://schemas.openxmlformats.org/officeDocument/2006/relationships" xmlns:p="http://schemas.openxmlformats.org/presentationml/2006/main">
-  <p:cSld>
-    <p:spTree>
-      <p:nvGrpSpPr>
-        <p:cNvPr id="1" name=""/>
-        <p:cNvGrpSpPr/>
-        <p:nvPr/>
-      </p:nvGrpSpPr>
-      <p:grpSpPr>
-        <a:xfrm>
-          <a:off x="0" y="0"/>
-          <a:ext cx="0" cy="0"/>
-          <a:chOff x="0" y="0"/>
-          <a:chExt cx="0" cy="0"/>
-        </a:xfrm>
-      </p:grpSpPr>
-      <p:pic>
-        <p:nvPicPr>
-          <p:cNvPr id="4" name="Image 3">
+      <p:grpSp>
+        <p:nvGrpSpPr>
+          <p:cNvPr id="6" name="Group 5">
             <a:extLst>
               <a:ext uri="{FF2B5EF4-FFF2-40B4-BE49-F238E27FC236}">
-                <a16:creationId xmlns:a16="http://schemas.microsoft.com/office/drawing/2014/main" id="{29745990-553C-14C4-C7E3-6C43485CEF8F}"/>
+                <a16:creationId xmlns:a16="http://schemas.microsoft.com/office/drawing/2014/main" id="{9F4B721B-1728-BC2A-167D-22CE1096E843}"/>
               </a:ext>
             </a:extLst>
           </p:cNvPr>
-          <p:cNvPicPr>
-            <a:picLocks noChangeAspect="1"/>
-          </p:cNvPicPr>
+          <p:cNvGrpSpPr/>
           <p:nvPr/>
-        </p:nvPicPr>
-        <p:blipFill>
-          <a:blip r:embed="rId3"/>
-          <a:stretch>
-            <a:fillRect/>
-          </a:stretch>
-        </p:blipFill>
-        <p:spPr>
+        </p:nvGrpSpPr>
+        <p:grpSpPr>
           <a:xfrm>
-            <a:off x="0" y="1238742"/>
-            <a:ext cx="12192000" cy="3600000"/>
+            <a:off x="152400" y="3428999"/>
+            <a:ext cx="7878232" cy="2698784"/>
+            <a:chOff x="93133" y="3107747"/>
+            <a:chExt cx="12192000" cy="3750253"/>
           </a:xfrm>
-          <a:prstGeom prst="rect">
-            <a:avLst/>
-          </a:prstGeom>
-        </p:spPr>
-      </p:pic>
+        </p:grpSpPr>
+        <p:pic>
+          <p:nvPicPr>
+            <p:cNvPr id="4" name="Image 3">
+              <a:extLst>
+                <a:ext uri="{FF2B5EF4-FFF2-40B4-BE49-F238E27FC236}">
+                  <a16:creationId xmlns:a16="http://schemas.microsoft.com/office/drawing/2014/main" id="{E4C3CB1A-D15E-4635-FB14-F9EC124CEE01}"/>
+                </a:ext>
+              </a:extLst>
+            </p:cNvPr>
+            <p:cNvPicPr>
+              <a:picLocks noChangeAspect="1"/>
+            </p:cNvPicPr>
+            <p:nvPr/>
+          </p:nvPicPr>
+          <p:blipFill>
+            <a:blip r:embed="rId3"/>
+            <a:stretch>
+              <a:fillRect/>
+            </a:stretch>
+          </p:blipFill>
+          <p:spPr>
+            <a:xfrm>
+              <a:off x="93133" y="3258000"/>
+              <a:ext cx="12192000" cy="3600000"/>
+            </a:xfrm>
+            <a:prstGeom prst="rect">
+              <a:avLst/>
+            </a:prstGeom>
+          </p:spPr>
+        </p:pic>
+        <p:sp>
+          <p:nvSpPr>
+            <p:cNvPr id="5" name="TextBox 4">
+              <a:extLst>
+                <a:ext uri="{FF2B5EF4-FFF2-40B4-BE49-F238E27FC236}">
+                  <a16:creationId xmlns:a16="http://schemas.microsoft.com/office/drawing/2014/main" id="{DF55796F-071D-62EA-5763-CB767C50ABEB}"/>
+                </a:ext>
+              </a:extLst>
+            </p:cNvPr>
+            <p:cNvSpPr txBox="1"/>
+            <p:nvPr/>
+          </p:nvSpPr>
+          <p:spPr>
+            <a:xfrm>
+              <a:off x="371622" y="3107747"/>
+              <a:ext cx="7519714" cy="727071"/>
+            </a:xfrm>
+            <a:prstGeom prst="rect">
+              <a:avLst/>
+            </a:prstGeom>
+            <a:solidFill>
+              <a:schemeClr val="bg1"/>
+            </a:solidFill>
+          </p:spPr>
+          <p:txBody>
+            <a:bodyPr wrap="square">
+              <a:spAutoFit/>
+            </a:bodyPr>
+            <a:lstStyle/>
+            <a:p>
+              <a:r>
+                <a:rPr lang="en-US" sz="1400" dirty="0">
+                  <a:solidFill>
+                    <a:schemeClr val="bg2">
+                      <a:lumMod val="25000"/>
+                    </a:schemeClr>
+                  </a:solidFill>
+                  <a:latin typeface="Arial Rounded MT Bold" panose="020F0704030504030204" pitchFamily="34" charset="77"/>
+                </a:rPr>
+                <a:t>2045 </a:t>
+              </a:r>
+            </a:p>
+            <a:p>
+              <a:r>
+                <a:rPr lang="en-US" sz="1400" dirty="0">
+                  <a:solidFill>
+                    <a:schemeClr val="bg2">
+                      <a:lumMod val="25000"/>
+                    </a:schemeClr>
+                  </a:solidFill>
+                  <a:latin typeface="Arial Rounded MT Bold" panose="020F0704030504030204" pitchFamily="34" charset="77"/>
+                </a:rPr>
+                <a:t>Material Flow, summed over the dimensions </a:t>
+              </a:r>
+              <a:endParaRPr lang="en-US" sz="1400" noProof="0" dirty="0">
+                <a:solidFill>
+                  <a:schemeClr val="bg2">
+                    <a:lumMod val="25000"/>
+                  </a:schemeClr>
+                </a:solidFill>
+                <a:latin typeface="Arial Rounded MT Bold" panose="020F0704030504030204" pitchFamily="34" charset="77"/>
+              </a:endParaRPr>
+            </a:p>
+          </p:txBody>
+        </p:sp>
+      </p:grpSp>
       <p:sp>
         <p:nvSpPr>
-          <p:cNvPr id="2" name="TextBox 1">
+          <p:cNvPr id="7" name="TextBox 6">
             <a:extLst>
               <a:ext uri="{FF2B5EF4-FFF2-40B4-BE49-F238E27FC236}">
-                <a16:creationId xmlns:a16="http://schemas.microsoft.com/office/drawing/2014/main" id="{1CBC0978-77A7-FE59-A2F0-00F6723AC64D}"/>
+                <a16:creationId xmlns:a16="http://schemas.microsoft.com/office/drawing/2014/main" id="{E0AFE446-49B2-DC0C-D125-3743F1402677}"/>
               </a:ext>
             </a:extLst>
           </p:cNvPr>
@@ -5197,8 +5527,8 @@
         </p:nvSpPr>
         <p:spPr>
           <a:xfrm>
-            <a:off x="265386" y="964742"/>
-            <a:ext cx="7519713" cy="830997"/>
+            <a:off x="7785099" y="3802722"/>
+            <a:ext cx="3577513" cy="1815882"/>
           </a:xfrm>
           <a:prstGeom prst="rect">
             <a:avLst/>
@@ -5213,8 +5543,12 @@
           </a:bodyPr>
           <a:lstStyle/>
           <a:p>
+            <a:pPr marL="285750" indent="-285750">
+              <a:buFont typeface="Arial" panose="020B0604020202020204" pitchFamily="34" charset="0"/>
+              <a:buChar char="•"/>
+            </a:pPr>
             <a:r>
-              <a:rPr lang="en-US" sz="2400" dirty="0">
+              <a:rPr lang="en-US" sz="1400" dirty="0">
                 <a:solidFill>
                   <a:schemeClr val="bg2">
                     <a:lumMod val="25000"/>
@@ -5222,12 +5556,30 @@
                 </a:solidFill>
                 <a:latin typeface="Arial Rounded MT Bold" panose="020F0704030504030204" pitchFamily="34" charset="77"/>
               </a:rPr>
-              <a:t>2020 </a:t>
+              <a:t>Globally less quantity, from population loss</a:t>
             </a:r>
           </a:p>
           <a:p>
+            <a:pPr marL="285750" indent="-285750">
+              <a:buFont typeface="Arial" panose="020B0604020202020204" pitchFamily="34" charset="0"/>
+              <a:buChar char="•"/>
+            </a:pPr>
+            <a:endParaRPr lang="en-US" sz="1400" dirty="0">
+              <a:solidFill>
+                <a:schemeClr val="bg2">
+                  <a:lumMod val="25000"/>
+                </a:schemeClr>
+              </a:solidFill>
+              <a:latin typeface="Arial Rounded MT Bold" panose="020F0704030504030204" pitchFamily="34" charset="77"/>
+            </a:endParaRPr>
+          </a:p>
+          <a:p>
+            <a:pPr marL="285750" indent="-285750">
+              <a:buFont typeface="Arial" panose="020B0604020202020204" pitchFamily="34" charset="0"/>
+              <a:buChar char="•"/>
+            </a:pPr>
             <a:r>
-              <a:rPr lang="en-US" sz="2400" dirty="0">
+              <a:rPr lang="en-US" sz="1400" noProof="0" dirty="0">
                 <a:solidFill>
                   <a:schemeClr val="bg2">
                     <a:lumMod val="25000"/>
@@ -5235,9 +5587,37 @@
                 </a:solidFill>
                 <a:latin typeface="Arial Rounded MT Bold" panose="020F0704030504030204" pitchFamily="34" charset="77"/>
               </a:rPr>
-              <a:t>Material Flow, summed over the dimensions </a:t>
+              <a:t>Irr</a:t>
             </a:r>
-            <a:endParaRPr lang="en-US" sz="2400" noProof="0" dirty="0">
+            <a:r>
+              <a:rPr lang="en-US" sz="1400" dirty="0" err="1">
+                <a:solidFill>
+                  <a:schemeClr val="bg2">
+                    <a:lumMod val="25000"/>
+                  </a:schemeClr>
+                </a:solidFill>
+                <a:latin typeface="Arial Rounded MT Bold" panose="020F0704030504030204" pitchFamily="34" charset="77"/>
+              </a:rPr>
+              <a:t>igation</a:t>
+            </a:r>
+            <a:r>
+              <a:rPr lang="en-US" sz="1400" dirty="0">
+                <a:solidFill>
+                  <a:schemeClr val="bg2">
+                    <a:lumMod val="25000"/>
+                  </a:schemeClr>
+                </a:solidFill>
+                <a:latin typeface="Arial Rounded MT Bold" panose="020F0704030504030204" pitchFamily="34" charset="77"/>
+              </a:rPr>
+              <a:t> use</a:t>
+            </a:r>
+          </a:p>
+          <a:p>
+            <a:pPr marL="285750" indent="-285750">
+              <a:buFont typeface="Arial" panose="020B0604020202020204" pitchFamily="34" charset="0"/>
+              <a:buChar char="•"/>
+            </a:pPr>
+            <a:endParaRPr lang="en-US" sz="1400" dirty="0">
               <a:solidFill>
                 <a:schemeClr val="bg2">
                   <a:lumMod val="25000"/>
@@ -5246,105 +5626,13 @@
               <a:latin typeface="Arial Rounded MT Bold" panose="020F0704030504030204" pitchFamily="34" charset="77"/>
             </a:endParaRPr>
           </a:p>
-        </p:txBody>
-      </p:sp>
-    </p:spTree>
-    <p:extLst>
-      <p:ext uri="{BB962C8B-B14F-4D97-AF65-F5344CB8AC3E}">
-        <p14:creationId xmlns:p14="http://schemas.microsoft.com/office/powerpoint/2010/main" val="2090522448"/>
-      </p:ext>
-    </p:extLst>
-  </p:cSld>
-  <p:clrMapOvr>
-    <a:masterClrMapping/>
-  </p:clrMapOvr>
-  <p:extLst>
-    <p:ext uri="{6950BFC3-D8DA-4A85-94F7-54DA5524770B}">
-      <p188:commentRel xmlns:p188="http://schemas.microsoft.com/office/powerpoint/2018/8/main" r:id="rId2"/>
-    </p:ext>
-  </p:extLst>
-</p:sld>
-</file>
-
-<file path=ppt/slides/slide14.xml><?xml version="1.0" encoding="utf-8"?>
-<p:sld xmlns:a="http://schemas.openxmlformats.org/drawingml/2006/main" xmlns:r="http://schemas.openxmlformats.org/officeDocument/2006/relationships" xmlns:p="http://schemas.openxmlformats.org/presentationml/2006/main">
-  <p:cSld>
-    <p:spTree>
-      <p:nvGrpSpPr>
-        <p:cNvPr id="1" name=""/>
-        <p:cNvGrpSpPr/>
-        <p:nvPr/>
-      </p:nvGrpSpPr>
-      <p:grpSpPr>
-        <a:xfrm>
-          <a:off x="0" y="0"/>
-          <a:ext cx="0" cy="0"/>
-          <a:chOff x="0" y="0"/>
-          <a:chExt cx="0" cy="0"/>
-        </a:xfrm>
-      </p:grpSpPr>
-      <p:pic>
-        <p:nvPicPr>
-          <p:cNvPr id="4" name="Image 3">
-            <a:extLst>
-              <a:ext uri="{FF2B5EF4-FFF2-40B4-BE49-F238E27FC236}">
-                <a16:creationId xmlns:a16="http://schemas.microsoft.com/office/drawing/2014/main" id="{4DA1CC83-5206-BE58-0F46-E2A8C0090B1E}"/>
-              </a:ext>
-            </a:extLst>
-          </p:cNvPr>
-          <p:cNvPicPr>
-            <a:picLocks noChangeAspect="1"/>
-          </p:cNvPicPr>
-          <p:nvPr/>
-        </p:nvPicPr>
-        <p:blipFill>
-          <a:blip r:embed="rId3"/>
-          <a:stretch>
-            <a:fillRect/>
-          </a:stretch>
-        </p:blipFill>
-        <p:spPr>
-          <a:xfrm>
-            <a:off x="139042" y="1278640"/>
-            <a:ext cx="12052958" cy="3600000"/>
-          </a:xfrm>
-          <a:prstGeom prst="rect">
-            <a:avLst/>
-          </a:prstGeom>
-        </p:spPr>
-      </p:pic>
-      <p:sp>
-        <p:nvSpPr>
-          <p:cNvPr id="2" name="TextBox 1">
-            <a:extLst>
-              <a:ext uri="{FF2B5EF4-FFF2-40B4-BE49-F238E27FC236}">
-                <a16:creationId xmlns:a16="http://schemas.microsoft.com/office/drawing/2014/main" id="{E432E2A6-AC35-8DCE-9CC4-CAD9DFB7EFA5}"/>
-              </a:ext>
-            </a:extLst>
-          </p:cNvPr>
-          <p:cNvSpPr txBox="1"/>
-          <p:nvPr/>
-        </p:nvSpPr>
-        <p:spPr>
-          <a:xfrm>
-            <a:off x="293961" y="964742"/>
-            <a:ext cx="7519713" cy="830997"/>
-          </a:xfrm>
-          <a:prstGeom prst="rect">
-            <a:avLst/>
-          </a:prstGeom>
-          <a:solidFill>
-            <a:schemeClr val="bg1"/>
-          </a:solidFill>
-        </p:spPr>
-        <p:txBody>
-          <a:bodyPr wrap="square">
-            <a:spAutoFit/>
-          </a:bodyPr>
-          <a:lstStyle/>
-          <a:p>
+          <a:p>
+            <a:pPr marL="285750" indent="-285750">
+              <a:buFont typeface="Arial" panose="020B0604020202020204" pitchFamily="34" charset="0"/>
+              <a:buChar char="•"/>
+            </a:pPr>
             <a:r>
-              <a:rPr lang="en-US" sz="2400" dirty="0">
+              <a:rPr lang="en-US" sz="1400" dirty="0">
                 <a:solidFill>
                   <a:schemeClr val="bg2">
                     <a:lumMod val="25000"/>
@@ -5352,177 +5640,21 @@
                 </a:solidFill>
                 <a:latin typeface="Arial Rounded MT Bold" panose="020F0704030504030204" pitchFamily="34" charset="77"/>
               </a:rPr>
-              <a:t>2035 </a:t>
+              <a:t>More transfer from the decentralized treatment to the water discharge</a:t>
             </a:r>
-          </a:p>
-          <a:p>
-            <a:r>
-              <a:rPr lang="en-US" sz="2400" dirty="0">
-                <a:solidFill>
-                  <a:schemeClr val="bg2">
-                    <a:lumMod val="25000"/>
-                  </a:schemeClr>
-                </a:solidFill>
-                <a:latin typeface="Arial Rounded MT Bold" panose="020F0704030504030204" pitchFamily="34" charset="77"/>
-              </a:rPr>
-              <a:t>Material Flow, summed over the dimensions </a:t>
-            </a:r>
-            <a:endParaRPr lang="en-US" sz="2400" noProof="0" dirty="0">
-              <a:solidFill>
-                <a:schemeClr val="bg2">
-                  <a:lumMod val="25000"/>
-                </a:schemeClr>
-              </a:solidFill>
-              <a:latin typeface="Arial Rounded MT Bold" panose="020F0704030504030204" pitchFamily="34" charset="77"/>
-            </a:endParaRPr>
           </a:p>
         </p:txBody>
       </p:sp>
     </p:spTree>
     <p:extLst>
       <p:ext uri="{BB962C8B-B14F-4D97-AF65-F5344CB8AC3E}">
-        <p14:creationId xmlns:p14="http://schemas.microsoft.com/office/powerpoint/2010/main" val="2626188335"/>
+        <p14:creationId xmlns:p14="http://schemas.microsoft.com/office/powerpoint/2010/main" val="1142133561"/>
       </p:ext>
     </p:extLst>
   </p:cSld>
   <p:clrMapOvr>
     <a:masterClrMapping/>
   </p:clrMapOvr>
-  <p:extLst>
-    <p:ext uri="{6950BFC3-D8DA-4A85-94F7-54DA5524770B}">
-      <p188:commentRel xmlns:p188="http://schemas.microsoft.com/office/powerpoint/2018/8/main" r:id="rId2"/>
-    </p:ext>
-  </p:extLst>
-</p:sld>
-</file>
-
-<file path=ppt/slides/slide15.xml><?xml version="1.0" encoding="utf-8"?>
-<p:sld xmlns:a="http://schemas.openxmlformats.org/drawingml/2006/main" xmlns:r="http://schemas.openxmlformats.org/officeDocument/2006/relationships" xmlns:p="http://schemas.openxmlformats.org/presentationml/2006/main">
-  <p:cSld>
-    <p:spTree>
-      <p:nvGrpSpPr>
-        <p:cNvPr id="1" name=""/>
-        <p:cNvGrpSpPr/>
-        <p:nvPr/>
-      </p:nvGrpSpPr>
-      <p:grpSpPr>
-        <a:xfrm>
-          <a:off x="0" y="0"/>
-          <a:ext cx="0" cy="0"/>
-          <a:chOff x="0" y="0"/>
-          <a:chExt cx="0" cy="0"/>
-        </a:xfrm>
-      </p:grpSpPr>
-      <p:pic>
-        <p:nvPicPr>
-          <p:cNvPr id="4" name="Image 3">
-            <a:extLst>
-              <a:ext uri="{FF2B5EF4-FFF2-40B4-BE49-F238E27FC236}">
-                <a16:creationId xmlns:a16="http://schemas.microsoft.com/office/drawing/2014/main" id="{79A87C96-10A6-E4D8-FEBF-DE309B80E2E3}"/>
-              </a:ext>
-            </a:extLst>
-          </p:cNvPr>
-          <p:cNvPicPr>
-            <a:picLocks noChangeAspect="1"/>
-          </p:cNvPicPr>
-          <p:nvPr/>
-        </p:nvPicPr>
-        <p:blipFill>
-          <a:blip r:embed="rId3"/>
-          <a:stretch>
-            <a:fillRect/>
-          </a:stretch>
-        </p:blipFill>
-        <p:spPr>
-          <a:xfrm>
-            <a:off x="0" y="1297899"/>
-            <a:ext cx="12192000" cy="3600000"/>
-          </a:xfrm>
-          <a:prstGeom prst="rect">
-            <a:avLst/>
-          </a:prstGeom>
-        </p:spPr>
-      </p:pic>
-      <p:sp>
-        <p:nvSpPr>
-          <p:cNvPr id="2" name="TextBox 1">
-            <a:extLst>
-              <a:ext uri="{FF2B5EF4-FFF2-40B4-BE49-F238E27FC236}">
-                <a16:creationId xmlns:a16="http://schemas.microsoft.com/office/drawing/2014/main" id="{35326718-3575-5641-B71D-7EF28457C227}"/>
-              </a:ext>
-            </a:extLst>
-          </p:cNvPr>
-          <p:cNvSpPr txBox="1"/>
-          <p:nvPr/>
-        </p:nvSpPr>
-        <p:spPr>
-          <a:xfrm>
-            <a:off x="265386" y="964742"/>
-            <a:ext cx="7519713" cy="830997"/>
-          </a:xfrm>
-          <a:prstGeom prst="rect">
-            <a:avLst/>
-          </a:prstGeom>
-          <a:solidFill>
-            <a:schemeClr val="bg1"/>
-          </a:solidFill>
-        </p:spPr>
-        <p:txBody>
-          <a:bodyPr wrap="square">
-            <a:spAutoFit/>
-          </a:bodyPr>
-          <a:lstStyle/>
-          <a:p>
-            <a:r>
-              <a:rPr lang="en-US" sz="2400" dirty="0">
-                <a:solidFill>
-                  <a:schemeClr val="bg2">
-                    <a:lumMod val="25000"/>
-                  </a:schemeClr>
-                </a:solidFill>
-                <a:latin typeface="Arial Rounded MT Bold" panose="020F0704030504030204" pitchFamily="34" charset="77"/>
-              </a:rPr>
-              <a:t>2045 </a:t>
-            </a:r>
-          </a:p>
-          <a:p>
-            <a:r>
-              <a:rPr lang="en-US" sz="2400" dirty="0">
-                <a:solidFill>
-                  <a:schemeClr val="bg2">
-                    <a:lumMod val="25000"/>
-                  </a:schemeClr>
-                </a:solidFill>
-                <a:latin typeface="Arial Rounded MT Bold" panose="020F0704030504030204" pitchFamily="34" charset="77"/>
-              </a:rPr>
-              <a:t>Material Flow, summed over the dimensions </a:t>
-            </a:r>
-            <a:endParaRPr lang="en-US" sz="2400" noProof="0" dirty="0">
-              <a:solidFill>
-                <a:schemeClr val="bg2">
-                  <a:lumMod val="25000"/>
-                </a:schemeClr>
-              </a:solidFill>
-              <a:latin typeface="Arial Rounded MT Bold" panose="020F0704030504030204" pitchFamily="34" charset="77"/>
-            </a:endParaRPr>
-          </a:p>
-        </p:txBody>
-      </p:sp>
-    </p:spTree>
-    <p:extLst>
-      <p:ext uri="{BB962C8B-B14F-4D97-AF65-F5344CB8AC3E}">
-        <p14:creationId xmlns:p14="http://schemas.microsoft.com/office/powerpoint/2010/main" val="1522773915"/>
-      </p:ext>
-    </p:extLst>
-  </p:cSld>
-  <p:clrMapOvr>
-    <a:masterClrMapping/>
-  </p:clrMapOvr>
-  <p:extLst>
-    <p:ext uri="{6950BFC3-D8DA-4A85-94F7-54DA5524770B}">
-      <p188:commentRel xmlns:p188="http://schemas.microsoft.com/office/powerpoint/2018/8/main" r:id="rId2"/>
-    </p:ext>
-  </p:extLst>
 </p:sld>
 </file>
 
@@ -5911,7 +6043,7 @@
               <a:rPr lang="en-IE" sz="2800" dirty="0">
                 <a:latin typeface="+mj-lt"/>
               </a:rPr>
-              <a:t>Obtain the future environmental impact of different wastewater treatment technologies by integrating MFA and prospective LCA approaches.</a:t>
+              <a:t>Assess the future environmental impact of different wastewater treatment technologies in Germany by integrating MFA and prospective LCA approaches</a:t>
             </a:r>
           </a:p>
           <a:p>
@@ -5925,21 +6057,15 @@
           </a:p>
           <a:p>
             <a:pPr marL="457200" indent="-457200">
-              <a:buFont typeface="Arial" panose="020B0604020202020204" pitchFamily="34" charset="0"/>
-              <a:buChar char="•"/>
+              <a:buFont typeface="Wingdings" panose="05000000000000000000" pitchFamily="2" charset="2"/>
+              <a:buChar char="ü"/>
             </a:pPr>
-            <a:endParaRPr lang="en-IE" sz="2800" dirty="0">
-              <a:latin typeface="+mj-lt"/>
-            </a:endParaRPr>
-          </a:p>
-          <a:p>
-            <a:pPr marL="457200" indent="-457200">
-              <a:buFont typeface="Arial" panose="020B0604020202020204" pitchFamily="34" charset="0"/>
-              <a:buChar char="•"/>
-            </a:pPr>
-            <a:endParaRPr lang="en-IE" sz="2800" dirty="0">
-              <a:latin typeface="+mj-lt"/>
-            </a:endParaRPr>
+            <a:r>
+              <a:rPr lang="en-IE" sz="2800" dirty="0">
+                <a:latin typeface="+mj-lt"/>
+              </a:rPr>
+              <a:t>Model the impact of Chemical of Emerging Concern (CEC) in the same context</a:t>
+            </a:r>
           </a:p>
         </p:txBody>
       </p:sp>
@@ -6071,7 +6197,7 @@
         </p:nvSpPr>
         <p:spPr>
           <a:xfrm>
-            <a:off x="557560" y="1271239"/>
+            <a:off x="481360" y="974906"/>
             <a:ext cx="2440092" cy="523220"/>
           </a:xfrm>
           <a:prstGeom prst="rect">
@@ -6122,14 +6248,14 @@
           <p:nvPr>
             <p:extLst>
               <p:ext uri="{D42A27DB-BD31-4B8C-83A1-F6EECF244321}">
-                <p14:modId xmlns:p14="http://schemas.microsoft.com/office/powerpoint/2010/main" val="3539886872"/>
+                <p14:modId xmlns:p14="http://schemas.microsoft.com/office/powerpoint/2010/main" val="3227373125"/>
               </p:ext>
             </p:extLst>
           </p:nvPr>
         </p:nvGraphicFramePr>
         <p:xfrm>
-          <a:off x="1470524" y="2098929"/>
-          <a:ext cx="9250951" cy="2660142"/>
+          <a:off x="711200" y="1565529"/>
+          <a:ext cx="10591800" cy="4763262"/>
         </p:xfrm>
         <a:graphic>
           <a:graphicData uri="http://schemas.openxmlformats.org/drawingml/2006/table">
@@ -6138,21 +6264,21 @@
                 <a:tableStyleId>{F2DE63D5-997A-4646-A377-4702673A728D}</a:tableStyleId>
               </a:tblPr>
               <a:tblGrid>
-                <a:gridCol w="1765136">
+                <a:gridCol w="1591733">
                   <a:extLst>
                     <a:ext uri="{9D8B030D-6E8A-4147-A177-3AD203B41FA5}">
                       <a16:colId xmlns:a16="http://schemas.microsoft.com/office/drawing/2014/main" val="1380024091"/>
                     </a:ext>
                   </a:extLst>
                 </a:gridCol>
-                <a:gridCol w="2643859">
+                <a:gridCol w="2480734">
                   <a:extLst>
                     <a:ext uri="{9D8B030D-6E8A-4147-A177-3AD203B41FA5}">
                       <a16:colId xmlns:a16="http://schemas.microsoft.com/office/drawing/2014/main" val="3676645733"/>
                     </a:ext>
                   </a:extLst>
                 </a:gridCol>
-                <a:gridCol w="4841956">
+                <a:gridCol w="6519333">
                   <a:extLst>
                     <a:ext uri="{9D8B030D-6E8A-4147-A177-3AD203B41FA5}">
                       <a16:colId xmlns:a16="http://schemas.microsoft.com/office/drawing/2014/main" val="3025346432"/>
@@ -6424,10 +6550,42 @@
                       </a:pPr>
                       <a:r>
                         <a:rPr lang="en-US" sz="2000" kern="100" dirty="0">
+                          <a:solidFill>
+                            <a:schemeClr val="tx1"/>
+                          </a:solidFill>
+                          <a:effectLst/>
+                          <a:latin typeface="+mj-lt"/>
+                          <a:ea typeface="+mn-ea"/>
+                          <a:cs typeface="+mn-cs"/>
+                        </a:rPr>
+                        <a:t>High environmental policy (SSP2_PkBudg650)</a:t>
+                      </a:r>
+                    </a:p>
+                    <a:p>
+                      <a:pPr algn="ctr">
+                        <a:lnSpc>
+                          <a:spcPct val="115000"/>
+                        </a:lnSpc>
+                        <a:buNone/>
+                      </a:pPr>
+                      <a:r>
+                        <a:rPr lang="en-US" sz="2000" kern="100" dirty="0">
+                          <a:solidFill>
+                            <a:schemeClr val="tx1"/>
+                          </a:solidFill>
+                          <a:effectLst/>
+                          <a:latin typeface="+mj-lt"/>
+                          <a:ea typeface="+mn-ea"/>
+                          <a:cs typeface="+mn-cs"/>
+                        </a:rPr>
+                        <a:t> Low environmental </a:t>
+                      </a:r>
+                      <a:r>
+                        <a:rPr lang="en-US" sz="2000" kern="100" dirty="0">
                           <a:effectLst/>
                           <a:latin typeface="+mj-lt"/>
                         </a:rPr>
-                        <a:t>High/low environmental policy</a:t>
+                        <a:t>policy (SSP2_NPi)</a:t>
                       </a:r>
                       <a:endParaRPr lang="fr-RE" sz="2000" kern="100" dirty="0">
                         <a:effectLst/>
@@ -6464,8 +6622,10 @@
                           </a:solidFill>
                           <a:effectLst/>
                           <a:latin typeface="+mj-lt"/>
+                          <a:ea typeface="Calibri" panose="020F0502020204030204" pitchFamily="34" charset="0"/>
+                          <a:cs typeface="Times New Roman" panose="02020603050405020304" pitchFamily="18" charset="0"/>
                         </a:rPr>
-                        <a:t>y</a:t>
+                        <a:t>t</a:t>
                       </a:r>
                       <a:endParaRPr lang="fr-RE" sz="2000" kern="100" dirty="0">
                         <a:solidFill>
@@ -6496,7 +6656,7 @@
                           <a:effectLst/>
                           <a:latin typeface="+mj-lt"/>
                         </a:rPr>
-                        <a:t>years</a:t>
+                        <a:t>Time</a:t>
                       </a:r>
                       <a:endParaRPr lang="fr-RE" sz="2000" kern="100" dirty="0">
                         <a:effectLst/>
@@ -6524,7 +6684,7 @@
                           <a:effectLst/>
                           <a:latin typeface="+mj-lt"/>
                         </a:rPr>
-                        <a:t>2020/2035/2045</a:t>
+                        <a:t>2020 | 2035 | 2045</a:t>
                       </a:r>
                       <a:endParaRPr lang="fr-RE" sz="2000" kern="100" dirty="0">
                         <a:effectLst/>
@@ -6593,7 +6753,7 @@
                           <a:effectLst/>
                           <a:latin typeface="+mj-lt"/>
                         </a:rPr>
-                        <a:t>Type of carrier</a:t>
+                        <a:t>Carrier</a:t>
                       </a:r>
                       <a:endParaRPr lang="fr-RE" sz="2000" kern="100" dirty="0">
                         <a:effectLst/>
@@ -6621,7 +6781,37 @@
                           <a:effectLst/>
                           <a:latin typeface="+mj-lt"/>
                         </a:rPr>
-                        <a:t>Sludge/water/oxidized contaminants</a:t>
+                        <a:t>Sludge</a:t>
+                      </a:r>
+                    </a:p>
+                    <a:p>
+                      <a:pPr algn="ctr">
+                        <a:lnSpc>
+                          <a:spcPct val="115000"/>
+                        </a:lnSpc>
+                        <a:buNone/>
+                      </a:pPr>
+                      <a:r>
+                        <a:rPr lang="en-US" sz="2000" kern="100" dirty="0">
+                          <a:effectLst/>
+                          <a:latin typeface="+mj-lt"/>
+                        </a:rPr>
+                        <a:t>Water </a:t>
+                      </a:r>
+                    </a:p>
+                    <a:p>
+                      <a:pPr algn="ctr">
+                        <a:lnSpc>
+                          <a:spcPct val="115000"/>
+                        </a:lnSpc>
+                        <a:buNone/>
+                      </a:pPr>
+                      <a:r>
+                        <a:rPr lang="en-US" sz="2000" kern="100" dirty="0">
+                          <a:effectLst/>
+                          <a:latin typeface="+mj-lt"/>
+                        </a:rPr>
+                        <a:t>Oxidized contaminants</a:t>
                       </a:r>
                       <a:endParaRPr lang="fr-RE" sz="2000" kern="100" dirty="0">
                         <a:effectLst/>
@@ -6718,7 +6908,22 @@
                           <a:effectLst/>
                           <a:latin typeface="+mj-lt"/>
                         </a:rPr>
-                        <a:t>Carrier/CEC</a:t>
+                        <a:t>Carrier</a:t>
+                      </a:r>
+                    </a:p>
+                    <a:p>
+                      <a:pPr algn="ctr">
+                        <a:lnSpc>
+                          <a:spcPct val="115000"/>
+                        </a:lnSpc>
+                        <a:buNone/>
+                      </a:pPr>
+                      <a:r>
+                        <a:rPr lang="en-US" sz="2000" kern="100" dirty="0">
+                          <a:effectLst/>
+                          <a:latin typeface="+mj-lt"/>
+                        </a:rPr>
+                        <a:t>CEC</a:t>
                       </a:r>
                       <a:endParaRPr lang="fr-RE" sz="2000" kern="100" dirty="0">
                         <a:effectLst/>
@@ -6815,7 +7020,52 @@
                           <a:effectLst/>
                           <a:latin typeface="+mj-lt"/>
                         </a:rPr>
-                        <a:t>No further treatment/Advanced oxidizing process/Ozonation/Granular activated carbon</a:t>
+                        <a:t>No further treatment</a:t>
+                      </a:r>
+                    </a:p>
+                    <a:p>
+                      <a:pPr algn="ctr">
+                        <a:lnSpc>
+                          <a:spcPct val="115000"/>
+                        </a:lnSpc>
+                        <a:buNone/>
+                      </a:pPr>
+                      <a:r>
+                        <a:rPr lang="en-US" sz="2000" kern="100" dirty="0">
+                          <a:effectLst/>
+                          <a:latin typeface="+mj-lt"/>
+                        </a:rPr>
+                        <a:t>Advanced oxidizing process</a:t>
+                      </a:r>
+                    </a:p>
+                    <a:p>
+                      <a:pPr algn="ctr">
+                        <a:lnSpc>
+                          <a:spcPct val="115000"/>
+                        </a:lnSpc>
+                        <a:buNone/>
+                      </a:pPr>
+                      <a:r>
+                        <a:rPr lang="en-US" sz="2000" kern="100" dirty="0">
+                          <a:effectLst/>
+                          <a:latin typeface="+mj-lt"/>
+                        </a:rPr>
+                        <a:t>Ozonation</a:t>
+                      </a:r>
+                    </a:p>
+                    <a:p>
+                      <a:pPr algn="ctr">
+                        <a:lnSpc>
+                          <a:spcPct val="115000"/>
+                        </a:lnSpc>
+                        <a:buNone/>
+                      </a:pPr>
+                      <a:r>
+                        <a:rPr lang="en-US" sz="2000" kern="100" dirty="0">
+                          <a:effectLst/>
+                          <a:latin typeface="+mj-lt"/>
+                        </a:rPr>
+                        <a:t>Granular activated carbon</a:t>
                       </a:r>
                       <a:endParaRPr lang="fr-RE" sz="2000" kern="100" dirty="0">
                         <a:effectLst/>
@@ -13494,7 +13744,7 @@
                 </a:solidFill>
                 <a:latin typeface="Arial Rounded MT Bold" panose="020F0704030504030204" pitchFamily="34" charset="77"/>
               </a:rPr>
-              <a:t>3. Results</a:t>
+              <a:t>3. MFA Results</a:t>
             </a:r>
           </a:p>
         </p:txBody>

--- a/presentation/dds_autumn_school_2025_paw_presentation_14-11-2025.pptx
+++ b/presentation/dds_autumn_school_2025_paw_presentation_14-11-2025.pptx
@@ -5,7 +5,7 @@
     <p:sldMasterId id="2147483648" r:id="rId1"/>
   </p:sldMasterIdLst>
   <p:notesMasterIdLst>
-    <p:notesMasterId r:id="rId14"/>
+    <p:notesMasterId r:id="rId17"/>
   </p:notesMasterIdLst>
   <p:sldIdLst>
     <p:sldId id="256" r:id="rId2"/>
@@ -20,6 +20,9 @@
     <p:sldId id="262" r:id="rId11"/>
     <p:sldId id="275" r:id="rId12"/>
     <p:sldId id="276" r:id="rId13"/>
+    <p:sldId id="277" r:id="rId14"/>
+    <p:sldId id="278" r:id="rId15"/>
+    <p:sldId id="279" r:id="rId16"/>
   </p:sldIdLst>
   <p:sldSz cx="12192000" cy="6858000"/>
   <p:notesSz cx="6858000" cy="9144000"/>
@@ -135,7 +138,7 @@
 <file path=ppt/revisionInfo.xml><?xml version="1.0" encoding="utf-8"?>
 <p1510:revInfo xmlns:a="http://schemas.openxmlformats.org/drawingml/2006/main" xmlns:r="http://schemas.openxmlformats.org/officeDocument/2006/relationships" xmlns:p1510="http://schemas.microsoft.com/office/powerpoint/2015/10/main">
   <p1510:revLst>
-    <p1510:client id="{E85EF977-7F1E-4A7B-AC1E-AF3BB813DE99}" v="23" dt="2025-11-14T12:41:48.820"/>
+    <p1510:client id="{E85EF977-7F1E-4A7B-AC1E-AF3BB813DE99}" v="29" dt="2025-11-14T12:45:04.379"/>
   </p1510:revLst>
 </p1510:revInfo>
 </file>
@@ -144,8 +147,8 @@
 <pc:chgInfo xmlns:a="http://schemas.openxmlformats.org/drawingml/2006/main" xmlns:r="http://schemas.openxmlformats.org/officeDocument/2006/relationships" xmlns:ac="http://schemas.microsoft.com/office/drawing/2013/main/command" xmlns:pc="http://schemas.microsoft.com/office/powerpoint/2013/main/command">
   <pc:docChgLst>
     <pc:chgData name="David CLOUSIER" userId="768240c1-c1f0-4ea5-ba36-477fb0372b02" providerId="ADAL" clId="{CA5A136D-3B77-4157-88EA-9B5DC776E31F}"/>
-    <pc:docChg chg="undo custSel addSld delSld modSld sldOrd">
-      <pc:chgData name="David CLOUSIER" userId="768240c1-c1f0-4ea5-ba36-477fb0372b02" providerId="ADAL" clId="{CA5A136D-3B77-4157-88EA-9B5DC776E31F}" dt="2025-11-14T12:42:01.121" v="617" actId="2696"/>
+    <pc:docChg chg="undo redo custSel addSld delSld modSld sldOrd">
+      <pc:chgData name="David CLOUSIER" userId="768240c1-c1f0-4ea5-ba36-477fb0372b02" providerId="ADAL" clId="{CA5A136D-3B77-4157-88EA-9B5DC776E31F}" dt="2025-11-14T12:45:21.962" v="840" actId="1076"/>
       <pc:docMkLst>
         <pc:docMk/>
       </pc:docMkLst>
@@ -567,6 +570,75 @@
             <ac:picMk id="4" creationId="{E4C3CB1A-D15E-4635-FB14-F9EC124CEE01}"/>
           </ac:picMkLst>
         </pc:picChg>
+      </pc:sldChg>
+      <pc:sldChg chg="addSp modSp add mod">
+        <pc:chgData name="David CLOUSIER" userId="768240c1-c1f0-4ea5-ba36-477fb0372b02" providerId="ADAL" clId="{CA5A136D-3B77-4157-88EA-9B5DC776E31F}" dt="2025-11-14T12:44:00.558" v="684" actId="1076"/>
+        <pc:sldMkLst>
+          <pc:docMk/>
+          <pc:sldMk cId="2923220084" sldId="277"/>
+        </pc:sldMkLst>
+        <pc:spChg chg="add mod">
+          <ac:chgData name="David CLOUSIER" userId="768240c1-c1f0-4ea5-ba36-477fb0372b02" providerId="ADAL" clId="{CA5A136D-3B77-4157-88EA-9B5DC776E31F}" dt="2025-11-14T12:44:00.558" v="684" actId="1076"/>
+          <ac:spMkLst>
+            <pc:docMk/>
+            <pc:sldMk cId="2923220084" sldId="277"/>
+            <ac:spMk id="2" creationId="{767D7EFB-B85F-5FFC-8553-76B5D315181D}"/>
+          </ac:spMkLst>
+        </pc:spChg>
+        <pc:spChg chg="mod">
+          <ac:chgData name="David CLOUSIER" userId="768240c1-c1f0-4ea5-ba36-477fb0372b02" providerId="ADAL" clId="{CA5A136D-3B77-4157-88EA-9B5DC776E31F}" dt="2025-11-14T12:43:26.240" v="642" actId="20577"/>
+          <ac:spMkLst>
+            <pc:docMk/>
+            <pc:sldMk cId="2923220084" sldId="277"/>
+            <ac:spMk id="57" creationId="{71B824E1-CABF-89EF-7DE7-765259962A5E}"/>
+          </ac:spMkLst>
+        </pc:spChg>
+      </pc:sldChg>
+      <pc:sldChg chg="addSp modSp new mod">
+        <pc:chgData name="David CLOUSIER" userId="768240c1-c1f0-4ea5-ba36-477fb0372b02" providerId="ADAL" clId="{CA5A136D-3B77-4157-88EA-9B5DC776E31F}" dt="2025-11-14T12:45:21.962" v="840" actId="1076"/>
+        <pc:sldMkLst>
+          <pc:docMk/>
+          <pc:sldMk cId="3490303408" sldId="278"/>
+        </pc:sldMkLst>
+        <pc:spChg chg="add mod">
+          <ac:chgData name="David CLOUSIER" userId="768240c1-c1f0-4ea5-ba36-477fb0372b02" providerId="ADAL" clId="{CA5A136D-3B77-4157-88EA-9B5DC776E31F}" dt="2025-11-14T12:45:21.962" v="840" actId="1076"/>
+          <ac:spMkLst>
+            <pc:docMk/>
+            <pc:sldMk cId="3490303408" sldId="278"/>
+            <ac:spMk id="2" creationId="{CC341507-E763-1D43-59F5-1DFF5C92A6DF}"/>
+          </ac:spMkLst>
+        </pc:spChg>
+        <pc:spChg chg="add mod">
+          <ac:chgData name="David CLOUSIER" userId="768240c1-c1f0-4ea5-ba36-477fb0372b02" providerId="ADAL" clId="{CA5A136D-3B77-4157-88EA-9B5DC776E31F}" dt="2025-11-14T12:44:36.510" v="766" actId="20577"/>
+          <ac:spMkLst>
+            <pc:docMk/>
+            <pc:sldMk cId="3490303408" sldId="278"/>
+            <ac:spMk id="3" creationId="{1D14D4DB-2AA1-AEB7-9E48-4D06D0C47B56}"/>
+          </ac:spMkLst>
+        </pc:spChg>
+        <pc:spChg chg="add mod">
+          <ac:chgData name="David CLOUSIER" userId="768240c1-c1f0-4ea5-ba36-477fb0372b02" providerId="ADAL" clId="{CA5A136D-3B77-4157-88EA-9B5DC776E31F}" dt="2025-11-14T12:44:58.354" v="832" actId="1076"/>
+          <ac:spMkLst>
+            <pc:docMk/>
+            <pc:sldMk cId="3490303408" sldId="278"/>
+            <ac:spMk id="4" creationId="{544C09A7-1081-863E-FF0C-BC1B2DB6A345}"/>
+          </ac:spMkLst>
+        </pc:spChg>
+      </pc:sldChg>
+      <pc:sldChg chg="modSp add mod">
+        <pc:chgData name="David CLOUSIER" userId="768240c1-c1f0-4ea5-ba36-477fb0372b02" providerId="ADAL" clId="{CA5A136D-3B77-4157-88EA-9B5DC776E31F}" dt="2025-11-14T12:45:13.942" v="839" actId="20577"/>
+        <pc:sldMkLst>
+          <pc:docMk/>
+          <pc:sldMk cId="3752830174" sldId="279"/>
+        </pc:sldMkLst>
+        <pc:spChg chg="mod">
+          <ac:chgData name="David CLOUSIER" userId="768240c1-c1f0-4ea5-ba36-477fb0372b02" providerId="ADAL" clId="{CA5A136D-3B77-4157-88EA-9B5DC776E31F}" dt="2025-11-14T12:45:13.942" v="839" actId="20577"/>
+          <ac:spMkLst>
+            <pc:docMk/>
+            <pc:sldMk cId="3752830174" sldId="279"/>
+            <ac:spMk id="57" creationId="{E704C30C-E49B-BAC5-299B-9DABFCECAC01}"/>
+          </ac:spMkLst>
+        </pc:spChg>
       </pc:sldChg>
     </pc:docChg>
   </pc:docChgLst>
@@ -5649,6 +5721,417 @@
     <p:extLst>
       <p:ext uri="{BB962C8B-B14F-4D97-AF65-F5344CB8AC3E}">
         <p14:creationId xmlns:p14="http://schemas.microsoft.com/office/powerpoint/2010/main" val="1142133561"/>
+      </p:ext>
+    </p:extLst>
+  </p:cSld>
+  <p:clrMapOvr>
+    <a:masterClrMapping/>
+  </p:clrMapOvr>
+</p:sld>
+</file>
+
+<file path=ppt/slides/slide13.xml><?xml version="1.0" encoding="utf-8"?>
+<p:sld xmlns:a="http://schemas.openxmlformats.org/drawingml/2006/main" xmlns:r="http://schemas.openxmlformats.org/officeDocument/2006/relationships" xmlns:p="http://schemas.openxmlformats.org/presentationml/2006/main">
+  <p:cSld>
+    <p:spTree>
+      <p:nvGrpSpPr>
+        <p:cNvPr id="1" name="">
+          <a:extLst>
+            <a:ext uri="{FF2B5EF4-FFF2-40B4-BE49-F238E27FC236}">
+              <a16:creationId xmlns:a16="http://schemas.microsoft.com/office/drawing/2014/main" id="{5974DD96-2A9F-52FF-799F-45633A582BD9}"/>
+            </a:ext>
+          </a:extLst>
+        </p:cNvPr>
+        <p:cNvGrpSpPr/>
+        <p:nvPr/>
+      </p:nvGrpSpPr>
+      <p:grpSpPr>
+        <a:xfrm>
+          <a:off x="0" y="0"/>
+          <a:ext cx="0" cy="0"/>
+          <a:chOff x="0" y="0"/>
+          <a:chExt cx="0" cy="0"/>
+        </a:xfrm>
+      </p:grpSpPr>
+      <p:sp>
+        <p:nvSpPr>
+          <p:cNvPr id="57" name="TextBox 56">
+            <a:extLst>
+              <a:ext uri="{FF2B5EF4-FFF2-40B4-BE49-F238E27FC236}">
+                <a16:creationId xmlns:a16="http://schemas.microsoft.com/office/drawing/2014/main" id="{71B824E1-CABF-89EF-7DE7-765259962A5E}"/>
+              </a:ext>
+            </a:extLst>
+          </p:cNvPr>
+          <p:cNvSpPr txBox="1"/>
+          <p:nvPr/>
+        </p:nvSpPr>
+        <p:spPr>
+          <a:xfrm>
+            <a:off x="779737" y="2967335"/>
+            <a:ext cx="6933396" cy="830997"/>
+          </a:xfrm>
+          <a:prstGeom prst="rect">
+            <a:avLst/>
+          </a:prstGeom>
+          <a:noFill/>
+        </p:spPr>
+        <p:txBody>
+          <a:bodyPr wrap="square">
+            <a:spAutoFit/>
+          </a:bodyPr>
+          <a:lstStyle/>
+          <a:p>
+            <a:r>
+              <a:rPr lang="en-US" sz="4800" noProof="0" dirty="0">
+                <a:solidFill>
+                  <a:schemeClr val="bg2">
+                    <a:lumMod val="25000"/>
+                  </a:schemeClr>
+                </a:solidFill>
+                <a:latin typeface="Arial Rounded MT Bold" panose="020F0704030504030204" pitchFamily="34" charset="77"/>
+              </a:rPr>
+              <a:t>4. </a:t>
+            </a:r>
+            <a:r>
+              <a:rPr lang="en-US" sz="4800" dirty="0">
+                <a:solidFill>
+                  <a:schemeClr val="bg2">
+                    <a:lumMod val="25000"/>
+                  </a:schemeClr>
+                </a:solidFill>
+                <a:latin typeface="Arial Rounded MT Bold" panose="020F0704030504030204" pitchFamily="34" charset="77"/>
+              </a:rPr>
+              <a:t>MFA-LCA coupling</a:t>
+            </a:r>
+            <a:endParaRPr lang="en-US" sz="4800" noProof="0" dirty="0">
+              <a:solidFill>
+                <a:schemeClr val="bg2">
+                  <a:lumMod val="25000"/>
+                </a:schemeClr>
+              </a:solidFill>
+              <a:latin typeface="Arial Rounded MT Bold" panose="020F0704030504030204" pitchFamily="34" charset="77"/>
+            </a:endParaRPr>
+          </a:p>
+        </p:txBody>
+      </p:sp>
+      <p:sp>
+        <p:nvSpPr>
+          <p:cNvPr id="2" name="TextBox 1">
+            <a:extLst>
+              <a:ext uri="{FF2B5EF4-FFF2-40B4-BE49-F238E27FC236}">
+                <a16:creationId xmlns:a16="http://schemas.microsoft.com/office/drawing/2014/main" id="{767D7EFB-B85F-5FFC-8553-76B5D315181D}"/>
+              </a:ext>
+            </a:extLst>
+          </p:cNvPr>
+          <p:cNvSpPr txBox="1"/>
+          <p:nvPr/>
+        </p:nvSpPr>
+        <p:spPr>
+          <a:xfrm>
+            <a:off x="1553285" y="4140201"/>
+            <a:ext cx="4153248" cy="461665"/>
+          </a:xfrm>
+          <a:prstGeom prst="rect">
+            <a:avLst/>
+          </a:prstGeom>
+          <a:solidFill>
+            <a:schemeClr val="bg1"/>
+          </a:solidFill>
+        </p:spPr>
+        <p:txBody>
+          <a:bodyPr wrap="square">
+            <a:spAutoFit/>
+          </a:bodyPr>
+          <a:lstStyle/>
+          <a:p>
+            <a:r>
+              <a:rPr lang="en-US" sz="2400" noProof="0" dirty="0">
+                <a:solidFill>
+                  <a:schemeClr val="bg2">
+                    <a:lumMod val="25000"/>
+                  </a:schemeClr>
+                </a:solidFill>
+                <a:latin typeface="Arial Rounded MT Bold" panose="020F0704030504030204" pitchFamily="34" charset="77"/>
+              </a:rPr>
+              <a:t>Our strategy : All in one! </a:t>
+            </a:r>
+          </a:p>
+        </p:txBody>
+      </p:sp>
+    </p:spTree>
+    <p:extLst>
+      <p:ext uri="{BB962C8B-B14F-4D97-AF65-F5344CB8AC3E}">
+        <p14:creationId xmlns:p14="http://schemas.microsoft.com/office/powerpoint/2010/main" val="2923220084"/>
+      </p:ext>
+    </p:extLst>
+  </p:cSld>
+  <p:clrMapOvr>
+    <a:masterClrMapping/>
+  </p:clrMapOvr>
+</p:sld>
+</file>
+
+<file path=ppt/slides/slide14.xml><?xml version="1.0" encoding="utf-8"?>
+<p:sld xmlns:a="http://schemas.openxmlformats.org/drawingml/2006/main" xmlns:r="http://schemas.openxmlformats.org/officeDocument/2006/relationships" xmlns:p="http://schemas.openxmlformats.org/presentationml/2006/main">
+  <p:cSld>
+    <p:spTree>
+      <p:nvGrpSpPr>
+        <p:cNvPr id="1" name=""/>
+        <p:cNvGrpSpPr/>
+        <p:nvPr/>
+      </p:nvGrpSpPr>
+      <p:grpSpPr>
+        <a:xfrm>
+          <a:off x="0" y="0"/>
+          <a:ext cx="0" cy="0"/>
+          <a:chOff x="0" y="0"/>
+          <a:chExt cx="0" cy="0"/>
+        </a:xfrm>
+      </p:grpSpPr>
+      <p:sp>
+        <p:nvSpPr>
+          <p:cNvPr id="2" name="TextBox 1">
+            <a:extLst>
+              <a:ext uri="{FF2B5EF4-FFF2-40B4-BE49-F238E27FC236}">
+                <a16:creationId xmlns:a16="http://schemas.microsoft.com/office/drawing/2014/main" id="{CC341507-E763-1D43-59F5-1DFF5C92A6DF}"/>
+              </a:ext>
+            </a:extLst>
+          </p:cNvPr>
+          <p:cNvSpPr txBox="1"/>
+          <p:nvPr/>
+        </p:nvSpPr>
+        <p:spPr>
+          <a:xfrm>
+            <a:off x="1621016" y="1058334"/>
+            <a:ext cx="8251115" cy="461665"/>
+          </a:xfrm>
+          <a:prstGeom prst="rect">
+            <a:avLst/>
+          </a:prstGeom>
+          <a:solidFill>
+            <a:schemeClr val="bg1"/>
+          </a:solidFill>
+        </p:spPr>
+        <p:txBody>
+          <a:bodyPr wrap="square">
+            <a:spAutoFit/>
+          </a:bodyPr>
+          <a:lstStyle/>
+          <a:p>
+            <a:r>
+              <a:rPr lang="en-US" sz="2400" noProof="0" dirty="0">
+                <a:solidFill>
+                  <a:schemeClr val="bg2">
+                    <a:lumMod val="25000"/>
+                  </a:schemeClr>
+                </a:solidFill>
+                <a:latin typeface="Arial Rounded MT Bold" panose="020F0704030504030204" pitchFamily="34" charset="77"/>
+              </a:rPr>
+              <a:t>How to recover the flows from the MFA results</a:t>
+            </a:r>
+          </a:p>
+        </p:txBody>
+      </p:sp>
+      <p:sp>
+        <p:nvSpPr>
+          <p:cNvPr id="3" name="TextBox 2">
+            <a:extLst>
+              <a:ext uri="{FF2B5EF4-FFF2-40B4-BE49-F238E27FC236}">
+                <a16:creationId xmlns:a16="http://schemas.microsoft.com/office/drawing/2014/main" id="{1D14D4DB-2AA1-AEB7-9E48-4D06D0C47B56}"/>
+              </a:ext>
+            </a:extLst>
+          </p:cNvPr>
+          <p:cNvSpPr txBox="1"/>
+          <p:nvPr/>
+        </p:nvSpPr>
+        <p:spPr>
+          <a:xfrm>
+            <a:off x="1621017" y="2480734"/>
+            <a:ext cx="8251115" cy="461665"/>
+          </a:xfrm>
+          <a:prstGeom prst="rect">
+            <a:avLst/>
+          </a:prstGeom>
+          <a:solidFill>
+            <a:schemeClr val="bg1"/>
+          </a:solidFill>
+        </p:spPr>
+        <p:txBody>
+          <a:bodyPr wrap="square">
+            <a:spAutoFit/>
+          </a:bodyPr>
+          <a:lstStyle/>
+          <a:p>
+            <a:r>
+              <a:rPr lang="en-US" sz="2400" noProof="0" dirty="0">
+                <a:solidFill>
+                  <a:schemeClr val="bg2">
+                    <a:lumMod val="25000"/>
+                  </a:schemeClr>
+                </a:solidFill>
+                <a:latin typeface="Arial Rounded MT Bold" panose="020F0704030504030204" pitchFamily="34" charset="77"/>
+              </a:rPr>
+              <a:t>How to link the flows to the LCA inventory</a:t>
+            </a:r>
+          </a:p>
+        </p:txBody>
+      </p:sp>
+      <p:sp>
+        <p:nvSpPr>
+          <p:cNvPr id="4" name="TextBox 3">
+            <a:extLst>
+              <a:ext uri="{FF2B5EF4-FFF2-40B4-BE49-F238E27FC236}">
+                <a16:creationId xmlns:a16="http://schemas.microsoft.com/office/drawing/2014/main" id="{544C09A7-1081-863E-FF0C-BC1B2DB6A345}"/>
+              </a:ext>
+            </a:extLst>
+          </p:cNvPr>
+          <p:cNvSpPr txBox="1"/>
+          <p:nvPr/>
+        </p:nvSpPr>
+        <p:spPr>
+          <a:xfrm>
+            <a:off x="1621017" y="3615267"/>
+            <a:ext cx="8251115" cy="461665"/>
+          </a:xfrm>
+          <a:prstGeom prst="rect">
+            <a:avLst/>
+          </a:prstGeom>
+          <a:solidFill>
+            <a:schemeClr val="bg1"/>
+          </a:solidFill>
+        </p:spPr>
+        <p:txBody>
+          <a:bodyPr wrap="square">
+            <a:spAutoFit/>
+          </a:bodyPr>
+          <a:lstStyle/>
+          <a:p>
+            <a:r>
+              <a:rPr lang="en-US" sz="2400" noProof="0" dirty="0">
+                <a:solidFill>
+                  <a:schemeClr val="bg2">
+                    <a:lumMod val="25000"/>
+                  </a:schemeClr>
+                </a:solidFill>
+                <a:latin typeface="Arial Rounded MT Bold" panose="020F0704030504030204" pitchFamily="34" charset="77"/>
+              </a:rPr>
+              <a:t>How to process the LCA through </a:t>
+            </a:r>
+            <a:r>
+              <a:rPr lang="en-US" sz="2400" noProof="0" dirty="0" err="1">
+                <a:solidFill>
+                  <a:schemeClr val="bg2">
+                    <a:lumMod val="25000"/>
+                  </a:schemeClr>
+                </a:solidFill>
+                <a:latin typeface="Arial Rounded MT Bold" panose="020F0704030504030204" pitchFamily="34" charset="77"/>
+              </a:rPr>
+              <a:t>ti</a:t>
+            </a:r>
+            <a:r>
+              <a:rPr lang="en-US" sz="2400" dirty="0">
+                <a:solidFill>
+                  <a:schemeClr val="bg2">
+                    <a:lumMod val="25000"/>
+                  </a:schemeClr>
+                </a:solidFill>
+                <a:latin typeface="Arial Rounded MT Bold" panose="020F0704030504030204" pitchFamily="34" charset="77"/>
+              </a:rPr>
+              <a:t>me and scenario</a:t>
+            </a:r>
+            <a:endParaRPr lang="en-US" sz="2400" noProof="0" dirty="0">
+              <a:solidFill>
+                <a:schemeClr val="bg2">
+                  <a:lumMod val="25000"/>
+                </a:schemeClr>
+              </a:solidFill>
+              <a:latin typeface="Arial Rounded MT Bold" panose="020F0704030504030204" pitchFamily="34" charset="77"/>
+            </a:endParaRPr>
+          </a:p>
+        </p:txBody>
+      </p:sp>
+    </p:spTree>
+    <p:extLst>
+      <p:ext uri="{BB962C8B-B14F-4D97-AF65-F5344CB8AC3E}">
+        <p14:creationId xmlns:p14="http://schemas.microsoft.com/office/powerpoint/2010/main" val="3490303408"/>
+      </p:ext>
+    </p:extLst>
+  </p:cSld>
+  <p:clrMapOvr>
+    <a:masterClrMapping/>
+  </p:clrMapOvr>
+</p:sld>
+</file>
+
+<file path=ppt/slides/slide15.xml><?xml version="1.0" encoding="utf-8"?>
+<p:sld xmlns:a="http://schemas.openxmlformats.org/drawingml/2006/main" xmlns:r="http://schemas.openxmlformats.org/officeDocument/2006/relationships" xmlns:p="http://schemas.openxmlformats.org/presentationml/2006/main">
+  <p:cSld>
+    <p:spTree>
+      <p:nvGrpSpPr>
+        <p:cNvPr id="1" name="">
+          <a:extLst>
+            <a:ext uri="{FF2B5EF4-FFF2-40B4-BE49-F238E27FC236}">
+              <a16:creationId xmlns:a16="http://schemas.microsoft.com/office/drawing/2014/main" id="{661C1AA9-ADC8-E953-AEC5-E0E18724112B}"/>
+            </a:ext>
+          </a:extLst>
+        </p:cNvPr>
+        <p:cNvGrpSpPr/>
+        <p:nvPr/>
+      </p:nvGrpSpPr>
+      <p:grpSpPr>
+        <a:xfrm>
+          <a:off x="0" y="0"/>
+          <a:ext cx="0" cy="0"/>
+          <a:chOff x="0" y="0"/>
+          <a:chExt cx="0" cy="0"/>
+        </a:xfrm>
+      </p:grpSpPr>
+      <p:sp>
+        <p:nvSpPr>
+          <p:cNvPr id="57" name="TextBox 56">
+            <a:extLst>
+              <a:ext uri="{FF2B5EF4-FFF2-40B4-BE49-F238E27FC236}">
+                <a16:creationId xmlns:a16="http://schemas.microsoft.com/office/drawing/2014/main" id="{E704C30C-E49B-BAC5-299B-9DABFCECAC01}"/>
+              </a:ext>
+            </a:extLst>
+          </p:cNvPr>
+          <p:cNvSpPr txBox="1"/>
+          <p:nvPr/>
+        </p:nvSpPr>
+        <p:spPr>
+          <a:xfrm>
+            <a:off x="779737" y="2967335"/>
+            <a:ext cx="6096000" cy="830997"/>
+          </a:xfrm>
+          <a:prstGeom prst="rect">
+            <a:avLst/>
+          </a:prstGeom>
+          <a:noFill/>
+        </p:spPr>
+        <p:txBody>
+          <a:bodyPr wrap="square">
+            <a:spAutoFit/>
+          </a:bodyPr>
+          <a:lstStyle/>
+          <a:p>
+            <a:r>
+              <a:rPr lang="en-US" sz="4800" noProof="0" dirty="0">
+                <a:solidFill>
+                  <a:schemeClr val="bg2">
+                    <a:lumMod val="25000"/>
+                  </a:schemeClr>
+                </a:solidFill>
+                <a:latin typeface="Arial Rounded MT Bold" panose="020F0704030504030204" pitchFamily="34" charset="77"/>
+              </a:rPr>
+              <a:t>5. LCA Results</a:t>
+            </a:r>
+          </a:p>
+        </p:txBody>
+      </p:sp>
+    </p:spTree>
+    <p:extLst>
+      <p:ext uri="{BB962C8B-B14F-4D97-AF65-F5344CB8AC3E}">
+        <p14:creationId xmlns:p14="http://schemas.microsoft.com/office/powerpoint/2010/main" val="3752830174"/>
       </p:ext>
     </p:extLst>
   </p:cSld>

--- a/presentation/dds_autumn_school_2025_paw_presentation_14-11-2025.pptx
+++ b/presentation/dds_autumn_school_2025_paw_presentation_14-11-2025.pptx
@@ -5,7 +5,7 @@
     <p:sldMasterId id="2147483648" r:id="rId1"/>
   </p:sldMasterIdLst>
   <p:notesMasterIdLst>
-    <p:notesMasterId r:id="rId20"/>
+    <p:notesMasterId r:id="rId21"/>
   </p:notesMasterIdLst>
   <p:sldIdLst>
     <p:sldId id="256" r:id="rId2"/>
@@ -26,6 +26,7 @@
     <p:sldId id="281" r:id="rId17"/>
     <p:sldId id="282" r:id="rId18"/>
     <p:sldId id="279" r:id="rId19"/>
+    <p:sldId id="283" r:id="rId20"/>
   </p:sldIdLst>
   <p:sldSz cx="12192000" cy="6858000"/>
   <p:notesSz cx="6858000" cy="9144000"/>
@@ -789,6 +790,1723 @@
 </pc:chgInfo>
 </file>
 
+<file path=ppt/charts/chart1.xml><?xml version="1.0" encoding="utf-8"?>
+<c:chartSpace xmlns:c="http://schemas.openxmlformats.org/drawingml/2006/chart" xmlns:a="http://schemas.openxmlformats.org/drawingml/2006/main" xmlns:r="http://schemas.openxmlformats.org/officeDocument/2006/relationships" xmlns:c16r2="http://schemas.microsoft.com/office/drawing/2015/06/chart">
+  <c:date1904 val="0"/>
+  <c:lang val="de-DE"/>
+  <c:roundedCorners val="0"/>
+  <mc:AlternateContent xmlns:mc="http://schemas.openxmlformats.org/markup-compatibility/2006">
+    <mc:Choice xmlns:c14="http://schemas.microsoft.com/office/drawing/2007/8/2/chart" Requires="c14">
+      <c14:style val="102"/>
+    </mc:Choice>
+    <mc:Fallback>
+      <c:style val="2"/>
+    </mc:Fallback>
+  </mc:AlternateContent>
+  <c:chart>
+    <c:title>
+      <c:overlay val="0"/>
+      <c:spPr>
+        <a:noFill/>
+        <a:ln>
+          <a:noFill/>
+        </a:ln>
+        <a:effectLst/>
+      </c:spPr>
+      <c:txPr>
+        <a:bodyPr rot="0" spcFirstLastPara="1" vertOverflow="ellipsis" vert="horz" wrap="square" anchor="ctr" anchorCtr="1"/>
+        <a:lstStyle/>
+        <a:p>
+          <a:pPr>
+            <a:defRPr sz="1400" b="0" i="0" u="none" strike="noStrike" kern="1200" spc="0" baseline="0">
+              <a:solidFill>
+                <a:schemeClr val="tx1">
+                  <a:lumMod val="65000"/>
+                  <a:lumOff val="35000"/>
+                </a:schemeClr>
+              </a:solidFill>
+              <a:latin typeface="+mn-lt"/>
+              <a:ea typeface="+mn-ea"/>
+              <a:cs typeface="+mn-cs"/>
+            </a:defRPr>
+          </a:pPr>
+          <a:endParaRPr lang="de-DE"/>
+        </a:p>
+      </c:txPr>
+    </c:title>
+    <c:autoTitleDeleted val="0"/>
+    <c:plotArea>
+      <c:layout/>
+      <c:barChart>
+        <c:barDir val="col"/>
+        <c:grouping val="clustered"/>
+        <c:varyColors val="0"/>
+        <c:ser>
+          <c:idx val="0"/>
+          <c:order val="0"/>
+          <c:tx>
+            <c:strRef>
+              <c:f>Tabelle2!$D$22</c:f>
+              <c:strCache>
+                <c:ptCount val="1"/>
+                <c:pt idx="0">
+                  <c:v>water tox/m3 </c:v>
+                </c:pt>
+              </c:strCache>
+            </c:strRef>
+          </c:tx>
+          <c:spPr>
+            <a:solidFill>
+              <a:schemeClr val="accent1"/>
+            </a:solidFill>
+            <a:ln>
+              <a:noFill/>
+            </a:ln>
+            <a:effectLst/>
+          </c:spPr>
+          <c:invertIfNegative val="0"/>
+          <c:cat>
+            <c:strRef>
+              <c:f>Tabelle2!$A$23:$A$24</c:f>
+              <c:strCache>
+                <c:ptCount val="2"/>
+                <c:pt idx="0">
+                  <c:v>low_env_pol'</c:v>
+                </c:pt>
+                <c:pt idx="1">
+                  <c:v>high_env_pol'</c:v>
+                </c:pt>
+              </c:strCache>
+            </c:strRef>
+          </c:cat>
+          <c:val>
+            <c:numRef>
+              <c:f>Tabelle2!$D$23:$D$24</c:f>
+              <c:numCache>
+                <c:formatCode>General</c:formatCode>
+                <c:ptCount val="2"/>
+                <c:pt idx="0">
+                  <c:v>231.513651673711</c:v>
+                </c:pt>
+                <c:pt idx="1">
+                  <c:v>893.88337369446594</c:v>
+                </c:pt>
+              </c:numCache>
+            </c:numRef>
+          </c:val>
+          <c:extLst>
+            <c:ext xmlns:c16="http://schemas.microsoft.com/office/drawing/2014/chart" uri="{C3380CC4-5D6E-409C-BE32-E72D297353CC}">
+              <c16:uniqueId val="{00000000-13A3-4209-BF55-4AD32B78BA4C}"/>
+            </c:ext>
+          </c:extLst>
+        </c:ser>
+        <c:dLbls>
+          <c:showLegendKey val="0"/>
+          <c:showVal val="0"/>
+          <c:showCatName val="0"/>
+          <c:showSerName val="0"/>
+          <c:showPercent val="0"/>
+          <c:showBubbleSize val="0"/>
+        </c:dLbls>
+        <c:gapWidth val="219"/>
+        <c:overlap val="-27"/>
+        <c:axId val="305710376"/>
+        <c:axId val="305704472"/>
+      </c:barChart>
+      <c:catAx>
+        <c:axId val="305710376"/>
+        <c:scaling>
+          <c:orientation val="minMax"/>
+        </c:scaling>
+        <c:delete val="0"/>
+        <c:axPos val="b"/>
+        <c:numFmt formatCode="General" sourceLinked="1"/>
+        <c:majorTickMark val="none"/>
+        <c:minorTickMark val="none"/>
+        <c:tickLblPos val="nextTo"/>
+        <c:spPr>
+          <a:noFill/>
+          <a:ln w="9525" cap="flat" cmpd="sng" algn="ctr">
+            <a:solidFill>
+              <a:schemeClr val="tx1">
+                <a:lumMod val="15000"/>
+                <a:lumOff val="85000"/>
+              </a:schemeClr>
+            </a:solidFill>
+            <a:round/>
+          </a:ln>
+          <a:effectLst/>
+        </c:spPr>
+        <c:txPr>
+          <a:bodyPr rot="-60000000" spcFirstLastPara="1" vertOverflow="ellipsis" vert="horz" wrap="square" anchor="ctr" anchorCtr="1"/>
+          <a:lstStyle/>
+          <a:p>
+            <a:pPr>
+              <a:defRPr sz="900" b="0" i="0" u="none" strike="noStrike" kern="1200" baseline="0">
+                <a:solidFill>
+                  <a:schemeClr val="tx1">
+                    <a:lumMod val="65000"/>
+                    <a:lumOff val="35000"/>
+                  </a:schemeClr>
+                </a:solidFill>
+                <a:latin typeface="+mn-lt"/>
+                <a:ea typeface="+mn-ea"/>
+                <a:cs typeface="+mn-cs"/>
+              </a:defRPr>
+            </a:pPr>
+            <a:endParaRPr lang="de-DE"/>
+          </a:p>
+        </c:txPr>
+        <c:crossAx val="305704472"/>
+        <c:crosses val="autoZero"/>
+        <c:auto val="1"/>
+        <c:lblAlgn val="ctr"/>
+        <c:lblOffset val="100"/>
+        <c:noMultiLvlLbl val="0"/>
+      </c:catAx>
+      <c:valAx>
+        <c:axId val="305704472"/>
+        <c:scaling>
+          <c:orientation val="minMax"/>
+        </c:scaling>
+        <c:delete val="0"/>
+        <c:axPos val="l"/>
+        <c:majorGridlines>
+          <c:spPr>
+            <a:ln w="9525" cap="flat" cmpd="sng" algn="ctr">
+              <a:solidFill>
+                <a:schemeClr val="tx1">
+                  <a:lumMod val="15000"/>
+                  <a:lumOff val="85000"/>
+                </a:schemeClr>
+              </a:solidFill>
+              <a:round/>
+            </a:ln>
+            <a:effectLst/>
+          </c:spPr>
+        </c:majorGridlines>
+        <c:numFmt formatCode="General" sourceLinked="1"/>
+        <c:majorTickMark val="none"/>
+        <c:minorTickMark val="none"/>
+        <c:tickLblPos val="nextTo"/>
+        <c:spPr>
+          <a:noFill/>
+          <a:ln>
+            <a:noFill/>
+          </a:ln>
+          <a:effectLst/>
+        </c:spPr>
+        <c:txPr>
+          <a:bodyPr rot="-60000000" spcFirstLastPara="1" vertOverflow="ellipsis" vert="horz" wrap="square" anchor="ctr" anchorCtr="1"/>
+          <a:lstStyle/>
+          <a:p>
+            <a:pPr>
+              <a:defRPr sz="900" b="0" i="0" u="none" strike="noStrike" kern="1200" baseline="0">
+                <a:solidFill>
+                  <a:schemeClr val="tx1">
+                    <a:lumMod val="65000"/>
+                    <a:lumOff val="35000"/>
+                  </a:schemeClr>
+                </a:solidFill>
+                <a:latin typeface="+mn-lt"/>
+                <a:ea typeface="+mn-ea"/>
+                <a:cs typeface="+mn-cs"/>
+              </a:defRPr>
+            </a:pPr>
+            <a:endParaRPr lang="de-DE"/>
+          </a:p>
+        </c:txPr>
+        <c:crossAx val="305710376"/>
+        <c:crosses val="autoZero"/>
+        <c:crossBetween val="between"/>
+      </c:valAx>
+      <c:spPr>
+        <a:noFill/>
+        <a:ln>
+          <a:noFill/>
+        </a:ln>
+        <a:effectLst/>
+      </c:spPr>
+    </c:plotArea>
+    <c:legend>
+      <c:legendPos val="b"/>
+      <c:overlay val="0"/>
+      <c:spPr>
+        <a:noFill/>
+        <a:ln>
+          <a:noFill/>
+        </a:ln>
+        <a:effectLst/>
+      </c:spPr>
+      <c:txPr>
+        <a:bodyPr rot="0" spcFirstLastPara="1" vertOverflow="ellipsis" vert="horz" wrap="square" anchor="ctr" anchorCtr="1"/>
+        <a:lstStyle/>
+        <a:p>
+          <a:pPr>
+            <a:defRPr sz="900" b="0" i="0" u="none" strike="noStrike" kern="1200" baseline="0">
+              <a:solidFill>
+                <a:schemeClr val="tx1">
+                  <a:lumMod val="65000"/>
+                  <a:lumOff val="35000"/>
+                </a:schemeClr>
+              </a:solidFill>
+              <a:latin typeface="+mn-lt"/>
+              <a:ea typeface="+mn-ea"/>
+              <a:cs typeface="+mn-cs"/>
+            </a:defRPr>
+          </a:pPr>
+          <a:endParaRPr lang="de-DE"/>
+        </a:p>
+      </c:txPr>
+    </c:legend>
+    <c:plotVisOnly val="1"/>
+    <c:dispBlanksAs val="gap"/>
+    <c:extLst>
+      <c:ext xmlns:c16r3="http://schemas.microsoft.com/office/drawing/2017/03/chart" uri="{56B9EC1D-385E-4148-901F-78D8002777C0}">
+        <c16r3:dataDisplayOptions16>
+          <c16r3:dispNaAsBlank val="1"/>
+        </c16r3:dataDisplayOptions16>
+      </c:ext>
+    </c:extLst>
+    <c:showDLblsOverMax val="0"/>
+  </c:chart>
+  <c:spPr>
+    <a:noFill/>
+    <a:ln>
+      <a:noFill/>
+    </a:ln>
+    <a:effectLst/>
+  </c:spPr>
+  <c:txPr>
+    <a:bodyPr/>
+    <a:lstStyle/>
+    <a:p>
+      <a:pPr>
+        <a:defRPr/>
+      </a:pPr>
+      <a:endParaRPr lang="de-DE"/>
+    </a:p>
+  </c:txPr>
+  <c:externalData r:id="rId3">
+    <c:autoUpdate val="0"/>
+  </c:externalData>
+</c:chartSpace>
+</file>
+
+<file path=ppt/charts/chart2.xml><?xml version="1.0" encoding="utf-8"?>
+<c:chartSpace xmlns:c="http://schemas.openxmlformats.org/drawingml/2006/chart" xmlns:a="http://schemas.openxmlformats.org/drawingml/2006/main" xmlns:r="http://schemas.openxmlformats.org/officeDocument/2006/relationships" xmlns:c16r2="http://schemas.microsoft.com/office/drawing/2015/06/chart">
+  <c:date1904 val="0"/>
+  <c:lang val="de-DE"/>
+  <c:roundedCorners val="0"/>
+  <mc:AlternateContent xmlns:mc="http://schemas.openxmlformats.org/markup-compatibility/2006">
+    <mc:Choice xmlns:c14="http://schemas.microsoft.com/office/drawing/2007/8/2/chart" Requires="c14">
+      <c14:style val="102"/>
+    </mc:Choice>
+    <mc:Fallback>
+      <c:style val="2"/>
+    </mc:Fallback>
+  </mc:AlternateContent>
+  <c:chart>
+    <c:title>
+      <c:tx>
+        <c:rich>
+          <a:bodyPr rot="0" spcFirstLastPara="1" vertOverflow="ellipsis" vert="horz" wrap="square" anchor="ctr" anchorCtr="1"/>
+          <a:lstStyle/>
+          <a:p>
+            <a:pPr>
+              <a:defRPr sz="1400" b="0" i="0" u="none" strike="noStrike" kern="1200" spc="0" baseline="0">
+                <a:solidFill>
+                  <a:schemeClr val="tx1">
+                    <a:lumMod val="65000"/>
+                    <a:lumOff val="35000"/>
+                  </a:schemeClr>
+                </a:solidFill>
+                <a:latin typeface="+mn-lt"/>
+                <a:ea typeface="+mn-ea"/>
+                <a:cs typeface="+mn-cs"/>
+              </a:defRPr>
+            </a:pPr>
+            <a:r>
+              <a:rPr lang="de-DE"/>
+              <a:t>gwp/m3</a:t>
+            </a:r>
+          </a:p>
+        </c:rich>
+      </c:tx>
+      <c:overlay val="0"/>
+      <c:spPr>
+        <a:noFill/>
+        <a:ln>
+          <a:noFill/>
+        </a:ln>
+        <a:effectLst/>
+      </c:spPr>
+      <c:txPr>
+        <a:bodyPr rot="0" spcFirstLastPara="1" vertOverflow="ellipsis" vert="horz" wrap="square" anchor="ctr" anchorCtr="1"/>
+        <a:lstStyle/>
+        <a:p>
+          <a:pPr>
+            <a:defRPr sz="1400" b="0" i="0" u="none" strike="noStrike" kern="1200" spc="0" baseline="0">
+              <a:solidFill>
+                <a:schemeClr val="tx1">
+                  <a:lumMod val="65000"/>
+                  <a:lumOff val="35000"/>
+                </a:schemeClr>
+              </a:solidFill>
+              <a:latin typeface="+mn-lt"/>
+              <a:ea typeface="+mn-ea"/>
+              <a:cs typeface="+mn-cs"/>
+            </a:defRPr>
+          </a:pPr>
+          <a:endParaRPr lang="de-DE"/>
+        </a:p>
+      </c:txPr>
+    </c:title>
+    <c:autoTitleDeleted val="0"/>
+    <c:plotArea>
+      <c:layout/>
+      <c:barChart>
+        <c:barDir val="col"/>
+        <c:grouping val="clustered"/>
+        <c:varyColors val="0"/>
+        <c:ser>
+          <c:idx val="0"/>
+          <c:order val="0"/>
+          <c:tx>
+            <c:strRef>
+              <c:f>Tabelle2!$D$22</c:f>
+              <c:strCache>
+                <c:ptCount val="1"/>
+                <c:pt idx="0">
+                  <c:v>water tox/m3 </c:v>
+                </c:pt>
+              </c:strCache>
+            </c:strRef>
+          </c:tx>
+          <c:spPr>
+            <a:solidFill>
+              <a:schemeClr val="accent1"/>
+            </a:solidFill>
+            <a:ln>
+              <a:noFill/>
+            </a:ln>
+            <a:effectLst/>
+          </c:spPr>
+          <c:invertIfNegative val="0"/>
+          <c:cat>
+            <c:strRef>
+              <c:f>Tabelle2!$A$27:$A$28</c:f>
+              <c:strCache>
+                <c:ptCount val="2"/>
+                <c:pt idx="0">
+                  <c:v>low_env_pol'</c:v>
+                </c:pt>
+                <c:pt idx="1">
+                  <c:v>high_env_pol'</c:v>
+                </c:pt>
+              </c:strCache>
+            </c:strRef>
+          </c:cat>
+          <c:val>
+            <c:numRef>
+              <c:f>Tabelle2!$D$27:$D$28</c:f>
+              <c:numCache>
+                <c:formatCode>General</c:formatCode>
+                <c:ptCount val="2"/>
+                <c:pt idx="0">
+                  <c:v>7.7231535960817096E-2</c:v>
+                </c:pt>
+                <c:pt idx="1">
+                  <c:v>3.5538327483524597E-2</c:v>
+                </c:pt>
+              </c:numCache>
+            </c:numRef>
+          </c:val>
+          <c:extLst>
+            <c:ext xmlns:c16="http://schemas.microsoft.com/office/drawing/2014/chart" uri="{C3380CC4-5D6E-409C-BE32-E72D297353CC}">
+              <c16:uniqueId val="{00000000-E6EC-4599-898E-EE2A6FE98723}"/>
+            </c:ext>
+          </c:extLst>
+        </c:ser>
+        <c:dLbls>
+          <c:showLegendKey val="0"/>
+          <c:showVal val="0"/>
+          <c:showCatName val="0"/>
+          <c:showSerName val="0"/>
+          <c:showPercent val="0"/>
+          <c:showBubbleSize val="0"/>
+        </c:dLbls>
+        <c:gapWidth val="219"/>
+        <c:overlap val="-27"/>
+        <c:axId val="305710376"/>
+        <c:axId val="305704472"/>
+      </c:barChart>
+      <c:catAx>
+        <c:axId val="305710376"/>
+        <c:scaling>
+          <c:orientation val="minMax"/>
+        </c:scaling>
+        <c:delete val="0"/>
+        <c:axPos val="b"/>
+        <c:numFmt formatCode="General" sourceLinked="1"/>
+        <c:majorTickMark val="none"/>
+        <c:minorTickMark val="none"/>
+        <c:tickLblPos val="nextTo"/>
+        <c:spPr>
+          <a:noFill/>
+          <a:ln w="9525" cap="flat" cmpd="sng" algn="ctr">
+            <a:solidFill>
+              <a:schemeClr val="tx1">
+                <a:lumMod val="15000"/>
+                <a:lumOff val="85000"/>
+              </a:schemeClr>
+            </a:solidFill>
+            <a:round/>
+          </a:ln>
+          <a:effectLst/>
+        </c:spPr>
+        <c:txPr>
+          <a:bodyPr rot="-60000000" spcFirstLastPara="1" vertOverflow="ellipsis" vert="horz" wrap="square" anchor="ctr" anchorCtr="1"/>
+          <a:lstStyle/>
+          <a:p>
+            <a:pPr>
+              <a:defRPr sz="900" b="0" i="0" u="none" strike="noStrike" kern="1200" baseline="0">
+                <a:solidFill>
+                  <a:schemeClr val="tx1">
+                    <a:lumMod val="65000"/>
+                    <a:lumOff val="35000"/>
+                  </a:schemeClr>
+                </a:solidFill>
+                <a:latin typeface="+mn-lt"/>
+                <a:ea typeface="+mn-ea"/>
+                <a:cs typeface="+mn-cs"/>
+              </a:defRPr>
+            </a:pPr>
+            <a:endParaRPr lang="de-DE"/>
+          </a:p>
+        </c:txPr>
+        <c:crossAx val="305704472"/>
+        <c:crosses val="autoZero"/>
+        <c:auto val="1"/>
+        <c:lblAlgn val="ctr"/>
+        <c:lblOffset val="100"/>
+        <c:noMultiLvlLbl val="0"/>
+      </c:catAx>
+      <c:valAx>
+        <c:axId val="305704472"/>
+        <c:scaling>
+          <c:orientation val="minMax"/>
+        </c:scaling>
+        <c:delete val="0"/>
+        <c:axPos val="l"/>
+        <c:majorGridlines>
+          <c:spPr>
+            <a:ln w="9525" cap="flat" cmpd="sng" algn="ctr">
+              <a:solidFill>
+                <a:schemeClr val="tx1">
+                  <a:lumMod val="15000"/>
+                  <a:lumOff val="85000"/>
+                </a:schemeClr>
+              </a:solidFill>
+              <a:round/>
+            </a:ln>
+            <a:effectLst/>
+          </c:spPr>
+        </c:majorGridlines>
+        <c:numFmt formatCode="General" sourceLinked="1"/>
+        <c:majorTickMark val="none"/>
+        <c:minorTickMark val="none"/>
+        <c:tickLblPos val="nextTo"/>
+        <c:spPr>
+          <a:noFill/>
+          <a:ln>
+            <a:noFill/>
+          </a:ln>
+          <a:effectLst/>
+        </c:spPr>
+        <c:txPr>
+          <a:bodyPr rot="-60000000" spcFirstLastPara="1" vertOverflow="ellipsis" vert="horz" wrap="square" anchor="ctr" anchorCtr="1"/>
+          <a:lstStyle/>
+          <a:p>
+            <a:pPr>
+              <a:defRPr sz="900" b="0" i="0" u="none" strike="noStrike" kern="1200" baseline="0">
+                <a:solidFill>
+                  <a:schemeClr val="tx1">
+                    <a:lumMod val="65000"/>
+                    <a:lumOff val="35000"/>
+                  </a:schemeClr>
+                </a:solidFill>
+                <a:latin typeface="+mn-lt"/>
+                <a:ea typeface="+mn-ea"/>
+                <a:cs typeface="+mn-cs"/>
+              </a:defRPr>
+            </a:pPr>
+            <a:endParaRPr lang="de-DE"/>
+          </a:p>
+        </c:txPr>
+        <c:crossAx val="305710376"/>
+        <c:crosses val="autoZero"/>
+        <c:crossBetween val="between"/>
+      </c:valAx>
+      <c:spPr>
+        <a:noFill/>
+        <a:ln>
+          <a:noFill/>
+        </a:ln>
+        <a:effectLst/>
+      </c:spPr>
+    </c:plotArea>
+    <c:legend>
+      <c:legendPos val="b"/>
+      <c:overlay val="0"/>
+      <c:spPr>
+        <a:noFill/>
+        <a:ln>
+          <a:noFill/>
+        </a:ln>
+        <a:effectLst/>
+      </c:spPr>
+      <c:txPr>
+        <a:bodyPr rot="0" spcFirstLastPara="1" vertOverflow="ellipsis" vert="horz" wrap="square" anchor="ctr" anchorCtr="1"/>
+        <a:lstStyle/>
+        <a:p>
+          <a:pPr>
+            <a:defRPr sz="900" b="0" i="0" u="none" strike="noStrike" kern="1200" baseline="0">
+              <a:solidFill>
+                <a:schemeClr val="tx1">
+                  <a:lumMod val="65000"/>
+                  <a:lumOff val="35000"/>
+                </a:schemeClr>
+              </a:solidFill>
+              <a:latin typeface="+mn-lt"/>
+              <a:ea typeface="+mn-ea"/>
+              <a:cs typeface="+mn-cs"/>
+            </a:defRPr>
+          </a:pPr>
+          <a:endParaRPr lang="de-DE"/>
+        </a:p>
+      </c:txPr>
+    </c:legend>
+    <c:plotVisOnly val="1"/>
+    <c:dispBlanksAs val="gap"/>
+    <c:extLst>
+      <c:ext xmlns:c16r3="http://schemas.microsoft.com/office/drawing/2017/03/chart" uri="{56B9EC1D-385E-4148-901F-78D8002777C0}">
+        <c16r3:dataDisplayOptions16>
+          <c16r3:dispNaAsBlank val="1"/>
+        </c16r3:dataDisplayOptions16>
+      </c:ext>
+    </c:extLst>
+    <c:showDLblsOverMax val="0"/>
+  </c:chart>
+  <c:spPr>
+    <a:noFill/>
+    <a:ln>
+      <a:noFill/>
+    </a:ln>
+    <a:effectLst/>
+  </c:spPr>
+  <c:txPr>
+    <a:bodyPr/>
+    <a:lstStyle/>
+    <a:p>
+      <a:pPr>
+        <a:defRPr/>
+      </a:pPr>
+      <a:endParaRPr lang="de-DE"/>
+    </a:p>
+  </c:txPr>
+  <c:externalData r:id="rId3">
+    <c:autoUpdate val="0"/>
+  </c:externalData>
+</c:chartSpace>
+</file>
+
+<file path=ppt/charts/colors1.xml><?xml version="1.0" encoding="utf-8"?>
+<cs:colorStyle xmlns:cs="http://schemas.microsoft.com/office/drawing/2012/chartStyle" xmlns:a="http://schemas.openxmlformats.org/drawingml/2006/main" meth="cycle" id="10">
+  <a:schemeClr val="accent1"/>
+  <a:schemeClr val="accent2"/>
+  <a:schemeClr val="accent3"/>
+  <a:schemeClr val="accent4"/>
+  <a:schemeClr val="accent5"/>
+  <a:schemeClr val="accent6"/>
+  <cs:variation/>
+  <cs:variation>
+    <a:lumMod val="60000"/>
+  </cs:variation>
+  <cs:variation>
+    <a:lumMod val="80000"/>
+    <a:lumOff val="20000"/>
+  </cs:variation>
+  <cs:variation>
+    <a:lumMod val="80000"/>
+  </cs:variation>
+  <cs:variation>
+    <a:lumMod val="60000"/>
+    <a:lumOff val="40000"/>
+  </cs:variation>
+  <cs:variation>
+    <a:lumMod val="50000"/>
+  </cs:variation>
+  <cs:variation>
+    <a:lumMod val="70000"/>
+    <a:lumOff val="30000"/>
+  </cs:variation>
+  <cs:variation>
+    <a:lumMod val="70000"/>
+  </cs:variation>
+  <cs:variation>
+    <a:lumMod val="50000"/>
+    <a:lumOff val="50000"/>
+  </cs:variation>
+</cs:colorStyle>
+</file>
+
+<file path=ppt/charts/colors2.xml><?xml version="1.0" encoding="utf-8"?>
+<cs:colorStyle xmlns:cs="http://schemas.microsoft.com/office/drawing/2012/chartStyle" xmlns:a="http://schemas.openxmlformats.org/drawingml/2006/main" meth="cycle" id="10">
+  <a:schemeClr val="accent1"/>
+  <a:schemeClr val="accent2"/>
+  <a:schemeClr val="accent3"/>
+  <a:schemeClr val="accent4"/>
+  <a:schemeClr val="accent5"/>
+  <a:schemeClr val="accent6"/>
+  <cs:variation/>
+  <cs:variation>
+    <a:lumMod val="60000"/>
+  </cs:variation>
+  <cs:variation>
+    <a:lumMod val="80000"/>
+    <a:lumOff val="20000"/>
+  </cs:variation>
+  <cs:variation>
+    <a:lumMod val="80000"/>
+  </cs:variation>
+  <cs:variation>
+    <a:lumMod val="60000"/>
+    <a:lumOff val="40000"/>
+  </cs:variation>
+  <cs:variation>
+    <a:lumMod val="50000"/>
+  </cs:variation>
+  <cs:variation>
+    <a:lumMod val="70000"/>
+    <a:lumOff val="30000"/>
+  </cs:variation>
+  <cs:variation>
+    <a:lumMod val="70000"/>
+  </cs:variation>
+  <cs:variation>
+    <a:lumMod val="50000"/>
+    <a:lumOff val="50000"/>
+  </cs:variation>
+</cs:colorStyle>
+</file>
+
+<file path=ppt/charts/style1.xml><?xml version="1.0" encoding="utf-8"?>
+<cs:chartStyle xmlns:cs="http://schemas.microsoft.com/office/drawing/2012/chartStyle" xmlns:a="http://schemas.openxmlformats.org/drawingml/2006/main" id="201">
+  <cs:axisTitle>
+    <cs:lnRef idx="0"/>
+    <cs:fillRef idx="0"/>
+    <cs:effectRef idx="0"/>
+    <cs:fontRef idx="minor">
+      <a:schemeClr val="tx1">
+        <a:lumMod val="65000"/>
+        <a:lumOff val="35000"/>
+      </a:schemeClr>
+    </cs:fontRef>
+    <cs:defRPr sz="1000" kern="1200"/>
+  </cs:axisTitle>
+  <cs:categoryAxis>
+    <cs:lnRef idx="0"/>
+    <cs:fillRef idx="0"/>
+    <cs:effectRef idx="0"/>
+    <cs:fontRef idx="minor">
+      <a:schemeClr val="tx1">
+        <a:lumMod val="65000"/>
+        <a:lumOff val="35000"/>
+      </a:schemeClr>
+    </cs:fontRef>
+    <cs:spPr>
+      <a:ln w="9525" cap="flat" cmpd="sng" algn="ctr">
+        <a:solidFill>
+          <a:schemeClr val="tx1">
+            <a:lumMod val="15000"/>
+            <a:lumOff val="85000"/>
+          </a:schemeClr>
+        </a:solidFill>
+        <a:round/>
+      </a:ln>
+    </cs:spPr>
+    <cs:defRPr sz="900" kern="1200"/>
+  </cs:categoryAxis>
+  <cs:chartArea mods="allowNoFillOverride allowNoLineOverride">
+    <cs:lnRef idx="0"/>
+    <cs:fillRef idx="0"/>
+    <cs:effectRef idx="0"/>
+    <cs:fontRef idx="minor">
+      <a:schemeClr val="tx1"/>
+    </cs:fontRef>
+    <cs:spPr>
+      <a:solidFill>
+        <a:schemeClr val="bg1"/>
+      </a:solidFill>
+      <a:ln w="9525" cap="flat" cmpd="sng" algn="ctr">
+        <a:solidFill>
+          <a:schemeClr val="tx1">
+            <a:lumMod val="15000"/>
+            <a:lumOff val="85000"/>
+          </a:schemeClr>
+        </a:solidFill>
+        <a:round/>
+      </a:ln>
+    </cs:spPr>
+    <cs:defRPr sz="1000" kern="1200"/>
+  </cs:chartArea>
+  <cs:dataLabel>
+    <cs:lnRef idx="0"/>
+    <cs:fillRef idx="0"/>
+    <cs:effectRef idx="0"/>
+    <cs:fontRef idx="minor">
+      <a:schemeClr val="tx1">
+        <a:lumMod val="75000"/>
+        <a:lumOff val="25000"/>
+      </a:schemeClr>
+    </cs:fontRef>
+    <cs:defRPr sz="900" kern="1200"/>
+  </cs:dataLabel>
+  <cs:dataLabelCallout>
+    <cs:lnRef idx="0"/>
+    <cs:fillRef idx="0"/>
+    <cs:effectRef idx="0"/>
+    <cs:fontRef idx="minor">
+      <a:schemeClr val="dk1">
+        <a:lumMod val="65000"/>
+        <a:lumOff val="35000"/>
+      </a:schemeClr>
+    </cs:fontRef>
+    <cs:spPr>
+      <a:solidFill>
+        <a:schemeClr val="lt1"/>
+      </a:solidFill>
+      <a:ln>
+        <a:solidFill>
+          <a:schemeClr val="dk1">
+            <a:lumMod val="25000"/>
+            <a:lumOff val="75000"/>
+          </a:schemeClr>
+        </a:solidFill>
+      </a:ln>
+    </cs:spPr>
+    <cs:defRPr sz="900" kern="1200"/>
+    <cs:bodyPr rot="0" spcFirstLastPara="1" vertOverflow="clip" horzOverflow="clip" vert="horz" wrap="square" lIns="36576" tIns="18288" rIns="36576" bIns="18288" anchor="ctr" anchorCtr="1">
+      <a:spAutoFit/>
+    </cs:bodyPr>
+  </cs:dataLabelCallout>
+  <cs:dataPoint>
+    <cs:lnRef idx="0"/>
+    <cs:fillRef idx="1">
+      <cs:styleClr val="auto"/>
+    </cs:fillRef>
+    <cs:effectRef idx="0"/>
+    <cs:fontRef idx="minor">
+      <a:schemeClr val="tx1"/>
+    </cs:fontRef>
+  </cs:dataPoint>
+  <cs:dataPoint3D>
+    <cs:lnRef idx="0"/>
+    <cs:fillRef idx="1">
+      <cs:styleClr val="auto"/>
+    </cs:fillRef>
+    <cs:effectRef idx="0"/>
+    <cs:fontRef idx="minor">
+      <a:schemeClr val="tx1"/>
+    </cs:fontRef>
+  </cs:dataPoint3D>
+  <cs:dataPointLine>
+    <cs:lnRef idx="0">
+      <cs:styleClr val="auto"/>
+    </cs:lnRef>
+    <cs:fillRef idx="1"/>
+    <cs:effectRef idx="0"/>
+    <cs:fontRef idx="minor">
+      <a:schemeClr val="tx1"/>
+    </cs:fontRef>
+    <cs:spPr>
+      <a:ln w="28575" cap="rnd">
+        <a:solidFill>
+          <a:schemeClr val="phClr"/>
+        </a:solidFill>
+        <a:round/>
+      </a:ln>
+    </cs:spPr>
+  </cs:dataPointLine>
+  <cs:dataPointMarker>
+    <cs:lnRef idx="0">
+      <cs:styleClr val="auto"/>
+    </cs:lnRef>
+    <cs:fillRef idx="1">
+      <cs:styleClr val="auto"/>
+    </cs:fillRef>
+    <cs:effectRef idx="0"/>
+    <cs:fontRef idx="minor">
+      <a:schemeClr val="tx1"/>
+    </cs:fontRef>
+    <cs:spPr>
+      <a:ln w="9525">
+        <a:solidFill>
+          <a:schemeClr val="phClr"/>
+        </a:solidFill>
+      </a:ln>
+    </cs:spPr>
+  </cs:dataPointMarker>
+  <cs:dataPointMarkerLayout symbol="circle" size="5"/>
+  <cs:dataPointWireframe>
+    <cs:lnRef idx="0">
+      <cs:styleClr val="auto"/>
+    </cs:lnRef>
+    <cs:fillRef idx="1"/>
+    <cs:effectRef idx="0"/>
+    <cs:fontRef idx="minor">
+      <a:schemeClr val="tx1"/>
+    </cs:fontRef>
+    <cs:spPr>
+      <a:ln w="9525" cap="rnd">
+        <a:solidFill>
+          <a:schemeClr val="phClr"/>
+        </a:solidFill>
+        <a:round/>
+      </a:ln>
+    </cs:spPr>
+  </cs:dataPointWireframe>
+  <cs:dataTable>
+    <cs:lnRef idx="0"/>
+    <cs:fillRef idx="0"/>
+    <cs:effectRef idx="0"/>
+    <cs:fontRef idx="minor">
+      <a:schemeClr val="tx1">
+        <a:lumMod val="65000"/>
+        <a:lumOff val="35000"/>
+      </a:schemeClr>
+    </cs:fontRef>
+    <cs:spPr>
+      <a:noFill/>
+      <a:ln w="9525" cap="flat" cmpd="sng" algn="ctr">
+        <a:solidFill>
+          <a:schemeClr val="tx1">
+            <a:lumMod val="15000"/>
+            <a:lumOff val="85000"/>
+          </a:schemeClr>
+        </a:solidFill>
+        <a:round/>
+      </a:ln>
+    </cs:spPr>
+    <cs:defRPr sz="900" kern="1200"/>
+  </cs:dataTable>
+  <cs:downBar>
+    <cs:lnRef idx="0"/>
+    <cs:fillRef idx="0"/>
+    <cs:effectRef idx="0"/>
+    <cs:fontRef idx="minor">
+      <a:schemeClr val="dk1"/>
+    </cs:fontRef>
+    <cs:spPr>
+      <a:solidFill>
+        <a:schemeClr val="dk1">
+          <a:lumMod val="65000"/>
+          <a:lumOff val="35000"/>
+        </a:schemeClr>
+      </a:solidFill>
+      <a:ln w="9525">
+        <a:solidFill>
+          <a:schemeClr val="tx1">
+            <a:lumMod val="65000"/>
+            <a:lumOff val="35000"/>
+          </a:schemeClr>
+        </a:solidFill>
+      </a:ln>
+    </cs:spPr>
+  </cs:downBar>
+  <cs:dropLine>
+    <cs:lnRef idx="0"/>
+    <cs:fillRef idx="0"/>
+    <cs:effectRef idx="0"/>
+    <cs:fontRef idx="minor">
+      <a:schemeClr val="tx1"/>
+    </cs:fontRef>
+    <cs:spPr>
+      <a:ln w="9525" cap="flat" cmpd="sng" algn="ctr">
+        <a:solidFill>
+          <a:schemeClr val="tx1">
+            <a:lumMod val="35000"/>
+            <a:lumOff val="65000"/>
+          </a:schemeClr>
+        </a:solidFill>
+        <a:round/>
+      </a:ln>
+    </cs:spPr>
+  </cs:dropLine>
+  <cs:errorBar>
+    <cs:lnRef idx="0"/>
+    <cs:fillRef idx="0"/>
+    <cs:effectRef idx="0"/>
+    <cs:fontRef idx="minor">
+      <a:schemeClr val="tx1"/>
+    </cs:fontRef>
+    <cs:spPr>
+      <a:ln w="9525" cap="flat" cmpd="sng" algn="ctr">
+        <a:solidFill>
+          <a:schemeClr val="tx1">
+            <a:lumMod val="65000"/>
+            <a:lumOff val="35000"/>
+          </a:schemeClr>
+        </a:solidFill>
+        <a:round/>
+      </a:ln>
+    </cs:spPr>
+  </cs:errorBar>
+  <cs:floor>
+    <cs:lnRef idx="0"/>
+    <cs:fillRef idx="0"/>
+    <cs:effectRef idx="0"/>
+    <cs:fontRef idx="minor">
+      <a:schemeClr val="tx1"/>
+    </cs:fontRef>
+    <cs:spPr>
+      <a:noFill/>
+      <a:ln>
+        <a:noFill/>
+      </a:ln>
+    </cs:spPr>
+  </cs:floor>
+  <cs:gridlineMajor>
+    <cs:lnRef idx="0"/>
+    <cs:fillRef idx="0"/>
+    <cs:effectRef idx="0"/>
+    <cs:fontRef idx="minor">
+      <a:schemeClr val="tx1"/>
+    </cs:fontRef>
+    <cs:spPr>
+      <a:ln w="9525" cap="flat" cmpd="sng" algn="ctr">
+        <a:solidFill>
+          <a:schemeClr val="tx1">
+            <a:lumMod val="15000"/>
+            <a:lumOff val="85000"/>
+          </a:schemeClr>
+        </a:solidFill>
+        <a:round/>
+      </a:ln>
+    </cs:spPr>
+  </cs:gridlineMajor>
+  <cs:gridlineMinor>
+    <cs:lnRef idx="0"/>
+    <cs:fillRef idx="0"/>
+    <cs:effectRef idx="0"/>
+    <cs:fontRef idx="minor">
+      <a:schemeClr val="tx1"/>
+    </cs:fontRef>
+    <cs:spPr>
+      <a:ln w="9525" cap="flat" cmpd="sng" algn="ctr">
+        <a:solidFill>
+          <a:schemeClr val="tx1">
+            <a:lumMod val="5000"/>
+            <a:lumOff val="95000"/>
+          </a:schemeClr>
+        </a:solidFill>
+        <a:round/>
+      </a:ln>
+    </cs:spPr>
+  </cs:gridlineMinor>
+  <cs:hiLoLine>
+    <cs:lnRef idx="0"/>
+    <cs:fillRef idx="0"/>
+    <cs:effectRef idx="0"/>
+    <cs:fontRef idx="minor">
+      <a:schemeClr val="tx1"/>
+    </cs:fontRef>
+    <cs:spPr>
+      <a:ln w="9525" cap="flat" cmpd="sng" algn="ctr">
+        <a:solidFill>
+          <a:schemeClr val="tx1">
+            <a:lumMod val="75000"/>
+            <a:lumOff val="25000"/>
+          </a:schemeClr>
+        </a:solidFill>
+        <a:round/>
+      </a:ln>
+    </cs:spPr>
+  </cs:hiLoLine>
+  <cs:leaderLine>
+    <cs:lnRef idx="0"/>
+    <cs:fillRef idx="0"/>
+    <cs:effectRef idx="0"/>
+    <cs:fontRef idx="minor">
+      <a:schemeClr val="tx1"/>
+    </cs:fontRef>
+    <cs:spPr>
+      <a:ln w="9525" cap="flat" cmpd="sng" algn="ctr">
+        <a:solidFill>
+          <a:schemeClr val="tx1">
+            <a:lumMod val="35000"/>
+            <a:lumOff val="65000"/>
+          </a:schemeClr>
+        </a:solidFill>
+        <a:round/>
+      </a:ln>
+    </cs:spPr>
+  </cs:leaderLine>
+  <cs:legend>
+    <cs:lnRef idx="0"/>
+    <cs:fillRef idx="0"/>
+    <cs:effectRef idx="0"/>
+    <cs:fontRef idx="minor">
+      <a:schemeClr val="tx1">
+        <a:lumMod val="65000"/>
+        <a:lumOff val="35000"/>
+      </a:schemeClr>
+    </cs:fontRef>
+    <cs:defRPr sz="900" kern="1200"/>
+  </cs:legend>
+  <cs:plotArea mods="allowNoFillOverride allowNoLineOverride">
+    <cs:lnRef idx="0"/>
+    <cs:fillRef idx="0"/>
+    <cs:effectRef idx="0"/>
+    <cs:fontRef idx="minor">
+      <a:schemeClr val="tx1"/>
+    </cs:fontRef>
+  </cs:plotArea>
+  <cs:plotArea3D mods="allowNoFillOverride allowNoLineOverride">
+    <cs:lnRef idx="0"/>
+    <cs:fillRef idx="0"/>
+    <cs:effectRef idx="0"/>
+    <cs:fontRef idx="minor">
+      <a:schemeClr val="tx1"/>
+    </cs:fontRef>
+  </cs:plotArea3D>
+  <cs:seriesAxis>
+    <cs:lnRef idx="0"/>
+    <cs:fillRef idx="0"/>
+    <cs:effectRef idx="0"/>
+    <cs:fontRef idx="minor">
+      <a:schemeClr val="tx1">
+        <a:lumMod val="65000"/>
+        <a:lumOff val="35000"/>
+      </a:schemeClr>
+    </cs:fontRef>
+    <cs:defRPr sz="900" kern="1200"/>
+  </cs:seriesAxis>
+  <cs:seriesLine>
+    <cs:lnRef idx="0"/>
+    <cs:fillRef idx="0"/>
+    <cs:effectRef idx="0"/>
+    <cs:fontRef idx="minor">
+      <a:schemeClr val="tx1"/>
+    </cs:fontRef>
+    <cs:spPr>
+      <a:ln w="9525" cap="flat" cmpd="sng" algn="ctr">
+        <a:solidFill>
+          <a:schemeClr val="tx1">
+            <a:lumMod val="35000"/>
+            <a:lumOff val="65000"/>
+          </a:schemeClr>
+        </a:solidFill>
+        <a:round/>
+      </a:ln>
+    </cs:spPr>
+  </cs:seriesLine>
+  <cs:title>
+    <cs:lnRef idx="0"/>
+    <cs:fillRef idx="0"/>
+    <cs:effectRef idx="0"/>
+    <cs:fontRef idx="minor">
+      <a:schemeClr val="tx1">
+        <a:lumMod val="65000"/>
+        <a:lumOff val="35000"/>
+      </a:schemeClr>
+    </cs:fontRef>
+    <cs:defRPr sz="1400" b="0" kern="1200" spc="0" baseline="0"/>
+  </cs:title>
+  <cs:trendline>
+    <cs:lnRef idx="0">
+      <cs:styleClr val="auto"/>
+    </cs:lnRef>
+    <cs:fillRef idx="0"/>
+    <cs:effectRef idx="0"/>
+    <cs:fontRef idx="minor">
+      <a:schemeClr val="tx1"/>
+    </cs:fontRef>
+    <cs:spPr>
+      <a:ln w="19050" cap="rnd">
+        <a:solidFill>
+          <a:schemeClr val="phClr"/>
+        </a:solidFill>
+        <a:prstDash val="sysDot"/>
+      </a:ln>
+    </cs:spPr>
+  </cs:trendline>
+  <cs:trendlineLabel>
+    <cs:lnRef idx="0"/>
+    <cs:fillRef idx="0"/>
+    <cs:effectRef idx="0"/>
+    <cs:fontRef idx="minor">
+      <a:schemeClr val="tx1">
+        <a:lumMod val="65000"/>
+        <a:lumOff val="35000"/>
+      </a:schemeClr>
+    </cs:fontRef>
+    <cs:defRPr sz="900" kern="1200"/>
+  </cs:trendlineLabel>
+  <cs:upBar>
+    <cs:lnRef idx="0"/>
+    <cs:fillRef idx="0"/>
+    <cs:effectRef idx="0"/>
+    <cs:fontRef idx="minor">
+      <a:schemeClr val="dk1"/>
+    </cs:fontRef>
+    <cs:spPr>
+      <a:solidFill>
+        <a:schemeClr val="lt1"/>
+      </a:solidFill>
+      <a:ln w="9525">
+        <a:solidFill>
+          <a:schemeClr val="tx1">
+            <a:lumMod val="15000"/>
+            <a:lumOff val="85000"/>
+          </a:schemeClr>
+        </a:solidFill>
+      </a:ln>
+    </cs:spPr>
+  </cs:upBar>
+  <cs:valueAxis>
+    <cs:lnRef idx="0"/>
+    <cs:fillRef idx="0"/>
+    <cs:effectRef idx="0"/>
+    <cs:fontRef idx="minor">
+      <a:schemeClr val="tx1">
+        <a:lumMod val="65000"/>
+        <a:lumOff val="35000"/>
+      </a:schemeClr>
+    </cs:fontRef>
+    <cs:defRPr sz="900" kern="1200"/>
+  </cs:valueAxis>
+  <cs:wall>
+    <cs:lnRef idx="0"/>
+    <cs:fillRef idx="0"/>
+    <cs:effectRef idx="0"/>
+    <cs:fontRef idx="minor">
+      <a:schemeClr val="tx1"/>
+    </cs:fontRef>
+    <cs:spPr>
+      <a:noFill/>
+      <a:ln>
+        <a:noFill/>
+      </a:ln>
+    </cs:spPr>
+  </cs:wall>
+</cs:chartStyle>
+</file>
+
+<file path=ppt/charts/style2.xml><?xml version="1.0" encoding="utf-8"?>
+<cs:chartStyle xmlns:cs="http://schemas.microsoft.com/office/drawing/2012/chartStyle" xmlns:a="http://schemas.openxmlformats.org/drawingml/2006/main" id="201">
+  <cs:axisTitle>
+    <cs:lnRef idx="0"/>
+    <cs:fillRef idx="0"/>
+    <cs:effectRef idx="0"/>
+    <cs:fontRef idx="minor">
+      <a:schemeClr val="tx1">
+        <a:lumMod val="65000"/>
+        <a:lumOff val="35000"/>
+      </a:schemeClr>
+    </cs:fontRef>
+    <cs:defRPr sz="1000" kern="1200"/>
+  </cs:axisTitle>
+  <cs:categoryAxis>
+    <cs:lnRef idx="0"/>
+    <cs:fillRef idx="0"/>
+    <cs:effectRef idx="0"/>
+    <cs:fontRef idx="minor">
+      <a:schemeClr val="tx1">
+        <a:lumMod val="65000"/>
+        <a:lumOff val="35000"/>
+      </a:schemeClr>
+    </cs:fontRef>
+    <cs:spPr>
+      <a:ln w="9525" cap="flat" cmpd="sng" algn="ctr">
+        <a:solidFill>
+          <a:schemeClr val="tx1">
+            <a:lumMod val="15000"/>
+            <a:lumOff val="85000"/>
+          </a:schemeClr>
+        </a:solidFill>
+        <a:round/>
+      </a:ln>
+    </cs:spPr>
+    <cs:defRPr sz="900" kern="1200"/>
+  </cs:categoryAxis>
+  <cs:chartArea mods="allowNoFillOverride allowNoLineOverride">
+    <cs:lnRef idx="0"/>
+    <cs:fillRef idx="0"/>
+    <cs:effectRef idx="0"/>
+    <cs:fontRef idx="minor">
+      <a:schemeClr val="tx1"/>
+    </cs:fontRef>
+    <cs:spPr>
+      <a:solidFill>
+        <a:schemeClr val="bg1"/>
+      </a:solidFill>
+      <a:ln w="9525" cap="flat" cmpd="sng" algn="ctr">
+        <a:solidFill>
+          <a:schemeClr val="tx1">
+            <a:lumMod val="15000"/>
+            <a:lumOff val="85000"/>
+          </a:schemeClr>
+        </a:solidFill>
+        <a:round/>
+      </a:ln>
+    </cs:spPr>
+    <cs:defRPr sz="1000" kern="1200"/>
+  </cs:chartArea>
+  <cs:dataLabel>
+    <cs:lnRef idx="0"/>
+    <cs:fillRef idx="0"/>
+    <cs:effectRef idx="0"/>
+    <cs:fontRef idx="minor">
+      <a:schemeClr val="tx1">
+        <a:lumMod val="75000"/>
+        <a:lumOff val="25000"/>
+      </a:schemeClr>
+    </cs:fontRef>
+    <cs:defRPr sz="900" kern="1200"/>
+  </cs:dataLabel>
+  <cs:dataLabelCallout>
+    <cs:lnRef idx="0"/>
+    <cs:fillRef idx="0"/>
+    <cs:effectRef idx="0"/>
+    <cs:fontRef idx="minor">
+      <a:schemeClr val="dk1">
+        <a:lumMod val="65000"/>
+        <a:lumOff val="35000"/>
+      </a:schemeClr>
+    </cs:fontRef>
+    <cs:spPr>
+      <a:solidFill>
+        <a:schemeClr val="lt1"/>
+      </a:solidFill>
+      <a:ln>
+        <a:solidFill>
+          <a:schemeClr val="dk1">
+            <a:lumMod val="25000"/>
+            <a:lumOff val="75000"/>
+          </a:schemeClr>
+        </a:solidFill>
+      </a:ln>
+    </cs:spPr>
+    <cs:defRPr sz="900" kern="1200"/>
+    <cs:bodyPr rot="0" spcFirstLastPara="1" vertOverflow="clip" horzOverflow="clip" vert="horz" wrap="square" lIns="36576" tIns="18288" rIns="36576" bIns="18288" anchor="ctr" anchorCtr="1">
+      <a:spAutoFit/>
+    </cs:bodyPr>
+  </cs:dataLabelCallout>
+  <cs:dataPoint>
+    <cs:lnRef idx="0"/>
+    <cs:fillRef idx="1">
+      <cs:styleClr val="auto"/>
+    </cs:fillRef>
+    <cs:effectRef idx="0"/>
+    <cs:fontRef idx="minor">
+      <a:schemeClr val="tx1"/>
+    </cs:fontRef>
+  </cs:dataPoint>
+  <cs:dataPoint3D>
+    <cs:lnRef idx="0"/>
+    <cs:fillRef idx="1">
+      <cs:styleClr val="auto"/>
+    </cs:fillRef>
+    <cs:effectRef idx="0"/>
+    <cs:fontRef idx="minor">
+      <a:schemeClr val="tx1"/>
+    </cs:fontRef>
+  </cs:dataPoint3D>
+  <cs:dataPointLine>
+    <cs:lnRef idx="0">
+      <cs:styleClr val="auto"/>
+    </cs:lnRef>
+    <cs:fillRef idx="1"/>
+    <cs:effectRef idx="0"/>
+    <cs:fontRef idx="minor">
+      <a:schemeClr val="tx1"/>
+    </cs:fontRef>
+    <cs:spPr>
+      <a:ln w="28575" cap="rnd">
+        <a:solidFill>
+          <a:schemeClr val="phClr"/>
+        </a:solidFill>
+        <a:round/>
+      </a:ln>
+    </cs:spPr>
+  </cs:dataPointLine>
+  <cs:dataPointMarker>
+    <cs:lnRef idx="0">
+      <cs:styleClr val="auto"/>
+    </cs:lnRef>
+    <cs:fillRef idx="1">
+      <cs:styleClr val="auto"/>
+    </cs:fillRef>
+    <cs:effectRef idx="0"/>
+    <cs:fontRef idx="minor">
+      <a:schemeClr val="tx1"/>
+    </cs:fontRef>
+    <cs:spPr>
+      <a:ln w="9525">
+        <a:solidFill>
+          <a:schemeClr val="phClr"/>
+        </a:solidFill>
+      </a:ln>
+    </cs:spPr>
+  </cs:dataPointMarker>
+  <cs:dataPointMarkerLayout symbol="circle" size="5"/>
+  <cs:dataPointWireframe>
+    <cs:lnRef idx="0">
+      <cs:styleClr val="auto"/>
+    </cs:lnRef>
+    <cs:fillRef idx="1"/>
+    <cs:effectRef idx="0"/>
+    <cs:fontRef idx="minor">
+      <a:schemeClr val="tx1"/>
+    </cs:fontRef>
+    <cs:spPr>
+      <a:ln w="9525" cap="rnd">
+        <a:solidFill>
+          <a:schemeClr val="phClr"/>
+        </a:solidFill>
+        <a:round/>
+      </a:ln>
+    </cs:spPr>
+  </cs:dataPointWireframe>
+  <cs:dataTable>
+    <cs:lnRef idx="0"/>
+    <cs:fillRef idx="0"/>
+    <cs:effectRef idx="0"/>
+    <cs:fontRef idx="minor">
+      <a:schemeClr val="tx1">
+        <a:lumMod val="65000"/>
+        <a:lumOff val="35000"/>
+      </a:schemeClr>
+    </cs:fontRef>
+    <cs:spPr>
+      <a:noFill/>
+      <a:ln w="9525" cap="flat" cmpd="sng" algn="ctr">
+        <a:solidFill>
+          <a:schemeClr val="tx1">
+            <a:lumMod val="15000"/>
+            <a:lumOff val="85000"/>
+          </a:schemeClr>
+        </a:solidFill>
+        <a:round/>
+      </a:ln>
+    </cs:spPr>
+    <cs:defRPr sz="900" kern="1200"/>
+  </cs:dataTable>
+  <cs:downBar>
+    <cs:lnRef idx="0"/>
+    <cs:fillRef idx="0"/>
+    <cs:effectRef idx="0"/>
+    <cs:fontRef idx="minor">
+      <a:schemeClr val="dk1"/>
+    </cs:fontRef>
+    <cs:spPr>
+      <a:solidFill>
+        <a:schemeClr val="dk1">
+          <a:lumMod val="65000"/>
+          <a:lumOff val="35000"/>
+        </a:schemeClr>
+      </a:solidFill>
+      <a:ln w="9525">
+        <a:solidFill>
+          <a:schemeClr val="tx1">
+            <a:lumMod val="65000"/>
+            <a:lumOff val="35000"/>
+          </a:schemeClr>
+        </a:solidFill>
+      </a:ln>
+    </cs:spPr>
+  </cs:downBar>
+  <cs:dropLine>
+    <cs:lnRef idx="0"/>
+    <cs:fillRef idx="0"/>
+    <cs:effectRef idx="0"/>
+    <cs:fontRef idx="minor">
+      <a:schemeClr val="tx1"/>
+    </cs:fontRef>
+    <cs:spPr>
+      <a:ln w="9525" cap="flat" cmpd="sng" algn="ctr">
+        <a:solidFill>
+          <a:schemeClr val="tx1">
+            <a:lumMod val="35000"/>
+            <a:lumOff val="65000"/>
+          </a:schemeClr>
+        </a:solidFill>
+        <a:round/>
+      </a:ln>
+    </cs:spPr>
+  </cs:dropLine>
+  <cs:errorBar>
+    <cs:lnRef idx="0"/>
+    <cs:fillRef idx="0"/>
+    <cs:effectRef idx="0"/>
+    <cs:fontRef idx="minor">
+      <a:schemeClr val="tx1"/>
+    </cs:fontRef>
+    <cs:spPr>
+      <a:ln w="9525" cap="flat" cmpd="sng" algn="ctr">
+        <a:solidFill>
+          <a:schemeClr val="tx1">
+            <a:lumMod val="65000"/>
+            <a:lumOff val="35000"/>
+          </a:schemeClr>
+        </a:solidFill>
+        <a:round/>
+      </a:ln>
+    </cs:spPr>
+  </cs:errorBar>
+  <cs:floor>
+    <cs:lnRef idx="0"/>
+    <cs:fillRef idx="0"/>
+    <cs:effectRef idx="0"/>
+    <cs:fontRef idx="minor">
+      <a:schemeClr val="tx1"/>
+    </cs:fontRef>
+    <cs:spPr>
+      <a:noFill/>
+      <a:ln>
+        <a:noFill/>
+      </a:ln>
+    </cs:spPr>
+  </cs:floor>
+  <cs:gridlineMajor>
+    <cs:lnRef idx="0"/>
+    <cs:fillRef idx="0"/>
+    <cs:effectRef idx="0"/>
+    <cs:fontRef idx="minor">
+      <a:schemeClr val="tx1"/>
+    </cs:fontRef>
+    <cs:spPr>
+      <a:ln w="9525" cap="flat" cmpd="sng" algn="ctr">
+        <a:solidFill>
+          <a:schemeClr val="tx1">
+            <a:lumMod val="15000"/>
+            <a:lumOff val="85000"/>
+          </a:schemeClr>
+        </a:solidFill>
+        <a:round/>
+      </a:ln>
+    </cs:spPr>
+  </cs:gridlineMajor>
+  <cs:gridlineMinor>
+    <cs:lnRef idx="0"/>
+    <cs:fillRef idx="0"/>
+    <cs:effectRef idx="0"/>
+    <cs:fontRef idx="minor">
+      <a:schemeClr val="tx1"/>
+    </cs:fontRef>
+    <cs:spPr>
+      <a:ln w="9525" cap="flat" cmpd="sng" algn="ctr">
+        <a:solidFill>
+          <a:schemeClr val="tx1">
+            <a:lumMod val="5000"/>
+            <a:lumOff val="95000"/>
+          </a:schemeClr>
+        </a:solidFill>
+        <a:round/>
+      </a:ln>
+    </cs:spPr>
+  </cs:gridlineMinor>
+  <cs:hiLoLine>
+    <cs:lnRef idx="0"/>
+    <cs:fillRef idx="0"/>
+    <cs:effectRef idx="0"/>
+    <cs:fontRef idx="minor">
+      <a:schemeClr val="tx1"/>
+    </cs:fontRef>
+    <cs:spPr>
+      <a:ln w="9525" cap="flat" cmpd="sng" algn="ctr">
+        <a:solidFill>
+          <a:schemeClr val="tx1">
+            <a:lumMod val="75000"/>
+            <a:lumOff val="25000"/>
+          </a:schemeClr>
+        </a:solidFill>
+        <a:round/>
+      </a:ln>
+    </cs:spPr>
+  </cs:hiLoLine>
+  <cs:leaderLine>
+    <cs:lnRef idx="0"/>
+    <cs:fillRef idx="0"/>
+    <cs:effectRef idx="0"/>
+    <cs:fontRef idx="minor">
+      <a:schemeClr val="tx1"/>
+    </cs:fontRef>
+    <cs:spPr>
+      <a:ln w="9525" cap="flat" cmpd="sng" algn="ctr">
+        <a:solidFill>
+          <a:schemeClr val="tx1">
+            <a:lumMod val="35000"/>
+            <a:lumOff val="65000"/>
+          </a:schemeClr>
+        </a:solidFill>
+        <a:round/>
+      </a:ln>
+    </cs:spPr>
+  </cs:leaderLine>
+  <cs:legend>
+    <cs:lnRef idx="0"/>
+    <cs:fillRef idx="0"/>
+    <cs:effectRef idx="0"/>
+    <cs:fontRef idx="minor">
+      <a:schemeClr val="tx1">
+        <a:lumMod val="65000"/>
+        <a:lumOff val="35000"/>
+      </a:schemeClr>
+    </cs:fontRef>
+    <cs:defRPr sz="900" kern="1200"/>
+  </cs:legend>
+  <cs:plotArea mods="allowNoFillOverride allowNoLineOverride">
+    <cs:lnRef idx="0"/>
+    <cs:fillRef idx="0"/>
+    <cs:effectRef idx="0"/>
+    <cs:fontRef idx="minor">
+      <a:schemeClr val="tx1"/>
+    </cs:fontRef>
+  </cs:plotArea>
+  <cs:plotArea3D mods="allowNoFillOverride allowNoLineOverride">
+    <cs:lnRef idx="0"/>
+    <cs:fillRef idx="0"/>
+    <cs:effectRef idx="0"/>
+    <cs:fontRef idx="minor">
+      <a:schemeClr val="tx1"/>
+    </cs:fontRef>
+  </cs:plotArea3D>
+  <cs:seriesAxis>
+    <cs:lnRef idx="0"/>
+    <cs:fillRef idx="0"/>
+    <cs:effectRef idx="0"/>
+    <cs:fontRef idx="minor">
+      <a:schemeClr val="tx1">
+        <a:lumMod val="65000"/>
+        <a:lumOff val="35000"/>
+      </a:schemeClr>
+    </cs:fontRef>
+    <cs:defRPr sz="900" kern="1200"/>
+  </cs:seriesAxis>
+  <cs:seriesLine>
+    <cs:lnRef idx="0"/>
+    <cs:fillRef idx="0"/>
+    <cs:effectRef idx="0"/>
+    <cs:fontRef idx="minor">
+      <a:schemeClr val="tx1"/>
+    </cs:fontRef>
+    <cs:spPr>
+      <a:ln w="9525" cap="flat" cmpd="sng" algn="ctr">
+        <a:solidFill>
+          <a:schemeClr val="tx1">
+            <a:lumMod val="35000"/>
+            <a:lumOff val="65000"/>
+          </a:schemeClr>
+        </a:solidFill>
+        <a:round/>
+      </a:ln>
+    </cs:spPr>
+  </cs:seriesLine>
+  <cs:title>
+    <cs:lnRef idx="0"/>
+    <cs:fillRef idx="0"/>
+    <cs:effectRef idx="0"/>
+    <cs:fontRef idx="minor">
+      <a:schemeClr val="tx1">
+        <a:lumMod val="65000"/>
+        <a:lumOff val="35000"/>
+      </a:schemeClr>
+    </cs:fontRef>
+    <cs:defRPr sz="1400" b="0" kern="1200" spc="0" baseline="0"/>
+  </cs:title>
+  <cs:trendline>
+    <cs:lnRef idx="0">
+      <cs:styleClr val="auto"/>
+    </cs:lnRef>
+    <cs:fillRef idx="0"/>
+    <cs:effectRef idx="0"/>
+    <cs:fontRef idx="minor">
+      <a:schemeClr val="tx1"/>
+    </cs:fontRef>
+    <cs:spPr>
+      <a:ln w="19050" cap="rnd">
+        <a:solidFill>
+          <a:schemeClr val="phClr"/>
+        </a:solidFill>
+        <a:prstDash val="sysDot"/>
+      </a:ln>
+    </cs:spPr>
+  </cs:trendline>
+  <cs:trendlineLabel>
+    <cs:lnRef idx="0"/>
+    <cs:fillRef idx="0"/>
+    <cs:effectRef idx="0"/>
+    <cs:fontRef idx="minor">
+      <a:schemeClr val="tx1">
+        <a:lumMod val="65000"/>
+        <a:lumOff val="35000"/>
+      </a:schemeClr>
+    </cs:fontRef>
+    <cs:defRPr sz="900" kern="1200"/>
+  </cs:trendlineLabel>
+  <cs:upBar>
+    <cs:lnRef idx="0"/>
+    <cs:fillRef idx="0"/>
+    <cs:effectRef idx="0"/>
+    <cs:fontRef idx="minor">
+      <a:schemeClr val="dk1"/>
+    </cs:fontRef>
+    <cs:spPr>
+      <a:solidFill>
+        <a:schemeClr val="lt1"/>
+      </a:solidFill>
+      <a:ln w="9525">
+        <a:solidFill>
+          <a:schemeClr val="tx1">
+            <a:lumMod val="15000"/>
+            <a:lumOff val="85000"/>
+          </a:schemeClr>
+        </a:solidFill>
+      </a:ln>
+    </cs:spPr>
+  </cs:upBar>
+  <cs:valueAxis>
+    <cs:lnRef idx="0"/>
+    <cs:fillRef idx="0"/>
+    <cs:effectRef idx="0"/>
+    <cs:fontRef idx="minor">
+      <a:schemeClr val="tx1">
+        <a:lumMod val="65000"/>
+        <a:lumOff val="35000"/>
+      </a:schemeClr>
+    </cs:fontRef>
+    <cs:defRPr sz="900" kern="1200"/>
+  </cs:valueAxis>
+  <cs:wall>
+    <cs:lnRef idx="0"/>
+    <cs:fillRef idx="0"/>
+    <cs:effectRef idx="0"/>
+    <cs:fontRef idx="minor">
+      <a:schemeClr val="tx1"/>
+    </cs:fontRef>
+    <cs:spPr>
+      <a:noFill/>
+      <a:ln>
+        <a:noFill/>
+      </a:ln>
+    </cs:spPr>
+  </cs:wall>
+</cs:chartStyle>
+</file>
+
 <file path=ppt/comments/modernComment_106_FDED5EF8.xml><?xml version="1.0" encoding="utf-8"?>
 <p188:cmLst xmlns:a="http://schemas.openxmlformats.org/drawingml/2006/main" xmlns:r="http://schemas.openxmlformats.org/officeDocument/2006/relationships" xmlns:p188="http://schemas.microsoft.com/office/powerpoint/2018/8/main">
   <p188:cm id="{7E2F4514-BA01-4FEC-A3FD-2B58B04BB88E}" authorId="{83344440-1645-F163-DD48-EE81A8C93DED}" created="2025-11-13T18:54:53.234">
@@ -1051,7 +2769,7 @@
           <a:p>
             <a:fld id="{A0D929E6-8A8A-7849-B07E-EF3F10F499E1}" type="slidenum">
               <a:rPr lang="fr-FR" smtClean="0"/>
-              <a:t>‹#›</a:t>
+              <a:t>‹Nr.›</a:t>
             </a:fld>
             <a:endParaRPr lang="fr-FR"/>
           </a:p>
@@ -1361,7 +3079,7 @@
           <a:p>
             <a:fld id="{778F5207-2293-314B-95F1-12759B93D428}" type="slidenum">
               <a:rPr lang="fr-FR" smtClean="0"/>
-              <a:t>‹#›</a:t>
+              <a:t>‹Nr.›</a:t>
             </a:fld>
             <a:endParaRPr lang="fr-FR"/>
           </a:p>
@@ -1559,7 +3277,7 @@
           <a:p>
             <a:fld id="{778F5207-2293-314B-95F1-12759B93D428}" type="slidenum">
               <a:rPr lang="fr-FR" smtClean="0"/>
-              <a:t>‹#›</a:t>
+              <a:t>‹Nr.›</a:t>
             </a:fld>
             <a:endParaRPr lang="fr-FR"/>
           </a:p>
@@ -1767,7 +3485,7 @@
           <a:p>
             <a:fld id="{778F5207-2293-314B-95F1-12759B93D428}" type="slidenum">
               <a:rPr lang="fr-FR" smtClean="0"/>
-              <a:t>‹#›</a:t>
+              <a:t>‹Nr.›</a:t>
             </a:fld>
             <a:endParaRPr lang="fr-FR"/>
           </a:p>
@@ -1965,7 +3683,7 @@
           <a:p>
             <a:fld id="{778F5207-2293-314B-95F1-12759B93D428}" type="slidenum">
               <a:rPr lang="fr-FR" smtClean="0"/>
-              <a:t>‹#›</a:t>
+              <a:t>‹Nr.›</a:t>
             </a:fld>
             <a:endParaRPr lang="fr-FR"/>
           </a:p>
@@ -2240,7 +3958,7 @@
           <a:p>
             <a:fld id="{778F5207-2293-314B-95F1-12759B93D428}" type="slidenum">
               <a:rPr lang="fr-FR" smtClean="0"/>
-              <a:t>‹#›</a:t>
+              <a:t>‹Nr.›</a:t>
             </a:fld>
             <a:endParaRPr lang="fr-FR"/>
           </a:p>
@@ -2505,7 +4223,7 @@
           <a:p>
             <a:fld id="{778F5207-2293-314B-95F1-12759B93D428}" type="slidenum">
               <a:rPr lang="fr-FR" smtClean="0"/>
-              <a:t>‹#›</a:t>
+              <a:t>‹Nr.›</a:t>
             </a:fld>
             <a:endParaRPr lang="fr-FR"/>
           </a:p>
@@ -2917,7 +4635,7 @@
           <a:p>
             <a:fld id="{778F5207-2293-314B-95F1-12759B93D428}" type="slidenum">
               <a:rPr lang="fr-FR" smtClean="0"/>
-              <a:t>‹#›</a:t>
+              <a:t>‹Nr.›</a:t>
             </a:fld>
             <a:endParaRPr lang="fr-FR"/>
           </a:p>
@@ -3058,7 +4776,7 @@
           <a:p>
             <a:fld id="{778F5207-2293-314B-95F1-12759B93D428}" type="slidenum">
               <a:rPr lang="fr-FR" smtClean="0"/>
-              <a:t>‹#›</a:t>
+              <a:t>‹Nr.›</a:t>
             </a:fld>
             <a:endParaRPr lang="fr-FR"/>
           </a:p>
@@ -3182,7 +4900,7 @@
                 <a:latin typeface="Arial Rounded MT Bold" panose="020F0704030504030204" pitchFamily="34" charset="77"/>
               </a:rPr>
               <a:pPr/>
-              <a:t>‹#›</a:t>
+              <a:t>‹Nr.›</a:t>
             </a:fld>
             <a:r>
               <a:rPr lang="fr-FR" dirty="0"/>
@@ -3624,7 +5342,7 @@
           <a:p>
             <a:fld id="{778F5207-2293-314B-95F1-12759B93D428}" type="slidenum">
               <a:rPr lang="fr-FR" smtClean="0"/>
-              <a:t>‹#›</a:t>
+              <a:t>‹Nr.›</a:t>
             </a:fld>
             <a:endParaRPr lang="fr-FR"/>
           </a:p>
@@ -3912,7 +5630,7 @@
           <a:p>
             <a:fld id="{778F5207-2293-314B-95F1-12759B93D428}" type="slidenum">
               <a:rPr lang="fr-FR" smtClean="0"/>
-              <a:t>‹#›</a:t>
+              <a:t>‹Nr.›</a:t>
             </a:fld>
             <a:endParaRPr lang="fr-FR"/>
           </a:p>
@@ -4189,7 +5907,7 @@
           <a:p>
             <a:fld id="{778F5207-2293-314B-95F1-12759B93D428}" type="slidenum">
               <a:rPr lang="fr-FR" smtClean="0"/>
-              <a:t>‹#›</a:t>
+              <a:t>‹Nr.›</a:t>
             </a:fld>
             <a:endParaRPr lang="fr-FR"/>
           </a:p>
@@ -5021,7 +6739,7 @@
           <p:nvPr/>
         </p:nvPicPr>
         <p:blipFill>
-          <a:blip r:embed="rId3"/>
+          <a:blip r:embed="rId2"/>
           <a:stretch>
             <a:fillRect/>
           </a:stretch>
@@ -5113,7 +6831,7 @@
   </p:clrMapOvr>
   <p:extLst>
     <p:ext uri="{6950BFC3-D8DA-4A85-94F7-54DA5524770B}">
-      <p188:commentRel xmlns:p188="http://schemas.microsoft.com/office/powerpoint/2018/8/main" r:id="rId2"/>
+      <p188:commentRel xmlns:p188="http://schemas.microsoft.com/office/powerpoint/2018/8/main" xmlns="" r:id="rId3"/>
     </p:ext>
   </p:extLst>
 </p:sld>
@@ -6104,12 +7822,12 @@
           <a:graphicData uri="http://schemas.openxmlformats.org/presentationml/2006/ole">
             <mc:AlternateContent xmlns:mc="http://schemas.openxmlformats.org/markup-compatibility/2006">
               <mc:Choice xmlns:v="urn:schemas-microsoft-com:vml" Requires="v">
-                <p:oleObj name="Packager Shell Object" showAsIcon="1" r:id="rId2" imgW="2438400" imgH="518018" progId="Package">
+                <p:oleObj spid="_x0000_s1028" name="Packager Shell Object" showAsIcon="1" r:id="rId3" imgW="2438400" imgH="518018" progId="Package">
                   <p:embed/>
                 </p:oleObj>
               </mc:Choice>
               <mc:Fallback>
-                <p:oleObj name="Packager Shell Object" showAsIcon="1" r:id="rId2" imgW="2438400" imgH="518018" progId="Package">
+                <p:oleObj name="Packager Shell Object" showAsIcon="1" r:id="rId3" imgW="2438400" imgH="518018" progId="Package">
                   <p:embed/>
                   <p:pic>
                     <p:nvPicPr>
@@ -6124,7 +7842,7 @@
                       <p:nvPr/>
                     </p:nvPicPr>
                     <p:blipFill>
-                      <a:blip r:embed="rId3"/>
+                      <a:blip r:embed="rId4"/>
                       <a:stretch>
                         <a:fillRect/>
                       </a:stretch>
@@ -11839,12 +13557,12 @@
           <a:graphicData uri="http://schemas.openxmlformats.org/presentationml/2006/ole">
             <mc:AlternateContent xmlns:mc="http://schemas.openxmlformats.org/markup-compatibility/2006">
               <mc:Choice xmlns:v="urn:schemas-microsoft-com:vml" Requires="v">
-                <p:oleObj name="Packager Shell Object" showAsIcon="1" r:id="rId2" imgW="2438400" imgH="518018" progId="Package">
+                <p:oleObj spid="_x0000_s2052" name="Packager Shell Object" showAsIcon="1" r:id="rId3" imgW="2438400" imgH="518018" progId="Package">
                   <p:embed/>
                 </p:oleObj>
               </mc:Choice>
               <mc:Fallback>
-                <p:oleObj name="Packager Shell Object" showAsIcon="1" r:id="rId2" imgW="2438400" imgH="518018" progId="Package">
+                <p:oleObj name="Packager Shell Object" showAsIcon="1" r:id="rId3" imgW="2438400" imgH="518018" progId="Package">
                   <p:embed/>
                   <p:pic>
                     <p:nvPicPr>
@@ -11859,7 +13577,7 @@
                       <p:nvPr/>
                     </p:nvPicPr>
                     <p:blipFill>
-                      <a:blip r:embed="rId3"/>
+                      <a:blip r:embed="rId4"/>
                       <a:stretch>
                         <a:fillRect/>
                       </a:stretch>
@@ -12012,12 +13730,12 @@
           <a:graphicData uri="http://schemas.openxmlformats.org/presentationml/2006/ole">
             <mc:AlternateContent xmlns:mc="http://schemas.openxmlformats.org/markup-compatibility/2006">
               <mc:Choice xmlns:v="urn:schemas-microsoft-com:vml" Requires="v">
-                <p:oleObj name="Packager Shell Object" showAsIcon="1" r:id="rId2" imgW="2438400" imgH="518018" progId="Package">
+                <p:oleObj spid="_x0000_s3076" name="Packager Shell Object" showAsIcon="1" r:id="rId3" imgW="2438400" imgH="518018" progId="Package">
                   <p:embed/>
                 </p:oleObj>
               </mc:Choice>
               <mc:Fallback>
-                <p:oleObj name="Packager Shell Object" showAsIcon="1" r:id="rId2" imgW="2438400" imgH="518018" progId="Package">
+                <p:oleObj name="Packager Shell Object" showAsIcon="1" r:id="rId3" imgW="2438400" imgH="518018" progId="Package">
                   <p:embed/>
                   <p:pic>
                     <p:nvPicPr>
@@ -12032,7 +13750,7 @@
                       <p:nvPr/>
                     </p:nvPicPr>
                     <p:blipFill>
-                      <a:blip r:embed="rId3"/>
+                      <a:blip r:embed="rId4"/>
                       <a:stretch>
                         <a:fillRect/>
                       </a:stretch>
@@ -14497,12 +16215,12 @@
           <a:graphicData uri="http://schemas.openxmlformats.org/presentationml/2006/ole">
             <mc:AlternateContent xmlns:mc="http://schemas.openxmlformats.org/markup-compatibility/2006">
               <mc:Choice xmlns:v="urn:schemas-microsoft-com:vml" Requires="v">
-                <p:oleObj name="Packager Shell Object" showAsIcon="1" r:id="rId2" imgW="2438400" imgH="518018" progId="Package">
+                <p:oleObj spid="_x0000_s4100" name="Packager Shell Object" showAsIcon="1" r:id="rId3" imgW="2438400" imgH="518018" progId="Package">
                   <p:embed/>
                 </p:oleObj>
               </mc:Choice>
               <mc:Fallback>
-                <p:oleObj name="Packager Shell Object" showAsIcon="1" r:id="rId2" imgW="2438400" imgH="518018" progId="Package">
+                <p:oleObj name="Packager Shell Object" showAsIcon="1" r:id="rId3" imgW="2438400" imgH="518018" progId="Package">
                   <p:embed/>
                   <p:pic>
                     <p:nvPicPr>
@@ -14517,7 +16235,7 @@
                       <p:nvPr/>
                     </p:nvPicPr>
                     <p:blipFill>
-                      <a:blip r:embed="rId3"/>
+                      <a:blip r:embed="rId4"/>
                       <a:stretch>
                         <a:fillRect/>
                       </a:stretch>
@@ -17191,6 +18909,236 @@
     <p:extLst>
       <p:ext uri="{BB962C8B-B14F-4D97-AF65-F5344CB8AC3E}">
         <p14:creationId xmlns:p14="http://schemas.microsoft.com/office/powerpoint/2010/main" val="3752830174"/>
+      </p:ext>
+    </p:extLst>
+  </p:cSld>
+  <p:clrMapOvr>
+    <a:masterClrMapping/>
+  </p:clrMapOvr>
+</p:sld>
+</file>
+
+<file path=ppt/slides/slide19.xml><?xml version="1.0" encoding="utf-8"?>
+<p:sld xmlns:a="http://schemas.openxmlformats.org/drawingml/2006/main" xmlns:r="http://schemas.openxmlformats.org/officeDocument/2006/relationships" xmlns:p="http://schemas.openxmlformats.org/presentationml/2006/main">
+  <p:cSld>
+    <p:spTree>
+      <p:nvGrpSpPr>
+        <p:cNvPr id="1" name=""/>
+        <p:cNvGrpSpPr/>
+        <p:nvPr/>
+      </p:nvGrpSpPr>
+      <p:grpSpPr>
+        <a:xfrm>
+          <a:off x="0" y="0"/>
+          <a:ext cx="0" cy="0"/>
+          <a:chOff x="0" y="0"/>
+          <a:chExt cx="0" cy="0"/>
+        </a:xfrm>
+      </p:grpSpPr>
+      <p:graphicFrame>
+        <p:nvGraphicFramePr>
+          <p:cNvPr id="2" name="Diagramm 1">
+            <a:extLst>
+              <a:ext uri="{FF2B5EF4-FFF2-40B4-BE49-F238E27FC236}">
+                <a16:creationId xmlns:a16="http://schemas.microsoft.com/office/drawing/2014/main" id="{A4E63011-7F2E-4231-8F89-2F6CB267AE5F}"/>
+              </a:ext>
+            </a:extLst>
+          </p:cNvPr>
+          <p:cNvGraphicFramePr>
+            <a:graphicFrameLocks/>
+          </p:cNvGraphicFramePr>
+          <p:nvPr>
+            <p:extLst>
+              <p:ext uri="{D42A27DB-BD31-4B8C-83A1-F6EECF244321}">
+                <p14:modId xmlns:p14="http://schemas.microsoft.com/office/powerpoint/2010/main" val="2473143616"/>
+              </p:ext>
+            </p:extLst>
+          </p:nvPr>
+        </p:nvGraphicFramePr>
+        <p:xfrm>
+          <a:off x="820498" y="1665188"/>
+          <a:ext cx="4366009" cy="4201538"/>
+        </p:xfrm>
+        <a:graphic>
+          <a:graphicData uri="http://schemas.openxmlformats.org/drawingml/2006/chart">
+            <c:chart xmlns:c="http://schemas.openxmlformats.org/drawingml/2006/chart" xmlns:r="http://schemas.openxmlformats.org/officeDocument/2006/relationships" r:id="rId2"/>
+          </a:graphicData>
+        </a:graphic>
+      </p:graphicFrame>
+      <p:graphicFrame>
+        <p:nvGraphicFramePr>
+          <p:cNvPr id="3" name="Diagramm 2">
+            <a:extLst>
+              <a:ext uri="{FF2B5EF4-FFF2-40B4-BE49-F238E27FC236}">
+                <a16:creationId xmlns:a16="http://schemas.microsoft.com/office/drawing/2014/main" id="{E6492770-D5D4-47E9-B031-7D6B222631E6}"/>
+              </a:ext>
+            </a:extLst>
+          </p:cNvPr>
+          <p:cNvGraphicFramePr>
+            <a:graphicFrameLocks/>
+          </p:cNvGraphicFramePr>
+          <p:nvPr>
+            <p:extLst>
+              <p:ext uri="{D42A27DB-BD31-4B8C-83A1-F6EECF244321}">
+                <p14:modId xmlns:p14="http://schemas.microsoft.com/office/powerpoint/2010/main" val="2646426965"/>
+              </p:ext>
+            </p:extLst>
+          </p:nvPr>
+        </p:nvGraphicFramePr>
+        <p:xfrm>
+          <a:off x="5531411" y="1665187"/>
+          <a:ext cx="4366009" cy="4201537"/>
+        </p:xfrm>
+        <a:graphic>
+          <a:graphicData uri="http://schemas.openxmlformats.org/drawingml/2006/chart">
+            <c:chart xmlns:c="http://schemas.openxmlformats.org/drawingml/2006/chart" xmlns:r="http://schemas.openxmlformats.org/officeDocument/2006/relationships" r:id="rId3"/>
+          </a:graphicData>
+        </a:graphic>
+      </p:graphicFrame>
+      <p:sp>
+        <p:nvSpPr>
+          <p:cNvPr id="4" name="Textfeld 3">
+            <a:extLst>
+              <a:ext uri="{FF2B5EF4-FFF2-40B4-BE49-F238E27FC236}">
+                <a16:creationId xmlns:a16="http://schemas.microsoft.com/office/drawing/2014/main" id="{7A963FE4-BC67-4E73-B376-B58A031AA175}"/>
+              </a:ext>
+            </a:extLst>
+          </p:cNvPr>
+          <p:cNvSpPr txBox="1"/>
+          <p:nvPr/>
+        </p:nvSpPr>
+        <p:spPr>
+          <a:xfrm>
+            <a:off x="8456178" y="5527166"/>
+            <a:ext cx="922492" cy="369332"/>
+          </a:xfrm>
+          <a:prstGeom prst="rect">
+            <a:avLst/>
+          </a:prstGeom>
+          <a:noFill/>
+        </p:spPr>
+        <p:txBody>
+          <a:bodyPr wrap="square" rtlCol="0">
+            <a:spAutoFit/>
+          </a:bodyPr>
+          <a:lstStyle/>
+          <a:p>
+            <a:r>
+              <a:rPr lang="de-DE" dirty="0"/>
+              <a:t>2045</a:t>
+            </a:r>
+          </a:p>
+        </p:txBody>
+      </p:sp>
+      <p:sp>
+        <p:nvSpPr>
+          <p:cNvPr id="5" name="Textfeld 4">
+            <a:extLst>
+              <a:ext uri="{FF2B5EF4-FFF2-40B4-BE49-F238E27FC236}">
+                <a16:creationId xmlns:a16="http://schemas.microsoft.com/office/drawing/2014/main" id="{6DA75D50-C4DF-4121-AB5D-2CC110BF21C0}"/>
+              </a:ext>
+            </a:extLst>
+          </p:cNvPr>
+          <p:cNvSpPr txBox="1"/>
+          <p:nvPr/>
+        </p:nvSpPr>
+        <p:spPr>
+          <a:xfrm>
+            <a:off x="3735823" y="5527166"/>
+            <a:ext cx="922492" cy="369332"/>
+          </a:xfrm>
+          <a:prstGeom prst="rect">
+            <a:avLst/>
+          </a:prstGeom>
+          <a:noFill/>
+        </p:spPr>
+        <p:txBody>
+          <a:bodyPr wrap="square" rtlCol="0">
+            <a:spAutoFit/>
+          </a:bodyPr>
+          <a:lstStyle/>
+          <a:p>
+            <a:r>
+              <a:rPr lang="de-DE" dirty="0"/>
+              <a:t>2045</a:t>
+            </a:r>
+          </a:p>
+        </p:txBody>
+      </p:sp>
+      <p:sp>
+        <p:nvSpPr>
+          <p:cNvPr id="6" name="Textfeld 5">
+            <a:extLst>
+              <a:ext uri="{FF2B5EF4-FFF2-40B4-BE49-F238E27FC236}">
+                <a16:creationId xmlns:a16="http://schemas.microsoft.com/office/drawing/2014/main" id="{C8181B70-70E8-408D-AB84-4131C4059DD7}"/>
+              </a:ext>
+            </a:extLst>
+          </p:cNvPr>
+          <p:cNvSpPr txBox="1"/>
+          <p:nvPr/>
+        </p:nvSpPr>
+        <p:spPr>
+          <a:xfrm>
+            <a:off x="1812194" y="5527166"/>
+            <a:ext cx="922492" cy="369332"/>
+          </a:xfrm>
+          <a:prstGeom prst="rect">
+            <a:avLst/>
+          </a:prstGeom>
+          <a:noFill/>
+        </p:spPr>
+        <p:txBody>
+          <a:bodyPr wrap="square" rtlCol="0">
+            <a:spAutoFit/>
+          </a:bodyPr>
+          <a:lstStyle/>
+          <a:p>
+            <a:r>
+              <a:rPr lang="de-DE" dirty="0"/>
+              <a:t>2020</a:t>
+            </a:r>
+          </a:p>
+        </p:txBody>
+      </p:sp>
+      <p:sp>
+        <p:nvSpPr>
+          <p:cNvPr id="7" name="Textfeld 6">
+            <a:extLst>
+              <a:ext uri="{FF2B5EF4-FFF2-40B4-BE49-F238E27FC236}">
+                <a16:creationId xmlns:a16="http://schemas.microsoft.com/office/drawing/2014/main" id="{E2B2922C-ADF4-43EB-8A1A-022FB75DE4A2}"/>
+              </a:ext>
+            </a:extLst>
+          </p:cNvPr>
+          <p:cNvSpPr txBox="1"/>
+          <p:nvPr/>
+        </p:nvSpPr>
+        <p:spPr>
+          <a:xfrm>
+            <a:off x="6475913" y="5527166"/>
+            <a:ext cx="922492" cy="369332"/>
+          </a:xfrm>
+          <a:prstGeom prst="rect">
+            <a:avLst/>
+          </a:prstGeom>
+          <a:noFill/>
+        </p:spPr>
+        <p:txBody>
+          <a:bodyPr wrap="square" rtlCol="0">
+            <a:spAutoFit/>
+          </a:bodyPr>
+          <a:lstStyle/>
+          <a:p>
+            <a:r>
+              <a:rPr lang="de-DE" dirty="0"/>
+              <a:t>2020</a:t>
+            </a:r>
+          </a:p>
+        </p:txBody>
+      </p:sp>
+    </p:spTree>
+    <p:extLst>
+      <p:ext uri="{BB962C8B-B14F-4D97-AF65-F5344CB8AC3E}">
+        <p14:creationId xmlns:p14="http://schemas.microsoft.com/office/powerpoint/2010/main" val="1218445720"/>
       </p:ext>
     </p:extLst>
   </p:cSld>

--- a/presentation/dds_autumn_school_2025_paw_presentation_14-11-2025.pptx
+++ b/presentation/dds_autumn_school_2025_paw_presentation_14-11-2025.pptx
@@ -865,30 +865,86 @@
             <a:effectLst/>
           </c:spPr>
           <c:invertIfNegative val="0"/>
+          <c:dPt>
+            <c:idx val="0"/>
+            <c:invertIfNegative val="0"/>
+            <c:bubble3D val="0"/>
+            <c:spPr>
+              <a:solidFill>
+                <a:schemeClr val="bg1">
+                  <a:lumMod val="50000"/>
+                </a:schemeClr>
+              </a:solidFill>
+              <a:ln>
+                <a:noFill/>
+              </a:ln>
+              <a:effectLst/>
+            </c:spPr>
+            <c:extLst>
+              <c:ext xmlns:c16="http://schemas.microsoft.com/office/drawing/2014/chart" uri="{C3380CC4-5D6E-409C-BE32-E72D297353CC}">
+                <c16:uniqueId val="{00000001-1670-4262-806E-F594475C7E1A}"/>
+              </c:ext>
+            </c:extLst>
+          </c:dPt>
+          <c:dPt>
+            <c:idx val="3"/>
+            <c:invertIfNegative val="0"/>
+            <c:bubble3D val="0"/>
+            <c:spPr>
+              <a:solidFill>
+                <a:schemeClr val="accent2"/>
+              </a:solidFill>
+              <a:ln>
+                <a:noFill/>
+              </a:ln>
+              <a:effectLst/>
+            </c:spPr>
+            <c:extLst>
+              <c:ext xmlns:c16="http://schemas.microsoft.com/office/drawing/2014/chart" uri="{C3380CC4-5D6E-409C-BE32-E72D297353CC}">
+                <c16:uniqueId val="{00000003-1670-4262-806E-F594475C7E1A}"/>
+              </c:ext>
+            </c:extLst>
+          </c:dPt>
           <c:cat>
-            <c:strRef>
-              <c:f>Tabelle2!$A$23:$A$24</c:f>
-              <c:strCache>
-                <c:ptCount val="2"/>
+            <c:numRef>
+              <c:f>Tabelle2!$B$23:$B$27</c:f>
+              <c:numCache>
+                <c:formatCode>General</c:formatCode>
+                <c:ptCount val="5"/>
                 <c:pt idx="0">
-                  <c:v>low_env_pol'</c:v>
+                  <c:v>2020</c:v>
                 </c:pt>
                 <c:pt idx="1">
-                  <c:v>high_env_pol'</c:v>
+                  <c:v>2045</c:v>
                 </c:pt>
-              </c:strCache>
-            </c:strRef>
+                <c:pt idx="2">
+                  <c:v>2035</c:v>
+                </c:pt>
+                <c:pt idx="3">
+                  <c:v>2045</c:v>
+                </c:pt>
+                <c:pt idx="4">
+                  <c:v>2045</c:v>
+                </c:pt>
+              </c:numCache>
+            </c:numRef>
           </c:cat>
           <c:val>
             <c:numRef>
-              <c:f>Tabelle2!$D$23:$D$24</c:f>
+              <c:f>Tabelle2!$D$23:$D$27</c:f>
               <c:numCache>
                 <c:formatCode>General</c:formatCode>
-                <c:ptCount val="2"/>
+                <c:ptCount val="5"/>
                 <c:pt idx="0">
                   <c:v>231.513651673711</c:v>
                 </c:pt>
-                <c:pt idx="1">
+                <c:pt idx="2">
+                  <c:v>513.99112606020105</c:v>
+                </c:pt>
+                <c:pt idx="3">
+                  <c:v>1974.79180929114</c:v>
+                </c:pt>
+                <c:pt idx="4">
                   <c:v>893.88337369446594</c:v>
                 </c:pt>
               </c:numCache>
@@ -896,7 +952,7 @@
           </c:val>
           <c:extLst>
             <c:ext xmlns:c16="http://schemas.microsoft.com/office/drawing/2014/chart" uri="{C3380CC4-5D6E-409C-BE32-E72D297353CC}">
-              <c16:uniqueId val="{00000000-13A3-4209-BF55-4AD32B78BA4C}"/>
+              <c16:uniqueId val="{00000004-1670-4262-806E-F594475C7E1A}"/>
             </c:ext>
           </c:extLst>
         </c:ser>
@@ -1028,37 +1084,6 @@
         <a:effectLst/>
       </c:spPr>
     </c:plotArea>
-    <c:legend>
-      <c:legendPos val="b"/>
-      <c:overlay val="0"/>
-      <c:spPr>
-        <a:noFill/>
-        <a:ln>
-          <a:noFill/>
-        </a:ln>
-        <a:effectLst/>
-      </c:spPr>
-      <c:txPr>
-        <a:bodyPr rot="0" spcFirstLastPara="1" vertOverflow="ellipsis" vert="horz" wrap="square" anchor="ctr" anchorCtr="1"/>
-        <a:lstStyle/>
-        <a:p>
-          <a:pPr>
-            <a:defRPr sz="900" b="0" i="0" u="none" strike="noStrike" kern="1200" baseline="0">
-              <a:solidFill>
-                <a:schemeClr val="tx1">
-                  <a:lumMod val="65000"/>
-                  <a:lumOff val="35000"/>
-                </a:schemeClr>
-              </a:solidFill>
-              <a:latin typeface="+mn-lt"/>
-              <a:ea typeface="+mn-ea"/>
-              <a:cs typeface="+mn-cs"/>
-            </a:defRPr>
-          </a:pPr>
-          <a:endParaRPr lang="de-DE"/>
-        </a:p>
-      </c:txPr>
-    </c:legend>
     <c:plotVisOnly val="1"/>
     <c:dispBlanksAs val="gap"/>
     <c:extLst>
@@ -1193,30 +1218,86 @@
             <a:effectLst/>
           </c:spPr>
           <c:invertIfNegative val="0"/>
+          <c:dPt>
+            <c:idx val="0"/>
+            <c:invertIfNegative val="0"/>
+            <c:bubble3D val="0"/>
+            <c:spPr>
+              <a:solidFill>
+                <a:schemeClr val="bg1">
+                  <a:lumMod val="50000"/>
+                </a:schemeClr>
+              </a:solidFill>
+              <a:ln>
+                <a:noFill/>
+              </a:ln>
+              <a:effectLst/>
+            </c:spPr>
+            <c:extLst>
+              <c:ext xmlns:c16="http://schemas.microsoft.com/office/drawing/2014/chart" uri="{C3380CC4-5D6E-409C-BE32-E72D297353CC}">
+                <c16:uniqueId val="{00000001-EF5F-4494-9158-8CD31E4E06F4}"/>
+              </c:ext>
+            </c:extLst>
+          </c:dPt>
+          <c:dPt>
+            <c:idx val="3"/>
+            <c:invertIfNegative val="0"/>
+            <c:bubble3D val="0"/>
+            <c:spPr>
+              <a:solidFill>
+                <a:schemeClr val="accent2"/>
+              </a:solidFill>
+              <a:ln>
+                <a:noFill/>
+              </a:ln>
+              <a:effectLst/>
+            </c:spPr>
+            <c:extLst>
+              <c:ext xmlns:c16="http://schemas.microsoft.com/office/drawing/2014/chart" uri="{C3380CC4-5D6E-409C-BE32-E72D297353CC}">
+                <c16:uniqueId val="{00000003-EF5F-4494-9158-8CD31E4E06F4}"/>
+              </c:ext>
+            </c:extLst>
+          </c:dPt>
           <c:cat>
-            <c:strRef>
-              <c:f>Tabelle2!$A$27:$A$28</c:f>
-              <c:strCache>
-                <c:ptCount val="2"/>
+            <c:numRef>
+              <c:f>Tabelle2!$B$30:$B$34</c:f>
+              <c:numCache>
+                <c:formatCode>General</c:formatCode>
+                <c:ptCount val="5"/>
                 <c:pt idx="0">
-                  <c:v>low_env_pol'</c:v>
+                  <c:v>2020</c:v>
                 </c:pt>
                 <c:pt idx="1">
-                  <c:v>high_env_pol'</c:v>
+                  <c:v>2035</c:v>
                 </c:pt>
-              </c:strCache>
-            </c:strRef>
+                <c:pt idx="2">
+                  <c:v>2035</c:v>
+                </c:pt>
+                <c:pt idx="3">
+                  <c:v>2045</c:v>
+                </c:pt>
+                <c:pt idx="4">
+                  <c:v>2045</c:v>
+                </c:pt>
+              </c:numCache>
+            </c:numRef>
           </c:cat>
           <c:val>
             <c:numRef>
-              <c:f>Tabelle2!$D$27:$D$28</c:f>
+              <c:f>Tabelle2!$D$30:$D$34</c:f>
               <c:numCache>
                 <c:formatCode>General</c:formatCode>
-                <c:ptCount val="2"/>
+                <c:ptCount val="5"/>
                 <c:pt idx="0">
                   <c:v>7.7231535960817096E-2</c:v>
                 </c:pt>
-                <c:pt idx="1">
+                <c:pt idx="2">
+                  <c:v>4.6627662397980801E-2</c:v>
+                </c:pt>
+                <c:pt idx="3">
+                  <c:v>8.67038261819819E-2</c:v>
+                </c:pt>
+                <c:pt idx="4">
                   <c:v>3.5538327483524597E-2</c:v>
                 </c:pt>
               </c:numCache>
@@ -1224,7 +1305,7 @@
           </c:val>
           <c:extLst>
             <c:ext xmlns:c16="http://schemas.microsoft.com/office/drawing/2014/chart" uri="{C3380CC4-5D6E-409C-BE32-E72D297353CC}">
-              <c16:uniqueId val="{00000000-E6EC-4599-898E-EE2A6FE98723}"/>
+              <c16:uniqueId val="{00000004-EF5F-4494-9158-8CD31E4E06F4}"/>
             </c:ext>
           </c:extLst>
         </c:ser>
@@ -1356,37 +1437,6 @@
         <a:effectLst/>
       </c:spPr>
     </c:plotArea>
-    <c:legend>
-      <c:legendPos val="b"/>
-      <c:overlay val="0"/>
-      <c:spPr>
-        <a:noFill/>
-        <a:ln>
-          <a:noFill/>
-        </a:ln>
-        <a:effectLst/>
-      </c:spPr>
-      <c:txPr>
-        <a:bodyPr rot="0" spcFirstLastPara="1" vertOverflow="ellipsis" vert="horz" wrap="square" anchor="ctr" anchorCtr="1"/>
-        <a:lstStyle/>
-        <a:p>
-          <a:pPr>
-            <a:defRPr sz="900" b="0" i="0" u="none" strike="noStrike" kern="1200" baseline="0">
-              <a:solidFill>
-                <a:schemeClr val="tx1">
-                  <a:lumMod val="65000"/>
-                  <a:lumOff val="35000"/>
-                </a:schemeClr>
-              </a:solidFill>
-              <a:latin typeface="+mn-lt"/>
-              <a:ea typeface="+mn-ea"/>
-              <a:cs typeface="+mn-cs"/>
-            </a:defRPr>
-          </a:pPr>
-          <a:endParaRPr lang="de-DE"/>
-        </a:p>
-      </c:txPr>
-    </c:legend>
     <c:plotVisOnly val="1"/>
     <c:dispBlanksAs val="gap"/>
     <c:extLst>
@@ -6831,7 +6881,7 @@
   </p:clrMapOvr>
   <p:extLst>
     <p:ext uri="{6950BFC3-D8DA-4A85-94F7-54DA5524770B}">
-      <p188:commentRel xmlns:p188="http://schemas.microsoft.com/office/powerpoint/2018/8/main" xmlns="" r:id="rId3"/>
+      <p188:commentRel xmlns="" xmlns:p188="http://schemas.microsoft.com/office/powerpoint/2018/8/main" r:id="rId3"/>
     </p:ext>
   </p:extLst>
 </p:sld>
@@ -7822,7 +7872,7 @@
           <a:graphicData uri="http://schemas.openxmlformats.org/presentationml/2006/ole">
             <mc:AlternateContent xmlns:mc="http://schemas.openxmlformats.org/markup-compatibility/2006">
               <mc:Choice xmlns:v="urn:schemas-microsoft-com:vml" Requires="v">
-                <p:oleObj spid="_x0000_s1028" name="Packager Shell Object" showAsIcon="1" r:id="rId3" imgW="2438400" imgH="518018" progId="Package">
+                <p:oleObj spid="_x0000_s1029" name="Packager Shell Object" showAsIcon="1" r:id="rId3" imgW="2438400" imgH="518018" progId="Package">
                   <p:embed/>
                 </p:oleObj>
               </mc:Choice>
@@ -13557,7 +13607,7 @@
           <a:graphicData uri="http://schemas.openxmlformats.org/presentationml/2006/ole">
             <mc:AlternateContent xmlns:mc="http://schemas.openxmlformats.org/markup-compatibility/2006">
               <mc:Choice xmlns:v="urn:schemas-microsoft-com:vml" Requires="v">
-                <p:oleObj spid="_x0000_s2052" name="Packager Shell Object" showAsIcon="1" r:id="rId3" imgW="2438400" imgH="518018" progId="Package">
+                <p:oleObj spid="_x0000_s2053" name="Packager Shell Object" showAsIcon="1" r:id="rId3" imgW="2438400" imgH="518018" progId="Package">
                   <p:embed/>
                 </p:oleObj>
               </mc:Choice>
@@ -13730,7 +13780,7 @@
           <a:graphicData uri="http://schemas.openxmlformats.org/presentationml/2006/ole">
             <mc:AlternateContent xmlns:mc="http://schemas.openxmlformats.org/markup-compatibility/2006">
               <mc:Choice xmlns:v="urn:schemas-microsoft-com:vml" Requires="v">
-                <p:oleObj spid="_x0000_s3076" name="Packager Shell Object" showAsIcon="1" r:id="rId3" imgW="2438400" imgH="518018" progId="Package">
+                <p:oleObj spid="_x0000_s3077" name="Packager Shell Object" showAsIcon="1" r:id="rId3" imgW="2438400" imgH="518018" progId="Package">
                   <p:embed/>
                 </p:oleObj>
               </mc:Choice>
@@ -16215,7 +16265,7 @@
           <a:graphicData uri="http://schemas.openxmlformats.org/presentationml/2006/ole">
             <mc:AlternateContent xmlns:mc="http://schemas.openxmlformats.org/markup-compatibility/2006">
               <mc:Choice xmlns:v="urn:schemas-microsoft-com:vml" Requires="v">
-                <p:oleObj spid="_x0000_s4100" name="Packager Shell Object" showAsIcon="1" r:id="rId3" imgW="2438400" imgH="518018" progId="Package">
+                <p:oleObj spid="_x0000_s4101" name="Packager Shell Object" showAsIcon="1" r:id="rId3" imgW="2438400" imgH="518018" progId="Package">
                   <p:embed/>
                 </p:oleObj>
               </mc:Choice>
@@ -18937,7 +18987,7 @@
       </p:grpSpPr>
       <p:graphicFrame>
         <p:nvGraphicFramePr>
-          <p:cNvPr id="2" name="Diagramm 1">
+          <p:cNvPr id="8" name="Diagramm 7">
             <a:extLst>
               <a:ext uri="{FF2B5EF4-FFF2-40B4-BE49-F238E27FC236}">
                 <a16:creationId xmlns:a16="http://schemas.microsoft.com/office/drawing/2014/main" id="{A4E63011-7F2E-4231-8F89-2F6CB267AE5F}"/>
@@ -18950,14 +19000,14 @@
           <p:nvPr>
             <p:extLst>
               <p:ext uri="{D42A27DB-BD31-4B8C-83A1-F6EECF244321}">
-                <p14:modId xmlns:p14="http://schemas.microsoft.com/office/powerpoint/2010/main" val="2473143616"/>
+                <p14:modId xmlns:p14="http://schemas.microsoft.com/office/powerpoint/2010/main" val="3342147800"/>
               </p:ext>
             </p:extLst>
           </p:nvPr>
         </p:nvGraphicFramePr>
         <p:xfrm>
-          <a:off x="820498" y="1665188"/>
-          <a:ext cx="4366009" cy="4201538"/>
+          <a:off x="1362665" y="1351832"/>
+          <a:ext cx="3895809" cy="4549559"/>
         </p:xfrm>
         <a:graphic>
           <a:graphicData uri="http://schemas.openxmlformats.org/drawingml/2006/chart">
@@ -18967,7 +19017,7 @@
       </p:graphicFrame>
       <p:graphicFrame>
         <p:nvGraphicFramePr>
-          <p:cNvPr id="3" name="Diagramm 2">
+          <p:cNvPr id="9" name="Diagramm 8">
             <a:extLst>
               <a:ext uri="{FF2B5EF4-FFF2-40B4-BE49-F238E27FC236}">
                 <a16:creationId xmlns:a16="http://schemas.microsoft.com/office/drawing/2014/main" id="{E6492770-D5D4-47E9-B031-7D6B222631E6}"/>
@@ -18980,14 +19030,14 @@
           <p:nvPr>
             <p:extLst>
               <p:ext uri="{D42A27DB-BD31-4B8C-83A1-F6EECF244321}">
-                <p14:modId xmlns:p14="http://schemas.microsoft.com/office/powerpoint/2010/main" val="2646426965"/>
+                <p14:modId xmlns:p14="http://schemas.microsoft.com/office/powerpoint/2010/main" val="2349291963"/>
               </p:ext>
             </p:extLst>
           </p:nvPr>
         </p:nvGraphicFramePr>
         <p:xfrm>
-          <a:off x="5531411" y="1665187"/>
-          <a:ext cx="4366009" cy="4201537"/>
+          <a:off x="6154498" y="1351832"/>
+          <a:ext cx="3895809" cy="4549559"/>
         </p:xfrm>
         <a:graphic>
           <a:graphicData uri="http://schemas.openxmlformats.org/drawingml/2006/chart">
@@ -18995,146 +19045,6 @@
           </a:graphicData>
         </a:graphic>
       </p:graphicFrame>
-      <p:sp>
-        <p:nvSpPr>
-          <p:cNvPr id="4" name="Textfeld 3">
-            <a:extLst>
-              <a:ext uri="{FF2B5EF4-FFF2-40B4-BE49-F238E27FC236}">
-                <a16:creationId xmlns:a16="http://schemas.microsoft.com/office/drawing/2014/main" id="{7A963FE4-BC67-4E73-B376-B58A031AA175}"/>
-              </a:ext>
-            </a:extLst>
-          </p:cNvPr>
-          <p:cNvSpPr txBox="1"/>
-          <p:nvPr/>
-        </p:nvSpPr>
-        <p:spPr>
-          <a:xfrm>
-            <a:off x="8456178" y="5527166"/>
-            <a:ext cx="922492" cy="369332"/>
-          </a:xfrm>
-          <a:prstGeom prst="rect">
-            <a:avLst/>
-          </a:prstGeom>
-          <a:noFill/>
-        </p:spPr>
-        <p:txBody>
-          <a:bodyPr wrap="square" rtlCol="0">
-            <a:spAutoFit/>
-          </a:bodyPr>
-          <a:lstStyle/>
-          <a:p>
-            <a:r>
-              <a:rPr lang="de-DE" dirty="0"/>
-              <a:t>2045</a:t>
-            </a:r>
-          </a:p>
-        </p:txBody>
-      </p:sp>
-      <p:sp>
-        <p:nvSpPr>
-          <p:cNvPr id="5" name="Textfeld 4">
-            <a:extLst>
-              <a:ext uri="{FF2B5EF4-FFF2-40B4-BE49-F238E27FC236}">
-                <a16:creationId xmlns:a16="http://schemas.microsoft.com/office/drawing/2014/main" id="{6DA75D50-C4DF-4121-AB5D-2CC110BF21C0}"/>
-              </a:ext>
-            </a:extLst>
-          </p:cNvPr>
-          <p:cNvSpPr txBox="1"/>
-          <p:nvPr/>
-        </p:nvSpPr>
-        <p:spPr>
-          <a:xfrm>
-            <a:off x="3735823" y="5527166"/>
-            <a:ext cx="922492" cy="369332"/>
-          </a:xfrm>
-          <a:prstGeom prst="rect">
-            <a:avLst/>
-          </a:prstGeom>
-          <a:noFill/>
-        </p:spPr>
-        <p:txBody>
-          <a:bodyPr wrap="square" rtlCol="0">
-            <a:spAutoFit/>
-          </a:bodyPr>
-          <a:lstStyle/>
-          <a:p>
-            <a:r>
-              <a:rPr lang="de-DE" dirty="0"/>
-              <a:t>2045</a:t>
-            </a:r>
-          </a:p>
-        </p:txBody>
-      </p:sp>
-      <p:sp>
-        <p:nvSpPr>
-          <p:cNvPr id="6" name="Textfeld 5">
-            <a:extLst>
-              <a:ext uri="{FF2B5EF4-FFF2-40B4-BE49-F238E27FC236}">
-                <a16:creationId xmlns:a16="http://schemas.microsoft.com/office/drawing/2014/main" id="{C8181B70-70E8-408D-AB84-4131C4059DD7}"/>
-              </a:ext>
-            </a:extLst>
-          </p:cNvPr>
-          <p:cNvSpPr txBox="1"/>
-          <p:nvPr/>
-        </p:nvSpPr>
-        <p:spPr>
-          <a:xfrm>
-            <a:off x="1812194" y="5527166"/>
-            <a:ext cx="922492" cy="369332"/>
-          </a:xfrm>
-          <a:prstGeom prst="rect">
-            <a:avLst/>
-          </a:prstGeom>
-          <a:noFill/>
-        </p:spPr>
-        <p:txBody>
-          <a:bodyPr wrap="square" rtlCol="0">
-            <a:spAutoFit/>
-          </a:bodyPr>
-          <a:lstStyle/>
-          <a:p>
-            <a:r>
-              <a:rPr lang="de-DE" dirty="0"/>
-              <a:t>2020</a:t>
-            </a:r>
-          </a:p>
-        </p:txBody>
-      </p:sp>
-      <p:sp>
-        <p:nvSpPr>
-          <p:cNvPr id="7" name="Textfeld 6">
-            <a:extLst>
-              <a:ext uri="{FF2B5EF4-FFF2-40B4-BE49-F238E27FC236}">
-                <a16:creationId xmlns:a16="http://schemas.microsoft.com/office/drawing/2014/main" id="{E2B2922C-ADF4-43EB-8A1A-022FB75DE4A2}"/>
-              </a:ext>
-            </a:extLst>
-          </p:cNvPr>
-          <p:cNvSpPr txBox="1"/>
-          <p:nvPr/>
-        </p:nvSpPr>
-        <p:spPr>
-          <a:xfrm>
-            <a:off x="6475913" y="5527166"/>
-            <a:ext cx="922492" cy="369332"/>
-          </a:xfrm>
-          <a:prstGeom prst="rect">
-            <a:avLst/>
-          </a:prstGeom>
-          <a:noFill/>
-        </p:spPr>
-        <p:txBody>
-          <a:bodyPr wrap="square" rtlCol="0">
-            <a:spAutoFit/>
-          </a:bodyPr>
-          <a:lstStyle/>
-          <a:p>
-            <a:r>
-              <a:rPr lang="de-DE" dirty="0"/>
-              <a:t>2020</a:t>
-            </a:r>
-          </a:p>
-        </p:txBody>
-      </p:sp>
     </p:spTree>
     <p:extLst>
       <p:ext uri="{BB962C8B-B14F-4D97-AF65-F5344CB8AC3E}">

--- a/presentation/dds_autumn_school_2025_paw_presentation_14-11-2025.pptx
+++ b/presentation/dds_autumn_school_2025_paw_presentation_14-11-2025.pptx
@@ -5,7 +5,7 @@
     <p:sldMasterId id="2147483648" r:id="rId1"/>
   </p:sldMasterIdLst>
   <p:notesMasterIdLst>
-    <p:notesMasterId r:id="rId21"/>
+    <p:notesMasterId r:id="rId23"/>
   </p:notesMasterIdLst>
   <p:sldIdLst>
     <p:sldId id="256" r:id="rId2"/>
@@ -26,7 +26,9 @@
     <p:sldId id="281" r:id="rId17"/>
     <p:sldId id="282" r:id="rId18"/>
     <p:sldId id="279" r:id="rId19"/>
-    <p:sldId id="283" r:id="rId20"/>
+    <p:sldId id="284" r:id="rId20"/>
+    <p:sldId id="285" r:id="rId21"/>
+    <p:sldId id="283" r:id="rId22"/>
   </p:sldIdLst>
   <p:sldSz cx="12192000" cy="6858000"/>
   <p:notesSz cx="6858000" cy="9144000"/>
@@ -882,7 +884,26 @@
             </c:spPr>
             <c:extLst>
               <c:ext xmlns:c16="http://schemas.microsoft.com/office/drawing/2014/chart" uri="{C3380CC4-5D6E-409C-BE32-E72D297353CC}">
-                <c16:uniqueId val="{00000001-1670-4262-806E-F594475C7E1A}"/>
+                <c16:uniqueId val="{00000001-0622-4107-AACD-5F76FD6B49BB}"/>
+              </c:ext>
+            </c:extLst>
+          </c:dPt>
+          <c:dPt>
+            <c:idx val="1"/>
+            <c:invertIfNegative val="0"/>
+            <c:bubble3D val="0"/>
+            <c:spPr>
+              <a:solidFill>
+                <a:schemeClr val="accent2"/>
+              </a:solidFill>
+              <a:ln>
+                <a:noFill/>
+              </a:ln>
+              <a:effectLst/>
+            </c:spPr>
+            <c:extLst>
+              <c:ext xmlns:c16="http://schemas.microsoft.com/office/drawing/2014/chart" uri="{C3380CC4-5D6E-409C-BE32-E72D297353CC}">
+                <c16:uniqueId val="{00000003-0622-4107-AACD-5F76FD6B49BB}"/>
               </c:ext>
             </c:extLst>
           </c:dPt>
@@ -901,7 +922,7 @@
             </c:spPr>
             <c:extLst>
               <c:ext xmlns:c16="http://schemas.microsoft.com/office/drawing/2014/chart" uri="{C3380CC4-5D6E-409C-BE32-E72D297353CC}">
-                <c16:uniqueId val="{00000003-1670-4262-806E-F594475C7E1A}"/>
+                <c16:uniqueId val="{00000005-0622-4107-AACD-5F76FD6B49BB}"/>
               </c:ext>
             </c:extLst>
           </c:dPt>
@@ -915,7 +936,7 @@
                   <c:v>2020</c:v>
                 </c:pt>
                 <c:pt idx="1">
-                  <c:v>2045</c:v>
+                  <c:v>2035</c:v>
                 </c:pt>
                 <c:pt idx="2">
                   <c:v>2035</c:v>
@@ -938,6 +959,9 @@
                 <c:pt idx="0">
                   <c:v>231.513651673711</c:v>
                 </c:pt>
+                <c:pt idx="1">
+                  <c:v>872.80354834780496</c:v>
+                </c:pt>
                 <c:pt idx="2">
                   <c:v>513.99112606020105</c:v>
                 </c:pt>
@@ -952,7 +976,7 @@
           </c:val>
           <c:extLst>
             <c:ext xmlns:c16="http://schemas.microsoft.com/office/drawing/2014/chart" uri="{C3380CC4-5D6E-409C-BE32-E72D297353CC}">
-              <c16:uniqueId val="{00000004-1670-4262-806E-F594475C7E1A}"/>
+              <c16:uniqueId val="{00000006-0622-4107-AACD-5F76FD6B49BB}"/>
             </c:ext>
           </c:extLst>
         </c:ser>
@@ -1235,7 +1259,26 @@
             </c:spPr>
             <c:extLst>
               <c:ext xmlns:c16="http://schemas.microsoft.com/office/drawing/2014/chart" uri="{C3380CC4-5D6E-409C-BE32-E72D297353CC}">
-                <c16:uniqueId val="{00000001-EF5F-4494-9158-8CD31E4E06F4}"/>
+                <c16:uniqueId val="{00000001-A25F-4303-B67B-7C55C9AC15D0}"/>
+              </c:ext>
+            </c:extLst>
+          </c:dPt>
+          <c:dPt>
+            <c:idx val="1"/>
+            <c:invertIfNegative val="0"/>
+            <c:bubble3D val="0"/>
+            <c:spPr>
+              <a:solidFill>
+                <a:schemeClr val="accent2"/>
+              </a:solidFill>
+              <a:ln>
+                <a:noFill/>
+              </a:ln>
+              <a:effectLst/>
+            </c:spPr>
+            <c:extLst>
+              <c:ext xmlns:c16="http://schemas.microsoft.com/office/drawing/2014/chart" uri="{C3380CC4-5D6E-409C-BE32-E72D297353CC}">
+                <c16:uniqueId val="{00000003-A25F-4303-B67B-7C55C9AC15D0}"/>
               </c:ext>
             </c:extLst>
           </c:dPt>
@@ -1254,7 +1297,7 @@
             </c:spPr>
             <c:extLst>
               <c:ext xmlns:c16="http://schemas.microsoft.com/office/drawing/2014/chart" uri="{C3380CC4-5D6E-409C-BE32-E72D297353CC}">
-                <c16:uniqueId val="{00000003-EF5F-4494-9158-8CD31E4E06F4}"/>
+                <c16:uniqueId val="{00000005-A25F-4303-B67B-7C55C9AC15D0}"/>
               </c:ext>
             </c:extLst>
           </c:dPt>
@@ -1291,6 +1334,9 @@
                 <c:pt idx="0">
                   <c:v>7.7231535960817096E-2</c:v>
                 </c:pt>
+                <c:pt idx="1">
+                  <c:v>7.83341973326383E-2</c:v>
+                </c:pt>
                 <c:pt idx="2">
                   <c:v>4.6627662397980801E-2</c:v>
                 </c:pt>
@@ -1305,7 +1351,7 @@
           </c:val>
           <c:extLst>
             <c:ext xmlns:c16="http://schemas.microsoft.com/office/drawing/2014/chart" uri="{C3380CC4-5D6E-409C-BE32-E72D297353CC}">
-              <c16:uniqueId val="{00000004-EF5F-4494-9158-8CD31E4E06F4}"/>
+              <c16:uniqueId val="{00000006-A25F-4303-B67B-7C55C9AC15D0}"/>
             </c:ext>
           </c:extLst>
         </c:ser>
@@ -6881,7 +6927,7 @@
   </p:clrMapOvr>
   <p:extLst>
     <p:ext uri="{6950BFC3-D8DA-4A85-94F7-54DA5524770B}">
-      <p188:commentRel xmlns="" xmlns:p188="http://schemas.microsoft.com/office/powerpoint/2018/8/main" r:id="rId3"/>
+      <p188:commentRel xmlns:p188="http://schemas.microsoft.com/office/powerpoint/2018/8/main" xmlns="" r:id="rId3"/>
     </p:ext>
   </p:extLst>
 </p:sld>
@@ -7872,7 +7918,7 @@
           <a:graphicData uri="http://schemas.openxmlformats.org/presentationml/2006/ole">
             <mc:AlternateContent xmlns:mc="http://schemas.openxmlformats.org/markup-compatibility/2006">
               <mc:Choice xmlns:v="urn:schemas-microsoft-com:vml" Requires="v">
-                <p:oleObj spid="_x0000_s1029" name="Packager Shell Object" showAsIcon="1" r:id="rId3" imgW="2438400" imgH="518018" progId="Package">
+                <p:oleObj spid="_x0000_s1032" name="Packager Shell Object" showAsIcon="1" r:id="rId3" imgW="2438400" imgH="518018" progId="Package">
                   <p:embed/>
                 </p:oleObj>
               </mc:Choice>
@@ -13607,7 +13653,7 @@
           <a:graphicData uri="http://schemas.openxmlformats.org/presentationml/2006/ole">
             <mc:AlternateContent xmlns:mc="http://schemas.openxmlformats.org/markup-compatibility/2006">
               <mc:Choice xmlns:v="urn:schemas-microsoft-com:vml" Requires="v">
-                <p:oleObj spid="_x0000_s2053" name="Packager Shell Object" showAsIcon="1" r:id="rId3" imgW="2438400" imgH="518018" progId="Package">
+                <p:oleObj spid="_x0000_s2056" name="Packager Shell Object" showAsIcon="1" r:id="rId3" imgW="2438400" imgH="518018" progId="Package">
                   <p:embed/>
                 </p:oleObj>
               </mc:Choice>
@@ -13780,7 +13826,7 @@
           <a:graphicData uri="http://schemas.openxmlformats.org/presentationml/2006/ole">
             <mc:AlternateContent xmlns:mc="http://schemas.openxmlformats.org/markup-compatibility/2006">
               <mc:Choice xmlns:v="urn:schemas-microsoft-com:vml" Requires="v">
-                <p:oleObj spid="_x0000_s3077" name="Packager Shell Object" showAsIcon="1" r:id="rId3" imgW="2438400" imgH="518018" progId="Package">
+                <p:oleObj spid="_x0000_s3080" name="Packager Shell Object" showAsIcon="1" r:id="rId3" imgW="2438400" imgH="518018" progId="Package">
                   <p:embed/>
                 </p:oleObj>
               </mc:Choice>
@@ -16265,7 +16311,7 @@
           <a:graphicData uri="http://schemas.openxmlformats.org/presentationml/2006/ole">
             <mc:AlternateContent xmlns:mc="http://schemas.openxmlformats.org/markup-compatibility/2006">
               <mc:Choice xmlns:v="urn:schemas-microsoft-com:vml" Requires="v">
-                <p:oleObj spid="_x0000_s4101" name="Packager Shell Object" showAsIcon="1" r:id="rId3" imgW="2438400" imgH="518018" progId="Package">
+                <p:oleObj spid="_x0000_s4104" name="Packager Shell Object" showAsIcon="1" r:id="rId3" imgW="2438400" imgH="518018" progId="Package">
                   <p:embed/>
                 </p:oleObj>
               </mc:Choice>
@@ -18985,70 +19031,40 @@
           <a:chExt cx="0" cy="0"/>
         </a:xfrm>
       </p:grpSpPr>
-      <p:graphicFrame>
-        <p:nvGraphicFramePr>
-          <p:cNvPr id="8" name="Diagramm 7">
+      <p:pic>
+        <p:nvPicPr>
+          <p:cNvPr id="3" name="Grafik 2">
             <a:extLst>
               <a:ext uri="{FF2B5EF4-FFF2-40B4-BE49-F238E27FC236}">
-                <a16:creationId xmlns:a16="http://schemas.microsoft.com/office/drawing/2014/main" id="{A4E63011-7F2E-4231-8F89-2F6CB267AE5F}"/>
+                <a16:creationId xmlns:a16="http://schemas.microsoft.com/office/drawing/2014/main" id="{F6967375-4CB1-4B91-83DF-FD6F019462A6}"/>
               </a:ext>
             </a:extLst>
           </p:cNvPr>
-          <p:cNvGraphicFramePr>
-            <a:graphicFrameLocks/>
-          </p:cNvGraphicFramePr>
-          <p:nvPr>
-            <p:extLst>
-              <p:ext uri="{D42A27DB-BD31-4B8C-83A1-F6EECF244321}">
-                <p14:modId xmlns:p14="http://schemas.microsoft.com/office/powerpoint/2010/main" val="3342147800"/>
-              </p:ext>
-            </p:extLst>
-          </p:nvPr>
-        </p:nvGraphicFramePr>
-        <p:xfrm>
-          <a:off x="1362665" y="1351832"/>
-          <a:ext cx="3895809" cy="4549559"/>
-        </p:xfrm>
-        <a:graphic>
-          <a:graphicData uri="http://schemas.openxmlformats.org/drawingml/2006/chart">
-            <c:chart xmlns:c="http://schemas.openxmlformats.org/drawingml/2006/chart" xmlns:r="http://schemas.openxmlformats.org/officeDocument/2006/relationships" r:id="rId2"/>
-          </a:graphicData>
-        </a:graphic>
-      </p:graphicFrame>
-      <p:graphicFrame>
-        <p:nvGraphicFramePr>
-          <p:cNvPr id="9" name="Diagramm 8">
-            <a:extLst>
-              <a:ext uri="{FF2B5EF4-FFF2-40B4-BE49-F238E27FC236}">
-                <a16:creationId xmlns:a16="http://schemas.microsoft.com/office/drawing/2014/main" id="{E6492770-D5D4-47E9-B031-7D6B222631E6}"/>
-              </a:ext>
-            </a:extLst>
-          </p:cNvPr>
-          <p:cNvGraphicFramePr>
-            <a:graphicFrameLocks/>
-          </p:cNvGraphicFramePr>
-          <p:nvPr>
-            <p:extLst>
-              <p:ext uri="{D42A27DB-BD31-4B8C-83A1-F6EECF244321}">
-                <p14:modId xmlns:p14="http://schemas.microsoft.com/office/powerpoint/2010/main" val="2349291963"/>
-              </p:ext>
-            </p:extLst>
-          </p:nvPr>
-        </p:nvGraphicFramePr>
-        <p:xfrm>
-          <a:off x="6154498" y="1351832"/>
-          <a:ext cx="3895809" cy="4549559"/>
-        </p:xfrm>
-        <a:graphic>
-          <a:graphicData uri="http://schemas.openxmlformats.org/drawingml/2006/chart">
-            <c:chart xmlns:c="http://schemas.openxmlformats.org/drawingml/2006/chart" xmlns:r="http://schemas.openxmlformats.org/officeDocument/2006/relationships" r:id="rId3"/>
-          </a:graphicData>
-        </a:graphic>
-      </p:graphicFrame>
+          <p:cNvPicPr>
+            <a:picLocks noChangeAspect="1"/>
+          </p:cNvPicPr>
+          <p:nvPr/>
+        </p:nvPicPr>
+        <p:blipFill>
+          <a:blip r:embed="rId2"/>
+          <a:stretch>
+            <a:fillRect/>
+          </a:stretch>
+        </p:blipFill>
+        <p:spPr>
+          <a:xfrm>
+            <a:off x="1487249" y="1009482"/>
+            <a:ext cx="8781544" cy="5268926"/>
+          </a:xfrm>
+          <a:prstGeom prst="rect">
+            <a:avLst/>
+          </a:prstGeom>
+        </p:spPr>
+      </p:pic>
     </p:spTree>
     <p:extLst>
       <p:ext uri="{BB962C8B-B14F-4D97-AF65-F5344CB8AC3E}">
-        <p14:creationId xmlns:p14="http://schemas.microsoft.com/office/powerpoint/2010/main" val="1218445720"/>
+        <p14:creationId xmlns:p14="http://schemas.microsoft.com/office/powerpoint/2010/main" val="1668035050"/>
       </p:ext>
     </p:extLst>
   </p:cSld>
@@ -19236,6 +19252,234 @@
     <p:extLst>
       <p:ext uri="{BB962C8B-B14F-4D97-AF65-F5344CB8AC3E}">
         <p14:creationId xmlns:p14="http://schemas.microsoft.com/office/powerpoint/2010/main" val="482031180"/>
+      </p:ext>
+    </p:extLst>
+  </p:cSld>
+  <p:clrMapOvr>
+    <a:masterClrMapping/>
+  </p:clrMapOvr>
+</p:sld>
+</file>
+
+<file path=ppt/slides/slide20.xml><?xml version="1.0" encoding="utf-8"?>
+<p:sld xmlns:a="http://schemas.openxmlformats.org/drawingml/2006/main" xmlns:r="http://schemas.openxmlformats.org/officeDocument/2006/relationships" xmlns:p="http://schemas.openxmlformats.org/presentationml/2006/main">
+  <p:cSld>
+    <p:spTree>
+      <p:nvGrpSpPr>
+        <p:cNvPr id="1" name=""/>
+        <p:cNvGrpSpPr/>
+        <p:nvPr/>
+      </p:nvGrpSpPr>
+      <p:grpSpPr>
+        <a:xfrm>
+          <a:off x="0" y="0"/>
+          <a:ext cx="0" cy="0"/>
+          <a:chOff x="0" y="0"/>
+          <a:chExt cx="0" cy="0"/>
+        </a:xfrm>
+      </p:grpSpPr>
+      <p:pic>
+        <p:nvPicPr>
+          <p:cNvPr id="2" name="Grafik 1">
+            <a:extLst>
+              <a:ext uri="{FF2B5EF4-FFF2-40B4-BE49-F238E27FC236}">
+                <a16:creationId xmlns:a16="http://schemas.microsoft.com/office/drawing/2014/main" id="{AB4702CA-A801-4F78-90B0-A39D15FE3E5B}"/>
+              </a:ext>
+            </a:extLst>
+          </p:cNvPr>
+          <p:cNvPicPr>
+            <a:picLocks noChangeAspect="1"/>
+          </p:cNvPicPr>
+          <p:nvPr/>
+        </p:nvPicPr>
+        <p:blipFill rotWithShape="1">
+          <a:blip r:embed="rId2"/>
+          <a:srcRect l="80078" b="70215"/>
+          <a:stretch/>
+        </p:blipFill>
+        <p:spPr>
+          <a:xfrm>
+            <a:off x="7982479" y="1738841"/>
+            <a:ext cx="4048655" cy="2690284"/>
+          </a:xfrm>
+          <a:prstGeom prst="rect">
+            <a:avLst/>
+          </a:prstGeom>
+        </p:spPr>
+      </p:pic>
+      <p:grpSp>
+        <p:nvGrpSpPr>
+          <p:cNvPr id="5" name="Gruppieren 4">
+            <a:extLst>
+              <a:ext uri="{FF2B5EF4-FFF2-40B4-BE49-F238E27FC236}">
+                <a16:creationId xmlns:a16="http://schemas.microsoft.com/office/drawing/2014/main" id="{F57FCDBC-E82A-4B30-8151-442D7AD40D57}"/>
+              </a:ext>
+            </a:extLst>
+          </p:cNvPr>
+          <p:cNvGrpSpPr/>
+          <p:nvPr/>
+        </p:nvGrpSpPr>
+        <p:grpSpPr>
+          <a:xfrm>
+            <a:off x="623547" y="1523696"/>
+            <a:ext cx="7171949" cy="3810608"/>
+            <a:chOff x="1135989" y="1637692"/>
+            <a:chExt cx="6093486" cy="3237598"/>
+          </a:xfrm>
+        </p:grpSpPr>
+        <p:pic>
+          <p:nvPicPr>
+            <p:cNvPr id="3" name="Grafik 2">
+              <a:extLst>
+                <a:ext uri="{FF2B5EF4-FFF2-40B4-BE49-F238E27FC236}">
+                  <a16:creationId xmlns:a16="http://schemas.microsoft.com/office/drawing/2014/main" id="{62C72AEC-59A4-4237-9FC6-4C2EF100ED84}"/>
+                </a:ext>
+              </a:extLst>
+            </p:cNvPr>
+            <p:cNvPicPr>
+              <a:picLocks noChangeAspect="1"/>
+            </p:cNvPicPr>
+            <p:nvPr/>
+          </p:nvPicPr>
+          <p:blipFill rotWithShape="1">
+            <a:blip r:embed="rId2"/>
+            <a:srcRect r="77154" b="50327"/>
+            <a:stretch/>
+          </p:blipFill>
+          <p:spPr>
+            <a:xfrm>
+              <a:off x="4236112" y="1637692"/>
+              <a:ext cx="2993363" cy="2892581"/>
+            </a:xfrm>
+            <a:prstGeom prst="rect">
+              <a:avLst/>
+            </a:prstGeom>
+          </p:spPr>
+        </p:pic>
+        <p:pic>
+          <p:nvPicPr>
+            <p:cNvPr id="4" name="Grafik 3">
+              <a:extLst>
+                <a:ext uri="{FF2B5EF4-FFF2-40B4-BE49-F238E27FC236}">
+                  <a16:creationId xmlns:a16="http://schemas.microsoft.com/office/drawing/2014/main" id="{5CB382D1-67FB-42EE-91A5-BF9083858186}"/>
+                </a:ext>
+              </a:extLst>
+            </p:cNvPr>
+            <p:cNvPicPr>
+              <a:picLocks noChangeAspect="1"/>
+            </p:cNvPicPr>
+            <p:nvPr/>
+          </p:nvPicPr>
+          <p:blipFill rotWithShape="1">
+            <a:blip r:embed="rId2"/>
+            <a:srcRect t="50327" r="76339"/>
+            <a:stretch/>
+          </p:blipFill>
+          <p:spPr>
+            <a:xfrm>
+              <a:off x="1135989" y="1982710"/>
+              <a:ext cx="3100123" cy="2892580"/>
+            </a:xfrm>
+            <a:prstGeom prst="rect">
+              <a:avLst/>
+            </a:prstGeom>
+          </p:spPr>
+        </p:pic>
+      </p:grpSp>
+    </p:spTree>
+    <p:extLst>
+      <p:ext uri="{BB962C8B-B14F-4D97-AF65-F5344CB8AC3E}">
+        <p14:creationId xmlns:p14="http://schemas.microsoft.com/office/powerpoint/2010/main" val="4173288022"/>
+      </p:ext>
+    </p:extLst>
+  </p:cSld>
+  <p:clrMapOvr>
+    <a:masterClrMapping/>
+  </p:clrMapOvr>
+</p:sld>
+</file>
+
+<file path=ppt/slides/slide21.xml><?xml version="1.0" encoding="utf-8"?>
+<p:sld xmlns:a="http://schemas.openxmlformats.org/drawingml/2006/main" xmlns:r="http://schemas.openxmlformats.org/officeDocument/2006/relationships" xmlns:p="http://schemas.openxmlformats.org/presentationml/2006/main">
+  <p:cSld>
+    <p:spTree>
+      <p:nvGrpSpPr>
+        <p:cNvPr id="1" name=""/>
+        <p:cNvGrpSpPr/>
+        <p:nvPr/>
+      </p:nvGrpSpPr>
+      <p:grpSpPr>
+        <a:xfrm>
+          <a:off x="0" y="0"/>
+          <a:ext cx="0" cy="0"/>
+          <a:chOff x="0" y="0"/>
+          <a:chExt cx="0" cy="0"/>
+        </a:xfrm>
+      </p:grpSpPr>
+      <p:graphicFrame>
+        <p:nvGraphicFramePr>
+          <p:cNvPr id="4" name="Diagramm 3">
+            <a:extLst>
+              <a:ext uri="{FF2B5EF4-FFF2-40B4-BE49-F238E27FC236}">
+                <a16:creationId xmlns:a16="http://schemas.microsoft.com/office/drawing/2014/main" id="{A4E63011-7F2E-4231-8F89-2F6CB267AE5F}"/>
+              </a:ext>
+            </a:extLst>
+          </p:cNvPr>
+          <p:cNvGraphicFramePr>
+            <a:graphicFrameLocks/>
+          </p:cNvGraphicFramePr>
+          <p:nvPr>
+            <p:extLst>
+              <p:ext uri="{D42A27DB-BD31-4B8C-83A1-F6EECF244321}">
+                <p14:modId xmlns:p14="http://schemas.microsoft.com/office/powerpoint/2010/main" val="311269396"/>
+              </p:ext>
+            </p:extLst>
+          </p:nvPr>
+        </p:nvGraphicFramePr>
+        <p:xfrm>
+          <a:off x="1752599" y="1400174"/>
+          <a:ext cx="3686175" cy="4391026"/>
+        </p:xfrm>
+        <a:graphic>
+          <a:graphicData uri="http://schemas.openxmlformats.org/drawingml/2006/chart">
+            <c:chart xmlns:c="http://schemas.openxmlformats.org/drawingml/2006/chart" xmlns:r="http://schemas.openxmlformats.org/officeDocument/2006/relationships" r:id="rId2"/>
+          </a:graphicData>
+        </a:graphic>
+      </p:graphicFrame>
+      <p:graphicFrame>
+        <p:nvGraphicFramePr>
+          <p:cNvPr id="5" name="Diagramm 4">
+            <a:extLst>
+              <a:ext uri="{FF2B5EF4-FFF2-40B4-BE49-F238E27FC236}">
+                <a16:creationId xmlns:a16="http://schemas.microsoft.com/office/drawing/2014/main" id="{E6492770-D5D4-47E9-B031-7D6B222631E6}"/>
+              </a:ext>
+            </a:extLst>
+          </p:cNvPr>
+          <p:cNvGraphicFramePr>
+            <a:graphicFrameLocks/>
+          </p:cNvGraphicFramePr>
+          <p:nvPr>
+            <p:extLst>
+              <p:ext uri="{D42A27DB-BD31-4B8C-83A1-F6EECF244321}">
+                <p14:modId xmlns:p14="http://schemas.microsoft.com/office/powerpoint/2010/main" val="3880788449"/>
+              </p:ext>
+            </p:extLst>
+          </p:nvPr>
+        </p:nvGraphicFramePr>
+        <p:xfrm>
+          <a:off x="6172199" y="1409700"/>
+          <a:ext cx="3686175" cy="4391026"/>
+        </p:xfrm>
+        <a:graphic>
+          <a:graphicData uri="http://schemas.openxmlformats.org/drawingml/2006/chart">
+            <c:chart xmlns:c="http://schemas.openxmlformats.org/drawingml/2006/chart" xmlns:r="http://schemas.openxmlformats.org/officeDocument/2006/relationships" r:id="rId3"/>
+          </a:graphicData>
+        </a:graphic>
+      </p:graphicFrame>
+    </p:spTree>
+    <p:extLst>
+      <p:ext uri="{BB962C8B-B14F-4D97-AF65-F5344CB8AC3E}">
+        <p14:creationId xmlns:p14="http://schemas.microsoft.com/office/powerpoint/2010/main" val="1218445720"/>
       </p:ext>
     </p:extLst>
   </p:cSld>

--- a/presentation/dds_autumn_school_2025_paw_presentation_14-11-2025.pptx
+++ b/presentation/dds_autumn_school_2025_paw_presentation_14-11-2025.pptx
@@ -154,7 +154,7 @@
   <pc:docChgLst>
     <pc:chgData name="David CLOUSIER" userId="768240c1-c1f0-4ea5-ba36-477fb0372b02" providerId="ADAL" clId="{CA5A136D-3B77-4157-88EA-9B5DC776E31F}"/>
     <pc:docChg chg="undo redo custSel addSld delSld modSld sldOrd">
-      <pc:chgData name="David CLOUSIER" userId="768240c1-c1f0-4ea5-ba36-477fb0372b02" providerId="ADAL" clId="{CA5A136D-3B77-4157-88EA-9B5DC776E31F}" dt="2025-11-14T12:57:40.359" v="931" actId="1076"/>
+      <pc:chgData name="David CLOUSIER" userId="768240c1-c1f0-4ea5-ba36-477fb0372b02" providerId="ADAL" clId="{CA5A136D-3B77-4157-88EA-9B5DC776E31F}" dt="2025-11-14T13:50:30.733" v="965" actId="20577"/>
       <pc:docMkLst>
         <pc:docMk/>
       </pc:docMkLst>
@@ -319,6 +319,21 @@
             <ac:picMk id="5" creationId="{7259F870-464B-9419-6C85-DFFC837F7B0E}"/>
           </ac:picMkLst>
         </pc:picChg>
+      </pc:sldChg>
+      <pc:sldChg chg="modSp mod">
+        <pc:chgData name="David CLOUSIER" userId="768240c1-c1f0-4ea5-ba36-477fb0372b02" providerId="ADAL" clId="{CA5A136D-3B77-4157-88EA-9B5DC776E31F}" dt="2025-11-14T13:50:30.733" v="965" actId="20577"/>
+        <pc:sldMkLst>
+          <pc:docMk/>
+          <pc:sldMk cId="482031180" sldId="263"/>
+        </pc:sldMkLst>
+        <pc:spChg chg="mod">
+          <ac:chgData name="David CLOUSIER" userId="768240c1-c1f0-4ea5-ba36-477fb0372b02" providerId="ADAL" clId="{CA5A136D-3B77-4157-88EA-9B5DC776E31F}" dt="2025-11-14T13:50:30.733" v="965" actId="20577"/>
+          <ac:spMkLst>
+            <pc:docMk/>
+            <pc:sldMk cId="482031180" sldId="263"/>
+            <ac:spMk id="4" creationId="{7AFF4E7E-FF8B-7A6A-9E38-17F4300EE873}"/>
+          </ac:spMkLst>
+        </pc:spChg>
       </pc:sldChg>
       <pc:sldChg chg="modSp mod">
         <pc:chgData name="David CLOUSIER" userId="768240c1-c1f0-4ea5-ba36-477fb0372b02" providerId="ADAL" clId="{CA5A136D-3B77-4157-88EA-9B5DC776E31F}" dt="2025-11-14T12:36:09.387" v="370" actId="1076"/>
@@ -795,7 +810,7 @@
 <file path=ppt/charts/chart1.xml><?xml version="1.0" encoding="utf-8"?>
 <c:chartSpace xmlns:c="http://schemas.openxmlformats.org/drawingml/2006/chart" xmlns:a="http://schemas.openxmlformats.org/drawingml/2006/main" xmlns:r="http://schemas.openxmlformats.org/officeDocument/2006/relationships" xmlns:c16r2="http://schemas.microsoft.com/office/drawing/2015/06/chart">
   <c:date1904 val="0"/>
-  <c:lang val="de-DE"/>
+  <c:lang val="en-US"/>
   <c:roundedCorners val="0"/>
   <mc:AlternateContent xmlns:mc="http://schemas.openxmlformats.org/markup-compatibility/2006">
     <mc:Choice xmlns:c14="http://schemas.microsoft.com/office/drawing/2007/8/2/chart" Requires="c14">
@@ -1110,6 +1125,7 @@
     </c:plotArea>
     <c:plotVisOnly val="1"/>
     <c:dispBlanksAs val="gap"/>
+    <c:showDLblsOverMax val="0"/>
     <c:extLst>
       <c:ext xmlns:c16r3="http://schemas.microsoft.com/office/drawing/2017/03/chart" uri="{56B9EC1D-385E-4148-901F-78D8002777C0}">
         <c16r3:dataDisplayOptions16>
@@ -1117,7 +1133,6 @@
         </c16r3:dataDisplayOptions16>
       </c:ext>
     </c:extLst>
-    <c:showDLblsOverMax val="0"/>
   </c:chart>
   <c:spPr>
     <a:noFill/>
@@ -1145,7 +1160,7 @@
 <file path=ppt/charts/chart2.xml><?xml version="1.0" encoding="utf-8"?>
 <c:chartSpace xmlns:c="http://schemas.openxmlformats.org/drawingml/2006/chart" xmlns:a="http://schemas.openxmlformats.org/drawingml/2006/main" xmlns:r="http://schemas.openxmlformats.org/officeDocument/2006/relationships" xmlns:c16r2="http://schemas.microsoft.com/office/drawing/2015/06/chart">
   <c:date1904 val="0"/>
-  <c:lang val="de-DE"/>
+  <c:lang val="en-US"/>
   <c:roundedCorners val="0"/>
   <mc:AlternateContent xmlns:mc="http://schemas.openxmlformats.org/markup-compatibility/2006">
     <mc:Choice xmlns:c14="http://schemas.microsoft.com/office/drawing/2007/8/2/chart" Requires="c14">
@@ -1485,6 +1500,7 @@
     </c:plotArea>
     <c:plotVisOnly val="1"/>
     <c:dispBlanksAs val="gap"/>
+    <c:showDLblsOverMax val="0"/>
     <c:extLst>
       <c:ext xmlns:c16r3="http://schemas.microsoft.com/office/drawing/2017/03/chart" uri="{56B9EC1D-385E-4148-901F-78D8002777C0}">
         <c16r3:dataDisplayOptions16>
@@ -1492,7 +1508,6 @@
         </c16r3:dataDisplayOptions16>
       </c:ext>
     </c:extLst>
-    <c:showDLblsOverMax val="0"/>
   </c:chart>
   <c:spPr>
     <a:noFill/>
@@ -2865,7 +2880,7 @@
           <a:p>
             <a:fld id="{A0D929E6-8A8A-7849-B07E-EF3F10F499E1}" type="slidenum">
               <a:rPr lang="fr-FR" smtClean="0"/>
-              <a:t>‹Nr.›</a:t>
+              <a:t>‹#›</a:t>
             </a:fld>
             <a:endParaRPr lang="fr-FR"/>
           </a:p>
@@ -3175,7 +3190,7 @@
           <a:p>
             <a:fld id="{778F5207-2293-314B-95F1-12759B93D428}" type="slidenum">
               <a:rPr lang="fr-FR" smtClean="0"/>
-              <a:t>‹Nr.›</a:t>
+              <a:t>‹#›</a:t>
             </a:fld>
             <a:endParaRPr lang="fr-FR"/>
           </a:p>
@@ -3373,7 +3388,7 @@
           <a:p>
             <a:fld id="{778F5207-2293-314B-95F1-12759B93D428}" type="slidenum">
               <a:rPr lang="fr-FR" smtClean="0"/>
-              <a:t>‹Nr.›</a:t>
+              <a:t>‹#›</a:t>
             </a:fld>
             <a:endParaRPr lang="fr-FR"/>
           </a:p>
@@ -3581,7 +3596,7 @@
           <a:p>
             <a:fld id="{778F5207-2293-314B-95F1-12759B93D428}" type="slidenum">
               <a:rPr lang="fr-FR" smtClean="0"/>
-              <a:t>‹Nr.›</a:t>
+              <a:t>‹#›</a:t>
             </a:fld>
             <a:endParaRPr lang="fr-FR"/>
           </a:p>
@@ -3779,7 +3794,7 @@
           <a:p>
             <a:fld id="{778F5207-2293-314B-95F1-12759B93D428}" type="slidenum">
               <a:rPr lang="fr-FR" smtClean="0"/>
-              <a:t>‹Nr.›</a:t>
+              <a:t>‹#›</a:t>
             </a:fld>
             <a:endParaRPr lang="fr-FR"/>
           </a:p>
@@ -4054,7 +4069,7 @@
           <a:p>
             <a:fld id="{778F5207-2293-314B-95F1-12759B93D428}" type="slidenum">
               <a:rPr lang="fr-FR" smtClean="0"/>
-              <a:t>‹Nr.›</a:t>
+              <a:t>‹#›</a:t>
             </a:fld>
             <a:endParaRPr lang="fr-FR"/>
           </a:p>
@@ -4319,7 +4334,7 @@
           <a:p>
             <a:fld id="{778F5207-2293-314B-95F1-12759B93D428}" type="slidenum">
               <a:rPr lang="fr-FR" smtClean="0"/>
-              <a:t>‹Nr.›</a:t>
+              <a:t>‹#›</a:t>
             </a:fld>
             <a:endParaRPr lang="fr-FR"/>
           </a:p>
@@ -4731,7 +4746,7 @@
           <a:p>
             <a:fld id="{778F5207-2293-314B-95F1-12759B93D428}" type="slidenum">
               <a:rPr lang="fr-FR" smtClean="0"/>
-              <a:t>‹Nr.›</a:t>
+              <a:t>‹#›</a:t>
             </a:fld>
             <a:endParaRPr lang="fr-FR"/>
           </a:p>
@@ -4872,7 +4887,7 @@
           <a:p>
             <a:fld id="{778F5207-2293-314B-95F1-12759B93D428}" type="slidenum">
               <a:rPr lang="fr-FR" smtClean="0"/>
-              <a:t>‹Nr.›</a:t>
+              <a:t>‹#›</a:t>
             </a:fld>
             <a:endParaRPr lang="fr-FR"/>
           </a:p>
@@ -4996,7 +5011,7 @@
                 <a:latin typeface="Arial Rounded MT Bold" panose="020F0704030504030204" pitchFamily="34" charset="77"/>
               </a:rPr>
               <a:pPr/>
-              <a:t>‹Nr.›</a:t>
+              <a:t>‹#›</a:t>
             </a:fld>
             <a:r>
               <a:rPr lang="fr-FR" dirty="0"/>
@@ -5438,7 +5453,7 @@
           <a:p>
             <a:fld id="{778F5207-2293-314B-95F1-12759B93D428}" type="slidenum">
               <a:rPr lang="fr-FR" smtClean="0"/>
-              <a:t>‹Nr.›</a:t>
+              <a:t>‹#›</a:t>
             </a:fld>
             <a:endParaRPr lang="fr-FR"/>
           </a:p>
@@ -5726,7 +5741,7 @@
           <a:p>
             <a:fld id="{778F5207-2293-314B-95F1-12759B93D428}" type="slidenum">
               <a:rPr lang="fr-FR" smtClean="0"/>
-              <a:t>‹Nr.›</a:t>
+              <a:t>‹#›</a:t>
             </a:fld>
             <a:endParaRPr lang="fr-FR"/>
           </a:p>
@@ -6003,7 +6018,7 @@
           <a:p>
             <a:fld id="{778F5207-2293-314B-95F1-12759B93D428}" type="slidenum">
               <a:rPr lang="fr-FR" smtClean="0"/>
-              <a:t>‹Nr.›</a:t>
+              <a:t>‹#›</a:t>
             </a:fld>
             <a:endParaRPr lang="fr-FR"/>
           </a:p>
@@ -6835,7 +6850,7 @@
           <p:nvPr/>
         </p:nvPicPr>
         <p:blipFill>
-          <a:blip r:embed="rId2"/>
+          <a:blip r:embed="rId3"/>
           <a:stretch>
             <a:fillRect/>
           </a:stretch>
@@ -6927,7 +6942,7 @@
   </p:clrMapOvr>
   <p:extLst>
     <p:ext uri="{6950BFC3-D8DA-4A85-94F7-54DA5524770B}">
-      <p188:commentRel xmlns:p188="http://schemas.microsoft.com/office/powerpoint/2018/8/main" xmlns="" r:id="rId3"/>
+      <p188:commentRel xmlns:p188="http://schemas.microsoft.com/office/powerpoint/2018/8/main" r:id="rId2"/>
     </p:ext>
   </p:extLst>
 </p:sld>
@@ -7918,12 +7933,12 @@
           <a:graphicData uri="http://schemas.openxmlformats.org/presentationml/2006/ole">
             <mc:AlternateContent xmlns:mc="http://schemas.openxmlformats.org/markup-compatibility/2006">
               <mc:Choice xmlns:v="urn:schemas-microsoft-com:vml" Requires="v">
-                <p:oleObj spid="_x0000_s1032" name="Packager Shell Object" showAsIcon="1" r:id="rId3" imgW="2438400" imgH="518018" progId="Package">
+                <p:oleObj name="Packager Shell Object" showAsIcon="1" r:id="rId2" imgW="2438400" imgH="518018" progId="Package">
                   <p:embed/>
                 </p:oleObj>
               </mc:Choice>
               <mc:Fallback>
-                <p:oleObj name="Packager Shell Object" showAsIcon="1" r:id="rId3" imgW="2438400" imgH="518018" progId="Package">
+                <p:oleObj name="Packager Shell Object" showAsIcon="1" r:id="rId2" imgW="2438400" imgH="518018" progId="Package">
                   <p:embed/>
                   <p:pic>
                     <p:nvPicPr>
@@ -7938,7 +7953,7 @@
                       <p:nvPr/>
                     </p:nvPicPr>
                     <p:blipFill>
-                      <a:blip r:embed="rId4"/>
+                      <a:blip r:embed="rId3"/>
                       <a:stretch>
                         <a:fillRect/>
                       </a:stretch>
@@ -13653,12 +13668,12 @@
           <a:graphicData uri="http://schemas.openxmlformats.org/presentationml/2006/ole">
             <mc:AlternateContent xmlns:mc="http://schemas.openxmlformats.org/markup-compatibility/2006">
               <mc:Choice xmlns:v="urn:schemas-microsoft-com:vml" Requires="v">
-                <p:oleObj spid="_x0000_s2056" name="Packager Shell Object" showAsIcon="1" r:id="rId3" imgW="2438400" imgH="518018" progId="Package">
+                <p:oleObj name="Packager Shell Object" showAsIcon="1" r:id="rId2" imgW="2438400" imgH="518018" progId="Package">
                   <p:embed/>
                 </p:oleObj>
               </mc:Choice>
               <mc:Fallback>
-                <p:oleObj name="Packager Shell Object" showAsIcon="1" r:id="rId3" imgW="2438400" imgH="518018" progId="Package">
+                <p:oleObj name="Packager Shell Object" showAsIcon="1" r:id="rId2" imgW="2438400" imgH="518018" progId="Package">
                   <p:embed/>
                   <p:pic>
                     <p:nvPicPr>
@@ -13673,7 +13688,7 @@
                       <p:nvPr/>
                     </p:nvPicPr>
                     <p:blipFill>
-                      <a:blip r:embed="rId4"/>
+                      <a:blip r:embed="rId3"/>
                       <a:stretch>
                         <a:fillRect/>
                       </a:stretch>
@@ -13826,12 +13841,12 @@
           <a:graphicData uri="http://schemas.openxmlformats.org/presentationml/2006/ole">
             <mc:AlternateContent xmlns:mc="http://schemas.openxmlformats.org/markup-compatibility/2006">
               <mc:Choice xmlns:v="urn:schemas-microsoft-com:vml" Requires="v">
-                <p:oleObj spid="_x0000_s3080" name="Packager Shell Object" showAsIcon="1" r:id="rId3" imgW="2438400" imgH="518018" progId="Package">
+                <p:oleObj name="Packager Shell Object" showAsIcon="1" r:id="rId2" imgW="2438400" imgH="518018" progId="Package">
                   <p:embed/>
                 </p:oleObj>
               </mc:Choice>
               <mc:Fallback>
-                <p:oleObj name="Packager Shell Object" showAsIcon="1" r:id="rId3" imgW="2438400" imgH="518018" progId="Package">
+                <p:oleObj name="Packager Shell Object" showAsIcon="1" r:id="rId2" imgW="2438400" imgH="518018" progId="Package">
                   <p:embed/>
                   <p:pic>
                     <p:nvPicPr>
@@ -13846,7 +13861,7 @@
                       <p:nvPr/>
                     </p:nvPicPr>
                     <p:blipFill>
-                      <a:blip r:embed="rId4"/>
+                      <a:blip r:embed="rId3"/>
                       <a:stretch>
                         <a:fillRect/>
                       </a:stretch>
@@ -16311,12 +16326,12 @@
           <a:graphicData uri="http://schemas.openxmlformats.org/presentationml/2006/ole">
             <mc:AlternateContent xmlns:mc="http://schemas.openxmlformats.org/markup-compatibility/2006">
               <mc:Choice xmlns:v="urn:schemas-microsoft-com:vml" Requires="v">
-                <p:oleObj spid="_x0000_s4104" name="Packager Shell Object" showAsIcon="1" r:id="rId3" imgW="2438400" imgH="518018" progId="Package">
+                <p:oleObj name="Packager Shell Object" showAsIcon="1" r:id="rId2" imgW="2438400" imgH="518018" progId="Package">
                   <p:embed/>
                 </p:oleObj>
               </mc:Choice>
               <mc:Fallback>
-                <p:oleObj name="Packager Shell Object" showAsIcon="1" r:id="rId3" imgW="2438400" imgH="518018" progId="Package">
+                <p:oleObj name="Packager Shell Object" showAsIcon="1" r:id="rId2" imgW="2438400" imgH="518018" progId="Package">
                   <p:embed/>
                   <p:pic>
                     <p:nvPicPr>
@@ -16331,7 +16346,7 @@
                       <p:nvPr/>
                     </p:nvPicPr>
                     <p:blipFill>
-                      <a:blip r:embed="rId4"/>
+                      <a:blip r:embed="rId3"/>
                       <a:stretch>
                         <a:fillRect/>
                       </a:stretch>
@@ -19154,7 +19169,7 @@
         <p:spPr>
           <a:xfrm>
             <a:off x="1918010" y="1970048"/>
-            <a:ext cx="9166302" cy="2610843"/>
+            <a:ext cx="9166302" cy="3257174"/>
           </a:xfrm>
           <a:prstGeom prst="rect">
             <a:avLst/>
@@ -19223,7 +19238,7 @@
                 </a:solidFill>
                 <a:latin typeface="+mj-lt"/>
               </a:rPr>
-              <a:t>Results</a:t>
+              <a:t>MFA</a:t>
             </a:r>
           </a:p>
           <a:p>
@@ -19243,8 +19258,36 @@
                 </a:solidFill>
                 <a:latin typeface="+mj-lt"/>
               </a:rPr>
-              <a:t>Conclusion</a:t>
-            </a:r>
+              <a:t>MFA – LCA coupling</a:t>
+            </a:r>
+          </a:p>
+          <a:p>
+            <a:pPr marL="342900" indent="-342900">
+              <a:lnSpc>
+                <a:spcPct val="150000"/>
+              </a:lnSpc>
+              <a:buFont typeface="+mj-lt"/>
+              <a:buAutoNum type="arabicPeriod"/>
+            </a:pPr>
+            <a:r>
+              <a:rPr lang="en-US" sz="2800" dirty="0">
+                <a:solidFill>
+                  <a:schemeClr val="bg2">
+                    <a:lumMod val="25000"/>
+                  </a:schemeClr>
+                </a:solidFill>
+                <a:latin typeface="+mj-lt"/>
+              </a:rPr>
+              <a:t>LCA results</a:t>
+            </a:r>
+            <a:endParaRPr lang="en-US" sz="2800" noProof="0" dirty="0">
+              <a:solidFill>
+                <a:schemeClr val="bg2">
+                  <a:lumMod val="25000"/>
+                </a:schemeClr>
+              </a:solidFill>
+              <a:latin typeface="+mj-lt"/>
+            </a:endParaRPr>
           </a:p>
         </p:txBody>
       </p:sp>
